--- a/_DOCUMENTOS/Treinamento Pynton.pptx
+++ b/_DOCUMENTOS/Treinamento Pynton.pptx
@@ -1,40 +1,40 @@
 
 <file path=ppt/presentation.xml><?xml version="1.0" encoding="utf-8"?>
-<p:presentation xmlns:a="http://schemas.openxmlformats.org/drawingml/2006/main" xmlns:r="http://schemas.openxmlformats.org/officeDocument/2006/relationships" xmlns:mc="http://schemas.openxmlformats.org/markup-compatibility/2006" xmlns:mv="urn:schemas-microsoft-com:mac:vml" xmlns:p="http://schemas.openxmlformats.org/presentationml/2006/main" xmlns:c="http://schemas.openxmlformats.org/drawingml/2006/chart" xmlns:dgm="http://schemas.openxmlformats.org/drawingml/2006/diagram" xmlns:o="urn:schemas-microsoft-com:office:office" xmlns:v="urn:schemas-microsoft-com:vml" xmlns:pvml="urn:schemas-microsoft-com:office:powerpoint" xmlns:com="http://schemas.openxmlformats.org/drawingml/2006/compatibility" xmlns:p14="http://schemas.microsoft.com/office/powerpoint/2010/main" xmlns:p15="http://schemas.microsoft.com/office/powerpoint/2012/main" xmlns:ahyp="http://schemas.microsoft.com/office/drawing/2018/hyperlinkcolor" autoCompressPictures="0" embedTrueTypeFonts="1" strictFirstAndLastChars="0" saveSubsetFonts="1">
+<p:presentation xmlns:a="http://schemas.openxmlformats.org/drawingml/2006/main" xmlns:r="http://schemas.openxmlformats.org/officeDocument/2006/relationships" xmlns:p="http://schemas.openxmlformats.org/presentationml/2006/main" strictFirstAndLastChars="0" embedTrueTypeFonts="1" saveSubsetFonts="1" autoCompressPictures="0">
   <p:sldMasterIdLst>
-    <p:sldMasterId id="2147483659" r:id="rId4"/>
+    <p:sldMasterId id="2147483659" r:id="rId1"/>
   </p:sldMasterIdLst>
   <p:notesMasterIdLst>
-    <p:notesMasterId r:id="rId5"/>
+    <p:notesMasterId r:id="rId12"/>
   </p:notesMasterIdLst>
   <p:sldIdLst>
-    <p:sldId id="256" r:id="rId6"/>
-    <p:sldId id="257" r:id="rId7"/>
-    <p:sldId id="258" r:id="rId8"/>
-    <p:sldId id="259" r:id="rId9"/>
-    <p:sldId id="260" r:id="rId10"/>
-    <p:sldId id="261" r:id="rId11"/>
-    <p:sldId id="262" r:id="rId12"/>
-    <p:sldId id="263" r:id="rId13"/>
-    <p:sldId id="264" r:id="rId14"/>
-    <p:sldId id="265" r:id="rId15"/>
+    <p:sldId id="256" r:id="rId2"/>
+    <p:sldId id="257" r:id="rId3"/>
+    <p:sldId id="258" r:id="rId4"/>
+    <p:sldId id="259" r:id="rId5"/>
+    <p:sldId id="260" r:id="rId6"/>
+    <p:sldId id="261" r:id="rId7"/>
+    <p:sldId id="262" r:id="rId8"/>
+    <p:sldId id="263" r:id="rId9"/>
+    <p:sldId id="264" r:id="rId10"/>
+    <p:sldId id="265" r:id="rId11"/>
   </p:sldIdLst>
-  <p:sldSz cy="5143500" cx="9144000"/>
+  <p:sldSz cx="9144000" cy="5143500" type="screen16x9"/>
   <p:notesSz cx="6858000" cy="9144000"/>
   <p:embeddedFontLst>
     <p:embeddedFont>
-      <p:font typeface="Comfortaa Regular"/>
-      <p:regular r:id="rId16"/>
-      <p:bold r:id="rId17"/>
+      <p:font typeface="Comfortaa" panose="020B0604020202020204" charset="0"/>
+      <p:regular r:id="rId13"/>
+      <p:bold r:id="rId14"/>
     </p:embeddedFont>
     <p:embeddedFont>
-      <p:font typeface="Comfortaa"/>
-      <p:regular r:id="rId18"/>
-      <p:bold r:id="rId19"/>
+      <p:font typeface="Comfortaa Regular" panose="020B0604020202020204" charset="0"/>
+      <p:regular r:id="rId15"/>
+      <p:bold r:id="rId16"/>
     </p:embeddedFont>
   </p:embeddedFontLst>
   <p:defaultTextStyle>
-    <a:defPPr lvl="0" marR="0" rtl="0" algn="l">
+    <a:defPPr marR="0" lvl="0" algn="l" rtl="0">
       <a:lnSpc>
         <a:spcPct val="100000"/>
       </a:lnSpc>
@@ -45,7 +45,7 @@
         <a:spcPts val="0"/>
       </a:spcAft>
     </a:defPPr>
-    <a:lvl1pPr lvl="0" marR="0" rtl="0" algn="l">
+    <a:lvl1pPr marR="0" lvl="0" algn="l" rtl="0">
       <a:lnSpc>
         <a:spcPct val="100000"/>
       </a:lnSpc>
@@ -59,7 +59,7 @@
         <a:srgbClr val="000000"/>
       </a:buClr>
       <a:buFont typeface="Arial"/>
-      <a:defRPr b="0" i="0" sz="1400" u="none" cap="none" strike="noStrike">
+      <a:defRPr sz="1400" b="0" i="0" u="none" strike="noStrike" cap="none">
         <a:solidFill>
           <a:srgbClr val="000000"/>
         </a:solidFill>
@@ -69,7 +69,7 @@
         <a:sym typeface="Arial"/>
       </a:defRPr>
     </a:lvl1pPr>
-    <a:lvl2pPr lvl="1" marR="0" rtl="0" algn="l">
+    <a:lvl2pPr marR="0" lvl="1" algn="l" rtl="0">
       <a:lnSpc>
         <a:spcPct val="100000"/>
       </a:lnSpc>
@@ -83,7 +83,7 @@
         <a:srgbClr val="000000"/>
       </a:buClr>
       <a:buFont typeface="Arial"/>
-      <a:defRPr b="0" i="0" sz="1400" u="none" cap="none" strike="noStrike">
+      <a:defRPr sz="1400" b="0" i="0" u="none" strike="noStrike" cap="none">
         <a:solidFill>
           <a:srgbClr val="000000"/>
         </a:solidFill>
@@ -93,7 +93,7 @@
         <a:sym typeface="Arial"/>
       </a:defRPr>
     </a:lvl2pPr>
-    <a:lvl3pPr lvl="2" marR="0" rtl="0" algn="l">
+    <a:lvl3pPr marR="0" lvl="2" algn="l" rtl="0">
       <a:lnSpc>
         <a:spcPct val="100000"/>
       </a:lnSpc>
@@ -107,7 +107,7 @@
         <a:srgbClr val="000000"/>
       </a:buClr>
       <a:buFont typeface="Arial"/>
-      <a:defRPr b="0" i="0" sz="1400" u="none" cap="none" strike="noStrike">
+      <a:defRPr sz="1400" b="0" i="0" u="none" strike="noStrike" cap="none">
         <a:solidFill>
           <a:srgbClr val="000000"/>
         </a:solidFill>
@@ -117,7 +117,7 @@
         <a:sym typeface="Arial"/>
       </a:defRPr>
     </a:lvl3pPr>
-    <a:lvl4pPr lvl="3" marR="0" rtl="0" algn="l">
+    <a:lvl4pPr marR="0" lvl="3" algn="l" rtl="0">
       <a:lnSpc>
         <a:spcPct val="100000"/>
       </a:lnSpc>
@@ -131,7 +131,7 @@
         <a:srgbClr val="000000"/>
       </a:buClr>
       <a:buFont typeface="Arial"/>
-      <a:defRPr b="0" i="0" sz="1400" u="none" cap="none" strike="noStrike">
+      <a:defRPr sz="1400" b="0" i="0" u="none" strike="noStrike" cap="none">
         <a:solidFill>
           <a:srgbClr val="000000"/>
         </a:solidFill>
@@ -141,7 +141,7 @@
         <a:sym typeface="Arial"/>
       </a:defRPr>
     </a:lvl4pPr>
-    <a:lvl5pPr lvl="4" marR="0" rtl="0" algn="l">
+    <a:lvl5pPr marR="0" lvl="4" algn="l" rtl="0">
       <a:lnSpc>
         <a:spcPct val="100000"/>
       </a:lnSpc>
@@ -155,7 +155,7 @@
         <a:srgbClr val="000000"/>
       </a:buClr>
       <a:buFont typeface="Arial"/>
-      <a:defRPr b="0" i="0" sz="1400" u="none" cap="none" strike="noStrike">
+      <a:defRPr sz="1400" b="0" i="0" u="none" strike="noStrike" cap="none">
         <a:solidFill>
           <a:srgbClr val="000000"/>
         </a:solidFill>
@@ -165,7 +165,7 @@
         <a:sym typeface="Arial"/>
       </a:defRPr>
     </a:lvl5pPr>
-    <a:lvl6pPr lvl="5" marR="0" rtl="0" algn="l">
+    <a:lvl6pPr marR="0" lvl="5" algn="l" rtl="0">
       <a:lnSpc>
         <a:spcPct val="100000"/>
       </a:lnSpc>
@@ -179,7 +179,7 @@
         <a:srgbClr val="000000"/>
       </a:buClr>
       <a:buFont typeface="Arial"/>
-      <a:defRPr b="0" i="0" sz="1400" u="none" cap="none" strike="noStrike">
+      <a:defRPr sz="1400" b="0" i="0" u="none" strike="noStrike" cap="none">
         <a:solidFill>
           <a:srgbClr val="000000"/>
         </a:solidFill>
@@ -189,7 +189,7 @@
         <a:sym typeface="Arial"/>
       </a:defRPr>
     </a:lvl6pPr>
-    <a:lvl7pPr lvl="6" marR="0" rtl="0" algn="l">
+    <a:lvl7pPr marR="0" lvl="6" algn="l" rtl="0">
       <a:lnSpc>
         <a:spcPct val="100000"/>
       </a:lnSpc>
@@ -203,7 +203,7 @@
         <a:srgbClr val="000000"/>
       </a:buClr>
       <a:buFont typeface="Arial"/>
-      <a:defRPr b="0" i="0" sz="1400" u="none" cap="none" strike="noStrike">
+      <a:defRPr sz="1400" b="0" i="0" u="none" strike="noStrike" cap="none">
         <a:solidFill>
           <a:srgbClr val="000000"/>
         </a:solidFill>
@@ -213,7 +213,7 @@
         <a:sym typeface="Arial"/>
       </a:defRPr>
     </a:lvl7pPr>
-    <a:lvl8pPr lvl="7" marR="0" rtl="0" algn="l">
+    <a:lvl8pPr marR="0" lvl="7" algn="l" rtl="0">
       <a:lnSpc>
         <a:spcPct val="100000"/>
       </a:lnSpc>
@@ -227,7 +227,7 @@
         <a:srgbClr val="000000"/>
       </a:buClr>
       <a:buFont typeface="Arial"/>
-      <a:defRPr b="0" i="0" sz="1400" u="none" cap="none" strike="noStrike">
+      <a:defRPr sz="1400" b="0" i="0" u="none" strike="noStrike" cap="none">
         <a:solidFill>
           <a:srgbClr val="000000"/>
         </a:solidFill>
@@ -237,7 +237,7 @@
         <a:sym typeface="Arial"/>
       </a:defRPr>
     </a:lvl8pPr>
-    <a:lvl9pPr lvl="8" marR="0" rtl="0" algn="l">
+    <a:lvl9pPr marR="0" lvl="8" algn="l" rtl="0">
       <a:lnSpc>
         <a:spcPct val="100000"/>
       </a:lnSpc>
@@ -251,7 +251,7 @@
         <a:srgbClr val="000000"/>
       </a:buClr>
       <a:buFont typeface="Arial"/>
-      <a:defRPr b="0" i="0" sz="1400" u="none" cap="none" strike="noStrike">
+      <a:defRPr sz="1400" b="0" i="0" u="none" strike="noStrike" cap="none">
         <a:solidFill>
           <a:srgbClr val="000000"/>
         </a:solidFill>
@@ -264,7 +264,7 @@
   </p:defaultTextStyle>
   <p:extLst>
     <p:ext uri="{EFAFB233-063F-42B5-8137-9DF3F51BA10A}">
-      <p15:sldGuideLst>
+      <p15:sldGuideLst xmlns:p15="http://schemas.microsoft.com/office/powerpoint/2012/main">
         <p15:guide id="1" orient="horz" pos="1620">
           <p15:clr>
             <a:srgbClr val="A4A3A4"/>
@@ -282,11 +282,16 @@
 </file>
 
 <file path=ppt/notesMasters/notesMaster1.xml><?xml version="1.0" encoding="utf-8"?>
-<p:notesMaster xmlns:a="http://schemas.openxmlformats.org/drawingml/2006/main" xmlns:r="http://schemas.openxmlformats.org/officeDocument/2006/relationships" xmlns:mc="http://schemas.openxmlformats.org/markup-compatibility/2006" xmlns:mv="urn:schemas-microsoft-com:mac:vml" xmlns:p="http://schemas.openxmlformats.org/presentationml/2006/main" xmlns:c="http://schemas.openxmlformats.org/drawingml/2006/chart" xmlns:dgm="http://schemas.openxmlformats.org/drawingml/2006/diagram" xmlns:o="urn:schemas-microsoft-com:office:office" xmlns:v="urn:schemas-microsoft-com:vml" xmlns:pvml="urn:schemas-microsoft-com:office:powerpoint" xmlns:com="http://schemas.openxmlformats.org/drawingml/2006/compatibility" xmlns:p14="http://schemas.microsoft.com/office/powerpoint/2010/main" xmlns:p15="http://schemas.microsoft.com/office/powerpoint/2012/main" xmlns:ahyp="http://schemas.microsoft.com/office/drawing/2018/hyperlinkcolor">
+<p:notesMaster xmlns:a="http://schemas.openxmlformats.org/drawingml/2006/main" xmlns:r="http://schemas.openxmlformats.org/officeDocument/2006/relationships" xmlns:p="http://schemas.openxmlformats.org/presentationml/2006/main">
   <p:cSld>
+    <p:bg>
+      <p:bgRef idx="1001">
+        <a:schemeClr val="bg1"/>
+      </p:bgRef>
+    </p:bg>
     <p:spTree>
       <p:nvGrpSpPr>
-        <p:cNvPr id="2" name="Shape 2"/>
+        <p:cNvPr id="1" name="Shape 2"/>
         <p:cNvGrpSpPr/>
         <p:nvPr/>
       </p:nvGrpSpPr>
@@ -301,9 +306,11 @@
       <p:sp>
         <p:nvSpPr>
           <p:cNvPr id="3" name="Google Shape;3;n"/>
-          <p:cNvSpPr/>
+          <p:cNvSpPr>
+            <a:spLocks noGrp="1" noRot="1" noChangeAspect="1"/>
+          </p:cNvSpPr>
           <p:nvPr>
-            <p:ph idx="2" type="sldImg"/>
+            <p:ph type="sldImg" idx="2"/>
           </p:nvPr>
         </p:nvSpPr>
         <p:spPr>
@@ -312,9 +319,13 @@
             <a:ext cx="6096075" cy="3429000"/>
           </a:xfrm>
           <a:custGeom>
-            <a:rect b="b" l="l" r="r" t="t"/>
+            <a:avLst/>
+            <a:gdLst/>
+            <a:ahLst/>
+            <a:cxnLst/>
+            <a:rect l="l" t="t" r="r" b="b"/>
             <a:pathLst>
-              <a:path extrusionOk="0" h="120000" w="120000">
+              <a:path w="120000" h="120000" extrusionOk="0">
                 <a:moveTo>
                   <a:pt x="0" y="0"/>
                 </a:moveTo>
@@ -332,23 +343,25 @@
             </a:pathLst>
           </a:custGeom>
           <a:noFill/>
-          <a:ln cap="flat" cmpd="sng" w="9525">
+          <a:ln w="9525" cap="flat" cmpd="sng">
             <a:solidFill>
               <a:srgbClr val="000000"/>
             </a:solidFill>
             <a:prstDash val="solid"/>
             <a:round/>
-            <a:headEnd len="sm" w="sm" type="none"/>
-            <a:tailEnd len="sm" w="sm" type="none"/>
+            <a:headEnd type="none" w="sm" len="sm"/>
+            <a:tailEnd type="none" w="sm" len="sm"/>
           </a:ln>
         </p:spPr>
       </p:sp>
       <p:sp>
         <p:nvSpPr>
           <p:cNvPr id="4" name="Google Shape;4;n"/>
-          <p:cNvSpPr txBox="1"/>
+          <p:cNvSpPr txBox="1">
+            <a:spLocks noGrp="1"/>
+          </p:cNvSpPr>
           <p:nvPr>
-            <p:ph idx="1" type="body"/>
+            <p:ph type="body" idx="1"/>
           </p:nvPr>
         </p:nvSpPr>
         <p:spPr>
@@ -365,11 +378,11 @@
           </a:ln>
         </p:spPr>
         <p:txBody>
-          <a:bodyPr anchorCtr="0" anchor="t" bIns="91425" lIns="91425" spcFirstLastPara="1" rIns="91425" wrap="square" tIns="91425">
+          <a:bodyPr spcFirstLastPara="1" wrap="square" lIns="91425" tIns="91425" rIns="91425" bIns="91425" anchor="t" anchorCtr="0">
             <a:noAutofit/>
           </a:bodyPr>
           <a:lstStyle>
-            <a:lvl1pPr indent="-298450" lvl="0" marL="457200">
+            <a:lvl1pPr marL="457200" lvl="0" indent="-298450">
               <a:spcBef>
                 <a:spcPts val="0"/>
               </a:spcBef>
@@ -380,7 +393,7 @@
               <a:buChar char="●"/>
               <a:defRPr sz="1100"/>
             </a:lvl1pPr>
-            <a:lvl2pPr indent="-298450" lvl="1" marL="914400">
+            <a:lvl2pPr marL="914400" lvl="1" indent="-298450">
               <a:spcBef>
                 <a:spcPts val="0"/>
               </a:spcBef>
@@ -391,7 +404,7 @@
               <a:buChar char="○"/>
               <a:defRPr sz="1100"/>
             </a:lvl2pPr>
-            <a:lvl3pPr indent="-298450" lvl="2" marL="1371600">
+            <a:lvl3pPr marL="1371600" lvl="2" indent="-298450">
               <a:spcBef>
                 <a:spcPts val="0"/>
               </a:spcBef>
@@ -402,7 +415,7 @@
               <a:buChar char="■"/>
               <a:defRPr sz="1100"/>
             </a:lvl3pPr>
-            <a:lvl4pPr indent="-298450" lvl="3" marL="1828800">
+            <a:lvl4pPr marL="1828800" lvl="3" indent="-298450">
               <a:spcBef>
                 <a:spcPts val="0"/>
               </a:spcBef>
@@ -413,7 +426,7 @@
               <a:buChar char="●"/>
               <a:defRPr sz="1100"/>
             </a:lvl4pPr>
-            <a:lvl5pPr indent="-298450" lvl="4" marL="2286000">
+            <a:lvl5pPr marL="2286000" lvl="4" indent="-298450">
               <a:spcBef>
                 <a:spcPts val="0"/>
               </a:spcBef>
@@ -424,7 +437,7 @@
               <a:buChar char="○"/>
               <a:defRPr sz="1100"/>
             </a:lvl5pPr>
-            <a:lvl6pPr indent="-298450" lvl="5" marL="2743200">
+            <a:lvl6pPr marL="2743200" lvl="5" indent="-298450">
               <a:spcBef>
                 <a:spcPts val="0"/>
               </a:spcBef>
@@ -435,7 +448,7 @@
               <a:buChar char="■"/>
               <a:defRPr sz="1100"/>
             </a:lvl6pPr>
-            <a:lvl7pPr indent="-298450" lvl="6" marL="3200400">
+            <a:lvl7pPr marL="3200400" lvl="6" indent="-298450">
               <a:spcBef>
                 <a:spcPts val="0"/>
               </a:spcBef>
@@ -446,7 +459,7 @@
               <a:buChar char="●"/>
               <a:defRPr sz="1100"/>
             </a:lvl7pPr>
-            <a:lvl8pPr indent="-298450" lvl="7" marL="3657600">
+            <a:lvl8pPr marL="3657600" lvl="7" indent="-298450">
               <a:spcBef>
                 <a:spcPts val="0"/>
               </a:spcBef>
@@ -457,7 +470,7 @@
               <a:buChar char="○"/>
               <a:defRPr sz="1100"/>
             </a:lvl8pPr>
-            <a:lvl9pPr indent="-298450" lvl="8" marL="4114800">
+            <a:lvl9pPr marL="4114800" lvl="8" indent="-298450">
               <a:spcBef>
                 <a:spcPts val="0"/>
               </a:spcBef>
@@ -469,14 +482,21 @@
               <a:defRPr sz="1100"/>
             </a:lvl9pPr>
           </a:lstStyle>
-          <a:p/>
+          <a:p>
+            <a:endParaRPr/>
+          </a:p>
         </p:txBody>
       </p:sp>
     </p:spTree>
+    <p:extLst>
+      <p:ext uri="{BB962C8B-B14F-4D97-AF65-F5344CB8AC3E}">
+        <p14:creationId xmlns:p14="http://schemas.microsoft.com/office/powerpoint/2010/main" val="206060425"/>
+      </p:ext>
+    </p:extLst>
   </p:cSld>
-  <p:clrMap accent1="accent1" accent2="accent2" accent3="accent3" accent4="accent4" accent5="accent5" accent6="accent6" bg1="lt1" bg2="dk2" tx1="dk1" tx2="lt2" folHlink="folHlink" hlink="hlink"/>
+  <p:clrMap bg1="lt1" tx1="dk1" bg2="dk2" tx2="lt2" accent1="accent1" accent2="accent2" accent3="accent3" accent4="accent4" accent5="accent5" accent6="accent6" hlink="hlink" folHlink="folHlink"/>
   <p:notesStyle>
-    <a:defPPr lvl="0" marR="0" rtl="0" algn="l">
+    <a:defPPr marR="0" lvl="0" algn="l" rtl="0">
       <a:lnSpc>
         <a:spcPct val="100000"/>
       </a:lnSpc>
@@ -487,7 +507,7 @@
         <a:spcPts val="0"/>
       </a:spcAft>
     </a:defPPr>
-    <a:lvl1pPr lvl="0" marR="0" rtl="0" algn="l">
+    <a:lvl1pPr marR="0" lvl="0" algn="l" rtl="0">
       <a:lnSpc>
         <a:spcPct val="100000"/>
       </a:lnSpc>
@@ -501,7 +521,7 @@
         <a:srgbClr val="000000"/>
       </a:buClr>
       <a:buFont typeface="Arial"/>
-      <a:defRPr b="0" i="0" sz="1400" u="none" cap="none" strike="noStrike">
+      <a:defRPr sz="1400" b="0" i="0" u="none" strike="noStrike" cap="none">
         <a:solidFill>
           <a:srgbClr val="000000"/>
         </a:solidFill>
@@ -511,7 +531,7 @@
         <a:sym typeface="Arial"/>
       </a:defRPr>
     </a:lvl1pPr>
-    <a:lvl2pPr lvl="1" marR="0" rtl="0" algn="l">
+    <a:lvl2pPr marR="0" lvl="1" algn="l" rtl="0">
       <a:lnSpc>
         <a:spcPct val="100000"/>
       </a:lnSpc>
@@ -525,7 +545,7 @@
         <a:srgbClr val="000000"/>
       </a:buClr>
       <a:buFont typeface="Arial"/>
-      <a:defRPr b="0" i="0" sz="1400" u="none" cap="none" strike="noStrike">
+      <a:defRPr sz="1400" b="0" i="0" u="none" strike="noStrike" cap="none">
         <a:solidFill>
           <a:srgbClr val="000000"/>
         </a:solidFill>
@@ -535,7 +555,7 @@
         <a:sym typeface="Arial"/>
       </a:defRPr>
     </a:lvl2pPr>
-    <a:lvl3pPr lvl="2" marR="0" rtl="0" algn="l">
+    <a:lvl3pPr marR="0" lvl="2" algn="l" rtl="0">
       <a:lnSpc>
         <a:spcPct val="100000"/>
       </a:lnSpc>
@@ -549,7 +569,7 @@
         <a:srgbClr val="000000"/>
       </a:buClr>
       <a:buFont typeface="Arial"/>
-      <a:defRPr b="0" i="0" sz="1400" u="none" cap="none" strike="noStrike">
+      <a:defRPr sz="1400" b="0" i="0" u="none" strike="noStrike" cap="none">
         <a:solidFill>
           <a:srgbClr val="000000"/>
         </a:solidFill>
@@ -559,7 +579,7 @@
         <a:sym typeface="Arial"/>
       </a:defRPr>
     </a:lvl3pPr>
-    <a:lvl4pPr lvl="3" marR="0" rtl="0" algn="l">
+    <a:lvl4pPr marR="0" lvl="3" algn="l" rtl="0">
       <a:lnSpc>
         <a:spcPct val="100000"/>
       </a:lnSpc>
@@ -573,7 +593,7 @@
         <a:srgbClr val="000000"/>
       </a:buClr>
       <a:buFont typeface="Arial"/>
-      <a:defRPr b="0" i="0" sz="1400" u="none" cap="none" strike="noStrike">
+      <a:defRPr sz="1400" b="0" i="0" u="none" strike="noStrike" cap="none">
         <a:solidFill>
           <a:srgbClr val="000000"/>
         </a:solidFill>
@@ -583,7 +603,7 @@
         <a:sym typeface="Arial"/>
       </a:defRPr>
     </a:lvl4pPr>
-    <a:lvl5pPr lvl="4" marR="0" rtl="0" algn="l">
+    <a:lvl5pPr marR="0" lvl="4" algn="l" rtl="0">
       <a:lnSpc>
         <a:spcPct val="100000"/>
       </a:lnSpc>
@@ -597,7 +617,7 @@
         <a:srgbClr val="000000"/>
       </a:buClr>
       <a:buFont typeface="Arial"/>
-      <a:defRPr b="0" i="0" sz="1400" u="none" cap="none" strike="noStrike">
+      <a:defRPr sz="1400" b="0" i="0" u="none" strike="noStrike" cap="none">
         <a:solidFill>
           <a:srgbClr val="000000"/>
         </a:solidFill>
@@ -607,7 +627,7 @@
         <a:sym typeface="Arial"/>
       </a:defRPr>
     </a:lvl5pPr>
-    <a:lvl6pPr lvl="5" marR="0" rtl="0" algn="l">
+    <a:lvl6pPr marR="0" lvl="5" algn="l" rtl="0">
       <a:lnSpc>
         <a:spcPct val="100000"/>
       </a:lnSpc>
@@ -621,7 +641,7 @@
         <a:srgbClr val="000000"/>
       </a:buClr>
       <a:buFont typeface="Arial"/>
-      <a:defRPr b="0" i="0" sz="1400" u="none" cap="none" strike="noStrike">
+      <a:defRPr sz="1400" b="0" i="0" u="none" strike="noStrike" cap="none">
         <a:solidFill>
           <a:srgbClr val="000000"/>
         </a:solidFill>
@@ -631,7 +651,7 @@
         <a:sym typeface="Arial"/>
       </a:defRPr>
     </a:lvl6pPr>
-    <a:lvl7pPr lvl="6" marR="0" rtl="0" algn="l">
+    <a:lvl7pPr marR="0" lvl="6" algn="l" rtl="0">
       <a:lnSpc>
         <a:spcPct val="100000"/>
       </a:lnSpc>
@@ -645,7 +665,7 @@
         <a:srgbClr val="000000"/>
       </a:buClr>
       <a:buFont typeface="Arial"/>
-      <a:defRPr b="0" i="0" sz="1400" u="none" cap="none" strike="noStrike">
+      <a:defRPr sz="1400" b="0" i="0" u="none" strike="noStrike" cap="none">
         <a:solidFill>
           <a:srgbClr val="000000"/>
         </a:solidFill>
@@ -655,7 +675,7 @@
         <a:sym typeface="Arial"/>
       </a:defRPr>
     </a:lvl7pPr>
-    <a:lvl8pPr lvl="7" marR="0" rtl="0" algn="l">
+    <a:lvl8pPr marR="0" lvl="7" algn="l" rtl="0">
       <a:lnSpc>
         <a:spcPct val="100000"/>
       </a:lnSpc>
@@ -669,7 +689,7 @@
         <a:srgbClr val="000000"/>
       </a:buClr>
       <a:buFont typeface="Arial"/>
-      <a:defRPr b="0" i="0" sz="1400" u="none" cap="none" strike="noStrike">
+      <a:defRPr sz="1400" b="0" i="0" u="none" strike="noStrike" cap="none">
         <a:solidFill>
           <a:srgbClr val="000000"/>
         </a:solidFill>
@@ -679,7 +699,7 @@
         <a:sym typeface="Arial"/>
       </a:defRPr>
     </a:lvl8pPr>
-    <a:lvl9pPr lvl="8" marR="0" rtl="0" algn="l">
+    <a:lvl9pPr marR="0" lvl="8" algn="l" rtl="0">
       <a:lnSpc>
         <a:spcPct val="100000"/>
       </a:lnSpc>
@@ -693,7 +713,7 @@
         <a:srgbClr val="000000"/>
       </a:buClr>
       <a:buFont typeface="Arial"/>
-      <a:defRPr b="0" i="0" sz="1400" u="none" cap="none" strike="noStrike">
+      <a:defRPr sz="1400" b="0" i="0" u="none" strike="noStrike" cap="none">
         <a:solidFill>
           <a:srgbClr val="000000"/>
         </a:solidFill>
@@ -708,11 +728,11 @@
 </file>
 
 <file path=ppt/notesSlides/notesSlide1.xml><?xml version="1.0" encoding="utf-8"?>
-<p:notes xmlns:a="http://schemas.openxmlformats.org/drawingml/2006/main" xmlns:r="http://schemas.openxmlformats.org/officeDocument/2006/relationships" xmlns:mc="http://schemas.openxmlformats.org/markup-compatibility/2006" xmlns:mv="urn:schemas-microsoft-com:mac:vml" xmlns:p="http://schemas.openxmlformats.org/presentationml/2006/main" xmlns:c="http://schemas.openxmlformats.org/drawingml/2006/chart" xmlns:dgm="http://schemas.openxmlformats.org/drawingml/2006/diagram" xmlns:o="urn:schemas-microsoft-com:office:office" xmlns:v="urn:schemas-microsoft-com:vml" xmlns:pvml="urn:schemas-microsoft-com:office:powerpoint" xmlns:com="http://schemas.openxmlformats.org/drawingml/2006/compatibility" xmlns:p14="http://schemas.microsoft.com/office/powerpoint/2010/main" xmlns:p15="http://schemas.microsoft.com/office/powerpoint/2012/main" xmlns:ahyp="http://schemas.microsoft.com/office/drawing/2018/hyperlinkcolor" showMasterPhAnim="0" showMasterSp="0">
+<p:notes xmlns:a="http://schemas.openxmlformats.org/drawingml/2006/main" xmlns:r="http://schemas.openxmlformats.org/officeDocument/2006/relationships" xmlns:p="http://schemas.openxmlformats.org/presentationml/2006/main" showMasterSp="0" showMasterPhAnim="0">
   <p:cSld>
     <p:spTree>
       <p:nvGrpSpPr>
-        <p:cNvPr id="50" name="Shape 50"/>
+        <p:cNvPr id="1" name="Shape 50"/>
         <p:cNvGrpSpPr/>
         <p:nvPr/>
       </p:nvGrpSpPr>
@@ -727,20 +747,26 @@
       <p:sp>
         <p:nvSpPr>
           <p:cNvPr id="51" name="Google Shape;51;p:notes"/>
-          <p:cNvSpPr/>
+          <p:cNvSpPr>
+            <a:spLocks noGrp="1" noRot="1" noChangeAspect="1"/>
+          </p:cNvSpPr>
           <p:nvPr>
-            <p:ph idx="2" type="sldImg"/>
+            <p:ph type="sldImg" idx="2"/>
           </p:nvPr>
         </p:nvSpPr>
         <p:spPr>
           <a:xfrm>
-            <a:off x="381300" y="685800"/>
-            <a:ext cx="6096075" cy="3429000"/>
+            <a:off x="381000" y="685800"/>
+            <a:ext cx="6096000" cy="3429000"/>
           </a:xfrm>
           <a:custGeom>
-            <a:rect b="b" l="l" r="r" t="t"/>
+            <a:avLst/>
+            <a:gdLst/>
+            <a:ahLst/>
+            <a:cxnLst/>
+            <a:rect l="l" t="t" r="r" b="b"/>
             <a:pathLst>
-              <a:path extrusionOk="0" h="120000" w="120000">
+              <a:path w="120000" h="120000" extrusionOk="0">
                 <a:moveTo>
                   <a:pt x="0" y="0"/>
                 </a:moveTo>
@@ -762,9 +788,11 @@
       <p:sp>
         <p:nvSpPr>
           <p:cNvPr id="52" name="Google Shape;52;p:notes"/>
-          <p:cNvSpPr txBox="1"/>
+          <p:cNvSpPr txBox="1">
+            <a:spLocks noGrp="1"/>
+          </p:cNvSpPr>
           <p:nvPr>
-            <p:ph idx="1" type="body"/>
+            <p:ph type="body" idx="1"/>
           </p:nvPr>
         </p:nvSpPr>
         <p:spPr>
@@ -777,28 +805,30 @@
           </a:prstGeom>
         </p:spPr>
         <p:txBody>
-          <a:bodyPr anchorCtr="0" anchor="t" bIns="91425" lIns="91425" spcFirstLastPara="1" rIns="91425" wrap="square" tIns="91425">
+          <a:bodyPr spcFirstLastPara="1" wrap="square" lIns="91425" tIns="91425" rIns="91425" bIns="91425" anchor="t" anchorCtr="0">
             <a:noAutofit/>
           </a:bodyPr>
           <a:lstStyle/>
           <a:p>
-            <a:pPr indent="0" lvl="0" marL="0" rtl="0" algn="l">
-              <a:spcBef>
-                <a:spcPts val="0"/>
-              </a:spcBef>
-              <a:spcAft>
-                <a:spcPts val="0"/>
-              </a:spcAft>
-              <a:buNone/>
-            </a:pPr>
-            <a:r>
-              <a:t/>
-            </a:r>
+            <a:pPr marL="0" lvl="0" indent="0" algn="l" rtl="0">
+              <a:spcBef>
+                <a:spcPts val="0"/>
+              </a:spcBef>
+              <a:spcAft>
+                <a:spcPts val="0"/>
+              </a:spcAft>
+              <a:buNone/>
+            </a:pPr>
             <a:endParaRPr/>
           </a:p>
         </p:txBody>
       </p:sp>
     </p:spTree>
+    <p:extLst>
+      <p:ext uri="{BB962C8B-B14F-4D97-AF65-F5344CB8AC3E}">
+        <p14:creationId xmlns:p14="http://schemas.microsoft.com/office/powerpoint/2010/main" val="2200101247"/>
+      </p:ext>
+    </p:extLst>
   </p:cSld>
   <p:clrMapOvr>
     <a:masterClrMapping/>
@@ -807,11 +837,11 @@
 </file>
 
 <file path=ppt/notesSlides/notesSlide10.xml><?xml version="1.0" encoding="utf-8"?>
-<p:notes xmlns:a="http://schemas.openxmlformats.org/drawingml/2006/main" xmlns:r="http://schemas.openxmlformats.org/officeDocument/2006/relationships" xmlns:mc="http://schemas.openxmlformats.org/markup-compatibility/2006" xmlns:mv="urn:schemas-microsoft-com:mac:vml" xmlns:p="http://schemas.openxmlformats.org/presentationml/2006/main" xmlns:c="http://schemas.openxmlformats.org/drawingml/2006/chart" xmlns:dgm="http://schemas.openxmlformats.org/drawingml/2006/diagram" xmlns:o="urn:schemas-microsoft-com:office:office" xmlns:v="urn:schemas-microsoft-com:vml" xmlns:pvml="urn:schemas-microsoft-com:office:powerpoint" xmlns:com="http://schemas.openxmlformats.org/drawingml/2006/compatibility" xmlns:p14="http://schemas.microsoft.com/office/powerpoint/2010/main" xmlns:p15="http://schemas.microsoft.com/office/powerpoint/2012/main" xmlns:ahyp="http://schemas.microsoft.com/office/drawing/2018/hyperlinkcolor" showMasterPhAnim="0" showMasterSp="0">
+<p:notes xmlns:a="http://schemas.openxmlformats.org/drawingml/2006/main" xmlns:r="http://schemas.openxmlformats.org/officeDocument/2006/relationships" xmlns:p="http://schemas.openxmlformats.org/presentationml/2006/main" showMasterSp="0" showMasterPhAnim="0">
   <p:cSld>
     <p:spTree>
       <p:nvGrpSpPr>
-        <p:cNvPr id="184" name="Shape 184"/>
+        <p:cNvPr id="1" name="Shape 184"/>
         <p:cNvGrpSpPr/>
         <p:nvPr/>
       </p:nvGrpSpPr>
@@ -826,20 +856,26 @@
       <p:sp>
         <p:nvSpPr>
           <p:cNvPr id="185" name="Google Shape;185;g94f9cbe537_1_55:notes"/>
-          <p:cNvSpPr/>
+          <p:cNvSpPr>
+            <a:spLocks noGrp="1" noRot="1" noChangeAspect="1"/>
+          </p:cNvSpPr>
           <p:nvPr>
-            <p:ph idx="2" type="sldImg"/>
+            <p:ph type="sldImg" idx="2"/>
           </p:nvPr>
         </p:nvSpPr>
         <p:spPr>
           <a:xfrm>
-            <a:off x="381300" y="685800"/>
+            <a:off x="381000" y="685800"/>
             <a:ext cx="6096000" cy="3429000"/>
           </a:xfrm>
           <a:custGeom>
-            <a:rect b="b" l="l" r="r" t="t"/>
+            <a:avLst/>
+            <a:gdLst/>
+            <a:ahLst/>
+            <a:cxnLst/>
+            <a:rect l="l" t="t" r="r" b="b"/>
             <a:pathLst>
-              <a:path extrusionOk="0" h="120000" w="120000">
+              <a:path w="120000" h="120000" extrusionOk="0">
                 <a:moveTo>
                   <a:pt x="0" y="0"/>
                 </a:moveTo>
@@ -861,9 +897,11 @@
       <p:sp>
         <p:nvSpPr>
           <p:cNvPr id="186" name="Google Shape;186;g94f9cbe537_1_55:notes"/>
-          <p:cNvSpPr txBox="1"/>
+          <p:cNvSpPr txBox="1">
+            <a:spLocks noGrp="1"/>
+          </p:cNvSpPr>
           <p:nvPr>
-            <p:ph idx="1" type="body"/>
+            <p:ph type="body" idx="1"/>
           </p:nvPr>
         </p:nvSpPr>
         <p:spPr>
@@ -876,28 +914,30 @@
           </a:prstGeom>
         </p:spPr>
         <p:txBody>
-          <a:bodyPr anchorCtr="0" anchor="t" bIns="91425" lIns="91425" spcFirstLastPara="1" rIns="91425" wrap="square" tIns="91425">
+          <a:bodyPr spcFirstLastPara="1" wrap="square" lIns="91425" tIns="91425" rIns="91425" bIns="91425" anchor="t" anchorCtr="0">
             <a:noAutofit/>
           </a:bodyPr>
           <a:lstStyle/>
           <a:p>
-            <a:pPr indent="0" lvl="0" marL="0" rtl="0" algn="l">
-              <a:spcBef>
-                <a:spcPts val="0"/>
-              </a:spcBef>
-              <a:spcAft>
-                <a:spcPts val="0"/>
-              </a:spcAft>
-              <a:buNone/>
-            </a:pPr>
-            <a:r>
-              <a:t/>
-            </a:r>
+            <a:pPr marL="0" lvl="0" indent="0" algn="l" rtl="0">
+              <a:spcBef>
+                <a:spcPts val="0"/>
+              </a:spcBef>
+              <a:spcAft>
+                <a:spcPts val="0"/>
+              </a:spcAft>
+              <a:buNone/>
+            </a:pPr>
             <a:endParaRPr/>
           </a:p>
         </p:txBody>
       </p:sp>
     </p:spTree>
+    <p:extLst>
+      <p:ext uri="{BB962C8B-B14F-4D97-AF65-F5344CB8AC3E}">
+        <p14:creationId xmlns:p14="http://schemas.microsoft.com/office/powerpoint/2010/main" val="2979754435"/>
+      </p:ext>
+    </p:extLst>
   </p:cSld>
   <p:clrMapOvr>
     <a:masterClrMapping/>
@@ -906,11 +946,11 @@
 </file>
 
 <file path=ppt/notesSlides/notesSlide2.xml><?xml version="1.0" encoding="utf-8"?>
-<p:notes xmlns:a="http://schemas.openxmlformats.org/drawingml/2006/main" xmlns:r="http://schemas.openxmlformats.org/officeDocument/2006/relationships" xmlns:mc="http://schemas.openxmlformats.org/markup-compatibility/2006" xmlns:mv="urn:schemas-microsoft-com:mac:vml" xmlns:p="http://schemas.openxmlformats.org/presentationml/2006/main" xmlns:c="http://schemas.openxmlformats.org/drawingml/2006/chart" xmlns:dgm="http://schemas.openxmlformats.org/drawingml/2006/diagram" xmlns:o="urn:schemas-microsoft-com:office:office" xmlns:v="urn:schemas-microsoft-com:vml" xmlns:pvml="urn:schemas-microsoft-com:office:powerpoint" xmlns:com="http://schemas.openxmlformats.org/drawingml/2006/compatibility" xmlns:p14="http://schemas.microsoft.com/office/powerpoint/2010/main" xmlns:p15="http://schemas.microsoft.com/office/powerpoint/2012/main" xmlns:ahyp="http://schemas.microsoft.com/office/drawing/2018/hyperlinkcolor" showMasterPhAnim="0" showMasterSp="0">
+<p:notes xmlns:a="http://schemas.openxmlformats.org/drawingml/2006/main" xmlns:r="http://schemas.openxmlformats.org/officeDocument/2006/relationships" xmlns:p="http://schemas.openxmlformats.org/presentationml/2006/main" showMasterSp="0" showMasterPhAnim="0">
   <p:cSld>
     <p:spTree>
       <p:nvGrpSpPr>
-        <p:cNvPr id="59" name="Shape 59"/>
+        <p:cNvPr id="1" name="Shape 59"/>
         <p:cNvGrpSpPr/>
         <p:nvPr/>
       </p:nvGrpSpPr>
@@ -925,20 +965,26 @@
       <p:sp>
         <p:nvSpPr>
           <p:cNvPr id="60" name="Google Shape;60;g94f9cbe481_0_0:notes"/>
-          <p:cNvSpPr/>
+          <p:cNvSpPr>
+            <a:spLocks noGrp="1" noRot="1" noChangeAspect="1"/>
+          </p:cNvSpPr>
           <p:nvPr>
-            <p:ph idx="2" type="sldImg"/>
+            <p:ph type="sldImg" idx="2"/>
           </p:nvPr>
         </p:nvSpPr>
         <p:spPr>
           <a:xfrm>
-            <a:off x="381300" y="685800"/>
+            <a:off x="381000" y="685800"/>
             <a:ext cx="6096000" cy="3429000"/>
           </a:xfrm>
           <a:custGeom>
-            <a:rect b="b" l="l" r="r" t="t"/>
+            <a:avLst/>
+            <a:gdLst/>
+            <a:ahLst/>
+            <a:cxnLst/>
+            <a:rect l="l" t="t" r="r" b="b"/>
             <a:pathLst>
-              <a:path extrusionOk="0" h="120000" w="120000">
+              <a:path w="120000" h="120000" extrusionOk="0">
                 <a:moveTo>
                   <a:pt x="0" y="0"/>
                 </a:moveTo>
@@ -960,9 +1006,11 @@
       <p:sp>
         <p:nvSpPr>
           <p:cNvPr id="61" name="Google Shape;61;g94f9cbe481_0_0:notes"/>
-          <p:cNvSpPr txBox="1"/>
+          <p:cNvSpPr txBox="1">
+            <a:spLocks noGrp="1"/>
+          </p:cNvSpPr>
           <p:nvPr>
-            <p:ph idx="1" type="body"/>
+            <p:ph type="body" idx="1"/>
           </p:nvPr>
         </p:nvSpPr>
         <p:spPr>
@@ -975,28 +1023,30 @@
           </a:prstGeom>
         </p:spPr>
         <p:txBody>
-          <a:bodyPr anchorCtr="0" anchor="t" bIns="91425" lIns="91425" spcFirstLastPara="1" rIns="91425" wrap="square" tIns="91425">
+          <a:bodyPr spcFirstLastPara="1" wrap="square" lIns="91425" tIns="91425" rIns="91425" bIns="91425" anchor="t" anchorCtr="0">
             <a:noAutofit/>
           </a:bodyPr>
           <a:lstStyle/>
           <a:p>
-            <a:pPr indent="0" lvl="0" marL="0" rtl="0" algn="l">
-              <a:spcBef>
-                <a:spcPts val="0"/>
-              </a:spcBef>
-              <a:spcAft>
-                <a:spcPts val="0"/>
-              </a:spcAft>
-              <a:buNone/>
-            </a:pPr>
-            <a:r>
-              <a:t/>
-            </a:r>
+            <a:pPr marL="0" lvl="0" indent="0" algn="l" rtl="0">
+              <a:spcBef>
+                <a:spcPts val="0"/>
+              </a:spcBef>
+              <a:spcAft>
+                <a:spcPts val="0"/>
+              </a:spcAft>
+              <a:buNone/>
+            </a:pPr>
             <a:endParaRPr/>
           </a:p>
         </p:txBody>
       </p:sp>
     </p:spTree>
+    <p:extLst>
+      <p:ext uri="{BB962C8B-B14F-4D97-AF65-F5344CB8AC3E}">
+        <p14:creationId xmlns:p14="http://schemas.microsoft.com/office/powerpoint/2010/main" val="208134733"/>
+      </p:ext>
+    </p:extLst>
   </p:cSld>
   <p:clrMapOvr>
     <a:masterClrMapping/>
@@ -1005,11 +1055,11 @@
 </file>
 
 <file path=ppt/notesSlides/notesSlide3.xml><?xml version="1.0" encoding="utf-8"?>
-<p:notes xmlns:a="http://schemas.openxmlformats.org/drawingml/2006/main" xmlns:r="http://schemas.openxmlformats.org/officeDocument/2006/relationships" xmlns:mc="http://schemas.openxmlformats.org/markup-compatibility/2006" xmlns:mv="urn:schemas-microsoft-com:mac:vml" xmlns:p="http://schemas.openxmlformats.org/presentationml/2006/main" xmlns:c="http://schemas.openxmlformats.org/drawingml/2006/chart" xmlns:dgm="http://schemas.openxmlformats.org/drawingml/2006/diagram" xmlns:o="urn:schemas-microsoft-com:office:office" xmlns:v="urn:schemas-microsoft-com:vml" xmlns:pvml="urn:schemas-microsoft-com:office:powerpoint" xmlns:com="http://schemas.openxmlformats.org/drawingml/2006/compatibility" xmlns:p14="http://schemas.microsoft.com/office/powerpoint/2010/main" xmlns:p15="http://schemas.microsoft.com/office/powerpoint/2012/main" xmlns:ahyp="http://schemas.microsoft.com/office/drawing/2018/hyperlinkcolor" showMasterPhAnim="0" showMasterSp="0">
+<p:notes xmlns:a="http://schemas.openxmlformats.org/drawingml/2006/main" xmlns:r="http://schemas.openxmlformats.org/officeDocument/2006/relationships" xmlns:p="http://schemas.openxmlformats.org/presentationml/2006/main" showMasterSp="0" showMasterPhAnim="0">
   <p:cSld>
     <p:spTree>
       <p:nvGrpSpPr>
-        <p:cNvPr id="84" name="Shape 84"/>
+        <p:cNvPr id="1" name="Shape 84"/>
         <p:cNvGrpSpPr/>
         <p:nvPr/>
       </p:nvGrpSpPr>
@@ -1024,20 +1074,26 @@
       <p:sp>
         <p:nvSpPr>
           <p:cNvPr id="85" name="Google Shape;85;g94f9cbe481_0_9:notes"/>
-          <p:cNvSpPr/>
+          <p:cNvSpPr>
+            <a:spLocks noGrp="1" noRot="1" noChangeAspect="1"/>
+          </p:cNvSpPr>
           <p:nvPr>
-            <p:ph idx="2" type="sldImg"/>
+            <p:ph type="sldImg" idx="2"/>
           </p:nvPr>
         </p:nvSpPr>
         <p:spPr>
           <a:xfrm>
-            <a:off x="381300" y="685800"/>
+            <a:off x="381000" y="685800"/>
             <a:ext cx="6096000" cy="3429000"/>
           </a:xfrm>
           <a:custGeom>
-            <a:rect b="b" l="l" r="r" t="t"/>
+            <a:avLst/>
+            <a:gdLst/>
+            <a:ahLst/>
+            <a:cxnLst/>
+            <a:rect l="l" t="t" r="r" b="b"/>
             <a:pathLst>
-              <a:path extrusionOk="0" h="120000" w="120000">
+              <a:path w="120000" h="120000" extrusionOk="0">
                 <a:moveTo>
                   <a:pt x="0" y="0"/>
                 </a:moveTo>
@@ -1059,9 +1115,11 @@
       <p:sp>
         <p:nvSpPr>
           <p:cNvPr id="86" name="Google Shape;86;g94f9cbe481_0_9:notes"/>
-          <p:cNvSpPr txBox="1"/>
+          <p:cNvSpPr txBox="1">
+            <a:spLocks noGrp="1"/>
+          </p:cNvSpPr>
           <p:nvPr>
-            <p:ph idx="1" type="body"/>
+            <p:ph type="body" idx="1"/>
           </p:nvPr>
         </p:nvSpPr>
         <p:spPr>
@@ -1074,28 +1132,30 @@
           </a:prstGeom>
         </p:spPr>
         <p:txBody>
-          <a:bodyPr anchorCtr="0" anchor="t" bIns="91425" lIns="91425" spcFirstLastPara="1" rIns="91425" wrap="square" tIns="91425">
+          <a:bodyPr spcFirstLastPara="1" wrap="square" lIns="91425" tIns="91425" rIns="91425" bIns="91425" anchor="t" anchorCtr="0">
             <a:noAutofit/>
           </a:bodyPr>
           <a:lstStyle/>
           <a:p>
-            <a:pPr indent="0" lvl="0" marL="0" rtl="0" algn="l">
-              <a:spcBef>
-                <a:spcPts val="0"/>
-              </a:spcBef>
-              <a:spcAft>
-                <a:spcPts val="0"/>
-              </a:spcAft>
-              <a:buNone/>
-            </a:pPr>
-            <a:r>
-              <a:t/>
-            </a:r>
+            <a:pPr marL="0" lvl="0" indent="0" algn="l" rtl="0">
+              <a:spcBef>
+                <a:spcPts val="0"/>
+              </a:spcBef>
+              <a:spcAft>
+                <a:spcPts val="0"/>
+              </a:spcAft>
+              <a:buNone/>
+            </a:pPr>
             <a:endParaRPr/>
           </a:p>
         </p:txBody>
       </p:sp>
     </p:spTree>
+    <p:extLst>
+      <p:ext uri="{BB962C8B-B14F-4D97-AF65-F5344CB8AC3E}">
+        <p14:creationId xmlns:p14="http://schemas.microsoft.com/office/powerpoint/2010/main" val="3822211002"/>
+      </p:ext>
+    </p:extLst>
   </p:cSld>
   <p:clrMapOvr>
     <a:masterClrMapping/>
@@ -1104,11 +1164,11 @@
 </file>
 
 <file path=ppt/notesSlides/notesSlide4.xml><?xml version="1.0" encoding="utf-8"?>
-<p:notes xmlns:a="http://schemas.openxmlformats.org/drawingml/2006/main" xmlns:r="http://schemas.openxmlformats.org/officeDocument/2006/relationships" xmlns:mc="http://schemas.openxmlformats.org/markup-compatibility/2006" xmlns:mv="urn:schemas-microsoft-com:mac:vml" xmlns:p="http://schemas.openxmlformats.org/presentationml/2006/main" xmlns:c="http://schemas.openxmlformats.org/drawingml/2006/chart" xmlns:dgm="http://schemas.openxmlformats.org/drawingml/2006/diagram" xmlns:o="urn:schemas-microsoft-com:office:office" xmlns:v="urn:schemas-microsoft-com:vml" xmlns:pvml="urn:schemas-microsoft-com:office:powerpoint" xmlns:com="http://schemas.openxmlformats.org/drawingml/2006/compatibility" xmlns:p14="http://schemas.microsoft.com/office/powerpoint/2010/main" xmlns:p15="http://schemas.microsoft.com/office/powerpoint/2012/main" xmlns:ahyp="http://schemas.microsoft.com/office/drawing/2018/hyperlinkcolor" showMasterPhAnim="0" showMasterSp="0">
+<p:notes xmlns:a="http://schemas.openxmlformats.org/drawingml/2006/main" xmlns:r="http://schemas.openxmlformats.org/officeDocument/2006/relationships" xmlns:p="http://schemas.openxmlformats.org/presentationml/2006/main" showMasterSp="0" showMasterPhAnim="0">
   <p:cSld>
     <p:spTree>
       <p:nvGrpSpPr>
-        <p:cNvPr id="98" name="Shape 98"/>
+        <p:cNvPr id="1" name="Shape 98"/>
         <p:cNvGrpSpPr/>
         <p:nvPr/>
       </p:nvGrpSpPr>
@@ -1123,20 +1183,26 @@
       <p:sp>
         <p:nvSpPr>
           <p:cNvPr id="99" name="Google Shape;99;g94f9cbe481_0_28:notes"/>
-          <p:cNvSpPr/>
+          <p:cNvSpPr>
+            <a:spLocks noGrp="1" noRot="1" noChangeAspect="1"/>
+          </p:cNvSpPr>
           <p:nvPr>
-            <p:ph idx="2" type="sldImg"/>
+            <p:ph type="sldImg" idx="2"/>
           </p:nvPr>
         </p:nvSpPr>
         <p:spPr>
           <a:xfrm>
-            <a:off x="381300" y="685800"/>
+            <a:off x="381000" y="685800"/>
             <a:ext cx="6096000" cy="3429000"/>
           </a:xfrm>
           <a:custGeom>
-            <a:rect b="b" l="l" r="r" t="t"/>
+            <a:avLst/>
+            <a:gdLst/>
+            <a:ahLst/>
+            <a:cxnLst/>
+            <a:rect l="l" t="t" r="r" b="b"/>
             <a:pathLst>
-              <a:path extrusionOk="0" h="120000" w="120000">
+              <a:path w="120000" h="120000" extrusionOk="0">
                 <a:moveTo>
                   <a:pt x="0" y="0"/>
                 </a:moveTo>
@@ -1158,9 +1224,11 @@
       <p:sp>
         <p:nvSpPr>
           <p:cNvPr id="100" name="Google Shape;100;g94f9cbe481_0_28:notes"/>
-          <p:cNvSpPr txBox="1"/>
+          <p:cNvSpPr txBox="1">
+            <a:spLocks noGrp="1"/>
+          </p:cNvSpPr>
           <p:nvPr>
-            <p:ph idx="1" type="body"/>
+            <p:ph type="body" idx="1"/>
           </p:nvPr>
         </p:nvSpPr>
         <p:spPr>
@@ -1173,28 +1241,30 @@
           </a:prstGeom>
         </p:spPr>
         <p:txBody>
-          <a:bodyPr anchorCtr="0" anchor="t" bIns="91425" lIns="91425" spcFirstLastPara="1" rIns="91425" wrap="square" tIns="91425">
+          <a:bodyPr spcFirstLastPara="1" wrap="square" lIns="91425" tIns="91425" rIns="91425" bIns="91425" anchor="t" anchorCtr="0">
             <a:noAutofit/>
           </a:bodyPr>
           <a:lstStyle/>
           <a:p>
-            <a:pPr indent="0" lvl="0" marL="0" rtl="0" algn="l">
-              <a:spcBef>
-                <a:spcPts val="0"/>
-              </a:spcBef>
-              <a:spcAft>
-                <a:spcPts val="0"/>
-              </a:spcAft>
-              <a:buNone/>
-            </a:pPr>
-            <a:r>
-              <a:t/>
-            </a:r>
+            <a:pPr marL="0" lvl="0" indent="0" algn="l" rtl="0">
+              <a:spcBef>
+                <a:spcPts val="0"/>
+              </a:spcBef>
+              <a:spcAft>
+                <a:spcPts val="0"/>
+              </a:spcAft>
+              <a:buNone/>
+            </a:pPr>
             <a:endParaRPr/>
           </a:p>
         </p:txBody>
       </p:sp>
     </p:spTree>
+    <p:extLst>
+      <p:ext uri="{BB962C8B-B14F-4D97-AF65-F5344CB8AC3E}">
+        <p14:creationId xmlns:p14="http://schemas.microsoft.com/office/powerpoint/2010/main" val="4000641748"/>
+      </p:ext>
+    </p:extLst>
   </p:cSld>
   <p:clrMapOvr>
     <a:masterClrMapping/>
@@ -1203,11 +1273,11 @@
 </file>
 
 <file path=ppt/notesSlides/notesSlide5.xml><?xml version="1.0" encoding="utf-8"?>
-<p:notes xmlns:a="http://schemas.openxmlformats.org/drawingml/2006/main" xmlns:r="http://schemas.openxmlformats.org/officeDocument/2006/relationships" xmlns:mc="http://schemas.openxmlformats.org/markup-compatibility/2006" xmlns:mv="urn:schemas-microsoft-com:mac:vml" xmlns:p="http://schemas.openxmlformats.org/presentationml/2006/main" xmlns:c="http://schemas.openxmlformats.org/drawingml/2006/chart" xmlns:dgm="http://schemas.openxmlformats.org/drawingml/2006/diagram" xmlns:o="urn:schemas-microsoft-com:office:office" xmlns:v="urn:schemas-microsoft-com:vml" xmlns:pvml="urn:schemas-microsoft-com:office:powerpoint" xmlns:com="http://schemas.openxmlformats.org/drawingml/2006/compatibility" xmlns:p14="http://schemas.microsoft.com/office/powerpoint/2010/main" xmlns:p15="http://schemas.microsoft.com/office/powerpoint/2012/main" xmlns:ahyp="http://schemas.microsoft.com/office/drawing/2018/hyperlinkcolor" showMasterPhAnim="0" showMasterSp="0">
+<p:notes xmlns:a="http://schemas.openxmlformats.org/drawingml/2006/main" xmlns:r="http://schemas.openxmlformats.org/officeDocument/2006/relationships" xmlns:p="http://schemas.openxmlformats.org/presentationml/2006/main" showMasterSp="0" showMasterPhAnim="0">
   <p:cSld>
     <p:spTree>
       <p:nvGrpSpPr>
-        <p:cNvPr id="115" name="Shape 115"/>
+        <p:cNvPr id="1" name="Shape 115"/>
         <p:cNvGrpSpPr/>
         <p:nvPr/>
       </p:nvGrpSpPr>
@@ -1222,20 +1292,26 @@
       <p:sp>
         <p:nvSpPr>
           <p:cNvPr id="116" name="Google Shape;116;g94f9cbe537_1_86:notes"/>
-          <p:cNvSpPr/>
+          <p:cNvSpPr>
+            <a:spLocks noGrp="1" noRot="1" noChangeAspect="1"/>
+          </p:cNvSpPr>
           <p:nvPr>
-            <p:ph idx="2" type="sldImg"/>
+            <p:ph type="sldImg" idx="2"/>
           </p:nvPr>
         </p:nvSpPr>
         <p:spPr>
           <a:xfrm>
-            <a:off x="381300" y="685800"/>
+            <a:off x="381000" y="685800"/>
             <a:ext cx="6096000" cy="3429000"/>
           </a:xfrm>
           <a:custGeom>
-            <a:rect b="b" l="l" r="r" t="t"/>
+            <a:avLst/>
+            <a:gdLst/>
+            <a:ahLst/>
+            <a:cxnLst/>
+            <a:rect l="l" t="t" r="r" b="b"/>
             <a:pathLst>
-              <a:path extrusionOk="0" h="120000" w="120000">
+              <a:path w="120000" h="120000" extrusionOk="0">
                 <a:moveTo>
                   <a:pt x="0" y="0"/>
                 </a:moveTo>
@@ -1257,9 +1333,11 @@
       <p:sp>
         <p:nvSpPr>
           <p:cNvPr id="117" name="Google Shape;117;g94f9cbe537_1_86:notes"/>
-          <p:cNvSpPr txBox="1"/>
+          <p:cNvSpPr txBox="1">
+            <a:spLocks noGrp="1"/>
+          </p:cNvSpPr>
           <p:nvPr>
-            <p:ph idx="1" type="body"/>
+            <p:ph type="body" idx="1"/>
           </p:nvPr>
         </p:nvSpPr>
         <p:spPr>
@@ -1272,28 +1350,30 @@
           </a:prstGeom>
         </p:spPr>
         <p:txBody>
-          <a:bodyPr anchorCtr="0" anchor="t" bIns="91425" lIns="91425" spcFirstLastPara="1" rIns="91425" wrap="square" tIns="91425">
+          <a:bodyPr spcFirstLastPara="1" wrap="square" lIns="91425" tIns="91425" rIns="91425" bIns="91425" anchor="t" anchorCtr="0">
             <a:noAutofit/>
           </a:bodyPr>
           <a:lstStyle/>
           <a:p>
-            <a:pPr indent="0" lvl="0" marL="0" rtl="0" algn="l">
-              <a:spcBef>
-                <a:spcPts val="0"/>
-              </a:spcBef>
-              <a:spcAft>
-                <a:spcPts val="0"/>
-              </a:spcAft>
-              <a:buNone/>
-            </a:pPr>
-            <a:r>
-              <a:t/>
-            </a:r>
+            <a:pPr marL="0" lvl="0" indent="0" algn="l" rtl="0">
+              <a:spcBef>
+                <a:spcPts val="0"/>
+              </a:spcBef>
+              <a:spcAft>
+                <a:spcPts val="0"/>
+              </a:spcAft>
+              <a:buNone/>
+            </a:pPr>
             <a:endParaRPr/>
           </a:p>
         </p:txBody>
       </p:sp>
     </p:spTree>
+    <p:extLst>
+      <p:ext uri="{BB962C8B-B14F-4D97-AF65-F5344CB8AC3E}">
+        <p14:creationId xmlns:p14="http://schemas.microsoft.com/office/powerpoint/2010/main" val="2779722749"/>
+      </p:ext>
+    </p:extLst>
   </p:cSld>
   <p:clrMapOvr>
     <a:masterClrMapping/>
@@ -1302,11 +1382,11 @@
 </file>
 
 <file path=ppt/notesSlides/notesSlide6.xml><?xml version="1.0" encoding="utf-8"?>
-<p:notes xmlns:a="http://schemas.openxmlformats.org/drawingml/2006/main" xmlns:r="http://schemas.openxmlformats.org/officeDocument/2006/relationships" xmlns:mc="http://schemas.openxmlformats.org/markup-compatibility/2006" xmlns:mv="urn:schemas-microsoft-com:mac:vml" xmlns:p="http://schemas.openxmlformats.org/presentationml/2006/main" xmlns:c="http://schemas.openxmlformats.org/drawingml/2006/chart" xmlns:dgm="http://schemas.openxmlformats.org/drawingml/2006/diagram" xmlns:o="urn:schemas-microsoft-com:office:office" xmlns:v="urn:schemas-microsoft-com:vml" xmlns:pvml="urn:schemas-microsoft-com:office:powerpoint" xmlns:com="http://schemas.openxmlformats.org/drawingml/2006/compatibility" xmlns:p14="http://schemas.microsoft.com/office/powerpoint/2010/main" xmlns:p15="http://schemas.microsoft.com/office/powerpoint/2012/main" xmlns:ahyp="http://schemas.microsoft.com/office/drawing/2018/hyperlinkcolor" showMasterPhAnim="0" showMasterSp="0">
+<p:notes xmlns:a="http://schemas.openxmlformats.org/drawingml/2006/main" xmlns:r="http://schemas.openxmlformats.org/officeDocument/2006/relationships" xmlns:p="http://schemas.openxmlformats.org/presentationml/2006/main" showMasterSp="0" showMasterPhAnim="0">
   <p:cSld>
     <p:spTree>
       <p:nvGrpSpPr>
-        <p:cNvPr id="133" name="Shape 133"/>
+        <p:cNvPr id="1" name="Shape 133"/>
         <p:cNvGrpSpPr/>
         <p:nvPr/>
       </p:nvGrpSpPr>
@@ -1321,20 +1401,26 @@
       <p:sp>
         <p:nvSpPr>
           <p:cNvPr id="134" name="Google Shape;134;g94f9cbe537_1_106:notes"/>
-          <p:cNvSpPr/>
+          <p:cNvSpPr>
+            <a:spLocks noGrp="1" noRot="1" noChangeAspect="1"/>
+          </p:cNvSpPr>
           <p:nvPr>
-            <p:ph idx="2" type="sldImg"/>
+            <p:ph type="sldImg" idx="2"/>
           </p:nvPr>
         </p:nvSpPr>
         <p:spPr>
           <a:xfrm>
-            <a:off x="381300" y="685800"/>
+            <a:off x="381000" y="685800"/>
             <a:ext cx="6096000" cy="3429000"/>
           </a:xfrm>
           <a:custGeom>
-            <a:rect b="b" l="l" r="r" t="t"/>
+            <a:avLst/>
+            <a:gdLst/>
+            <a:ahLst/>
+            <a:cxnLst/>
+            <a:rect l="l" t="t" r="r" b="b"/>
             <a:pathLst>
-              <a:path extrusionOk="0" h="120000" w="120000">
+              <a:path w="120000" h="120000" extrusionOk="0">
                 <a:moveTo>
                   <a:pt x="0" y="0"/>
                 </a:moveTo>
@@ -1356,9 +1442,11 @@
       <p:sp>
         <p:nvSpPr>
           <p:cNvPr id="135" name="Google Shape;135;g94f9cbe537_1_106:notes"/>
-          <p:cNvSpPr txBox="1"/>
+          <p:cNvSpPr txBox="1">
+            <a:spLocks noGrp="1"/>
+          </p:cNvSpPr>
           <p:nvPr>
-            <p:ph idx="1" type="body"/>
+            <p:ph type="body" idx="1"/>
           </p:nvPr>
         </p:nvSpPr>
         <p:spPr>
@@ -1371,28 +1459,30 @@
           </a:prstGeom>
         </p:spPr>
         <p:txBody>
-          <a:bodyPr anchorCtr="0" anchor="t" bIns="91425" lIns="91425" spcFirstLastPara="1" rIns="91425" wrap="square" tIns="91425">
+          <a:bodyPr spcFirstLastPara="1" wrap="square" lIns="91425" tIns="91425" rIns="91425" bIns="91425" anchor="t" anchorCtr="0">
             <a:noAutofit/>
           </a:bodyPr>
           <a:lstStyle/>
           <a:p>
-            <a:pPr indent="0" lvl="0" marL="0" rtl="0" algn="l">
-              <a:spcBef>
-                <a:spcPts val="0"/>
-              </a:spcBef>
-              <a:spcAft>
-                <a:spcPts val="0"/>
-              </a:spcAft>
-              <a:buNone/>
-            </a:pPr>
-            <a:r>
-              <a:t/>
-            </a:r>
+            <a:pPr marL="0" lvl="0" indent="0" algn="l" rtl="0">
+              <a:spcBef>
+                <a:spcPts val="0"/>
+              </a:spcBef>
+              <a:spcAft>
+                <a:spcPts val="0"/>
+              </a:spcAft>
+              <a:buNone/>
+            </a:pPr>
             <a:endParaRPr/>
           </a:p>
         </p:txBody>
       </p:sp>
     </p:spTree>
+    <p:extLst>
+      <p:ext uri="{BB962C8B-B14F-4D97-AF65-F5344CB8AC3E}">
+        <p14:creationId xmlns:p14="http://schemas.microsoft.com/office/powerpoint/2010/main" val="186003639"/>
+      </p:ext>
+    </p:extLst>
   </p:cSld>
   <p:clrMapOvr>
     <a:masterClrMapping/>
@@ -1401,11 +1491,11 @@
 </file>
 
 <file path=ppt/notesSlides/notesSlide7.xml><?xml version="1.0" encoding="utf-8"?>
-<p:notes xmlns:a="http://schemas.openxmlformats.org/drawingml/2006/main" xmlns:r="http://schemas.openxmlformats.org/officeDocument/2006/relationships" xmlns:mc="http://schemas.openxmlformats.org/markup-compatibility/2006" xmlns:mv="urn:schemas-microsoft-com:mac:vml" xmlns:p="http://schemas.openxmlformats.org/presentationml/2006/main" xmlns:c="http://schemas.openxmlformats.org/drawingml/2006/chart" xmlns:dgm="http://schemas.openxmlformats.org/drawingml/2006/diagram" xmlns:o="urn:schemas-microsoft-com:office:office" xmlns:v="urn:schemas-microsoft-com:vml" xmlns:pvml="urn:schemas-microsoft-com:office:powerpoint" xmlns:com="http://schemas.openxmlformats.org/drawingml/2006/compatibility" xmlns:p14="http://schemas.microsoft.com/office/powerpoint/2010/main" xmlns:p15="http://schemas.microsoft.com/office/powerpoint/2012/main" xmlns:ahyp="http://schemas.microsoft.com/office/drawing/2018/hyperlinkcolor" showMasterPhAnim="0" showMasterSp="0">
+<p:notes xmlns:a="http://schemas.openxmlformats.org/drawingml/2006/main" xmlns:r="http://schemas.openxmlformats.org/officeDocument/2006/relationships" xmlns:p="http://schemas.openxmlformats.org/presentationml/2006/main" showMasterSp="0" showMasterPhAnim="0">
   <p:cSld>
     <p:spTree>
       <p:nvGrpSpPr>
-        <p:cNvPr id="149" name="Shape 149"/>
+        <p:cNvPr id="1" name="Shape 149"/>
         <p:cNvGrpSpPr/>
         <p:nvPr/>
       </p:nvGrpSpPr>
@@ -1420,20 +1510,26 @@
       <p:sp>
         <p:nvSpPr>
           <p:cNvPr id="150" name="Google Shape;150;g94f9cbe481_0_24:notes"/>
-          <p:cNvSpPr/>
+          <p:cNvSpPr>
+            <a:spLocks noGrp="1" noRot="1" noChangeAspect="1"/>
+          </p:cNvSpPr>
           <p:nvPr>
-            <p:ph idx="2" type="sldImg"/>
+            <p:ph type="sldImg" idx="2"/>
           </p:nvPr>
         </p:nvSpPr>
         <p:spPr>
           <a:xfrm>
-            <a:off x="381300" y="685800"/>
+            <a:off x="381000" y="685800"/>
             <a:ext cx="6096000" cy="3429000"/>
           </a:xfrm>
           <a:custGeom>
-            <a:rect b="b" l="l" r="r" t="t"/>
+            <a:avLst/>
+            <a:gdLst/>
+            <a:ahLst/>
+            <a:cxnLst/>
+            <a:rect l="l" t="t" r="r" b="b"/>
             <a:pathLst>
-              <a:path extrusionOk="0" h="120000" w="120000">
+              <a:path w="120000" h="120000" extrusionOk="0">
                 <a:moveTo>
                   <a:pt x="0" y="0"/>
                 </a:moveTo>
@@ -1455,9 +1551,11 @@
       <p:sp>
         <p:nvSpPr>
           <p:cNvPr id="151" name="Google Shape;151;g94f9cbe481_0_24:notes"/>
-          <p:cNvSpPr txBox="1"/>
+          <p:cNvSpPr txBox="1">
+            <a:spLocks noGrp="1"/>
+          </p:cNvSpPr>
           <p:nvPr>
-            <p:ph idx="1" type="body"/>
+            <p:ph type="body" idx="1"/>
           </p:nvPr>
         </p:nvSpPr>
         <p:spPr>
@@ -1470,28 +1568,30 @@
           </a:prstGeom>
         </p:spPr>
         <p:txBody>
-          <a:bodyPr anchorCtr="0" anchor="t" bIns="91425" lIns="91425" spcFirstLastPara="1" rIns="91425" wrap="square" tIns="91425">
+          <a:bodyPr spcFirstLastPara="1" wrap="square" lIns="91425" tIns="91425" rIns="91425" bIns="91425" anchor="t" anchorCtr="0">
             <a:noAutofit/>
           </a:bodyPr>
           <a:lstStyle/>
           <a:p>
-            <a:pPr indent="0" lvl="0" marL="0" rtl="0" algn="l">
-              <a:spcBef>
-                <a:spcPts val="0"/>
-              </a:spcBef>
-              <a:spcAft>
-                <a:spcPts val="0"/>
-              </a:spcAft>
-              <a:buNone/>
-            </a:pPr>
-            <a:r>
-              <a:t/>
-            </a:r>
+            <a:pPr marL="0" lvl="0" indent="0" algn="l" rtl="0">
+              <a:spcBef>
+                <a:spcPts val="0"/>
+              </a:spcBef>
+              <a:spcAft>
+                <a:spcPts val="0"/>
+              </a:spcAft>
+              <a:buNone/>
+            </a:pPr>
             <a:endParaRPr/>
           </a:p>
         </p:txBody>
       </p:sp>
     </p:spTree>
+    <p:extLst>
+      <p:ext uri="{BB962C8B-B14F-4D97-AF65-F5344CB8AC3E}">
+        <p14:creationId xmlns:p14="http://schemas.microsoft.com/office/powerpoint/2010/main" val="190076886"/>
+      </p:ext>
+    </p:extLst>
   </p:cSld>
   <p:clrMapOvr>
     <a:masterClrMapping/>
@@ -1500,11 +1600,11 @@
 </file>
 
 <file path=ppt/notesSlides/notesSlide8.xml><?xml version="1.0" encoding="utf-8"?>
-<p:notes xmlns:a="http://schemas.openxmlformats.org/drawingml/2006/main" xmlns:r="http://schemas.openxmlformats.org/officeDocument/2006/relationships" xmlns:mc="http://schemas.openxmlformats.org/markup-compatibility/2006" xmlns:mv="urn:schemas-microsoft-com:mac:vml" xmlns:p="http://schemas.openxmlformats.org/presentationml/2006/main" xmlns:c="http://schemas.openxmlformats.org/drawingml/2006/chart" xmlns:dgm="http://schemas.openxmlformats.org/drawingml/2006/diagram" xmlns:o="urn:schemas-microsoft-com:office:office" xmlns:v="urn:schemas-microsoft-com:vml" xmlns:pvml="urn:schemas-microsoft-com:office:powerpoint" xmlns:com="http://schemas.openxmlformats.org/drawingml/2006/compatibility" xmlns:p14="http://schemas.microsoft.com/office/powerpoint/2010/main" xmlns:p15="http://schemas.microsoft.com/office/powerpoint/2012/main" xmlns:ahyp="http://schemas.microsoft.com/office/drawing/2018/hyperlinkcolor" showMasterPhAnim="0" showMasterSp="0">
+<p:notes xmlns:a="http://schemas.openxmlformats.org/drawingml/2006/main" xmlns:r="http://schemas.openxmlformats.org/officeDocument/2006/relationships" xmlns:p="http://schemas.openxmlformats.org/presentationml/2006/main" showMasterSp="0" showMasterPhAnim="0">
   <p:cSld>
     <p:spTree>
       <p:nvGrpSpPr>
-        <p:cNvPr id="161" name="Shape 161"/>
+        <p:cNvPr id="1" name="Shape 161"/>
         <p:cNvGrpSpPr/>
         <p:nvPr/>
       </p:nvGrpSpPr>
@@ -1519,20 +1619,26 @@
       <p:sp>
         <p:nvSpPr>
           <p:cNvPr id="162" name="Google Shape;162;g94f9cbe537_1_134:notes"/>
-          <p:cNvSpPr/>
+          <p:cNvSpPr>
+            <a:spLocks noGrp="1" noRot="1" noChangeAspect="1"/>
+          </p:cNvSpPr>
           <p:nvPr>
-            <p:ph idx="2" type="sldImg"/>
+            <p:ph type="sldImg" idx="2"/>
           </p:nvPr>
         </p:nvSpPr>
         <p:spPr>
           <a:xfrm>
-            <a:off x="381300" y="685800"/>
+            <a:off x="381000" y="685800"/>
             <a:ext cx="6096000" cy="3429000"/>
           </a:xfrm>
           <a:custGeom>
-            <a:rect b="b" l="l" r="r" t="t"/>
+            <a:avLst/>
+            <a:gdLst/>
+            <a:ahLst/>
+            <a:cxnLst/>
+            <a:rect l="l" t="t" r="r" b="b"/>
             <a:pathLst>
-              <a:path extrusionOk="0" h="120000" w="120000">
+              <a:path w="120000" h="120000" extrusionOk="0">
                 <a:moveTo>
                   <a:pt x="0" y="0"/>
                 </a:moveTo>
@@ -1554,9 +1660,11 @@
       <p:sp>
         <p:nvSpPr>
           <p:cNvPr id="163" name="Google Shape;163;g94f9cbe537_1_134:notes"/>
-          <p:cNvSpPr txBox="1"/>
+          <p:cNvSpPr txBox="1">
+            <a:spLocks noGrp="1"/>
+          </p:cNvSpPr>
           <p:nvPr>
-            <p:ph idx="1" type="body"/>
+            <p:ph type="body" idx="1"/>
           </p:nvPr>
         </p:nvSpPr>
         <p:spPr>
@@ -1569,28 +1677,30 @@
           </a:prstGeom>
         </p:spPr>
         <p:txBody>
-          <a:bodyPr anchorCtr="0" anchor="t" bIns="91425" lIns="91425" spcFirstLastPara="1" rIns="91425" wrap="square" tIns="91425">
+          <a:bodyPr spcFirstLastPara="1" wrap="square" lIns="91425" tIns="91425" rIns="91425" bIns="91425" anchor="t" anchorCtr="0">
             <a:noAutofit/>
           </a:bodyPr>
           <a:lstStyle/>
           <a:p>
-            <a:pPr indent="0" lvl="0" marL="0" rtl="0" algn="l">
-              <a:spcBef>
-                <a:spcPts val="0"/>
-              </a:spcBef>
-              <a:spcAft>
-                <a:spcPts val="0"/>
-              </a:spcAft>
-              <a:buNone/>
-            </a:pPr>
-            <a:r>
-              <a:t/>
-            </a:r>
+            <a:pPr marL="0" lvl="0" indent="0" algn="l" rtl="0">
+              <a:spcBef>
+                <a:spcPts val="0"/>
+              </a:spcBef>
+              <a:spcAft>
+                <a:spcPts val="0"/>
+              </a:spcAft>
+              <a:buNone/>
+            </a:pPr>
             <a:endParaRPr/>
           </a:p>
         </p:txBody>
       </p:sp>
     </p:spTree>
+    <p:extLst>
+      <p:ext uri="{BB962C8B-B14F-4D97-AF65-F5344CB8AC3E}">
+        <p14:creationId xmlns:p14="http://schemas.microsoft.com/office/powerpoint/2010/main" val="890453401"/>
+      </p:ext>
+    </p:extLst>
   </p:cSld>
   <p:clrMapOvr>
     <a:masterClrMapping/>
@@ -1599,11 +1709,11 @@
 </file>
 
 <file path=ppt/notesSlides/notesSlide9.xml><?xml version="1.0" encoding="utf-8"?>
-<p:notes xmlns:a="http://schemas.openxmlformats.org/drawingml/2006/main" xmlns:r="http://schemas.openxmlformats.org/officeDocument/2006/relationships" xmlns:mc="http://schemas.openxmlformats.org/markup-compatibility/2006" xmlns:mv="urn:schemas-microsoft-com:mac:vml" xmlns:p="http://schemas.openxmlformats.org/presentationml/2006/main" xmlns:c="http://schemas.openxmlformats.org/drawingml/2006/chart" xmlns:dgm="http://schemas.openxmlformats.org/drawingml/2006/diagram" xmlns:o="urn:schemas-microsoft-com:office:office" xmlns:v="urn:schemas-microsoft-com:vml" xmlns:pvml="urn:schemas-microsoft-com:office:powerpoint" xmlns:com="http://schemas.openxmlformats.org/drawingml/2006/compatibility" xmlns:p14="http://schemas.microsoft.com/office/powerpoint/2010/main" xmlns:p15="http://schemas.microsoft.com/office/powerpoint/2012/main" xmlns:ahyp="http://schemas.microsoft.com/office/drawing/2018/hyperlinkcolor" showMasterPhAnim="0" showMasterSp="0">
+<p:notes xmlns:a="http://schemas.openxmlformats.org/drawingml/2006/main" xmlns:r="http://schemas.openxmlformats.org/officeDocument/2006/relationships" xmlns:p="http://schemas.openxmlformats.org/presentationml/2006/main" showMasterSp="0" showMasterPhAnim="0">
   <p:cSld>
     <p:spTree>
       <p:nvGrpSpPr>
-        <p:cNvPr id="170" name="Shape 170"/>
+        <p:cNvPr id="1" name="Shape 170"/>
         <p:cNvGrpSpPr/>
         <p:nvPr/>
       </p:nvGrpSpPr>
@@ -1618,20 +1728,26 @@
       <p:sp>
         <p:nvSpPr>
           <p:cNvPr id="171" name="Google Shape;171;g94f9cbe481_0_32:notes"/>
-          <p:cNvSpPr/>
+          <p:cNvSpPr>
+            <a:spLocks noGrp="1" noRot="1" noChangeAspect="1"/>
+          </p:cNvSpPr>
           <p:nvPr>
-            <p:ph idx="2" type="sldImg"/>
+            <p:ph type="sldImg" idx="2"/>
           </p:nvPr>
         </p:nvSpPr>
         <p:spPr>
           <a:xfrm>
-            <a:off x="381300" y="685800"/>
+            <a:off x="381000" y="685800"/>
             <a:ext cx="6096000" cy="3429000"/>
           </a:xfrm>
           <a:custGeom>
-            <a:rect b="b" l="l" r="r" t="t"/>
+            <a:avLst/>
+            <a:gdLst/>
+            <a:ahLst/>
+            <a:cxnLst/>
+            <a:rect l="l" t="t" r="r" b="b"/>
             <a:pathLst>
-              <a:path extrusionOk="0" h="120000" w="120000">
+              <a:path w="120000" h="120000" extrusionOk="0">
                 <a:moveTo>
                   <a:pt x="0" y="0"/>
                 </a:moveTo>
@@ -1653,9 +1769,11 @@
       <p:sp>
         <p:nvSpPr>
           <p:cNvPr id="172" name="Google Shape;172;g94f9cbe481_0_32:notes"/>
-          <p:cNvSpPr txBox="1"/>
+          <p:cNvSpPr txBox="1">
+            <a:spLocks noGrp="1"/>
+          </p:cNvSpPr>
           <p:nvPr>
-            <p:ph idx="1" type="body"/>
+            <p:ph type="body" idx="1"/>
           </p:nvPr>
         </p:nvSpPr>
         <p:spPr>
@@ -1668,28 +1786,30 @@
           </a:prstGeom>
         </p:spPr>
         <p:txBody>
-          <a:bodyPr anchorCtr="0" anchor="t" bIns="91425" lIns="91425" spcFirstLastPara="1" rIns="91425" wrap="square" tIns="91425">
+          <a:bodyPr spcFirstLastPara="1" wrap="square" lIns="91425" tIns="91425" rIns="91425" bIns="91425" anchor="t" anchorCtr="0">
             <a:noAutofit/>
           </a:bodyPr>
           <a:lstStyle/>
           <a:p>
-            <a:pPr indent="0" lvl="0" marL="0" rtl="0" algn="l">
-              <a:spcBef>
-                <a:spcPts val="0"/>
-              </a:spcBef>
-              <a:spcAft>
-                <a:spcPts val="0"/>
-              </a:spcAft>
-              <a:buNone/>
-            </a:pPr>
-            <a:r>
-              <a:t/>
-            </a:r>
+            <a:pPr marL="0" lvl="0" indent="0" algn="l" rtl="0">
+              <a:spcBef>
+                <a:spcPts val="0"/>
+              </a:spcBef>
+              <a:spcAft>
+                <a:spcPts val="0"/>
+              </a:spcAft>
+              <a:buNone/>
+            </a:pPr>
             <a:endParaRPr/>
           </a:p>
         </p:txBody>
       </p:sp>
     </p:spTree>
+    <p:extLst>
+      <p:ext uri="{BB962C8B-B14F-4D97-AF65-F5344CB8AC3E}">
+        <p14:creationId xmlns:p14="http://schemas.microsoft.com/office/powerpoint/2010/main" val="1230276840"/>
+      </p:ext>
+    </p:extLst>
   </p:cSld>
   <p:clrMapOvr>
     <a:masterClrMapping/>
@@ -1698,11 +1818,11 @@
 </file>
 
 <file path=ppt/slideLayouts/slideLayout1.xml><?xml version="1.0" encoding="utf-8"?>
-<p:sldLayout xmlns:a="http://schemas.openxmlformats.org/drawingml/2006/main" xmlns:r="http://schemas.openxmlformats.org/officeDocument/2006/relationships" xmlns:mc="http://schemas.openxmlformats.org/markup-compatibility/2006" xmlns:mv="urn:schemas-microsoft-com:mac:vml" xmlns:p="http://schemas.openxmlformats.org/presentationml/2006/main" xmlns:c="http://schemas.openxmlformats.org/drawingml/2006/chart" xmlns:dgm="http://schemas.openxmlformats.org/drawingml/2006/diagram" xmlns:o="urn:schemas-microsoft-com:office:office" xmlns:v="urn:schemas-microsoft-com:vml" xmlns:pvml="urn:schemas-microsoft-com:office:powerpoint" xmlns:com="http://schemas.openxmlformats.org/drawingml/2006/compatibility" xmlns:p14="http://schemas.microsoft.com/office/powerpoint/2010/main" xmlns:p15="http://schemas.microsoft.com/office/powerpoint/2012/main" xmlns:ahyp="http://schemas.microsoft.com/office/drawing/2018/hyperlinkcolor" matchingName="Title slide" type="title">
+<p:sldLayout xmlns:a="http://schemas.openxmlformats.org/drawingml/2006/main" xmlns:r="http://schemas.openxmlformats.org/officeDocument/2006/relationships" xmlns:p="http://schemas.openxmlformats.org/presentationml/2006/main" matchingName="Title slide" type="title">
   <p:cSld name="TITLE">
     <p:spTree>
       <p:nvGrpSpPr>
-        <p:cNvPr id="9" name="Shape 9"/>
+        <p:cNvPr id="1" name="Shape 9"/>
         <p:cNvGrpSpPr/>
         <p:nvPr/>
       </p:nvGrpSpPr>
@@ -1717,7 +1837,9 @@
       <p:sp>
         <p:nvSpPr>
           <p:cNvPr id="10" name="Google Shape;10;p2"/>
-          <p:cNvSpPr txBox="1"/>
+          <p:cNvSpPr txBox="1">
+            <a:spLocks noGrp="1"/>
+          </p:cNvSpPr>
           <p:nvPr>
             <p:ph type="ctrTitle"/>
           </p:nvPr>
@@ -1732,7 +1854,7 @@
           </a:prstGeom>
         </p:spPr>
         <p:txBody>
-          <a:bodyPr anchorCtr="0" anchor="b" bIns="91425" lIns="91425" spcFirstLastPara="1" rIns="91425" wrap="square" tIns="91425">
+          <a:bodyPr spcFirstLastPara="1" wrap="square" lIns="91425" tIns="91425" rIns="91425" bIns="91425" anchor="b" anchorCtr="0">
             <a:noAutofit/>
           </a:bodyPr>
           <a:lstStyle>
@@ -1836,15 +1958,19 @@
               <a:defRPr sz="5200"/>
             </a:lvl9pPr>
           </a:lstStyle>
-          <a:p/>
+          <a:p>
+            <a:endParaRPr/>
+          </a:p>
         </p:txBody>
       </p:sp>
       <p:sp>
         <p:nvSpPr>
           <p:cNvPr id="11" name="Google Shape;11;p2"/>
-          <p:cNvSpPr txBox="1"/>
+          <p:cNvSpPr txBox="1">
+            <a:spLocks noGrp="1"/>
+          </p:cNvSpPr>
           <p:nvPr>
-            <p:ph idx="1" type="subTitle"/>
+            <p:ph type="subTitle" idx="1"/>
           </p:nvPr>
         </p:nvSpPr>
         <p:spPr>
@@ -1857,7 +1983,7 @@
           </a:prstGeom>
         </p:spPr>
         <p:txBody>
-          <a:bodyPr anchorCtr="0" anchor="t" bIns="91425" lIns="91425" spcFirstLastPara="1" rIns="91425" wrap="square" tIns="91425">
+          <a:bodyPr spcFirstLastPara="1" wrap="square" lIns="91425" tIns="91425" rIns="91425" bIns="91425" anchor="t" anchorCtr="0">
             <a:noAutofit/>
           </a:bodyPr>
           <a:lstStyle>
@@ -1988,15 +2114,19 @@
               <a:defRPr sz="2800"/>
             </a:lvl9pPr>
           </a:lstStyle>
-          <a:p/>
+          <a:p>
+            <a:endParaRPr/>
+          </a:p>
         </p:txBody>
       </p:sp>
       <p:sp>
         <p:nvSpPr>
           <p:cNvPr id="12" name="Google Shape;12;p2"/>
-          <p:cNvSpPr txBox="1"/>
+          <p:cNvSpPr txBox="1">
+            <a:spLocks noGrp="1"/>
+          </p:cNvSpPr>
           <p:nvPr>
-            <p:ph idx="12" type="sldNum"/>
+            <p:ph type="sldNum" idx="12"/>
           </p:nvPr>
         </p:nvSpPr>
         <p:spPr>
@@ -2009,7 +2139,7 @@
           </a:prstGeom>
         </p:spPr>
         <p:txBody>
-          <a:bodyPr anchorCtr="0" anchor="ctr" bIns="91425" lIns="91425" spcFirstLastPara="1" rIns="91425" wrap="square" tIns="91425">
+          <a:bodyPr spcFirstLastPara="1" wrap="square" lIns="91425" tIns="91425" rIns="91425" bIns="91425" anchor="ctr" anchorCtr="0">
             <a:noAutofit/>
           </a:bodyPr>
           <a:lstStyle>
@@ -2051,7 +2181,7 @@
             </a:lvl9pPr>
           </a:lstStyle>
           <a:p>
-            <a:pPr indent="0" lvl="0" marL="0" rtl="0" algn="r">
+            <a:pPr marL="0" lvl="0" indent="0" algn="r" rtl="0">
               <a:spcBef>
                 <a:spcPts val="0"/>
               </a:spcBef>
@@ -2062,7 +2192,7 @@
             </a:pPr>
             <a:fld id="{00000000-1234-1234-1234-123412341234}" type="slidenum">
               <a:rPr lang="en"/>
-              <a:t>‹#›</a:t>
+              <a:t>‹nº›</a:t>
             </a:fld>
             <a:endParaRPr/>
           </a:p>
@@ -2077,11 +2207,11 @@
 </file>
 
 <file path=ppt/slideLayouts/slideLayout10.xml><?xml version="1.0" encoding="utf-8"?>
-<p:sldLayout xmlns:a="http://schemas.openxmlformats.org/drawingml/2006/main" xmlns:r="http://schemas.openxmlformats.org/officeDocument/2006/relationships" xmlns:mc="http://schemas.openxmlformats.org/markup-compatibility/2006" xmlns:mv="urn:schemas-microsoft-com:mac:vml" xmlns:p="http://schemas.openxmlformats.org/presentationml/2006/main" xmlns:c="http://schemas.openxmlformats.org/drawingml/2006/chart" xmlns:dgm="http://schemas.openxmlformats.org/drawingml/2006/diagram" xmlns:o="urn:schemas-microsoft-com:office:office" xmlns:v="urn:schemas-microsoft-com:vml" xmlns:pvml="urn:schemas-microsoft-com:office:powerpoint" xmlns:com="http://schemas.openxmlformats.org/drawingml/2006/compatibility" xmlns:p14="http://schemas.microsoft.com/office/powerpoint/2010/main" xmlns:p15="http://schemas.microsoft.com/office/powerpoint/2012/main" xmlns:ahyp="http://schemas.microsoft.com/office/drawing/2018/hyperlinkcolor" matchingName="Big number">
+<p:sldLayout xmlns:a="http://schemas.openxmlformats.org/drawingml/2006/main" xmlns:r="http://schemas.openxmlformats.org/officeDocument/2006/relationships" xmlns:p="http://schemas.openxmlformats.org/presentationml/2006/main" matchingName="Big number">
   <p:cSld name="BIG_NUMBER">
     <p:spTree>
       <p:nvGrpSpPr>
-        <p:cNvPr id="44" name="Shape 44"/>
+        <p:cNvPr id="1" name="Shape 44"/>
         <p:cNvGrpSpPr/>
         <p:nvPr/>
       </p:nvGrpSpPr>
@@ -2096,9 +2226,11 @@
       <p:sp>
         <p:nvSpPr>
           <p:cNvPr id="45" name="Google Shape;45;p11"/>
-          <p:cNvSpPr txBox="1"/>
+          <p:cNvSpPr txBox="1">
+            <a:spLocks noGrp="1"/>
+          </p:cNvSpPr>
           <p:nvPr>
-            <p:ph hasCustomPrompt="1" type="title"/>
+            <p:ph type="title" hasCustomPrompt="1"/>
           </p:nvPr>
         </p:nvSpPr>
         <p:spPr>
@@ -2111,7 +2243,7 @@
           </a:prstGeom>
         </p:spPr>
         <p:txBody>
-          <a:bodyPr anchorCtr="0" anchor="b" bIns="91425" lIns="91425" spcFirstLastPara="1" rIns="91425" wrap="square" tIns="91425">
+          <a:bodyPr spcFirstLastPara="1" wrap="square" lIns="91425" tIns="91425" rIns="91425" bIns="91425" anchor="b" anchorCtr="0">
             <a:noAutofit/>
           </a:bodyPr>
           <a:lstStyle>
@@ -2225,9 +2357,11 @@
       <p:sp>
         <p:nvSpPr>
           <p:cNvPr id="46" name="Google Shape;46;p11"/>
-          <p:cNvSpPr txBox="1"/>
+          <p:cNvSpPr txBox="1">
+            <a:spLocks noGrp="1"/>
+          </p:cNvSpPr>
           <p:nvPr>
-            <p:ph idx="1" type="body"/>
+            <p:ph type="body" idx="1"/>
           </p:nvPr>
         </p:nvSpPr>
         <p:spPr>
@@ -2240,11 +2374,11 @@
           </a:prstGeom>
         </p:spPr>
         <p:txBody>
-          <a:bodyPr anchorCtr="0" anchor="t" bIns="91425" lIns="91425" spcFirstLastPara="1" rIns="91425" wrap="square" tIns="91425">
+          <a:bodyPr spcFirstLastPara="1" wrap="square" lIns="91425" tIns="91425" rIns="91425" bIns="91425" anchor="t" anchorCtr="0">
             <a:noAutofit/>
           </a:bodyPr>
           <a:lstStyle>
-            <a:lvl1pPr indent="-342900" lvl="0" marL="457200" algn="ctr">
+            <a:lvl1pPr marL="457200" lvl="0" indent="-342900" algn="ctr">
               <a:spcBef>
                 <a:spcPts val="0"/>
               </a:spcBef>
@@ -2255,7 +2389,7 @@
               <a:buChar char="●"/>
               <a:defRPr/>
             </a:lvl1pPr>
-            <a:lvl2pPr indent="-317500" lvl="1" marL="914400" algn="ctr">
+            <a:lvl2pPr marL="914400" lvl="1" indent="-317500" algn="ctr">
               <a:spcBef>
                 <a:spcPts val="1600"/>
               </a:spcBef>
@@ -2266,7 +2400,7 @@
               <a:buChar char="○"/>
               <a:defRPr/>
             </a:lvl2pPr>
-            <a:lvl3pPr indent="-317500" lvl="2" marL="1371600" algn="ctr">
+            <a:lvl3pPr marL="1371600" lvl="2" indent="-317500" algn="ctr">
               <a:spcBef>
                 <a:spcPts val="1600"/>
               </a:spcBef>
@@ -2277,7 +2411,7 @@
               <a:buChar char="■"/>
               <a:defRPr/>
             </a:lvl3pPr>
-            <a:lvl4pPr indent="-317500" lvl="3" marL="1828800" algn="ctr">
+            <a:lvl4pPr marL="1828800" lvl="3" indent="-317500" algn="ctr">
               <a:spcBef>
                 <a:spcPts val="1600"/>
               </a:spcBef>
@@ -2288,7 +2422,7 @@
               <a:buChar char="●"/>
               <a:defRPr/>
             </a:lvl4pPr>
-            <a:lvl5pPr indent="-317500" lvl="4" marL="2286000" algn="ctr">
+            <a:lvl5pPr marL="2286000" lvl="4" indent="-317500" algn="ctr">
               <a:spcBef>
                 <a:spcPts val="1600"/>
               </a:spcBef>
@@ -2299,7 +2433,7 @@
               <a:buChar char="○"/>
               <a:defRPr/>
             </a:lvl5pPr>
-            <a:lvl6pPr indent="-317500" lvl="5" marL="2743200" algn="ctr">
+            <a:lvl6pPr marL="2743200" lvl="5" indent="-317500" algn="ctr">
               <a:spcBef>
                 <a:spcPts val="1600"/>
               </a:spcBef>
@@ -2310,7 +2444,7 @@
               <a:buChar char="■"/>
               <a:defRPr/>
             </a:lvl6pPr>
-            <a:lvl7pPr indent="-317500" lvl="6" marL="3200400" algn="ctr">
+            <a:lvl7pPr marL="3200400" lvl="6" indent="-317500" algn="ctr">
               <a:spcBef>
                 <a:spcPts val="1600"/>
               </a:spcBef>
@@ -2321,7 +2455,7 @@
               <a:buChar char="●"/>
               <a:defRPr/>
             </a:lvl7pPr>
-            <a:lvl8pPr indent="-317500" lvl="7" marL="3657600" algn="ctr">
+            <a:lvl8pPr marL="3657600" lvl="7" indent="-317500" algn="ctr">
               <a:spcBef>
                 <a:spcPts val="1600"/>
               </a:spcBef>
@@ -2332,7 +2466,7 @@
               <a:buChar char="○"/>
               <a:defRPr/>
             </a:lvl8pPr>
-            <a:lvl9pPr indent="-317500" lvl="8" marL="4114800" algn="ctr">
+            <a:lvl9pPr marL="4114800" lvl="8" indent="-317500" algn="ctr">
               <a:spcBef>
                 <a:spcPts val="1600"/>
               </a:spcBef>
@@ -2344,15 +2478,19 @@
               <a:defRPr/>
             </a:lvl9pPr>
           </a:lstStyle>
-          <a:p/>
+          <a:p>
+            <a:endParaRPr/>
+          </a:p>
         </p:txBody>
       </p:sp>
       <p:sp>
         <p:nvSpPr>
           <p:cNvPr id="47" name="Google Shape;47;p11"/>
-          <p:cNvSpPr txBox="1"/>
+          <p:cNvSpPr txBox="1">
+            <a:spLocks noGrp="1"/>
+          </p:cNvSpPr>
           <p:nvPr>
-            <p:ph idx="12" type="sldNum"/>
+            <p:ph type="sldNum" idx="12"/>
           </p:nvPr>
         </p:nvSpPr>
         <p:spPr>
@@ -2365,7 +2503,7 @@
           </a:prstGeom>
         </p:spPr>
         <p:txBody>
-          <a:bodyPr anchorCtr="0" anchor="ctr" bIns="91425" lIns="91425" spcFirstLastPara="1" rIns="91425" wrap="square" tIns="91425">
+          <a:bodyPr spcFirstLastPara="1" wrap="square" lIns="91425" tIns="91425" rIns="91425" bIns="91425" anchor="ctr" anchorCtr="0">
             <a:noAutofit/>
           </a:bodyPr>
           <a:lstStyle>
@@ -2407,7 +2545,7 @@
             </a:lvl9pPr>
           </a:lstStyle>
           <a:p>
-            <a:pPr indent="0" lvl="0" marL="0" rtl="0" algn="r">
+            <a:pPr marL="0" lvl="0" indent="0" algn="r" rtl="0">
               <a:spcBef>
                 <a:spcPts val="0"/>
               </a:spcBef>
@@ -2418,7 +2556,7 @@
             </a:pPr>
             <a:fld id="{00000000-1234-1234-1234-123412341234}" type="slidenum">
               <a:rPr lang="en"/>
-              <a:t>‹#›</a:t>
+              <a:t>‹nº›</a:t>
             </a:fld>
             <a:endParaRPr/>
           </a:p>
@@ -2433,11 +2571,11 @@
 </file>
 
 <file path=ppt/slideLayouts/slideLayout11.xml><?xml version="1.0" encoding="utf-8"?>
-<p:sldLayout xmlns:a="http://schemas.openxmlformats.org/drawingml/2006/main" xmlns:r="http://schemas.openxmlformats.org/officeDocument/2006/relationships" xmlns:mc="http://schemas.openxmlformats.org/markup-compatibility/2006" xmlns:mv="urn:schemas-microsoft-com:mac:vml" xmlns:p="http://schemas.openxmlformats.org/presentationml/2006/main" xmlns:c="http://schemas.openxmlformats.org/drawingml/2006/chart" xmlns:dgm="http://schemas.openxmlformats.org/drawingml/2006/diagram" xmlns:o="urn:schemas-microsoft-com:office:office" xmlns:v="urn:schemas-microsoft-com:vml" xmlns:pvml="urn:schemas-microsoft-com:office:powerpoint" xmlns:com="http://schemas.openxmlformats.org/drawingml/2006/compatibility" xmlns:p14="http://schemas.microsoft.com/office/powerpoint/2010/main" xmlns:p15="http://schemas.microsoft.com/office/powerpoint/2012/main" xmlns:ahyp="http://schemas.microsoft.com/office/drawing/2018/hyperlinkcolor" matchingName="Blank" type="blank">
+<p:sldLayout xmlns:a="http://schemas.openxmlformats.org/drawingml/2006/main" xmlns:r="http://schemas.openxmlformats.org/officeDocument/2006/relationships" xmlns:p="http://schemas.openxmlformats.org/presentationml/2006/main" matchingName="Blank" type="blank">
   <p:cSld name="BLANK">
     <p:spTree>
       <p:nvGrpSpPr>
-        <p:cNvPr id="48" name="Shape 48"/>
+        <p:cNvPr id="1" name="Shape 48"/>
         <p:cNvGrpSpPr/>
         <p:nvPr/>
       </p:nvGrpSpPr>
@@ -2452,9 +2590,11 @@
       <p:sp>
         <p:nvSpPr>
           <p:cNvPr id="49" name="Google Shape;49;p12"/>
-          <p:cNvSpPr txBox="1"/>
+          <p:cNvSpPr txBox="1">
+            <a:spLocks noGrp="1"/>
+          </p:cNvSpPr>
           <p:nvPr>
-            <p:ph idx="12" type="sldNum"/>
+            <p:ph type="sldNum" idx="12"/>
           </p:nvPr>
         </p:nvSpPr>
         <p:spPr>
@@ -2467,7 +2607,7 @@
           </a:prstGeom>
         </p:spPr>
         <p:txBody>
-          <a:bodyPr anchorCtr="0" anchor="ctr" bIns="91425" lIns="91425" spcFirstLastPara="1" rIns="91425" wrap="square" tIns="91425">
+          <a:bodyPr spcFirstLastPara="1" wrap="square" lIns="91425" tIns="91425" rIns="91425" bIns="91425" anchor="ctr" anchorCtr="0">
             <a:noAutofit/>
           </a:bodyPr>
           <a:lstStyle>
@@ -2509,7 +2649,7 @@
             </a:lvl9pPr>
           </a:lstStyle>
           <a:p>
-            <a:pPr indent="0" lvl="0" marL="0" rtl="0" algn="r">
+            <a:pPr marL="0" lvl="0" indent="0" algn="r" rtl="0">
               <a:spcBef>
                 <a:spcPts val="0"/>
               </a:spcBef>
@@ -2520,7 +2660,7 @@
             </a:pPr>
             <a:fld id="{00000000-1234-1234-1234-123412341234}" type="slidenum">
               <a:rPr lang="en"/>
-              <a:t>‹#›</a:t>
+              <a:t>‹nº›</a:t>
             </a:fld>
             <a:endParaRPr/>
           </a:p>
@@ -2535,11 +2675,11 @@
 </file>
 
 <file path=ppt/slideLayouts/slideLayout2.xml><?xml version="1.0" encoding="utf-8"?>
-<p:sldLayout xmlns:a="http://schemas.openxmlformats.org/drawingml/2006/main" xmlns:r="http://schemas.openxmlformats.org/officeDocument/2006/relationships" xmlns:mc="http://schemas.openxmlformats.org/markup-compatibility/2006" xmlns:mv="urn:schemas-microsoft-com:mac:vml" xmlns:p="http://schemas.openxmlformats.org/presentationml/2006/main" xmlns:c="http://schemas.openxmlformats.org/drawingml/2006/chart" xmlns:dgm="http://schemas.openxmlformats.org/drawingml/2006/diagram" xmlns:o="urn:schemas-microsoft-com:office:office" xmlns:v="urn:schemas-microsoft-com:vml" xmlns:pvml="urn:schemas-microsoft-com:office:powerpoint" xmlns:com="http://schemas.openxmlformats.org/drawingml/2006/compatibility" xmlns:p14="http://schemas.microsoft.com/office/powerpoint/2010/main" xmlns:p15="http://schemas.microsoft.com/office/powerpoint/2012/main" xmlns:ahyp="http://schemas.microsoft.com/office/drawing/2018/hyperlinkcolor" matchingName="Section header" type="secHead">
+<p:sldLayout xmlns:a="http://schemas.openxmlformats.org/drawingml/2006/main" xmlns:r="http://schemas.openxmlformats.org/officeDocument/2006/relationships" xmlns:p="http://schemas.openxmlformats.org/presentationml/2006/main" matchingName="Section header" type="secHead">
   <p:cSld name="SECTION_HEADER">
     <p:spTree>
       <p:nvGrpSpPr>
-        <p:cNvPr id="13" name="Shape 13"/>
+        <p:cNvPr id="1" name="Shape 13"/>
         <p:cNvGrpSpPr/>
         <p:nvPr/>
       </p:nvGrpSpPr>
@@ -2554,7 +2694,9 @@
       <p:sp>
         <p:nvSpPr>
           <p:cNvPr id="14" name="Google Shape;14;p3"/>
-          <p:cNvSpPr txBox="1"/>
+          <p:cNvSpPr txBox="1">
+            <a:spLocks noGrp="1"/>
+          </p:cNvSpPr>
           <p:nvPr>
             <p:ph type="title"/>
           </p:nvPr>
@@ -2569,7 +2711,7 @@
           </a:prstGeom>
         </p:spPr>
         <p:txBody>
-          <a:bodyPr anchorCtr="0" anchor="ctr" bIns="91425" lIns="91425" spcFirstLastPara="1" rIns="91425" wrap="square" tIns="91425">
+          <a:bodyPr spcFirstLastPara="1" wrap="square" lIns="91425" tIns="91425" rIns="91425" bIns="91425" anchor="ctr" anchorCtr="0">
             <a:noAutofit/>
           </a:bodyPr>
           <a:lstStyle>
@@ -2673,15 +2815,19 @@
               <a:defRPr sz="3600"/>
             </a:lvl9pPr>
           </a:lstStyle>
-          <a:p/>
+          <a:p>
+            <a:endParaRPr/>
+          </a:p>
         </p:txBody>
       </p:sp>
       <p:sp>
         <p:nvSpPr>
           <p:cNvPr id="15" name="Google Shape;15;p3"/>
-          <p:cNvSpPr txBox="1"/>
+          <p:cNvSpPr txBox="1">
+            <a:spLocks noGrp="1"/>
+          </p:cNvSpPr>
           <p:nvPr>
-            <p:ph idx="12" type="sldNum"/>
+            <p:ph type="sldNum" idx="12"/>
           </p:nvPr>
         </p:nvSpPr>
         <p:spPr>
@@ -2694,7 +2840,7 @@
           </a:prstGeom>
         </p:spPr>
         <p:txBody>
-          <a:bodyPr anchorCtr="0" anchor="ctr" bIns="91425" lIns="91425" spcFirstLastPara="1" rIns="91425" wrap="square" tIns="91425">
+          <a:bodyPr spcFirstLastPara="1" wrap="square" lIns="91425" tIns="91425" rIns="91425" bIns="91425" anchor="ctr" anchorCtr="0">
             <a:noAutofit/>
           </a:bodyPr>
           <a:lstStyle>
@@ -2736,7 +2882,7 @@
             </a:lvl9pPr>
           </a:lstStyle>
           <a:p>
-            <a:pPr indent="0" lvl="0" marL="0" rtl="0" algn="r">
+            <a:pPr marL="0" lvl="0" indent="0" algn="r" rtl="0">
               <a:spcBef>
                 <a:spcPts val="0"/>
               </a:spcBef>
@@ -2747,7 +2893,7 @@
             </a:pPr>
             <a:fld id="{00000000-1234-1234-1234-123412341234}" type="slidenum">
               <a:rPr lang="en"/>
-              <a:t>‹#›</a:t>
+              <a:t>‹nº›</a:t>
             </a:fld>
             <a:endParaRPr/>
           </a:p>
@@ -2762,11 +2908,11 @@
 </file>
 
 <file path=ppt/slideLayouts/slideLayout3.xml><?xml version="1.0" encoding="utf-8"?>
-<p:sldLayout xmlns:a="http://schemas.openxmlformats.org/drawingml/2006/main" xmlns:r="http://schemas.openxmlformats.org/officeDocument/2006/relationships" xmlns:mc="http://schemas.openxmlformats.org/markup-compatibility/2006" xmlns:mv="urn:schemas-microsoft-com:mac:vml" xmlns:p="http://schemas.openxmlformats.org/presentationml/2006/main" xmlns:c="http://schemas.openxmlformats.org/drawingml/2006/chart" xmlns:dgm="http://schemas.openxmlformats.org/drawingml/2006/diagram" xmlns:o="urn:schemas-microsoft-com:office:office" xmlns:v="urn:schemas-microsoft-com:vml" xmlns:pvml="urn:schemas-microsoft-com:office:powerpoint" xmlns:com="http://schemas.openxmlformats.org/drawingml/2006/compatibility" xmlns:p14="http://schemas.microsoft.com/office/powerpoint/2010/main" xmlns:p15="http://schemas.microsoft.com/office/powerpoint/2012/main" xmlns:ahyp="http://schemas.microsoft.com/office/drawing/2018/hyperlinkcolor" matchingName="Title and body" type="tx">
+<p:sldLayout xmlns:a="http://schemas.openxmlformats.org/drawingml/2006/main" xmlns:r="http://schemas.openxmlformats.org/officeDocument/2006/relationships" xmlns:p="http://schemas.openxmlformats.org/presentationml/2006/main" matchingName="Title and body" type="tx">
   <p:cSld name="TITLE_AND_BODY">
     <p:spTree>
       <p:nvGrpSpPr>
-        <p:cNvPr id="16" name="Shape 16"/>
+        <p:cNvPr id="1" name="Shape 16"/>
         <p:cNvGrpSpPr/>
         <p:nvPr/>
       </p:nvGrpSpPr>
@@ -2781,7 +2927,9 @@
       <p:sp>
         <p:nvSpPr>
           <p:cNvPr id="17" name="Google Shape;17;p4"/>
-          <p:cNvSpPr txBox="1"/>
+          <p:cNvSpPr txBox="1">
+            <a:spLocks noGrp="1"/>
+          </p:cNvSpPr>
           <p:nvPr>
             <p:ph type="title"/>
           </p:nvPr>
@@ -2796,7 +2944,7 @@
           </a:prstGeom>
         </p:spPr>
         <p:txBody>
-          <a:bodyPr anchorCtr="0" anchor="t" bIns="91425" lIns="91425" spcFirstLastPara="1" rIns="91425" wrap="square" tIns="91425">
+          <a:bodyPr spcFirstLastPara="1" wrap="square" lIns="91425" tIns="91425" rIns="91425" bIns="91425" anchor="t" anchorCtr="0">
             <a:noAutofit/>
           </a:bodyPr>
           <a:lstStyle>
@@ -2900,15 +3048,19 @@
               <a:defRPr/>
             </a:lvl9pPr>
           </a:lstStyle>
-          <a:p/>
+          <a:p>
+            <a:endParaRPr/>
+          </a:p>
         </p:txBody>
       </p:sp>
       <p:sp>
         <p:nvSpPr>
           <p:cNvPr id="18" name="Google Shape;18;p4"/>
-          <p:cNvSpPr txBox="1"/>
+          <p:cNvSpPr txBox="1">
+            <a:spLocks noGrp="1"/>
+          </p:cNvSpPr>
           <p:nvPr>
-            <p:ph idx="1" type="body"/>
+            <p:ph type="body" idx="1"/>
           </p:nvPr>
         </p:nvSpPr>
         <p:spPr>
@@ -2921,11 +3073,11 @@
           </a:prstGeom>
         </p:spPr>
         <p:txBody>
-          <a:bodyPr anchorCtr="0" anchor="t" bIns="91425" lIns="91425" spcFirstLastPara="1" rIns="91425" wrap="square" tIns="91425">
+          <a:bodyPr spcFirstLastPara="1" wrap="square" lIns="91425" tIns="91425" rIns="91425" bIns="91425" anchor="t" anchorCtr="0">
             <a:noAutofit/>
           </a:bodyPr>
           <a:lstStyle>
-            <a:lvl1pPr indent="-342900" lvl="0" marL="457200">
+            <a:lvl1pPr marL="457200" lvl="0" indent="-342900">
               <a:spcBef>
                 <a:spcPts val="0"/>
               </a:spcBef>
@@ -2936,7 +3088,7 @@
               <a:buChar char="●"/>
               <a:defRPr/>
             </a:lvl1pPr>
-            <a:lvl2pPr indent="-317500" lvl="1" marL="914400">
+            <a:lvl2pPr marL="914400" lvl="1" indent="-317500">
               <a:spcBef>
                 <a:spcPts val="1600"/>
               </a:spcBef>
@@ -2947,7 +3099,7 @@
               <a:buChar char="○"/>
               <a:defRPr/>
             </a:lvl2pPr>
-            <a:lvl3pPr indent="-317500" lvl="2" marL="1371600">
+            <a:lvl3pPr marL="1371600" lvl="2" indent="-317500">
               <a:spcBef>
                 <a:spcPts val="1600"/>
               </a:spcBef>
@@ -2958,7 +3110,7 @@
               <a:buChar char="■"/>
               <a:defRPr/>
             </a:lvl3pPr>
-            <a:lvl4pPr indent="-317500" lvl="3" marL="1828800">
+            <a:lvl4pPr marL="1828800" lvl="3" indent="-317500">
               <a:spcBef>
                 <a:spcPts val="1600"/>
               </a:spcBef>
@@ -2969,7 +3121,7 @@
               <a:buChar char="●"/>
               <a:defRPr/>
             </a:lvl4pPr>
-            <a:lvl5pPr indent="-317500" lvl="4" marL="2286000">
+            <a:lvl5pPr marL="2286000" lvl="4" indent="-317500">
               <a:spcBef>
                 <a:spcPts val="1600"/>
               </a:spcBef>
@@ -2980,7 +3132,7 @@
               <a:buChar char="○"/>
               <a:defRPr/>
             </a:lvl5pPr>
-            <a:lvl6pPr indent="-317500" lvl="5" marL="2743200">
+            <a:lvl6pPr marL="2743200" lvl="5" indent="-317500">
               <a:spcBef>
                 <a:spcPts val="1600"/>
               </a:spcBef>
@@ -2991,7 +3143,7 @@
               <a:buChar char="■"/>
               <a:defRPr/>
             </a:lvl6pPr>
-            <a:lvl7pPr indent="-317500" lvl="6" marL="3200400">
+            <a:lvl7pPr marL="3200400" lvl="6" indent="-317500">
               <a:spcBef>
                 <a:spcPts val="1600"/>
               </a:spcBef>
@@ -3002,7 +3154,7 @@
               <a:buChar char="●"/>
               <a:defRPr/>
             </a:lvl7pPr>
-            <a:lvl8pPr indent="-317500" lvl="7" marL="3657600">
+            <a:lvl8pPr marL="3657600" lvl="7" indent="-317500">
               <a:spcBef>
                 <a:spcPts val="1600"/>
               </a:spcBef>
@@ -3013,7 +3165,7 @@
               <a:buChar char="○"/>
               <a:defRPr/>
             </a:lvl8pPr>
-            <a:lvl9pPr indent="-317500" lvl="8" marL="4114800">
+            <a:lvl9pPr marL="4114800" lvl="8" indent="-317500">
               <a:spcBef>
                 <a:spcPts val="1600"/>
               </a:spcBef>
@@ -3025,15 +3177,19 @@
               <a:defRPr/>
             </a:lvl9pPr>
           </a:lstStyle>
-          <a:p/>
+          <a:p>
+            <a:endParaRPr/>
+          </a:p>
         </p:txBody>
       </p:sp>
       <p:sp>
         <p:nvSpPr>
           <p:cNvPr id="19" name="Google Shape;19;p4"/>
-          <p:cNvSpPr txBox="1"/>
+          <p:cNvSpPr txBox="1">
+            <a:spLocks noGrp="1"/>
+          </p:cNvSpPr>
           <p:nvPr>
-            <p:ph idx="12" type="sldNum"/>
+            <p:ph type="sldNum" idx="12"/>
           </p:nvPr>
         </p:nvSpPr>
         <p:spPr>
@@ -3046,7 +3202,7 @@
           </a:prstGeom>
         </p:spPr>
         <p:txBody>
-          <a:bodyPr anchorCtr="0" anchor="ctr" bIns="91425" lIns="91425" spcFirstLastPara="1" rIns="91425" wrap="square" tIns="91425">
+          <a:bodyPr spcFirstLastPara="1" wrap="square" lIns="91425" tIns="91425" rIns="91425" bIns="91425" anchor="ctr" anchorCtr="0">
             <a:noAutofit/>
           </a:bodyPr>
           <a:lstStyle>
@@ -3088,7 +3244,7 @@
             </a:lvl9pPr>
           </a:lstStyle>
           <a:p>
-            <a:pPr indent="0" lvl="0" marL="0" rtl="0" algn="r">
+            <a:pPr marL="0" lvl="0" indent="0" algn="r" rtl="0">
               <a:spcBef>
                 <a:spcPts val="0"/>
               </a:spcBef>
@@ -3099,7 +3255,7 @@
             </a:pPr>
             <a:fld id="{00000000-1234-1234-1234-123412341234}" type="slidenum">
               <a:rPr lang="en"/>
-              <a:t>‹#›</a:t>
+              <a:t>‹nº›</a:t>
             </a:fld>
             <a:endParaRPr/>
           </a:p>
@@ -3114,11 +3270,11 @@
 </file>
 
 <file path=ppt/slideLayouts/slideLayout4.xml><?xml version="1.0" encoding="utf-8"?>
-<p:sldLayout xmlns:a="http://schemas.openxmlformats.org/drawingml/2006/main" xmlns:r="http://schemas.openxmlformats.org/officeDocument/2006/relationships" xmlns:mc="http://schemas.openxmlformats.org/markup-compatibility/2006" xmlns:mv="urn:schemas-microsoft-com:mac:vml" xmlns:p="http://schemas.openxmlformats.org/presentationml/2006/main" xmlns:c="http://schemas.openxmlformats.org/drawingml/2006/chart" xmlns:dgm="http://schemas.openxmlformats.org/drawingml/2006/diagram" xmlns:o="urn:schemas-microsoft-com:office:office" xmlns:v="urn:schemas-microsoft-com:vml" xmlns:pvml="urn:schemas-microsoft-com:office:powerpoint" xmlns:com="http://schemas.openxmlformats.org/drawingml/2006/compatibility" xmlns:p14="http://schemas.microsoft.com/office/powerpoint/2010/main" xmlns:p15="http://schemas.microsoft.com/office/powerpoint/2012/main" xmlns:ahyp="http://schemas.microsoft.com/office/drawing/2018/hyperlinkcolor" matchingName="Title and two columns" type="twoColTx">
+<p:sldLayout xmlns:a="http://schemas.openxmlformats.org/drawingml/2006/main" xmlns:r="http://schemas.openxmlformats.org/officeDocument/2006/relationships" xmlns:p="http://schemas.openxmlformats.org/presentationml/2006/main" matchingName="Title and two columns" type="twoColTx">
   <p:cSld name="TITLE_AND_TWO_COLUMNS">
     <p:spTree>
       <p:nvGrpSpPr>
-        <p:cNvPr id="20" name="Shape 20"/>
+        <p:cNvPr id="1" name="Shape 20"/>
         <p:cNvGrpSpPr/>
         <p:nvPr/>
       </p:nvGrpSpPr>
@@ -3133,7 +3289,9 @@
       <p:sp>
         <p:nvSpPr>
           <p:cNvPr id="21" name="Google Shape;21;p5"/>
-          <p:cNvSpPr txBox="1"/>
+          <p:cNvSpPr txBox="1">
+            <a:spLocks noGrp="1"/>
+          </p:cNvSpPr>
           <p:nvPr>
             <p:ph type="title"/>
           </p:nvPr>
@@ -3148,7 +3306,7 @@
           </a:prstGeom>
         </p:spPr>
         <p:txBody>
-          <a:bodyPr anchorCtr="0" anchor="t" bIns="91425" lIns="91425" spcFirstLastPara="1" rIns="91425" wrap="square" tIns="91425">
+          <a:bodyPr spcFirstLastPara="1" wrap="square" lIns="91425" tIns="91425" rIns="91425" bIns="91425" anchor="t" anchorCtr="0">
             <a:noAutofit/>
           </a:bodyPr>
           <a:lstStyle>
@@ -3252,15 +3410,19 @@
               <a:defRPr/>
             </a:lvl9pPr>
           </a:lstStyle>
-          <a:p/>
+          <a:p>
+            <a:endParaRPr/>
+          </a:p>
         </p:txBody>
       </p:sp>
       <p:sp>
         <p:nvSpPr>
           <p:cNvPr id="22" name="Google Shape;22;p5"/>
-          <p:cNvSpPr txBox="1"/>
+          <p:cNvSpPr txBox="1">
+            <a:spLocks noGrp="1"/>
+          </p:cNvSpPr>
           <p:nvPr>
-            <p:ph idx="1" type="body"/>
+            <p:ph type="body" idx="1"/>
           </p:nvPr>
         </p:nvSpPr>
         <p:spPr>
@@ -3273,11 +3435,11 @@
           </a:prstGeom>
         </p:spPr>
         <p:txBody>
-          <a:bodyPr anchorCtr="0" anchor="t" bIns="91425" lIns="91425" spcFirstLastPara="1" rIns="91425" wrap="square" tIns="91425">
+          <a:bodyPr spcFirstLastPara="1" wrap="square" lIns="91425" tIns="91425" rIns="91425" bIns="91425" anchor="t" anchorCtr="0">
             <a:noAutofit/>
           </a:bodyPr>
           <a:lstStyle>
-            <a:lvl1pPr indent="-317500" lvl="0" marL="457200">
+            <a:lvl1pPr marL="457200" lvl="0" indent="-317500">
               <a:spcBef>
                 <a:spcPts val="0"/>
               </a:spcBef>
@@ -3288,7 +3450,7 @@
               <a:buChar char="●"/>
               <a:defRPr sz="1400"/>
             </a:lvl1pPr>
-            <a:lvl2pPr indent="-304800" lvl="1" marL="914400">
+            <a:lvl2pPr marL="914400" lvl="1" indent="-304800">
               <a:spcBef>
                 <a:spcPts val="1600"/>
               </a:spcBef>
@@ -3299,7 +3461,7 @@
               <a:buChar char="○"/>
               <a:defRPr sz="1200"/>
             </a:lvl2pPr>
-            <a:lvl3pPr indent="-304800" lvl="2" marL="1371600">
+            <a:lvl3pPr marL="1371600" lvl="2" indent="-304800">
               <a:spcBef>
                 <a:spcPts val="1600"/>
               </a:spcBef>
@@ -3310,7 +3472,7 @@
               <a:buChar char="■"/>
               <a:defRPr sz="1200"/>
             </a:lvl3pPr>
-            <a:lvl4pPr indent="-304800" lvl="3" marL="1828800">
+            <a:lvl4pPr marL="1828800" lvl="3" indent="-304800">
               <a:spcBef>
                 <a:spcPts val="1600"/>
               </a:spcBef>
@@ -3321,7 +3483,7 @@
               <a:buChar char="●"/>
               <a:defRPr sz="1200"/>
             </a:lvl4pPr>
-            <a:lvl5pPr indent="-304800" lvl="4" marL="2286000">
+            <a:lvl5pPr marL="2286000" lvl="4" indent="-304800">
               <a:spcBef>
                 <a:spcPts val="1600"/>
               </a:spcBef>
@@ -3332,7 +3494,7 @@
               <a:buChar char="○"/>
               <a:defRPr sz="1200"/>
             </a:lvl5pPr>
-            <a:lvl6pPr indent="-304800" lvl="5" marL="2743200">
+            <a:lvl6pPr marL="2743200" lvl="5" indent="-304800">
               <a:spcBef>
                 <a:spcPts val="1600"/>
               </a:spcBef>
@@ -3343,7 +3505,7 @@
               <a:buChar char="■"/>
               <a:defRPr sz="1200"/>
             </a:lvl6pPr>
-            <a:lvl7pPr indent="-304800" lvl="6" marL="3200400">
+            <a:lvl7pPr marL="3200400" lvl="6" indent="-304800">
               <a:spcBef>
                 <a:spcPts val="1600"/>
               </a:spcBef>
@@ -3354,7 +3516,7 @@
               <a:buChar char="●"/>
               <a:defRPr sz="1200"/>
             </a:lvl7pPr>
-            <a:lvl8pPr indent="-304800" lvl="7" marL="3657600">
+            <a:lvl8pPr marL="3657600" lvl="7" indent="-304800">
               <a:spcBef>
                 <a:spcPts val="1600"/>
               </a:spcBef>
@@ -3365,7 +3527,7 @@
               <a:buChar char="○"/>
               <a:defRPr sz="1200"/>
             </a:lvl8pPr>
-            <a:lvl9pPr indent="-304800" lvl="8" marL="4114800">
+            <a:lvl9pPr marL="4114800" lvl="8" indent="-304800">
               <a:spcBef>
                 <a:spcPts val="1600"/>
               </a:spcBef>
@@ -3377,15 +3539,19 @@
               <a:defRPr sz="1200"/>
             </a:lvl9pPr>
           </a:lstStyle>
-          <a:p/>
+          <a:p>
+            <a:endParaRPr/>
+          </a:p>
         </p:txBody>
       </p:sp>
       <p:sp>
         <p:nvSpPr>
           <p:cNvPr id="23" name="Google Shape;23;p5"/>
-          <p:cNvSpPr txBox="1"/>
+          <p:cNvSpPr txBox="1">
+            <a:spLocks noGrp="1"/>
+          </p:cNvSpPr>
           <p:nvPr>
-            <p:ph idx="2" type="body"/>
+            <p:ph type="body" idx="2"/>
           </p:nvPr>
         </p:nvSpPr>
         <p:spPr>
@@ -3398,11 +3564,11 @@
           </a:prstGeom>
         </p:spPr>
         <p:txBody>
-          <a:bodyPr anchorCtr="0" anchor="t" bIns="91425" lIns="91425" spcFirstLastPara="1" rIns="91425" wrap="square" tIns="91425">
+          <a:bodyPr spcFirstLastPara="1" wrap="square" lIns="91425" tIns="91425" rIns="91425" bIns="91425" anchor="t" anchorCtr="0">
             <a:noAutofit/>
           </a:bodyPr>
           <a:lstStyle>
-            <a:lvl1pPr indent="-317500" lvl="0" marL="457200">
+            <a:lvl1pPr marL="457200" lvl="0" indent="-317500">
               <a:spcBef>
                 <a:spcPts val="0"/>
               </a:spcBef>
@@ -3413,7 +3579,7 @@
               <a:buChar char="●"/>
               <a:defRPr sz="1400"/>
             </a:lvl1pPr>
-            <a:lvl2pPr indent="-304800" lvl="1" marL="914400">
+            <a:lvl2pPr marL="914400" lvl="1" indent="-304800">
               <a:spcBef>
                 <a:spcPts val="1600"/>
               </a:spcBef>
@@ -3424,7 +3590,7 @@
               <a:buChar char="○"/>
               <a:defRPr sz="1200"/>
             </a:lvl2pPr>
-            <a:lvl3pPr indent="-304800" lvl="2" marL="1371600">
+            <a:lvl3pPr marL="1371600" lvl="2" indent="-304800">
               <a:spcBef>
                 <a:spcPts val="1600"/>
               </a:spcBef>
@@ -3435,7 +3601,7 @@
               <a:buChar char="■"/>
               <a:defRPr sz="1200"/>
             </a:lvl3pPr>
-            <a:lvl4pPr indent="-304800" lvl="3" marL="1828800">
+            <a:lvl4pPr marL="1828800" lvl="3" indent="-304800">
               <a:spcBef>
                 <a:spcPts val="1600"/>
               </a:spcBef>
@@ -3446,7 +3612,7 @@
               <a:buChar char="●"/>
               <a:defRPr sz="1200"/>
             </a:lvl4pPr>
-            <a:lvl5pPr indent="-304800" lvl="4" marL="2286000">
+            <a:lvl5pPr marL="2286000" lvl="4" indent="-304800">
               <a:spcBef>
                 <a:spcPts val="1600"/>
               </a:spcBef>
@@ -3457,7 +3623,7 @@
               <a:buChar char="○"/>
               <a:defRPr sz="1200"/>
             </a:lvl5pPr>
-            <a:lvl6pPr indent="-304800" lvl="5" marL="2743200">
+            <a:lvl6pPr marL="2743200" lvl="5" indent="-304800">
               <a:spcBef>
                 <a:spcPts val="1600"/>
               </a:spcBef>
@@ -3468,7 +3634,7 @@
               <a:buChar char="■"/>
               <a:defRPr sz="1200"/>
             </a:lvl6pPr>
-            <a:lvl7pPr indent="-304800" lvl="6" marL="3200400">
+            <a:lvl7pPr marL="3200400" lvl="6" indent="-304800">
               <a:spcBef>
                 <a:spcPts val="1600"/>
               </a:spcBef>
@@ -3479,7 +3645,7 @@
               <a:buChar char="●"/>
               <a:defRPr sz="1200"/>
             </a:lvl7pPr>
-            <a:lvl8pPr indent="-304800" lvl="7" marL="3657600">
+            <a:lvl8pPr marL="3657600" lvl="7" indent="-304800">
               <a:spcBef>
                 <a:spcPts val="1600"/>
               </a:spcBef>
@@ -3490,7 +3656,7 @@
               <a:buChar char="○"/>
               <a:defRPr sz="1200"/>
             </a:lvl8pPr>
-            <a:lvl9pPr indent="-304800" lvl="8" marL="4114800">
+            <a:lvl9pPr marL="4114800" lvl="8" indent="-304800">
               <a:spcBef>
                 <a:spcPts val="1600"/>
               </a:spcBef>
@@ -3502,15 +3668,19 @@
               <a:defRPr sz="1200"/>
             </a:lvl9pPr>
           </a:lstStyle>
-          <a:p/>
+          <a:p>
+            <a:endParaRPr/>
+          </a:p>
         </p:txBody>
       </p:sp>
       <p:sp>
         <p:nvSpPr>
           <p:cNvPr id="24" name="Google Shape;24;p5"/>
-          <p:cNvSpPr txBox="1"/>
+          <p:cNvSpPr txBox="1">
+            <a:spLocks noGrp="1"/>
+          </p:cNvSpPr>
           <p:nvPr>
-            <p:ph idx="12" type="sldNum"/>
+            <p:ph type="sldNum" idx="12"/>
           </p:nvPr>
         </p:nvSpPr>
         <p:spPr>
@@ -3523,7 +3693,7 @@
           </a:prstGeom>
         </p:spPr>
         <p:txBody>
-          <a:bodyPr anchorCtr="0" anchor="ctr" bIns="91425" lIns="91425" spcFirstLastPara="1" rIns="91425" wrap="square" tIns="91425">
+          <a:bodyPr spcFirstLastPara="1" wrap="square" lIns="91425" tIns="91425" rIns="91425" bIns="91425" anchor="ctr" anchorCtr="0">
             <a:noAutofit/>
           </a:bodyPr>
           <a:lstStyle>
@@ -3565,7 +3735,7 @@
             </a:lvl9pPr>
           </a:lstStyle>
           <a:p>
-            <a:pPr indent="0" lvl="0" marL="0" rtl="0" algn="r">
+            <a:pPr marL="0" lvl="0" indent="0" algn="r" rtl="0">
               <a:spcBef>
                 <a:spcPts val="0"/>
               </a:spcBef>
@@ -3576,7 +3746,7 @@
             </a:pPr>
             <a:fld id="{00000000-1234-1234-1234-123412341234}" type="slidenum">
               <a:rPr lang="en"/>
-              <a:t>‹#›</a:t>
+              <a:t>‹nº›</a:t>
             </a:fld>
             <a:endParaRPr/>
           </a:p>
@@ -3591,11 +3761,11 @@
 </file>
 
 <file path=ppt/slideLayouts/slideLayout5.xml><?xml version="1.0" encoding="utf-8"?>
-<p:sldLayout xmlns:a="http://schemas.openxmlformats.org/drawingml/2006/main" xmlns:r="http://schemas.openxmlformats.org/officeDocument/2006/relationships" xmlns:mc="http://schemas.openxmlformats.org/markup-compatibility/2006" xmlns:mv="urn:schemas-microsoft-com:mac:vml" xmlns:p="http://schemas.openxmlformats.org/presentationml/2006/main" xmlns:c="http://schemas.openxmlformats.org/drawingml/2006/chart" xmlns:dgm="http://schemas.openxmlformats.org/drawingml/2006/diagram" xmlns:o="urn:schemas-microsoft-com:office:office" xmlns:v="urn:schemas-microsoft-com:vml" xmlns:pvml="urn:schemas-microsoft-com:office:powerpoint" xmlns:com="http://schemas.openxmlformats.org/drawingml/2006/compatibility" xmlns:p14="http://schemas.microsoft.com/office/powerpoint/2010/main" xmlns:p15="http://schemas.microsoft.com/office/powerpoint/2012/main" xmlns:ahyp="http://schemas.microsoft.com/office/drawing/2018/hyperlinkcolor" matchingName="Title only" type="titleOnly">
+<p:sldLayout xmlns:a="http://schemas.openxmlformats.org/drawingml/2006/main" xmlns:r="http://schemas.openxmlformats.org/officeDocument/2006/relationships" xmlns:p="http://schemas.openxmlformats.org/presentationml/2006/main" matchingName="Title only" type="titleOnly">
   <p:cSld name="TITLE_ONLY">
     <p:spTree>
       <p:nvGrpSpPr>
-        <p:cNvPr id="25" name="Shape 25"/>
+        <p:cNvPr id="1" name="Shape 25"/>
         <p:cNvGrpSpPr/>
         <p:nvPr/>
       </p:nvGrpSpPr>
@@ -3610,7 +3780,9 @@
       <p:sp>
         <p:nvSpPr>
           <p:cNvPr id="26" name="Google Shape;26;p6"/>
-          <p:cNvSpPr txBox="1"/>
+          <p:cNvSpPr txBox="1">
+            <a:spLocks noGrp="1"/>
+          </p:cNvSpPr>
           <p:nvPr>
             <p:ph type="title"/>
           </p:nvPr>
@@ -3625,7 +3797,7 @@
           </a:prstGeom>
         </p:spPr>
         <p:txBody>
-          <a:bodyPr anchorCtr="0" anchor="t" bIns="91425" lIns="91425" spcFirstLastPara="1" rIns="91425" wrap="square" tIns="91425">
+          <a:bodyPr spcFirstLastPara="1" wrap="square" lIns="91425" tIns="91425" rIns="91425" bIns="91425" anchor="t" anchorCtr="0">
             <a:noAutofit/>
           </a:bodyPr>
           <a:lstStyle>
@@ -3729,15 +3901,19 @@
               <a:defRPr/>
             </a:lvl9pPr>
           </a:lstStyle>
-          <a:p/>
+          <a:p>
+            <a:endParaRPr/>
+          </a:p>
         </p:txBody>
       </p:sp>
       <p:sp>
         <p:nvSpPr>
           <p:cNvPr id="27" name="Google Shape;27;p6"/>
-          <p:cNvSpPr txBox="1"/>
+          <p:cNvSpPr txBox="1">
+            <a:spLocks noGrp="1"/>
+          </p:cNvSpPr>
           <p:nvPr>
-            <p:ph idx="12" type="sldNum"/>
+            <p:ph type="sldNum" idx="12"/>
           </p:nvPr>
         </p:nvSpPr>
         <p:spPr>
@@ -3750,7 +3926,7 @@
           </a:prstGeom>
         </p:spPr>
         <p:txBody>
-          <a:bodyPr anchorCtr="0" anchor="ctr" bIns="91425" lIns="91425" spcFirstLastPara="1" rIns="91425" wrap="square" tIns="91425">
+          <a:bodyPr spcFirstLastPara="1" wrap="square" lIns="91425" tIns="91425" rIns="91425" bIns="91425" anchor="ctr" anchorCtr="0">
             <a:noAutofit/>
           </a:bodyPr>
           <a:lstStyle>
@@ -3792,7 +3968,7 @@
             </a:lvl9pPr>
           </a:lstStyle>
           <a:p>
-            <a:pPr indent="0" lvl="0" marL="0" rtl="0" algn="r">
+            <a:pPr marL="0" lvl="0" indent="0" algn="r" rtl="0">
               <a:spcBef>
                 <a:spcPts val="0"/>
               </a:spcBef>
@@ -3803,7 +3979,7 @@
             </a:pPr>
             <a:fld id="{00000000-1234-1234-1234-123412341234}" type="slidenum">
               <a:rPr lang="en"/>
-              <a:t>‹#›</a:t>
+              <a:t>‹nº›</a:t>
             </a:fld>
             <a:endParaRPr/>
           </a:p>
@@ -3818,11 +3994,11 @@
 </file>
 
 <file path=ppt/slideLayouts/slideLayout6.xml><?xml version="1.0" encoding="utf-8"?>
-<p:sldLayout xmlns:a="http://schemas.openxmlformats.org/drawingml/2006/main" xmlns:r="http://schemas.openxmlformats.org/officeDocument/2006/relationships" xmlns:mc="http://schemas.openxmlformats.org/markup-compatibility/2006" xmlns:mv="urn:schemas-microsoft-com:mac:vml" xmlns:p="http://schemas.openxmlformats.org/presentationml/2006/main" xmlns:c="http://schemas.openxmlformats.org/drawingml/2006/chart" xmlns:dgm="http://schemas.openxmlformats.org/drawingml/2006/diagram" xmlns:o="urn:schemas-microsoft-com:office:office" xmlns:v="urn:schemas-microsoft-com:vml" xmlns:pvml="urn:schemas-microsoft-com:office:powerpoint" xmlns:com="http://schemas.openxmlformats.org/drawingml/2006/compatibility" xmlns:p14="http://schemas.microsoft.com/office/powerpoint/2010/main" xmlns:p15="http://schemas.microsoft.com/office/powerpoint/2012/main" xmlns:ahyp="http://schemas.microsoft.com/office/drawing/2018/hyperlinkcolor" matchingName="One column text">
+<p:sldLayout xmlns:a="http://schemas.openxmlformats.org/drawingml/2006/main" xmlns:r="http://schemas.openxmlformats.org/officeDocument/2006/relationships" xmlns:p="http://schemas.openxmlformats.org/presentationml/2006/main" matchingName="One column text">
   <p:cSld name="ONE_COLUMN_TEXT">
     <p:spTree>
       <p:nvGrpSpPr>
-        <p:cNvPr id="28" name="Shape 28"/>
+        <p:cNvPr id="1" name="Shape 28"/>
         <p:cNvGrpSpPr/>
         <p:nvPr/>
       </p:nvGrpSpPr>
@@ -3837,7 +4013,9 @@
       <p:sp>
         <p:nvSpPr>
           <p:cNvPr id="29" name="Google Shape;29;p7"/>
-          <p:cNvSpPr txBox="1"/>
+          <p:cNvSpPr txBox="1">
+            <a:spLocks noGrp="1"/>
+          </p:cNvSpPr>
           <p:nvPr>
             <p:ph type="title"/>
           </p:nvPr>
@@ -3852,7 +4030,7 @@
           </a:prstGeom>
         </p:spPr>
         <p:txBody>
-          <a:bodyPr anchorCtr="0" anchor="b" bIns="91425" lIns="91425" spcFirstLastPara="1" rIns="91425" wrap="square" tIns="91425">
+          <a:bodyPr spcFirstLastPara="1" wrap="square" lIns="91425" tIns="91425" rIns="91425" bIns="91425" anchor="b" anchorCtr="0">
             <a:noAutofit/>
           </a:bodyPr>
           <a:lstStyle>
@@ -3956,15 +4134,19 @@
               <a:defRPr sz="2400"/>
             </a:lvl9pPr>
           </a:lstStyle>
-          <a:p/>
+          <a:p>
+            <a:endParaRPr/>
+          </a:p>
         </p:txBody>
       </p:sp>
       <p:sp>
         <p:nvSpPr>
           <p:cNvPr id="30" name="Google Shape;30;p7"/>
-          <p:cNvSpPr txBox="1"/>
+          <p:cNvSpPr txBox="1">
+            <a:spLocks noGrp="1"/>
+          </p:cNvSpPr>
           <p:nvPr>
-            <p:ph idx="1" type="body"/>
+            <p:ph type="body" idx="1"/>
           </p:nvPr>
         </p:nvSpPr>
         <p:spPr>
@@ -3977,11 +4159,11 @@
           </a:prstGeom>
         </p:spPr>
         <p:txBody>
-          <a:bodyPr anchorCtr="0" anchor="t" bIns="91425" lIns="91425" spcFirstLastPara="1" rIns="91425" wrap="square" tIns="91425">
+          <a:bodyPr spcFirstLastPara="1" wrap="square" lIns="91425" tIns="91425" rIns="91425" bIns="91425" anchor="t" anchorCtr="0">
             <a:noAutofit/>
           </a:bodyPr>
           <a:lstStyle>
-            <a:lvl1pPr indent="-304800" lvl="0" marL="457200">
+            <a:lvl1pPr marL="457200" lvl="0" indent="-304800">
               <a:spcBef>
                 <a:spcPts val="0"/>
               </a:spcBef>
@@ -3992,7 +4174,7 @@
               <a:buChar char="●"/>
               <a:defRPr sz="1200"/>
             </a:lvl1pPr>
-            <a:lvl2pPr indent="-304800" lvl="1" marL="914400">
+            <a:lvl2pPr marL="914400" lvl="1" indent="-304800">
               <a:spcBef>
                 <a:spcPts val="1600"/>
               </a:spcBef>
@@ -4003,7 +4185,7 @@
               <a:buChar char="○"/>
               <a:defRPr sz="1200"/>
             </a:lvl2pPr>
-            <a:lvl3pPr indent="-304800" lvl="2" marL="1371600">
+            <a:lvl3pPr marL="1371600" lvl="2" indent="-304800">
               <a:spcBef>
                 <a:spcPts val="1600"/>
               </a:spcBef>
@@ -4014,7 +4196,7 @@
               <a:buChar char="■"/>
               <a:defRPr sz="1200"/>
             </a:lvl3pPr>
-            <a:lvl4pPr indent="-304800" lvl="3" marL="1828800">
+            <a:lvl4pPr marL="1828800" lvl="3" indent="-304800">
               <a:spcBef>
                 <a:spcPts val="1600"/>
               </a:spcBef>
@@ -4025,7 +4207,7 @@
               <a:buChar char="●"/>
               <a:defRPr sz="1200"/>
             </a:lvl4pPr>
-            <a:lvl5pPr indent="-304800" lvl="4" marL="2286000">
+            <a:lvl5pPr marL="2286000" lvl="4" indent="-304800">
               <a:spcBef>
                 <a:spcPts val="1600"/>
               </a:spcBef>
@@ -4036,7 +4218,7 @@
               <a:buChar char="○"/>
               <a:defRPr sz="1200"/>
             </a:lvl5pPr>
-            <a:lvl6pPr indent="-304800" lvl="5" marL="2743200">
+            <a:lvl6pPr marL="2743200" lvl="5" indent="-304800">
               <a:spcBef>
                 <a:spcPts val="1600"/>
               </a:spcBef>
@@ -4047,7 +4229,7 @@
               <a:buChar char="■"/>
               <a:defRPr sz="1200"/>
             </a:lvl6pPr>
-            <a:lvl7pPr indent="-304800" lvl="6" marL="3200400">
+            <a:lvl7pPr marL="3200400" lvl="6" indent="-304800">
               <a:spcBef>
                 <a:spcPts val="1600"/>
               </a:spcBef>
@@ -4058,7 +4240,7 @@
               <a:buChar char="●"/>
               <a:defRPr sz="1200"/>
             </a:lvl7pPr>
-            <a:lvl8pPr indent="-304800" lvl="7" marL="3657600">
+            <a:lvl8pPr marL="3657600" lvl="7" indent="-304800">
               <a:spcBef>
                 <a:spcPts val="1600"/>
               </a:spcBef>
@@ -4069,7 +4251,7 @@
               <a:buChar char="○"/>
               <a:defRPr sz="1200"/>
             </a:lvl8pPr>
-            <a:lvl9pPr indent="-304800" lvl="8" marL="4114800">
+            <a:lvl9pPr marL="4114800" lvl="8" indent="-304800">
               <a:spcBef>
                 <a:spcPts val="1600"/>
               </a:spcBef>
@@ -4081,15 +4263,19 @@
               <a:defRPr sz="1200"/>
             </a:lvl9pPr>
           </a:lstStyle>
-          <a:p/>
+          <a:p>
+            <a:endParaRPr/>
+          </a:p>
         </p:txBody>
       </p:sp>
       <p:sp>
         <p:nvSpPr>
           <p:cNvPr id="31" name="Google Shape;31;p7"/>
-          <p:cNvSpPr txBox="1"/>
+          <p:cNvSpPr txBox="1">
+            <a:spLocks noGrp="1"/>
+          </p:cNvSpPr>
           <p:nvPr>
-            <p:ph idx="12" type="sldNum"/>
+            <p:ph type="sldNum" idx="12"/>
           </p:nvPr>
         </p:nvSpPr>
         <p:spPr>
@@ -4102,7 +4288,7 @@
           </a:prstGeom>
         </p:spPr>
         <p:txBody>
-          <a:bodyPr anchorCtr="0" anchor="ctr" bIns="91425" lIns="91425" spcFirstLastPara="1" rIns="91425" wrap="square" tIns="91425">
+          <a:bodyPr spcFirstLastPara="1" wrap="square" lIns="91425" tIns="91425" rIns="91425" bIns="91425" anchor="ctr" anchorCtr="0">
             <a:noAutofit/>
           </a:bodyPr>
           <a:lstStyle>
@@ -4144,7 +4330,7 @@
             </a:lvl9pPr>
           </a:lstStyle>
           <a:p>
-            <a:pPr indent="0" lvl="0" marL="0" rtl="0" algn="r">
+            <a:pPr marL="0" lvl="0" indent="0" algn="r" rtl="0">
               <a:spcBef>
                 <a:spcPts val="0"/>
               </a:spcBef>
@@ -4155,7 +4341,7 @@
             </a:pPr>
             <a:fld id="{00000000-1234-1234-1234-123412341234}" type="slidenum">
               <a:rPr lang="en"/>
-              <a:t>‹#›</a:t>
+              <a:t>‹nº›</a:t>
             </a:fld>
             <a:endParaRPr/>
           </a:p>
@@ -4170,11 +4356,11 @@
 </file>
 
 <file path=ppt/slideLayouts/slideLayout7.xml><?xml version="1.0" encoding="utf-8"?>
-<p:sldLayout xmlns:a="http://schemas.openxmlformats.org/drawingml/2006/main" xmlns:r="http://schemas.openxmlformats.org/officeDocument/2006/relationships" xmlns:mc="http://schemas.openxmlformats.org/markup-compatibility/2006" xmlns:mv="urn:schemas-microsoft-com:mac:vml" xmlns:p="http://schemas.openxmlformats.org/presentationml/2006/main" xmlns:c="http://schemas.openxmlformats.org/drawingml/2006/chart" xmlns:dgm="http://schemas.openxmlformats.org/drawingml/2006/diagram" xmlns:o="urn:schemas-microsoft-com:office:office" xmlns:v="urn:schemas-microsoft-com:vml" xmlns:pvml="urn:schemas-microsoft-com:office:powerpoint" xmlns:com="http://schemas.openxmlformats.org/drawingml/2006/compatibility" xmlns:p14="http://schemas.microsoft.com/office/powerpoint/2010/main" xmlns:p15="http://schemas.microsoft.com/office/powerpoint/2012/main" xmlns:ahyp="http://schemas.microsoft.com/office/drawing/2018/hyperlinkcolor" matchingName="Main point">
+<p:sldLayout xmlns:a="http://schemas.openxmlformats.org/drawingml/2006/main" xmlns:r="http://schemas.openxmlformats.org/officeDocument/2006/relationships" xmlns:p="http://schemas.openxmlformats.org/presentationml/2006/main" matchingName="Main point">
   <p:cSld name="MAIN_POINT">
     <p:spTree>
       <p:nvGrpSpPr>
-        <p:cNvPr id="32" name="Shape 32"/>
+        <p:cNvPr id="1" name="Shape 32"/>
         <p:cNvGrpSpPr/>
         <p:nvPr/>
       </p:nvGrpSpPr>
@@ -4189,7 +4375,9 @@
       <p:sp>
         <p:nvSpPr>
           <p:cNvPr id="33" name="Google Shape;33;p8"/>
-          <p:cNvSpPr txBox="1"/>
+          <p:cNvSpPr txBox="1">
+            <a:spLocks noGrp="1"/>
+          </p:cNvSpPr>
           <p:nvPr>
             <p:ph type="title"/>
           </p:nvPr>
@@ -4204,7 +4392,7 @@
           </a:prstGeom>
         </p:spPr>
         <p:txBody>
-          <a:bodyPr anchorCtr="0" anchor="ctr" bIns="91425" lIns="91425" spcFirstLastPara="1" rIns="91425" wrap="square" tIns="91425">
+          <a:bodyPr spcFirstLastPara="1" wrap="square" lIns="91425" tIns="91425" rIns="91425" bIns="91425" anchor="ctr" anchorCtr="0">
             <a:noAutofit/>
           </a:bodyPr>
           <a:lstStyle>
@@ -4308,15 +4496,19 @@
               <a:defRPr sz="4800"/>
             </a:lvl9pPr>
           </a:lstStyle>
-          <a:p/>
+          <a:p>
+            <a:endParaRPr/>
+          </a:p>
         </p:txBody>
       </p:sp>
       <p:sp>
         <p:nvSpPr>
           <p:cNvPr id="34" name="Google Shape;34;p8"/>
-          <p:cNvSpPr txBox="1"/>
+          <p:cNvSpPr txBox="1">
+            <a:spLocks noGrp="1"/>
+          </p:cNvSpPr>
           <p:nvPr>
-            <p:ph idx="12" type="sldNum"/>
+            <p:ph type="sldNum" idx="12"/>
           </p:nvPr>
         </p:nvSpPr>
         <p:spPr>
@@ -4329,7 +4521,7 @@
           </a:prstGeom>
         </p:spPr>
         <p:txBody>
-          <a:bodyPr anchorCtr="0" anchor="ctr" bIns="91425" lIns="91425" spcFirstLastPara="1" rIns="91425" wrap="square" tIns="91425">
+          <a:bodyPr spcFirstLastPara="1" wrap="square" lIns="91425" tIns="91425" rIns="91425" bIns="91425" anchor="ctr" anchorCtr="0">
             <a:noAutofit/>
           </a:bodyPr>
           <a:lstStyle>
@@ -4371,7 +4563,7 @@
             </a:lvl9pPr>
           </a:lstStyle>
           <a:p>
-            <a:pPr indent="0" lvl="0" marL="0" rtl="0" algn="r">
+            <a:pPr marL="0" lvl="0" indent="0" algn="r" rtl="0">
               <a:spcBef>
                 <a:spcPts val="0"/>
               </a:spcBef>
@@ -4382,7 +4574,7 @@
             </a:pPr>
             <a:fld id="{00000000-1234-1234-1234-123412341234}" type="slidenum">
               <a:rPr lang="en"/>
-              <a:t>‹#›</a:t>
+              <a:t>‹nº›</a:t>
             </a:fld>
             <a:endParaRPr/>
           </a:p>
@@ -4397,11 +4589,11 @@
 </file>
 
 <file path=ppt/slideLayouts/slideLayout8.xml><?xml version="1.0" encoding="utf-8"?>
-<p:sldLayout xmlns:a="http://schemas.openxmlformats.org/drawingml/2006/main" xmlns:r="http://schemas.openxmlformats.org/officeDocument/2006/relationships" xmlns:mc="http://schemas.openxmlformats.org/markup-compatibility/2006" xmlns:mv="urn:schemas-microsoft-com:mac:vml" xmlns:p="http://schemas.openxmlformats.org/presentationml/2006/main" xmlns:c="http://schemas.openxmlformats.org/drawingml/2006/chart" xmlns:dgm="http://schemas.openxmlformats.org/drawingml/2006/diagram" xmlns:o="urn:schemas-microsoft-com:office:office" xmlns:v="urn:schemas-microsoft-com:vml" xmlns:pvml="urn:schemas-microsoft-com:office:powerpoint" xmlns:com="http://schemas.openxmlformats.org/drawingml/2006/compatibility" xmlns:p14="http://schemas.microsoft.com/office/powerpoint/2010/main" xmlns:p15="http://schemas.microsoft.com/office/powerpoint/2012/main" xmlns:ahyp="http://schemas.microsoft.com/office/drawing/2018/hyperlinkcolor" matchingName="Section title and description">
+<p:sldLayout xmlns:a="http://schemas.openxmlformats.org/drawingml/2006/main" xmlns:r="http://schemas.openxmlformats.org/officeDocument/2006/relationships" xmlns:p="http://schemas.openxmlformats.org/presentationml/2006/main" matchingName="Section title and description">
   <p:cSld name="SECTION_TITLE_AND_DESCRIPTION">
     <p:spTree>
       <p:nvGrpSpPr>
-        <p:cNvPr id="35" name="Shape 35"/>
+        <p:cNvPr id="1" name="Shape 35"/>
         <p:cNvGrpSpPr/>
         <p:nvPr/>
       </p:nvGrpSpPr>
@@ -4435,23 +4627,20 @@
           </a:ln>
         </p:spPr>
         <p:txBody>
-          <a:bodyPr anchorCtr="0" anchor="ctr" bIns="91425" lIns="91425" spcFirstLastPara="1" rIns="91425" wrap="square" tIns="91425">
+          <a:bodyPr spcFirstLastPara="1" wrap="square" lIns="91425" tIns="91425" rIns="91425" bIns="91425" anchor="ctr" anchorCtr="0">
             <a:noAutofit/>
           </a:bodyPr>
           <a:lstStyle/>
           <a:p>
-            <a:pPr indent="0" lvl="0" marL="0" rtl="0" algn="l">
-              <a:spcBef>
-                <a:spcPts val="0"/>
-              </a:spcBef>
-              <a:spcAft>
-                <a:spcPts val="0"/>
-              </a:spcAft>
-              <a:buNone/>
-            </a:pPr>
-            <a:r>
-              <a:t/>
-            </a:r>
+            <a:pPr marL="0" lvl="0" indent="0" algn="l" rtl="0">
+              <a:spcBef>
+                <a:spcPts val="0"/>
+              </a:spcBef>
+              <a:spcAft>
+                <a:spcPts val="0"/>
+              </a:spcAft>
+              <a:buNone/>
+            </a:pPr>
             <a:endParaRPr/>
           </a:p>
         </p:txBody>
@@ -4459,7 +4648,9 @@
       <p:sp>
         <p:nvSpPr>
           <p:cNvPr id="37" name="Google Shape;37;p9"/>
-          <p:cNvSpPr txBox="1"/>
+          <p:cNvSpPr txBox="1">
+            <a:spLocks noGrp="1"/>
+          </p:cNvSpPr>
           <p:nvPr>
             <p:ph type="title"/>
           </p:nvPr>
@@ -4474,7 +4665,7 @@
           </a:prstGeom>
         </p:spPr>
         <p:txBody>
-          <a:bodyPr anchorCtr="0" anchor="b" bIns="91425" lIns="91425" spcFirstLastPara="1" rIns="91425" wrap="square" tIns="91425">
+          <a:bodyPr spcFirstLastPara="1" wrap="square" lIns="91425" tIns="91425" rIns="91425" bIns="91425" anchor="b" anchorCtr="0">
             <a:noAutofit/>
           </a:bodyPr>
           <a:lstStyle>
@@ -4578,15 +4769,19 @@
               <a:defRPr sz="4200"/>
             </a:lvl9pPr>
           </a:lstStyle>
-          <a:p/>
+          <a:p>
+            <a:endParaRPr/>
+          </a:p>
         </p:txBody>
       </p:sp>
       <p:sp>
         <p:nvSpPr>
           <p:cNvPr id="38" name="Google Shape;38;p9"/>
-          <p:cNvSpPr txBox="1"/>
+          <p:cNvSpPr txBox="1">
+            <a:spLocks noGrp="1"/>
+          </p:cNvSpPr>
           <p:nvPr>
-            <p:ph idx="1" type="subTitle"/>
+            <p:ph type="subTitle" idx="1"/>
           </p:nvPr>
         </p:nvSpPr>
         <p:spPr>
@@ -4599,7 +4794,7 @@
           </a:prstGeom>
         </p:spPr>
         <p:txBody>
-          <a:bodyPr anchorCtr="0" anchor="t" bIns="91425" lIns="91425" spcFirstLastPara="1" rIns="91425" wrap="square" tIns="91425">
+          <a:bodyPr spcFirstLastPara="1" wrap="square" lIns="91425" tIns="91425" rIns="91425" bIns="91425" anchor="t" anchorCtr="0">
             <a:noAutofit/>
           </a:bodyPr>
           <a:lstStyle>
@@ -4730,15 +4925,19 @@
               <a:defRPr sz="2100"/>
             </a:lvl9pPr>
           </a:lstStyle>
-          <a:p/>
+          <a:p>
+            <a:endParaRPr/>
+          </a:p>
         </p:txBody>
       </p:sp>
       <p:sp>
         <p:nvSpPr>
           <p:cNvPr id="39" name="Google Shape;39;p9"/>
-          <p:cNvSpPr txBox="1"/>
+          <p:cNvSpPr txBox="1">
+            <a:spLocks noGrp="1"/>
+          </p:cNvSpPr>
           <p:nvPr>
-            <p:ph idx="2" type="body"/>
+            <p:ph type="body" idx="2"/>
           </p:nvPr>
         </p:nvSpPr>
         <p:spPr>
@@ -4751,11 +4950,11 @@
           </a:prstGeom>
         </p:spPr>
         <p:txBody>
-          <a:bodyPr anchorCtr="0" anchor="ctr" bIns="91425" lIns="91425" spcFirstLastPara="1" rIns="91425" wrap="square" tIns="91425">
+          <a:bodyPr spcFirstLastPara="1" wrap="square" lIns="91425" tIns="91425" rIns="91425" bIns="91425" anchor="ctr" anchorCtr="0">
             <a:noAutofit/>
           </a:bodyPr>
           <a:lstStyle>
-            <a:lvl1pPr indent="-342900" lvl="0" marL="457200">
+            <a:lvl1pPr marL="457200" lvl="0" indent="-342900">
               <a:spcBef>
                 <a:spcPts val="0"/>
               </a:spcBef>
@@ -4766,7 +4965,7 @@
               <a:buChar char="●"/>
               <a:defRPr/>
             </a:lvl1pPr>
-            <a:lvl2pPr indent="-317500" lvl="1" marL="914400">
+            <a:lvl2pPr marL="914400" lvl="1" indent="-317500">
               <a:spcBef>
                 <a:spcPts val="1600"/>
               </a:spcBef>
@@ -4777,7 +4976,7 @@
               <a:buChar char="○"/>
               <a:defRPr/>
             </a:lvl2pPr>
-            <a:lvl3pPr indent="-317500" lvl="2" marL="1371600">
+            <a:lvl3pPr marL="1371600" lvl="2" indent="-317500">
               <a:spcBef>
                 <a:spcPts val="1600"/>
               </a:spcBef>
@@ -4788,7 +4987,7 @@
               <a:buChar char="■"/>
               <a:defRPr/>
             </a:lvl3pPr>
-            <a:lvl4pPr indent="-317500" lvl="3" marL="1828800">
+            <a:lvl4pPr marL="1828800" lvl="3" indent="-317500">
               <a:spcBef>
                 <a:spcPts val="1600"/>
               </a:spcBef>
@@ -4799,7 +4998,7 @@
               <a:buChar char="●"/>
               <a:defRPr/>
             </a:lvl4pPr>
-            <a:lvl5pPr indent="-317500" lvl="4" marL="2286000">
+            <a:lvl5pPr marL="2286000" lvl="4" indent="-317500">
               <a:spcBef>
                 <a:spcPts val="1600"/>
               </a:spcBef>
@@ -4810,7 +5009,7 @@
               <a:buChar char="○"/>
               <a:defRPr/>
             </a:lvl5pPr>
-            <a:lvl6pPr indent="-317500" lvl="5" marL="2743200">
+            <a:lvl6pPr marL="2743200" lvl="5" indent="-317500">
               <a:spcBef>
                 <a:spcPts val="1600"/>
               </a:spcBef>
@@ -4821,7 +5020,7 @@
               <a:buChar char="■"/>
               <a:defRPr/>
             </a:lvl6pPr>
-            <a:lvl7pPr indent="-317500" lvl="6" marL="3200400">
+            <a:lvl7pPr marL="3200400" lvl="6" indent="-317500">
               <a:spcBef>
                 <a:spcPts val="1600"/>
               </a:spcBef>
@@ -4832,7 +5031,7 @@
               <a:buChar char="●"/>
               <a:defRPr/>
             </a:lvl7pPr>
-            <a:lvl8pPr indent="-317500" lvl="7" marL="3657600">
+            <a:lvl8pPr marL="3657600" lvl="7" indent="-317500">
               <a:spcBef>
                 <a:spcPts val="1600"/>
               </a:spcBef>
@@ -4843,7 +5042,7 @@
               <a:buChar char="○"/>
               <a:defRPr/>
             </a:lvl8pPr>
-            <a:lvl9pPr indent="-317500" lvl="8" marL="4114800">
+            <a:lvl9pPr marL="4114800" lvl="8" indent="-317500">
               <a:spcBef>
                 <a:spcPts val="1600"/>
               </a:spcBef>
@@ -4855,15 +5054,19 @@
               <a:defRPr/>
             </a:lvl9pPr>
           </a:lstStyle>
-          <a:p/>
+          <a:p>
+            <a:endParaRPr/>
+          </a:p>
         </p:txBody>
       </p:sp>
       <p:sp>
         <p:nvSpPr>
           <p:cNvPr id="40" name="Google Shape;40;p9"/>
-          <p:cNvSpPr txBox="1"/>
+          <p:cNvSpPr txBox="1">
+            <a:spLocks noGrp="1"/>
+          </p:cNvSpPr>
           <p:nvPr>
-            <p:ph idx="12" type="sldNum"/>
+            <p:ph type="sldNum" idx="12"/>
           </p:nvPr>
         </p:nvSpPr>
         <p:spPr>
@@ -4876,7 +5079,7 @@
           </a:prstGeom>
         </p:spPr>
         <p:txBody>
-          <a:bodyPr anchorCtr="0" anchor="ctr" bIns="91425" lIns="91425" spcFirstLastPara="1" rIns="91425" wrap="square" tIns="91425">
+          <a:bodyPr spcFirstLastPara="1" wrap="square" lIns="91425" tIns="91425" rIns="91425" bIns="91425" anchor="ctr" anchorCtr="0">
             <a:noAutofit/>
           </a:bodyPr>
           <a:lstStyle>
@@ -4918,7 +5121,7 @@
             </a:lvl9pPr>
           </a:lstStyle>
           <a:p>
-            <a:pPr indent="0" lvl="0" marL="0" rtl="0" algn="r">
+            <a:pPr marL="0" lvl="0" indent="0" algn="r" rtl="0">
               <a:spcBef>
                 <a:spcPts val="0"/>
               </a:spcBef>
@@ -4929,7 +5132,7 @@
             </a:pPr>
             <a:fld id="{00000000-1234-1234-1234-123412341234}" type="slidenum">
               <a:rPr lang="en"/>
-              <a:t>‹#›</a:t>
+              <a:t>‹nº›</a:t>
             </a:fld>
             <a:endParaRPr/>
           </a:p>
@@ -4944,11 +5147,11 @@
 </file>
 
 <file path=ppt/slideLayouts/slideLayout9.xml><?xml version="1.0" encoding="utf-8"?>
-<p:sldLayout xmlns:a="http://schemas.openxmlformats.org/drawingml/2006/main" xmlns:r="http://schemas.openxmlformats.org/officeDocument/2006/relationships" xmlns:mc="http://schemas.openxmlformats.org/markup-compatibility/2006" xmlns:mv="urn:schemas-microsoft-com:mac:vml" xmlns:p="http://schemas.openxmlformats.org/presentationml/2006/main" xmlns:c="http://schemas.openxmlformats.org/drawingml/2006/chart" xmlns:dgm="http://schemas.openxmlformats.org/drawingml/2006/diagram" xmlns:o="urn:schemas-microsoft-com:office:office" xmlns:v="urn:schemas-microsoft-com:vml" xmlns:pvml="urn:schemas-microsoft-com:office:powerpoint" xmlns:com="http://schemas.openxmlformats.org/drawingml/2006/compatibility" xmlns:p14="http://schemas.microsoft.com/office/powerpoint/2010/main" xmlns:p15="http://schemas.microsoft.com/office/powerpoint/2012/main" xmlns:ahyp="http://schemas.microsoft.com/office/drawing/2018/hyperlinkcolor" matchingName="Caption">
+<p:sldLayout xmlns:a="http://schemas.openxmlformats.org/drawingml/2006/main" xmlns:r="http://schemas.openxmlformats.org/officeDocument/2006/relationships" xmlns:p="http://schemas.openxmlformats.org/presentationml/2006/main" matchingName="Caption">
   <p:cSld name="CAPTION_ONLY">
     <p:spTree>
       <p:nvGrpSpPr>
-        <p:cNvPr id="41" name="Shape 41"/>
+        <p:cNvPr id="1" name="Shape 41"/>
         <p:cNvGrpSpPr/>
         <p:nvPr/>
       </p:nvGrpSpPr>
@@ -4963,9 +5166,11 @@
       <p:sp>
         <p:nvSpPr>
           <p:cNvPr id="42" name="Google Shape;42;p10"/>
-          <p:cNvSpPr txBox="1"/>
+          <p:cNvSpPr txBox="1">
+            <a:spLocks noGrp="1"/>
+          </p:cNvSpPr>
           <p:nvPr>
-            <p:ph idx="1" type="body"/>
+            <p:ph type="body" idx="1"/>
           </p:nvPr>
         </p:nvSpPr>
         <p:spPr>
@@ -4978,11 +5183,11 @@
           </a:prstGeom>
         </p:spPr>
         <p:txBody>
-          <a:bodyPr anchorCtr="0" anchor="ctr" bIns="91425" lIns="91425" spcFirstLastPara="1" rIns="91425" wrap="square" tIns="91425">
+          <a:bodyPr spcFirstLastPara="1" wrap="square" lIns="91425" tIns="91425" rIns="91425" bIns="91425" anchor="ctr" anchorCtr="0">
             <a:noAutofit/>
           </a:bodyPr>
           <a:lstStyle>
-            <a:lvl1pPr indent="-228600" lvl="0" marL="457200">
+            <a:lvl1pPr marL="457200" lvl="0" indent="-228600">
               <a:lnSpc>
                 <a:spcPct val="100000"/>
               </a:lnSpc>
@@ -4997,15 +5202,19 @@
               <a:defRPr/>
             </a:lvl1pPr>
           </a:lstStyle>
-          <a:p/>
+          <a:p>
+            <a:endParaRPr/>
+          </a:p>
         </p:txBody>
       </p:sp>
       <p:sp>
         <p:nvSpPr>
           <p:cNvPr id="43" name="Google Shape;43;p10"/>
-          <p:cNvSpPr txBox="1"/>
+          <p:cNvSpPr txBox="1">
+            <a:spLocks noGrp="1"/>
+          </p:cNvSpPr>
           <p:nvPr>
-            <p:ph idx="12" type="sldNum"/>
+            <p:ph type="sldNum" idx="12"/>
           </p:nvPr>
         </p:nvSpPr>
         <p:spPr>
@@ -5018,7 +5227,7 @@
           </a:prstGeom>
         </p:spPr>
         <p:txBody>
-          <a:bodyPr anchorCtr="0" anchor="ctr" bIns="91425" lIns="91425" spcFirstLastPara="1" rIns="91425" wrap="square" tIns="91425">
+          <a:bodyPr spcFirstLastPara="1" wrap="square" lIns="91425" tIns="91425" rIns="91425" bIns="91425" anchor="ctr" anchorCtr="0">
             <a:noAutofit/>
           </a:bodyPr>
           <a:lstStyle>
@@ -5060,7 +5269,7 @@
             </a:lvl9pPr>
           </a:lstStyle>
           <a:p>
-            <a:pPr indent="0" lvl="0" marL="0" rtl="0" algn="r">
+            <a:pPr marL="0" lvl="0" indent="0" algn="r" rtl="0">
               <a:spcBef>
                 <a:spcPts val="0"/>
               </a:spcBef>
@@ -5071,7 +5280,7 @@
             </a:pPr>
             <a:fld id="{00000000-1234-1234-1234-123412341234}" type="slidenum">
               <a:rPr lang="en"/>
-              <a:t>‹#›</a:t>
+              <a:t>‹nº›</a:t>
             </a:fld>
             <a:endParaRPr/>
           </a:p>
@@ -5086,18 +5295,19 @@
 </file>
 
 <file path=ppt/slideMasters/slideMaster1.xml><?xml version="1.0" encoding="utf-8"?>
-<p:sldMaster xmlns:a="http://schemas.openxmlformats.org/drawingml/2006/main" xmlns:r="http://schemas.openxmlformats.org/officeDocument/2006/relationships" xmlns:mc="http://schemas.openxmlformats.org/markup-compatibility/2006" xmlns:mv="urn:schemas-microsoft-com:mac:vml" xmlns:p="http://schemas.openxmlformats.org/presentationml/2006/main" xmlns:c="http://schemas.openxmlformats.org/drawingml/2006/chart" xmlns:dgm="http://schemas.openxmlformats.org/drawingml/2006/diagram" xmlns:o="urn:schemas-microsoft-com:office:office" xmlns:v="urn:schemas-microsoft-com:vml" xmlns:pvml="urn:schemas-microsoft-com:office:powerpoint" xmlns:com="http://schemas.openxmlformats.org/drawingml/2006/compatibility" xmlns:p14="http://schemas.microsoft.com/office/powerpoint/2010/main" xmlns:p15="http://schemas.microsoft.com/office/powerpoint/2012/main" xmlns:ahyp="http://schemas.microsoft.com/office/drawing/2018/hyperlinkcolor">
+<p:sldMaster xmlns:a="http://schemas.openxmlformats.org/drawingml/2006/main" xmlns:r="http://schemas.openxmlformats.org/officeDocument/2006/relationships" xmlns:p="http://schemas.openxmlformats.org/presentationml/2006/main">
   <p:cSld name="simple-light-2">
     <p:bg>
       <p:bgPr>
         <a:solidFill>
           <a:schemeClr val="lt1"/>
         </a:solidFill>
+        <a:effectLst/>
       </p:bgPr>
     </p:bg>
     <p:spTree>
       <p:nvGrpSpPr>
-        <p:cNvPr id="5" name="Shape 5"/>
+        <p:cNvPr id="1" name="Shape 5"/>
         <p:cNvGrpSpPr/>
         <p:nvPr/>
       </p:nvGrpSpPr>
@@ -5112,7 +5322,9 @@
       <p:sp>
         <p:nvSpPr>
           <p:cNvPr id="6" name="Google Shape;6;p1"/>
-          <p:cNvSpPr txBox="1"/>
+          <p:cNvSpPr txBox="1">
+            <a:spLocks noGrp="1"/>
+          </p:cNvSpPr>
           <p:nvPr>
             <p:ph type="title"/>
           </p:nvPr>
@@ -5131,7 +5343,7 @@
           </a:ln>
         </p:spPr>
         <p:txBody>
-          <a:bodyPr anchorCtr="0" anchor="t" bIns="91425" lIns="91425" spcFirstLastPara="1" rIns="91425" wrap="square" tIns="91425">
+          <a:bodyPr spcFirstLastPara="1" wrap="square" lIns="91425" tIns="91425" rIns="91425" bIns="91425" anchor="t" anchorCtr="0">
             <a:noAutofit/>
           </a:bodyPr>
           <a:lstStyle>
@@ -5298,15 +5510,19 @@
               </a:defRPr>
             </a:lvl9pPr>
           </a:lstStyle>
-          <a:p/>
+          <a:p>
+            <a:endParaRPr/>
+          </a:p>
         </p:txBody>
       </p:sp>
       <p:sp>
         <p:nvSpPr>
           <p:cNvPr id="7" name="Google Shape;7;p1"/>
-          <p:cNvSpPr txBox="1"/>
+          <p:cNvSpPr txBox="1">
+            <a:spLocks noGrp="1"/>
+          </p:cNvSpPr>
           <p:nvPr>
-            <p:ph idx="1" type="body"/>
+            <p:ph type="body" idx="1"/>
           </p:nvPr>
         </p:nvSpPr>
         <p:spPr>
@@ -5323,11 +5539,11 @@
           </a:ln>
         </p:spPr>
         <p:txBody>
-          <a:bodyPr anchorCtr="0" anchor="t" bIns="91425" lIns="91425" spcFirstLastPara="1" rIns="91425" wrap="square" tIns="91425">
+          <a:bodyPr spcFirstLastPara="1" wrap="square" lIns="91425" tIns="91425" rIns="91425" bIns="91425" anchor="t" anchorCtr="0">
             <a:noAutofit/>
           </a:bodyPr>
           <a:lstStyle>
-            <a:lvl1pPr indent="-342900" lvl="0" marL="457200">
+            <a:lvl1pPr marL="457200" lvl="0" indent="-342900">
               <a:lnSpc>
                 <a:spcPct val="115000"/>
               </a:lnSpc>
@@ -5348,7 +5564,7 @@
                 </a:solidFill>
               </a:defRPr>
             </a:lvl1pPr>
-            <a:lvl2pPr indent="-317500" lvl="1" marL="914400">
+            <a:lvl2pPr marL="914400" lvl="1" indent="-317500">
               <a:lnSpc>
                 <a:spcPct val="115000"/>
               </a:lnSpc>
@@ -5369,7 +5585,7 @@
                 </a:solidFill>
               </a:defRPr>
             </a:lvl2pPr>
-            <a:lvl3pPr indent="-317500" lvl="2" marL="1371600">
+            <a:lvl3pPr marL="1371600" lvl="2" indent="-317500">
               <a:lnSpc>
                 <a:spcPct val="115000"/>
               </a:lnSpc>
@@ -5390,7 +5606,7 @@
                 </a:solidFill>
               </a:defRPr>
             </a:lvl3pPr>
-            <a:lvl4pPr indent="-317500" lvl="3" marL="1828800">
+            <a:lvl4pPr marL="1828800" lvl="3" indent="-317500">
               <a:lnSpc>
                 <a:spcPct val="115000"/>
               </a:lnSpc>
@@ -5411,7 +5627,7 @@
                 </a:solidFill>
               </a:defRPr>
             </a:lvl4pPr>
-            <a:lvl5pPr indent="-317500" lvl="4" marL="2286000">
+            <a:lvl5pPr marL="2286000" lvl="4" indent="-317500">
               <a:lnSpc>
                 <a:spcPct val="115000"/>
               </a:lnSpc>
@@ -5432,7 +5648,7 @@
                 </a:solidFill>
               </a:defRPr>
             </a:lvl5pPr>
-            <a:lvl6pPr indent="-317500" lvl="5" marL="2743200">
+            <a:lvl6pPr marL="2743200" lvl="5" indent="-317500">
               <a:lnSpc>
                 <a:spcPct val="115000"/>
               </a:lnSpc>
@@ -5453,7 +5669,7 @@
                 </a:solidFill>
               </a:defRPr>
             </a:lvl6pPr>
-            <a:lvl7pPr indent="-317500" lvl="6" marL="3200400">
+            <a:lvl7pPr marL="3200400" lvl="6" indent="-317500">
               <a:lnSpc>
                 <a:spcPct val="115000"/>
               </a:lnSpc>
@@ -5474,7 +5690,7 @@
                 </a:solidFill>
               </a:defRPr>
             </a:lvl7pPr>
-            <a:lvl8pPr indent="-317500" lvl="7" marL="3657600">
+            <a:lvl8pPr marL="3657600" lvl="7" indent="-317500">
               <a:lnSpc>
                 <a:spcPct val="115000"/>
               </a:lnSpc>
@@ -5495,7 +5711,7 @@
                 </a:solidFill>
               </a:defRPr>
             </a:lvl8pPr>
-            <a:lvl9pPr indent="-317500" lvl="8" marL="4114800">
+            <a:lvl9pPr marL="4114800" lvl="8" indent="-317500">
               <a:lnSpc>
                 <a:spcPct val="115000"/>
               </a:lnSpc>
@@ -5517,15 +5733,19 @@
               </a:defRPr>
             </a:lvl9pPr>
           </a:lstStyle>
-          <a:p/>
+          <a:p>
+            <a:endParaRPr/>
+          </a:p>
         </p:txBody>
       </p:sp>
       <p:sp>
         <p:nvSpPr>
           <p:cNvPr id="8" name="Google Shape;8;p1"/>
-          <p:cNvSpPr txBox="1"/>
+          <p:cNvSpPr txBox="1">
+            <a:spLocks noGrp="1"/>
+          </p:cNvSpPr>
           <p:nvPr>
-            <p:ph idx="12" type="sldNum"/>
+            <p:ph type="sldNum" idx="12"/>
           </p:nvPr>
         </p:nvSpPr>
         <p:spPr>
@@ -5542,7 +5762,7 @@
           </a:ln>
         </p:spPr>
         <p:txBody>
-          <a:bodyPr anchorCtr="0" anchor="ctr" bIns="91425" lIns="91425" spcFirstLastPara="1" rIns="91425" wrap="square" tIns="91425">
+          <a:bodyPr spcFirstLastPara="1" wrap="square" lIns="91425" tIns="91425" rIns="91425" bIns="91425" anchor="ctr" anchorCtr="0">
             <a:noAutofit/>
           </a:bodyPr>
           <a:lstStyle>
@@ -5620,7 +5840,7 @@
             </a:lvl9pPr>
           </a:lstStyle>
           <a:p>
-            <a:pPr indent="0" lvl="0" marL="0" rtl="0" algn="r">
+            <a:pPr marL="0" lvl="0" indent="0" algn="r" rtl="0">
               <a:spcBef>
                 <a:spcPts val="0"/>
               </a:spcBef>
@@ -5631,7 +5851,7 @@
             </a:pPr>
             <a:fld id="{00000000-1234-1234-1234-123412341234}" type="slidenum">
               <a:rPr lang="en"/>
-              <a:t>‹#›</a:t>
+              <a:t>‹nº›</a:t>
             </a:fld>
             <a:endParaRPr/>
           </a:p>
@@ -5639,7 +5859,7 @@
       </p:sp>
     </p:spTree>
   </p:cSld>
-  <p:clrMap accent1="accent1" accent2="accent2" accent3="accent3" accent4="accent4" accent5="accent5" accent6="accent6" bg1="lt1" bg2="dk2" tx1="dk1" tx2="lt2" folHlink="folHlink" hlink="hlink"/>
+  <p:clrMap bg1="lt1" tx1="dk1" bg2="dk2" tx2="lt2" accent1="accent1" accent2="accent2" accent3="accent3" accent4="accent4" accent5="accent5" accent6="accent6" hlink="hlink" folHlink="folHlink"/>
   <p:sldLayoutIdLst>
     <p:sldLayoutId id="2147483648" r:id="rId1"/>
     <p:sldLayoutId id="2147483649" r:id="rId2"/>
@@ -5653,10 +5873,10 @@
     <p:sldLayoutId id="2147483657" r:id="rId10"/>
     <p:sldLayoutId id="2147483658" r:id="rId11"/>
   </p:sldLayoutIdLst>
-  <p:hf dt="0" ftr="0" hdr="0" sldNum="0"/>
+  <p:hf sldNum="0" hdr="0" ftr="0" dt="0"/>
   <p:txStyles>
     <p:titleStyle>
-      <a:defPPr lvl="0" marR="0" rtl="0" algn="l">
+      <a:defPPr marR="0" lvl="0" algn="l" rtl="0">
         <a:lnSpc>
           <a:spcPct val="100000"/>
         </a:lnSpc>
@@ -5667,7 +5887,7 @@
           <a:spcPts val="0"/>
         </a:spcAft>
       </a:defPPr>
-      <a:lvl1pPr lvl="0" marR="0" rtl="0" algn="l">
+      <a:lvl1pPr marR="0" lvl="0" algn="l" rtl="0">
         <a:lnSpc>
           <a:spcPct val="100000"/>
         </a:lnSpc>
@@ -5681,7 +5901,7 @@
           <a:srgbClr val="000000"/>
         </a:buClr>
         <a:buFont typeface="Arial"/>
-        <a:defRPr b="0" i="0" sz="1400" u="none" cap="none" strike="noStrike">
+        <a:defRPr sz="1400" b="0" i="0" u="none" strike="noStrike" cap="none">
           <a:solidFill>
             <a:srgbClr val="000000"/>
           </a:solidFill>
@@ -5691,7 +5911,7 @@
           <a:sym typeface="Arial"/>
         </a:defRPr>
       </a:lvl1pPr>
-      <a:lvl2pPr lvl="1" marR="0" rtl="0" algn="l">
+      <a:lvl2pPr marR="0" lvl="1" algn="l" rtl="0">
         <a:lnSpc>
           <a:spcPct val="100000"/>
         </a:lnSpc>
@@ -5705,7 +5925,7 @@
           <a:srgbClr val="000000"/>
         </a:buClr>
         <a:buFont typeface="Arial"/>
-        <a:defRPr b="0" i="0" sz="1400" u="none" cap="none" strike="noStrike">
+        <a:defRPr sz="1400" b="0" i="0" u="none" strike="noStrike" cap="none">
           <a:solidFill>
             <a:srgbClr val="000000"/>
           </a:solidFill>
@@ -5715,7 +5935,7 @@
           <a:sym typeface="Arial"/>
         </a:defRPr>
       </a:lvl2pPr>
-      <a:lvl3pPr lvl="2" marR="0" rtl="0" algn="l">
+      <a:lvl3pPr marR="0" lvl="2" algn="l" rtl="0">
         <a:lnSpc>
           <a:spcPct val="100000"/>
         </a:lnSpc>
@@ -5729,7 +5949,7 @@
           <a:srgbClr val="000000"/>
         </a:buClr>
         <a:buFont typeface="Arial"/>
-        <a:defRPr b="0" i="0" sz="1400" u="none" cap="none" strike="noStrike">
+        <a:defRPr sz="1400" b="0" i="0" u="none" strike="noStrike" cap="none">
           <a:solidFill>
             <a:srgbClr val="000000"/>
           </a:solidFill>
@@ -5739,7 +5959,7 @@
           <a:sym typeface="Arial"/>
         </a:defRPr>
       </a:lvl3pPr>
-      <a:lvl4pPr lvl="3" marR="0" rtl="0" algn="l">
+      <a:lvl4pPr marR="0" lvl="3" algn="l" rtl="0">
         <a:lnSpc>
           <a:spcPct val="100000"/>
         </a:lnSpc>
@@ -5753,7 +5973,7 @@
           <a:srgbClr val="000000"/>
         </a:buClr>
         <a:buFont typeface="Arial"/>
-        <a:defRPr b="0" i="0" sz="1400" u="none" cap="none" strike="noStrike">
+        <a:defRPr sz="1400" b="0" i="0" u="none" strike="noStrike" cap="none">
           <a:solidFill>
             <a:srgbClr val="000000"/>
           </a:solidFill>
@@ -5763,7 +5983,7 @@
           <a:sym typeface="Arial"/>
         </a:defRPr>
       </a:lvl4pPr>
-      <a:lvl5pPr lvl="4" marR="0" rtl="0" algn="l">
+      <a:lvl5pPr marR="0" lvl="4" algn="l" rtl="0">
         <a:lnSpc>
           <a:spcPct val="100000"/>
         </a:lnSpc>
@@ -5777,7 +5997,7 @@
           <a:srgbClr val="000000"/>
         </a:buClr>
         <a:buFont typeface="Arial"/>
-        <a:defRPr b="0" i="0" sz="1400" u="none" cap="none" strike="noStrike">
+        <a:defRPr sz="1400" b="0" i="0" u="none" strike="noStrike" cap="none">
           <a:solidFill>
             <a:srgbClr val="000000"/>
           </a:solidFill>
@@ -5787,7 +6007,7 @@
           <a:sym typeface="Arial"/>
         </a:defRPr>
       </a:lvl5pPr>
-      <a:lvl6pPr lvl="5" marR="0" rtl="0" algn="l">
+      <a:lvl6pPr marR="0" lvl="5" algn="l" rtl="0">
         <a:lnSpc>
           <a:spcPct val="100000"/>
         </a:lnSpc>
@@ -5801,7 +6021,7 @@
           <a:srgbClr val="000000"/>
         </a:buClr>
         <a:buFont typeface="Arial"/>
-        <a:defRPr b="0" i="0" sz="1400" u="none" cap="none" strike="noStrike">
+        <a:defRPr sz="1400" b="0" i="0" u="none" strike="noStrike" cap="none">
           <a:solidFill>
             <a:srgbClr val="000000"/>
           </a:solidFill>
@@ -5811,7 +6031,7 @@
           <a:sym typeface="Arial"/>
         </a:defRPr>
       </a:lvl6pPr>
-      <a:lvl7pPr lvl="6" marR="0" rtl="0" algn="l">
+      <a:lvl7pPr marR="0" lvl="6" algn="l" rtl="0">
         <a:lnSpc>
           <a:spcPct val="100000"/>
         </a:lnSpc>
@@ -5825,7 +6045,7 @@
           <a:srgbClr val="000000"/>
         </a:buClr>
         <a:buFont typeface="Arial"/>
-        <a:defRPr b="0" i="0" sz="1400" u="none" cap="none" strike="noStrike">
+        <a:defRPr sz="1400" b="0" i="0" u="none" strike="noStrike" cap="none">
           <a:solidFill>
             <a:srgbClr val="000000"/>
           </a:solidFill>
@@ -5835,7 +6055,7 @@
           <a:sym typeface="Arial"/>
         </a:defRPr>
       </a:lvl7pPr>
-      <a:lvl8pPr lvl="7" marR="0" rtl="0" algn="l">
+      <a:lvl8pPr marR="0" lvl="7" algn="l" rtl="0">
         <a:lnSpc>
           <a:spcPct val="100000"/>
         </a:lnSpc>
@@ -5849,7 +6069,7 @@
           <a:srgbClr val="000000"/>
         </a:buClr>
         <a:buFont typeface="Arial"/>
-        <a:defRPr b="0" i="0" sz="1400" u="none" cap="none" strike="noStrike">
+        <a:defRPr sz="1400" b="0" i="0" u="none" strike="noStrike" cap="none">
           <a:solidFill>
             <a:srgbClr val="000000"/>
           </a:solidFill>
@@ -5859,7 +6079,7 @@
           <a:sym typeface="Arial"/>
         </a:defRPr>
       </a:lvl8pPr>
-      <a:lvl9pPr lvl="8" marR="0" rtl="0" algn="l">
+      <a:lvl9pPr marR="0" lvl="8" algn="l" rtl="0">
         <a:lnSpc>
           <a:spcPct val="100000"/>
         </a:lnSpc>
@@ -5873,7 +6093,7 @@
           <a:srgbClr val="000000"/>
         </a:buClr>
         <a:buFont typeface="Arial"/>
-        <a:defRPr b="0" i="0" sz="1400" u="none" cap="none" strike="noStrike">
+        <a:defRPr sz="1400" b="0" i="0" u="none" strike="noStrike" cap="none">
           <a:solidFill>
             <a:srgbClr val="000000"/>
           </a:solidFill>
@@ -5885,7 +6105,7 @@
       </a:lvl9pPr>
     </p:titleStyle>
     <p:bodyStyle>
-      <a:defPPr lvl="0" marR="0" rtl="0" algn="l">
+      <a:defPPr marR="0" lvl="0" algn="l" rtl="0">
         <a:lnSpc>
           <a:spcPct val="100000"/>
         </a:lnSpc>
@@ -5896,7 +6116,7 @@
           <a:spcPts val="0"/>
         </a:spcAft>
       </a:defPPr>
-      <a:lvl1pPr lvl="0" marR="0" rtl="0" algn="l">
+      <a:lvl1pPr marR="0" lvl="0" algn="l" rtl="0">
         <a:lnSpc>
           <a:spcPct val="100000"/>
         </a:lnSpc>
@@ -5910,7 +6130,7 @@
           <a:srgbClr val="000000"/>
         </a:buClr>
         <a:buFont typeface="Arial"/>
-        <a:defRPr b="0" i="0" sz="1400" u="none" cap="none" strike="noStrike">
+        <a:defRPr sz="1400" b="0" i="0" u="none" strike="noStrike" cap="none">
           <a:solidFill>
             <a:srgbClr val="000000"/>
           </a:solidFill>
@@ -5920,7 +6140,7 @@
           <a:sym typeface="Arial"/>
         </a:defRPr>
       </a:lvl1pPr>
-      <a:lvl2pPr lvl="1" marR="0" rtl="0" algn="l">
+      <a:lvl2pPr marR="0" lvl="1" algn="l" rtl="0">
         <a:lnSpc>
           <a:spcPct val="100000"/>
         </a:lnSpc>
@@ -5934,7 +6154,7 @@
           <a:srgbClr val="000000"/>
         </a:buClr>
         <a:buFont typeface="Arial"/>
-        <a:defRPr b="0" i="0" sz="1400" u="none" cap="none" strike="noStrike">
+        <a:defRPr sz="1400" b="0" i="0" u="none" strike="noStrike" cap="none">
           <a:solidFill>
             <a:srgbClr val="000000"/>
           </a:solidFill>
@@ -5944,7 +6164,7 @@
           <a:sym typeface="Arial"/>
         </a:defRPr>
       </a:lvl2pPr>
-      <a:lvl3pPr lvl="2" marR="0" rtl="0" algn="l">
+      <a:lvl3pPr marR="0" lvl="2" algn="l" rtl="0">
         <a:lnSpc>
           <a:spcPct val="100000"/>
         </a:lnSpc>
@@ -5958,7 +6178,7 @@
           <a:srgbClr val="000000"/>
         </a:buClr>
         <a:buFont typeface="Arial"/>
-        <a:defRPr b="0" i="0" sz="1400" u="none" cap="none" strike="noStrike">
+        <a:defRPr sz="1400" b="0" i="0" u="none" strike="noStrike" cap="none">
           <a:solidFill>
             <a:srgbClr val="000000"/>
           </a:solidFill>
@@ -5968,7 +6188,7 @@
           <a:sym typeface="Arial"/>
         </a:defRPr>
       </a:lvl3pPr>
-      <a:lvl4pPr lvl="3" marR="0" rtl="0" algn="l">
+      <a:lvl4pPr marR="0" lvl="3" algn="l" rtl="0">
         <a:lnSpc>
           <a:spcPct val="100000"/>
         </a:lnSpc>
@@ -5982,7 +6202,7 @@
           <a:srgbClr val="000000"/>
         </a:buClr>
         <a:buFont typeface="Arial"/>
-        <a:defRPr b="0" i="0" sz="1400" u="none" cap="none" strike="noStrike">
+        <a:defRPr sz="1400" b="0" i="0" u="none" strike="noStrike" cap="none">
           <a:solidFill>
             <a:srgbClr val="000000"/>
           </a:solidFill>
@@ -5992,7 +6212,7 @@
           <a:sym typeface="Arial"/>
         </a:defRPr>
       </a:lvl4pPr>
-      <a:lvl5pPr lvl="4" marR="0" rtl="0" algn="l">
+      <a:lvl5pPr marR="0" lvl="4" algn="l" rtl="0">
         <a:lnSpc>
           <a:spcPct val="100000"/>
         </a:lnSpc>
@@ -6006,7 +6226,7 @@
           <a:srgbClr val="000000"/>
         </a:buClr>
         <a:buFont typeface="Arial"/>
-        <a:defRPr b="0" i="0" sz="1400" u="none" cap="none" strike="noStrike">
+        <a:defRPr sz="1400" b="0" i="0" u="none" strike="noStrike" cap="none">
           <a:solidFill>
             <a:srgbClr val="000000"/>
           </a:solidFill>
@@ -6016,7 +6236,7 @@
           <a:sym typeface="Arial"/>
         </a:defRPr>
       </a:lvl5pPr>
-      <a:lvl6pPr lvl="5" marR="0" rtl="0" algn="l">
+      <a:lvl6pPr marR="0" lvl="5" algn="l" rtl="0">
         <a:lnSpc>
           <a:spcPct val="100000"/>
         </a:lnSpc>
@@ -6030,7 +6250,7 @@
           <a:srgbClr val="000000"/>
         </a:buClr>
         <a:buFont typeface="Arial"/>
-        <a:defRPr b="0" i="0" sz="1400" u="none" cap="none" strike="noStrike">
+        <a:defRPr sz="1400" b="0" i="0" u="none" strike="noStrike" cap="none">
           <a:solidFill>
             <a:srgbClr val="000000"/>
           </a:solidFill>
@@ -6040,7 +6260,7 @@
           <a:sym typeface="Arial"/>
         </a:defRPr>
       </a:lvl6pPr>
-      <a:lvl7pPr lvl="6" marR="0" rtl="0" algn="l">
+      <a:lvl7pPr marR="0" lvl="6" algn="l" rtl="0">
         <a:lnSpc>
           <a:spcPct val="100000"/>
         </a:lnSpc>
@@ -6054,7 +6274,7 @@
           <a:srgbClr val="000000"/>
         </a:buClr>
         <a:buFont typeface="Arial"/>
-        <a:defRPr b="0" i="0" sz="1400" u="none" cap="none" strike="noStrike">
+        <a:defRPr sz="1400" b="0" i="0" u="none" strike="noStrike" cap="none">
           <a:solidFill>
             <a:srgbClr val="000000"/>
           </a:solidFill>
@@ -6064,7 +6284,7 @@
           <a:sym typeface="Arial"/>
         </a:defRPr>
       </a:lvl7pPr>
-      <a:lvl8pPr lvl="7" marR="0" rtl="0" algn="l">
+      <a:lvl8pPr marR="0" lvl="7" algn="l" rtl="0">
         <a:lnSpc>
           <a:spcPct val="100000"/>
         </a:lnSpc>
@@ -6078,7 +6298,7 @@
           <a:srgbClr val="000000"/>
         </a:buClr>
         <a:buFont typeface="Arial"/>
-        <a:defRPr b="0" i="0" sz="1400" u="none" cap="none" strike="noStrike">
+        <a:defRPr sz="1400" b="0" i="0" u="none" strike="noStrike" cap="none">
           <a:solidFill>
             <a:srgbClr val="000000"/>
           </a:solidFill>
@@ -6088,7 +6308,7 @@
           <a:sym typeface="Arial"/>
         </a:defRPr>
       </a:lvl8pPr>
-      <a:lvl9pPr lvl="8" marR="0" rtl="0" algn="l">
+      <a:lvl9pPr marR="0" lvl="8" algn="l" rtl="0">
         <a:lnSpc>
           <a:spcPct val="100000"/>
         </a:lnSpc>
@@ -6102,7 +6322,7 @@
           <a:srgbClr val="000000"/>
         </a:buClr>
         <a:buFont typeface="Arial"/>
-        <a:defRPr b="0" i="0" sz="1400" u="none" cap="none" strike="noStrike">
+        <a:defRPr sz="1400" b="0" i="0" u="none" strike="noStrike" cap="none">
           <a:solidFill>
             <a:srgbClr val="000000"/>
           </a:solidFill>
@@ -6114,7 +6334,7 @@
       </a:lvl9pPr>
     </p:bodyStyle>
     <p:otherStyle>
-      <a:defPPr lvl="0" marR="0" rtl="0" algn="l">
+      <a:defPPr marR="0" lvl="0" algn="l" rtl="0">
         <a:lnSpc>
           <a:spcPct val="100000"/>
         </a:lnSpc>
@@ -6125,7 +6345,7 @@
           <a:spcPts val="0"/>
         </a:spcAft>
       </a:defPPr>
-      <a:lvl1pPr lvl="0" marR="0" rtl="0" algn="l">
+      <a:lvl1pPr marR="0" lvl="0" algn="l" rtl="0">
         <a:lnSpc>
           <a:spcPct val="100000"/>
         </a:lnSpc>
@@ -6139,7 +6359,7 @@
           <a:srgbClr val="000000"/>
         </a:buClr>
         <a:buFont typeface="Arial"/>
-        <a:defRPr b="0" i="0" sz="1400" u="none" cap="none" strike="noStrike">
+        <a:defRPr sz="1400" b="0" i="0" u="none" strike="noStrike" cap="none">
           <a:solidFill>
             <a:srgbClr val="000000"/>
           </a:solidFill>
@@ -6149,7 +6369,7 @@
           <a:sym typeface="Arial"/>
         </a:defRPr>
       </a:lvl1pPr>
-      <a:lvl2pPr lvl="1" marR="0" rtl="0" algn="l">
+      <a:lvl2pPr marR="0" lvl="1" algn="l" rtl="0">
         <a:lnSpc>
           <a:spcPct val="100000"/>
         </a:lnSpc>
@@ -6163,7 +6383,7 @@
           <a:srgbClr val="000000"/>
         </a:buClr>
         <a:buFont typeface="Arial"/>
-        <a:defRPr b="0" i="0" sz="1400" u="none" cap="none" strike="noStrike">
+        <a:defRPr sz="1400" b="0" i="0" u="none" strike="noStrike" cap="none">
           <a:solidFill>
             <a:srgbClr val="000000"/>
           </a:solidFill>
@@ -6173,7 +6393,7 @@
           <a:sym typeface="Arial"/>
         </a:defRPr>
       </a:lvl2pPr>
-      <a:lvl3pPr lvl="2" marR="0" rtl="0" algn="l">
+      <a:lvl3pPr marR="0" lvl="2" algn="l" rtl="0">
         <a:lnSpc>
           <a:spcPct val="100000"/>
         </a:lnSpc>
@@ -6187,7 +6407,7 @@
           <a:srgbClr val="000000"/>
         </a:buClr>
         <a:buFont typeface="Arial"/>
-        <a:defRPr b="0" i="0" sz="1400" u="none" cap="none" strike="noStrike">
+        <a:defRPr sz="1400" b="0" i="0" u="none" strike="noStrike" cap="none">
           <a:solidFill>
             <a:srgbClr val="000000"/>
           </a:solidFill>
@@ -6197,7 +6417,7 @@
           <a:sym typeface="Arial"/>
         </a:defRPr>
       </a:lvl3pPr>
-      <a:lvl4pPr lvl="3" marR="0" rtl="0" algn="l">
+      <a:lvl4pPr marR="0" lvl="3" algn="l" rtl="0">
         <a:lnSpc>
           <a:spcPct val="100000"/>
         </a:lnSpc>
@@ -6211,7 +6431,7 @@
           <a:srgbClr val="000000"/>
         </a:buClr>
         <a:buFont typeface="Arial"/>
-        <a:defRPr b="0" i="0" sz="1400" u="none" cap="none" strike="noStrike">
+        <a:defRPr sz="1400" b="0" i="0" u="none" strike="noStrike" cap="none">
           <a:solidFill>
             <a:srgbClr val="000000"/>
           </a:solidFill>
@@ -6221,7 +6441,7 @@
           <a:sym typeface="Arial"/>
         </a:defRPr>
       </a:lvl4pPr>
-      <a:lvl5pPr lvl="4" marR="0" rtl="0" algn="l">
+      <a:lvl5pPr marR="0" lvl="4" algn="l" rtl="0">
         <a:lnSpc>
           <a:spcPct val="100000"/>
         </a:lnSpc>
@@ -6235,7 +6455,7 @@
           <a:srgbClr val="000000"/>
         </a:buClr>
         <a:buFont typeface="Arial"/>
-        <a:defRPr b="0" i="0" sz="1400" u="none" cap="none" strike="noStrike">
+        <a:defRPr sz="1400" b="0" i="0" u="none" strike="noStrike" cap="none">
           <a:solidFill>
             <a:srgbClr val="000000"/>
           </a:solidFill>
@@ -6245,7 +6465,7 @@
           <a:sym typeface="Arial"/>
         </a:defRPr>
       </a:lvl5pPr>
-      <a:lvl6pPr lvl="5" marR="0" rtl="0" algn="l">
+      <a:lvl6pPr marR="0" lvl="5" algn="l" rtl="0">
         <a:lnSpc>
           <a:spcPct val="100000"/>
         </a:lnSpc>
@@ -6259,7 +6479,7 @@
           <a:srgbClr val="000000"/>
         </a:buClr>
         <a:buFont typeface="Arial"/>
-        <a:defRPr b="0" i="0" sz="1400" u="none" cap="none" strike="noStrike">
+        <a:defRPr sz="1400" b="0" i="0" u="none" strike="noStrike" cap="none">
           <a:solidFill>
             <a:srgbClr val="000000"/>
           </a:solidFill>
@@ -6269,7 +6489,7 @@
           <a:sym typeface="Arial"/>
         </a:defRPr>
       </a:lvl6pPr>
-      <a:lvl7pPr lvl="6" marR="0" rtl="0" algn="l">
+      <a:lvl7pPr marR="0" lvl="6" algn="l" rtl="0">
         <a:lnSpc>
           <a:spcPct val="100000"/>
         </a:lnSpc>
@@ -6283,7 +6503,7 @@
           <a:srgbClr val="000000"/>
         </a:buClr>
         <a:buFont typeface="Arial"/>
-        <a:defRPr b="0" i="0" sz="1400" u="none" cap="none" strike="noStrike">
+        <a:defRPr sz="1400" b="0" i="0" u="none" strike="noStrike" cap="none">
           <a:solidFill>
             <a:srgbClr val="000000"/>
           </a:solidFill>
@@ -6293,7 +6513,7 @@
           <a:sym typeface="Arial"/>
         </a:defRPr>
       </a:lvl7pPr>
-      <a:lvl8pPr lvl="7" marR="0" rtl="0" algn="l">
+      <a:lvl8pPr marR="0" lvl="7" algn="l" rtl="0">
         <a:lnSpc>
           <a:spcPct val="100000"/>
         </a:lnSpc>
@@ -6307,7 +6527,7 @@
           <a:srgbClr val="000000"/>
         </a:buClr>
         <a:buFont typeface="Arial"/>
-        <a:defRPr b="0" i="0" sz="1400" u="none" cap="none" strike="noStrike">
+        <a:defRPr sz="1400" b="0" i="0" u="none" strike="noStrike" cap="none">
           <a:solidFill>
             <a:srgbClr val="000000"/>
           </a:solidFill>
@@ -6317,7 +6537,7 @@
           <a:sym typeface="Arial"/>
         </a:defRPr>
       </a:lvl8pPr>
-      <a:lvl9pPr lvl="8" marR="0" rtl="0" algn="l">
+      <a:lvl9pPr marR="0" lvl="8" algn="l" rtl="0">
         <a:lnSpc>
           <a:spcPct val="100000"/>
         </a:lnSpc>
@@ -6331,7 +6551,7 @@
           <a:srgbClr val="000000"/>
         </a:buClr>
         <a:buFont typeface="Arial"/>
-        <a:defRPr b="0" i="0" sz="1400" u="none" cap="none" strike="noStrike">
+        <a:defRPr sz="1400" b="0" i="0" u="none" strike="noStrike" cap="none">
           <a:solidFill>
             <a:srgbClr val="000000"/>
           </a:solidFill>
@@ -6347,11 +6567,11 @@
 </file>
 
 <file path=ppt/slides/slide1.xml><?xml version="1.0" encoding="utf-8"?>
-<p:sld xmlns:a="http://schemas.openxmlformats.org/drawingml/2006/main" xmlns:r="http://schemas.openxmlformats.org/officeDocument/2006/relationships" xmlns:mc="http://schemas.openxmlformats.org/markup-compatibility/2006" xmlns:mv="urn:schemas-microsoft-com:mac:vml" xmlns:p="http://schemas.openxmlformats.org/presentationml/2006/main" xmlns:c="http://schemas.openxmlformats.org/drawingml/2006/chart" xmlns:dgm="http://schemas.openxmlformats.org/drawingml/2006/diagram" xmlns:o="urn:schemas-microsoft-com:office:office" xmlns:v="urn:schemas-microsoft-com:vml" xmlns:pvml="urn:schemas-microsoft-com:office:powerpoint" xmlns:com="http://schemas.openxmlformats.org/drawingml/2006/compatibility" xmlns:p14="http://schemas.microsoft.com/office/powerpoint/2010/main" xmlns:p15="http://schemas.microsoft.com/office/powerpoint/2012/main" xmlns:ahyp="http://schemas.microsoft.com/office/drawing/2018/hyperlinkcolor">
+<p:sld xmlns:a="http://schemas.openxmlformats.org/drawingml/2006/main" xmlns:r="http://schemas.openxmlformats.org/officeDocument/2006/relationships" xmlns:p="http://schemas.openxmlformats.org/presentationml/2006/main">
   <p:cSld>
     <p:spTree>
       <p:nvGrpSpPr>
-        <p:cNvPr id="53" name="Shape 53"/>
+        <p:cNvPr id="1" name="Shape 53"/>
         <p:cNvGrpSpPr/>
         <p:nvPr/>
       </p:nvGrpSpPr>
@@ -6373,7 +6593,7 @@
           <a:blip r:embed="rId3">
             <a:alphaModFix/>
           </a:blip>
-          <a:srcRect b="15626" l="0" r="0" t="0"/>
+          <a:srcRect b="15626"/>
           <a:stretch/>
         </p:blipFill>
         <p:spPr>
@@ -6414,23 +6634,20 @@
           </a:ln>
         </p:spPr>
         <p:txBody>
-          <a:bodyPr anchorCtr="0" anchor="ctr" bIns="91425" lIns="91425" spcFirstLastPara="1" rIns="91425" wrap="square" tIns="91425">
+          <a:bodyPr spcFirstLastPara="1" wrap="square" lIns="91425" tIns="91425" rIns="91425" bIns="91425" anchor="ctr" anchorCtr="0">
             <a:noAutofit/>
           </a:bodyPr>
           <a:lstStyle/>
           <a:p>
-            <a:pPr indent="0" lvl="0" marL="0" rtl="0" algn="l">
-              <a:spcBef>
-                <a:spcPts val="0"/>
-              </a:spcBef>
-              <a:spcAft>
-                <a:spcPts val="0"/>
-              </a:spcAft>
-              <a:buNone/>
-            </a:pPr>
-            <a:r>
-              <a:t/>
-            </a:r>
+            <a:pPr marL="0" lvl="0" indent="0" algn="l" rtl="0">
+              <a:spcBef>
+                <a:spcPts val="0"/>
+              </a:spcBef>
+              <a:spcAft>
+                <a:spcPts val="0"/>
+              </a:spcAft>
+              <a:buNone/>
+            </a:pPr>
             <a:endParaRPr/>
           </a:p>
         </p:txBody>
@@ -6443,8 +6660,8 @@
         </p:nvSpPr>
         <p:spPr>
           <a:xfrm>
-            <a:off x="343725" y="3176575"/>
-            <a:ext cx="4693800" cy="871800"/>
+            <a:off x="518825" y="3176450"/>
+            <a:ext cx="5697040" cy="871800"/>
           </a:xfrm>
           <a:prstGeom prst="rect">
             <a:avLst/>
@@ -6455,12 +6672,12 @@
           </a:ln>
         </p:spPr>
         <p:txBody>
-          <a:bodyPr anchorCtr="0" anchor="t" bIns="91425" lIns="91425" spcFirstLastPara="1" rIns="91425" wrap="square" tIns="91425">
+          <a:bodyPr spcFirstLastPara="1" wrap="square" lIns="91425" tIns="91425" rIns="91425" bIns="91425" anchor="t" anchorCtr="0">
             <a:noAutofit/>
           </a:bodyPr>
           <a:lstStyle/>
           <a:p>
-            <a:pPr indent="0" lvl="0" marL="0" rtl="0" algn="l">
+            <a:pPr marL="0" lvl="0" indent="0" algn="l" rtl="0">
               <a:spcBef>
                 <a:spcPts val="0"/>
               </a:spcBef>
@@ -6470,7 +6687,7 @@
               <a:buNone/>
             </a:pPr>
             <a:r>
-              <a:rPr b="1" lang="en" sz="5200">
+              <a:rPr lang="en" sz="5200" b="1" dirty="0">
                 <a:solidFill>
                   <a:schemeClr val="lt1"/>
                 </a:solidFill>
@@ -6479,10 +6696,22 @@
                 <a:cs typeface="Comfortaa"/>
                 <a:sym typeface="Comfortaa"/>
               </a:rPr>
-              <a:t>"Hello World</a:t>
+              <a:t>"</a:t>
             </a:r>
             <a:r>
-              <a:rPr b="1" lang="en" sz="5200">
+              <a:rPr lang="en" sz="5200" b="1" dirty="0" smtClean="0">
+                <a:solidFill>
+                  <a:schemeClr val="lt1"/>
+                </a:solidFill>
+                <a:latin typeface="Comfortaa"/>
+                <a:ea typeface="Comfortaa"/>
+                <a:cs typeface="Comfortaa"/>
+                <a:sym typeface="Comfortaa"/>
+              </a:rPr>
+              <a:t>Hello World</a:t>
+            </a:r>
+            <a:r>
+              <a:rPr lang="en" sz="5200" b="1" dirty="0">
                 <a:solidFill>
                   <a:schemeClr val="lt1"/>
                 </a:solidFill>
@@ -6493,7 +6722,7 @@
               </a:rPr>
               <a:t>!"</a:t>
             </a:r>
-            <a:endParaRPr b="1" sz="5200">
+            <a:endParaRPr sz="5200" b="1" dirty="0">
               <a:solidFill>
                 <a:schemeClr val="lt1"/>
               </a:solidFill>
@@ -6525,12 +6754,12 @@
           </a:ln>
         </p:spPr>
         <p:txBody>
-          <a:bodyPr anchorCtr="0" anchor="t" bIns="91425" lIns="91425" spcFirstLastPara="1" rIns="91425" wrap="square" tIns="91425">
+          <a:bodyPr spcFirstLastPara="1" wrap="square" lIns="91425" tIns="91425" rIns="91425" bIns="91425" anchor="t" anchorCtr="0">
             <a:noAutofit/>
           </a:bodyPr>
           <a:lstStyle/>
           <a:p>
-            <a:pPr indent="0" lvl="0" marL="0" rtl="0" algn="l">
+            <a:pPr marL="0" lvl="0" indent="0" algn="l" rtl="0">
               <a:lnSpc>
                 <a:spcPct val="150000"/>
               </a:lnSpc>
@@ -6552,19 +6781,7 @@
                 <a:cs typeface="Comfortaa Regular"/>
                 <a:sym typeface="Comfortaa Regular"/>
               </a:rPr>
-              <a:t>Treinamento de Python</a:t>
-            </a:r>
-            <a:r>
-              <a:rPr lang="en" sz="1600">
-                <a:solidFill>
-                  <a:schemeClr val="lt1"/>
-                </a:solidFill>
-                <a:latin typeface="Comfortaa Regular"/>
-                <a:ea typeface="Comfortaa Regular"/>
-                <a:cs typeface="Comfortaa Regular"/>
-                <a:sym typeface="Comfortaa Regular"/>
-              </a:rPr>
-              <a:t>!</a:t>
+              <a:t>Treinamento de Python!</a:t>
             </a:r>
             <a:endParaRPr sz="1600">
               <a:solidFill>
@@ -6577,7 +6794,7 @@
             </a:endParaRPr>
           </a:p>
           <a:p>
-            <a:pPr indent="0" lvl="0" marL="0" rtl="0" algn="l">
+            <a:pPr marL="0" lvl="0" indent="0" algn="l" rtl="0">
               <a:lnSpc>
                 <a:spcPct val="150000"/>
               </a:lnSpc>
@@ -6658,15 +6875,22 @@
   <p:clrMapOvr>
     <a:masterClrMapping/>
   </p:clrMapOvr>
+  <p:timing>
+    <p:tnLst>
+      <p:par>
+        <p:cTn id="1" dur="indefinite" restart="never" nodeType="tmRoot"/>
+      </p:par>
+    </p:tnLst>
+  </p:timing>
 </p:sld>
 </file>
 
 <file path=ppt/slides/slide10.xml><?xml version="1.0" encoding="utf-8"?>
-<p:sld xmlns:a="http://schemas.openxmlformats.org/drawingml/2006/main" xmlns:r="http://schemas.openxmlformats.org/officeDocument/2006/relationships" xmlns:mc="http://schemas.openxmlformats.org/markup-compatibility/2006" xmlns:mv="urn:schemas-microsoft-com:mac:vml" xmlns:p="http://schemas.openxmlformats.org/presentationml/2006/main" xmlns:c="http://schemas.openxmlformats.org/drawingml/2006/chart" xmlns:dgm="http://schemas.openxmlformats.org/drawingml/2006/diagram" xmlns:o="urn:schemas-microsoft-com:office:office" xmlns:v="urn:schemas-microsoft-com:vml" xmlns:pvml="urn:schemas-microsoft-com:office:powerpoint" xmlns:com="http://schemas.openxmlformats.org/drawingml/2006/compatibility" xmlns:p14="http://schemas.microsoft.com/office/powerpoint/2010/main" xmlns:p15="http://schemas.microsoft.com/office/powerpoint/2012/main" xmlns:ahyp="http://schemas.microsoft.com/office/drawing/2018/hyperlinkcolor">
+<p:sld xmlns:a="http://schemas.openxmlformats.org/drawingml/2006/main" xmlns:r="http://schemas.openxmlformats.org/officeDocument/2006/relationships" xmlns:p="http://schemas.openxmlformats.org/presentationml/2006/main">
   <p:cSld>
     <p:spTree>
       <p:nvGrpSpPr>
-        <p:cNvPr id="187" name="Shape 187"/>
+        <p:cNvPr id="1" name="Shape 187"/>
         <p:cNvGrpSpPr/>
         <p:nvPr/>
       </p:nvGrpSpPr>
@@ -6698,12 +6922,12 @@
           </a:ln>
         </p:spPr>
         <p:txBody>
-          <a:bodyPr anchorCtr="0" anchor="t" bIns="91425" lIns="91425" spcFirstLastPara="1" rIns="91425" wrap="square" tIns="91425">
+          <a:bodyPr spcFirstLastPara="1" wrap="square" lIns="91425" tIns="91425" rIns="91425" bIns="91425" anchor="t" anchorCtr="0">
             <a:noAutofit/>
           </a:bodyPr>
           <a:lstStyle/>
           <a:p>
-            <a:pPr indent="0" lvl="0" marL="0" rtl="0" algn="l">
+            <a:pPr marL="0" lvl="0" indent="0" algn="l" rtl="0">
               <a:spcBef>
                 <a:spcPts val="0"/>
               </a:spcBef>
@@ -6719,7 +6943,7 @@
             <a:endParaRPr/>
           </a:p>
           <a:p>
-            <a:pPr indent="0" lvl="0" marL="0" rtl="0" algn="l">
+            <a:pPr marL="0" lvl="0" indent="0" algn="l" rtl="0">
               <a:spcBef>
                 <a:spcPts val="0"/>
               </a:spcBef>
@@ -6735,7 +6959,7 @@
             <a:endParaRPr/>
           </a:p>
           <a:p>
-            <a:pPr indent="0" lvl="0" marL="0" rtl="0" algn="l">
+            <a:pPr marL="0" lvl="0" indent="0" algn="l" rtl="0">
               <a:spcBef>
                 <a:spcPts val="0"/>
               </a:spcBef>
@@ -6751,7 +6975,7 @@
             <a:endParaRPr/>
           </a:p>
           <a:p>
-            <a:pPr indent="0" lvl="0" marL="0" rtl="0" algn="l">
+            <a:pPr marL="0" lvl="0" indent="0" algn="l" rtl="0">
               <a:spcBef>
                 <a:spcPts val="0"/>
               </a:spcBef>
@@ -6767,7 +6991,7 @@
             <a:endParaRPr/>
           </a:p>
           <a:p>
-            <a:pPr indent="0" lvl="0" marL="0" rtl="0" algn="l">
+            <a:pPr marL="0" lvl="0" indent="0" algn="l" rtl="0">
               <a:spcBef>
                 <a:spcPts val="0"/>
               </a:spcBef>
@@ -6783,7 +7007,7 @@
             <a:endParaRPr/>
           </a:p>
           <a:p>
-            <a:pPr indent="0" lvl="0" marL="0" rtl="0" algn="l">
+            <a:pPr marL="0" lvl="0" indent="0" algn="l" rtl="0">
               <a:spcBef>
                 <a:spcPts val="0"/>
               </a:spcBef>
@@ -6799,7 +7023,7 @@
             <a:endParaRPr/>
           </a:p>
           <a:p>
-            <a:pPr indent="0" lvl="0" marL="0" rtl="0" algn="l">
+            <a:pPr marL="0" lvl="0" indent="0" algn="l" rtl="0">
               <a:spcBef>
                 <a:spcPts val="0"/>
               </a:spcBef>
@@ -6815,18 +7039,15 @@
             <a:endParaRPr/>
           </a:p>
           <a:p>
-            <a:pPr indent="0" lvl="0" marL="0" rtl="0" algn="l">
-              <a:spcBef>
-                <a:spcPts val="0"/>
-              </a:spcBef>
-              <a:spcAft>
-                <a:spcPts val="0"/>
-              </a:spcAft>
-              <a:buNone/>
-            </a:pPr>
-            <a:r>
-              <a:t/>
-            </a:r>
+            <a:pPr marL="0" lvl="0" indent="0" algn="l" rtl="0">
+              <a:spcBef>
+                <a:spcPts val="0"/>
+              </a:spcBef>
+              <a:spcAft>
+                <a:spcPts val="0"/>
+              </a:spcAft>
+              <a:buNone/>
+            </a:pPr>
             <a:endParaRPr/>
           </a:p>
         </p:txBody>
@@ -6841,7 +7062,7 @@
           <a:blip r:embed="rId3">
             <a:alphaModFix/>
           </a:blip>
-          <a:srcRect b="13797" l="0" r="0" t="1657"/>
+          <a:srcRect t="1657" b="13797"/>
           <a:stretch/>
         </p:blipFill>
         <p:spPr>
@@ -6882,23 +7103,20 @@
           </a:ln>
         </p:spPr>
         <p:txBody>
-          <a:bodyPr anchorCtr="0" anchor="ctr" bIns="91425" lIns="91425" spcFirstLastPara="1" rIns="91425" wrap="square" tIns="91425">
+          <a:bodyPr spcFirstLastPara="1" wrap="square" lIns="91425" tIns="91425" rIns="91425" bIns="91425" anchor="ctr" anchorCtr="0">
             <a:noAutofit/>
           </a:bodyPr>
           <a:lstStyle/>
           <a:p>
-            <a:pPr indent="0" lvl="0" marL="0" rtl="0" algn="l">
-              <a:spcBef>
-                <a:spcPts val="0"/>
-              </a:spcBef>
-              <a:spcAft>
-                <a:spcPts val="0"/>
-              </a:spcAft>
-              <a:buNone/>
-            </a:pPr>
-            <a:r>
-              <a:t/>
-            </a:r>
+            <a:pPr marL="0" lvl="0" indent="0" algn="l" rtl="0">
+              <a:spcBef>
+                <a:spcPts val="0"/>
+              </a:spcBef>
+              <a:spcAft>
+                <a:spcPts val="0"/>
+              </a:spcAft>
+              <a:buNone/>
+            </a:pPr>
             <a:endParaRPr/>
           </a:p>
         </p:txBody>
@@ -6951,12 +7169,12 @@
           </a:ln>
         </p:spPr>
         <p:txBody>
-          <a:bodyPr anchorCtr="0" anchor="t" bIns="91425" lIns="91425" spcFirstLastPara="1" rIns="91425" wrap="square" tIns="91425">
+          <a:bodyPr spcFirstLastPara="1" wrap="square" lIns="91425" tIns="91425" rIns="91425" bIns="91425" anchor="t" anchorCtr="0">
             <a:noAutofit/>
           </a:bodyPr>
           <a:lstStyle/>
           <a:p>
-            <a:pPr indent="0" lvl="0" marL="0" rtl="0" algn="l">
+            <a:pPr marL="0" lvl="0" indent="0" algn="l" rtl="0">
               <a:lnSpc>
                 <a:spcPct val="115000"/>
               </a:lnSpc>
@@ -6969,7 +7187,7 @@
               <a:buNone/>
             </a:pPr>
             <a:r>
-              <a:rPr i="1" lang="en">
+              <a:rPr lang="en" i="1">
                 <a:solidFill>
                   <a:srgbClr val="FFFFFF"/>
                 </a:solidFill>
@@ -6978,19 +7196,7 @@
                 <a:cs typeface="Comfortaa"/>
                 <a:sym typeface="Comfortaa"/>
               </a:rPr>
-              <a:t>"</a:t>
-            </a:r>
-            <a:r>
-              <a:rPr i="1" lang="en">
-                <a:solidFill>
-                  <a:srgbClr val="FFFFFF"/>
-                </a:solidFill>
-                <a:latin typeface="Comfortaa"/>
-                <a:ea typeface="Comfortaa"/>
-                <a:cs typeface="Comfortaa"/>
-                <a:sym typeface="Comfortaa"/>
-              </a:rPr>
-              <a:t>Bonito é melhor que feio.</a:t>
+              <a:t>"Bonito é melhor que feio.</a:t>
             </a:r>
             <a:endParaRPr i="1">
               <a:solidFill>
@@ -7003,7 +7209,7 @@
             </a:endParaRPr>
           </a:p>
           <a:p>
-            <a:pPr indent="0" lvl="0" marL="0" rtl="0" algn="l">
+            <a:pPr marL="0" lvl="0" indent="0" algn="l" rtl="0">
               <a:lnSpc>
                 <a:spcPct val="115000"/>
               </a:lnSpc>
@@ -7016,7 +7222,7 @@
               <a:buNone/>
             </a:pPr>
             <a:r>
-              <a:rPr i="1" lang="en">
+              <a:rPr lang="en" i="1">
                 <a:solidFill>
                   <a:srgbClr val="FFFFFF"/>
                 </a:solidFill>
@@ -7038,7 +7244,7 @@
             </a:endParaRPr>
           </a:p>
           <a:p>
-            <a:pPr indent="0" lvl="0" marL="0" rtl="0" algn="l">
+            <a:pPr marL="0" lvl="0" indent="0" algn="l" rtl="0">
               <a:lnSpc>
                 <a:spcPct val="115000"/>
               </a:lnSpc>
@@ -7051,7 +7257,7 @@
               <a:buNone/>
             </a:pPr>
             <a:r>
-              <a:rPr i="1" lang="en">
+              <a:rPr lang="en" i="1">
                 <a:solidFill>
                   <a:srgbClr val="FFFFFF"/>
                 </a:solidFill>
@@ -7073,7 +7279,7 @@
             </a:endParaRPr>
           </a:p>
           <a:p>
-            <a:pPr indent="0" lvl="0" marL="0" rtl="0" algn="l">
+            <a:pPr marL="0" lvl="0" indent="0" algn="l" rtl="0">
               <a:lnSpc>
                 <a:spcPct val="115000"/>
               </a:lnSpc>
@@ -7086,7 +7292,7 @@
               <a:buNone/>
             </a:pPr>
             <a:r>
-              <a:rPr i="1" lang="en">
+              <a:rPr lang="en" i="1">
                 <a:solidFill>
                   <a:srgbClr val="FFFFFF"/>
                 </a:solidFill>
@@ -7108,7 +7314,7 @@
             </a:endParaRPr>
           </a:p>
           <a:p>
-            <a:pPr indent="0" lvl="0" marL="0" rtl="0" algn="l">
+            <a:pPr marL="0" lvl="0" indent="0" algn="l" rtl="0">
               <a:lnSpc>
                 <a:spcPct val="115000"/>
               </a:lnSpc>
@@ -7121,7 +7327,7 @@
               <a:buNone/>
             </a:pPr>
             <a:r>
-              <a:rPr i="1" lang="en">
+              <a:rPr lang="en" i="1">
                 <a:solidFill>
                   <a:srgbClr val="FFFFFF"/>
                 </a:solidFill>
@@ -7143,7 +7349,7 @@
             </a:endParaRPr>
           </a:p>
           <a:p>
-            <a:pPr indent="0" lvl="0" marL="0" rtl="0" algn="l">
+            <a:pPr marL="0" lvl="0" indent="0" algn="l" rtl="0">
               <a:lnSpc>
                 <a:spcPct val="115000"/>
               </a:lnSpc>
@@ -7156,7 +7362,7 @@
               <a:buNone/>
             </a:pPr>
             <a:r>
-              <a:rPr i="1" lang="en">
+              <a:rPr lang="en" i="1">
                 <a:solidFill>
                   <a:srgbClr val="FFFFFF"/>
                 </a:solidFill>
@@ -7199,12 +7405,12 @@
           </a:ln>
         </p:spPr>
         <p:txBody>
-          <a:bodyPr anchorCtr="0" anchor="t" bIns="91425" lIns="91425" spcFirstLastPara="1" rIns="91425" wrap="square" tIns="91425">
+          <a:bodyPr spcFirstLastPara="1" wrap="square" lIns="91425" tIns="91425" rIns="91425" bIns="91425" anchor="t" anchorCtr="0">
             <a:noAutofit/>
           </a:bodyPr>
           <a:lstStyle/>
           <a:p>
-            <a:pPr indent="0" lvl="0" marL="0" rtl="0" algn="l">
+            <a:pPr marL="0" lvl="0" indent="0" algn="l" rtl="0">
               <a:spcBef>
                 <a:spcPts val="0"/>
               </a:spcBef>
@@ -7214,7 +7420,7 @@
               <a:buNone/>
             </a:pPr>
             <a:r>
-              <a:rPr b="1" lang="en" sz="5200">
+              <a:rPr lang="en" sz="5200" b="1">
                 <a:solidFill>
                   <a:schemeClr val="lt1"/>
                 </a:solidFill>
@@ -7225,7 +7431,7 @@
               </a:rPr>
               <a:t>Obrigada!</a:t>
             </a:r>
-            <a:endParaRPr b="1" sz="5200">
+            <a:endParaRPr sz="5200" b="1">
               <a:solidFill>
                 <a:schemeClr val="lt1"/>
               </a:solidFill>
@@ -7257,12 +7463,12 @@
           </a:ln>
         </p:spPr>
         <p:txBody>
-          <a:bodyPr anchorCtr="0" anchor="t" bIns="91425" lIns="91425" spcFirstLastPara="1" rIns="91425" wrap="square" tIns="91425">
+          <a:bodyPr spcFirstLastPara="1" wrap="square" lIns="91425" tIns="91425" rIns="91425" bIns="91425" anchor="t" anchorCtr="0">
             <a:noAutofit/>
           </a:bodyPr>
           <a:lstStyle/>
           <a:p>
-            <a:pPr indent="0" lvl="0" marL="0" rtl="0" algn="l">
+            <a:pPr marL="0" lvl="0" indent="0" algn="l" rtl="0">
               <a:lnSpc>
                 <a:spcPct val="150000"/>
               </a:lnSpc>
@@ -7330,12 +7536,12 @@
           </a:ln>
         </p:spPr>
         <p:txBody>
-          <a:bodyPr anchorCtr="0" anchor="t" bIns="91425" lIns="91425" spcFirstLastPara="1" rIns="91425" wrap="square" tIns="91425">
+          <a:bodyPr spcFirstLastPara="1" wrap="square" lIns="91425" tIns="91425" rIns="91425" bIns="91425" anchor="t" anchorCtr="0">
             <a:noAutofit/>
           </a:bodyPr>
           <a:lstStyle/>
           <a:p>
-            <a:pPr indent="0" lvl="0" marL="0" rtl="0" algn="l">
+            <a:pPr marL="0" lvl="0" indent="0" algn="l" rtl="0">
               <a:lnSpc>
                 <a:spcPct val="150000"/>
               </a:lnSpc>
@@ -7353,7 +7559,7 @@
               <a:buNone/>
             </a:pPr>
             <a:r>
-              <a:rPr b="1" lang="en" sz="1100">
+              <a:rPr lang="en" sz="1100" b="1">
                 <a:solidFill>
                   <a:schemeClr val="lt1"/>
                 </a:solidFill>
@@ -7364,7 +7570,7 @@
               </a:rPr>
               <a:t>O Zen do Python, por Tim Peters</a:t>
             </a:r>
-            <a:endParaRPr b="1" sz="1100">
+            <a:endParaRPr sz="1100" b="1">
               <a:solidFill>
                 <a:schemeClr val="lt1"/>
               </a:solidFill>
@@ -7375,7 +7581,7 @@
             </a:endParaRPr>
           </a:p>
           <a:p>
-            <a:pPr indent="0" lvl="0" marL="0" rtl="0" algn="l">
+            <a:pPr marL="0" lvl="0" indent="0" algn="l" rtl="0">
               <a:lnSpc>
                 <a:spcPct val="150000"/>
               </a:lnSpc>
@@ -7392,9 +7598,6 @@
               <a:buFont typeface="Arial"/>
               <a:buNone/>
             </a:pPr>
-            <a:r>
-              <a:t/>
-            </a:r>
             <a:endParaRPr sz="1600">
               <a:solidFill>
                 <a:schemeClr val="lt1"/>
@@ -7406,7 +7609,7 @@
             </a:endParaRPr>
           </a:p>
           <a:p>
-            <a:pPr indent="0" lvl="0" marL="0" rtl="0" algn="l">
+            <a:pPr marL="0" lvl="0" indent="0" algn="l" rtl="0">
               <a:lnSpc>
                 <a:spcPct val="150000"/>
               </a:lnSpc>
@@ -7418,9 +7621,6 @@
               </a:spcAft>
               <a:buNone/>
             </a:pPr>
-            <a:r>
-              <a:t/>
-            </a:r>
             <a:endParaRPr sz="1600">
               <a:solidFill>
                 <a:schemeClr val="lt1"/>
@@ -7438,15 +7638,22 @@
   <p:clrMapOvr>
     <a:masterClrMapping/>
   </p:clrMapOvr>
+  <p:timing>
+    <p:tnLst>
+      <p:par>
+        <p:cTn id="1" dur="indefinite" restart="never" nodeType="tmRoot"/>
+      </p:par>
+    </p:tnLst>
+  </p:timing>
 </p:sld>
 </file>
 
 <file path=ppt/slides/slide2.xml><?xml version="1.0" encoding="utf-8"?>
-<p:sld xmlns:a="http://schemas.openxmlformats.org/drawingml/2006/main" xmlns:r="http://schemas.openxmlformats.org/officeDocument/2006/relationships" xmlns:mc="http://schemas.openxmlformats.org/markup-compatibility/2006" xmlns:mv="urn:schemas-microsoft-com:mac:vml" xmlns:p="http://schemas.openxmlformats.org/presentationml/2006/main" xmlns:c="http://schemas.openxmlformats.org/drawingml/2006/chart" xmlns:dgm="http://schemas.openxmlformats.org/drawingml/2006/diagram" xmlns:o="urn:schemas-microsoft-com:office:office" xmlns:v="urn:schemas-microsoft-com:vml" xmlns:pvml="urn:schemas-microsoft-com:office:powerpoint" xmlns:com="http://schemas.openxmlformats.org/drawingml/2006/compatibility" xmlns:p14="http://schemas.microsoft.com/office/powerpoint/2010/main" xmlns:p15="http://schemas.microsoft.com/office/powerpoint/2012/main" xmlns:ahyp="http://schemas.microsoft.com/office/drawing/2018/hyperlinkcolor">
+<p:sld xmlns:a="http://schemas.openxmlformats.org/drawingml/2006/main" xmlns:r="http://schemas.openxmlformats.org/officeDocument/2006/relationships" xmlns:p="http://schemas.openxmlformats.org/presentationml/2006/main">
   <p:cSld>
     <p:spTree>
       <p:nvGrpSpPr>
-        <p:cNvPr id="62" name="Shape 62"/>
+        <p:cNvPr id="1" name="Shape 62"/>
         <p:cNvGrpSpPr/>
         <p:nvPr/>
       </p:nvGrpSpPr>
@@ -7468,7 +7675,7 @@
           <a:blip r:embed="rId3">
             <a:alphaModFix/>
           </a:blip>
-          <a:srcRect b="0" l="35692" r="31469" t="0"/>
+          <a:srcRect l="35692" r="31469"/>
           <a:stretch/>
         </p:blipFill>
         <p:spPr>
@@ -7509,23 +7716,20 @@
           </a:ln>
         </p:spPr>
         <p:txBody>
-          <a:bodyPr anchorCtr="0" anchor="ctr" bIns="91425" lIns="91425" spcFirstLastPara="1" rIns="91425" wrap="square" tIns="91425">
+          <a:bodyPr spcFirstLastPara="1" wrap="square" lIns="91425" tIns="91425" rIns="91425" bIns="91425" anchor="ctr" anchorCtr="0">
             <a:noAutofit/>
           </a:bodyPr>
           <a:lstStyle/>
           <a:p>
-            <a:pPr indent="0" lvl="0" marL="0" rtl="0" algn="l">
-              <a:spcBef>
-                <a:spcPts val="0"/>
-              </a:spcBef>
-              <a:spcAft>
-                <a:spcPts val="0"/>
-              </a:spcAft>
-              <a:buNone/>
-            </a:pPr>
-            <a:r>
-              <a:t/>
-            </a:r>
+            <a:pPr marL="0" lvl="0" indent="0" algn="l" rtl="0">
+              <a:spcBef>
+                <a:spcPts val="0"/>
+              </a:spcBef>
+              <a:spcAft>
+                <a:spcPts val="0"/>
+              </a:spcAft>
+              <a:buNone/>
+            </a:pPr>
             <a:endParaRPr/>
           </a:p>
         </p:txBody>
@@ -7550,12 +7754,12 @@
           </a:ln>
         </p:spPr>
         <p:txBody>
-          <a:bodyPr anchorCtr="0" anchor="t" bIns="91425" lIns="91425" spcFirstLastPara="1" rIns="91425" wrap="square" tIns="91425">
+          <a:bodyPr spcFirstLastPara="1" wrap="square" lIns="91425" tIns="91425" rIns="91425" bIns="91425" anchor="t" anchorCtr="0">
             <a:noAutofit/>
           </a:bodyPr>
           <a:lstStyle/>
           <a:p>
-            <a:pPr indent="0" lvl="0" marL="0" rtl="0" algn="l">
+            <a:pPr marL="0" lvl="0" indent="0" algn="l" rtl="0">
               <a:spcBef>
                 <a:spcPts val="0"/>
               </a:spcBef>
@@ -7565,7 +7769,7 @@
               <a:buNone/>
             </a:pPr>
             <a:r>
-              <a:rPr b="1" lang="en" sz="3500">
+              <a:rPr lang="en" sz="3500" b="1">
                 <a:solidFill>
                   <a:schemeClr val="lt1"/>
                 </a:solidFill>
@@ -7576,7 +7780,7 @@
               </a:rPr>
               <a:t>QUEM SOU EU?</a:t>
             </a:r>
-            <a:endParaRPr b="1" sz="3500">
+            <a:endParaRPr sz="3500" b="1">
               <a:solidFill>
                 <a:schemeClr val="lt1"/>
               </a:solidFill>
@@ -7611,14 +7815,14 @@
             <a:avLst/>
           </a:prstGeom>
           <a:noFill/>
-          <a:ln cap="flat" cmpd="sng" w="28575">
+          <a:ln w="28575" cap="flat" cmpd="sng">
             <a:solidFill>
               <a:srgbClr val="F9CB9C"/>
             </a:solidFill>
             <a:prstDash val="solid"/>
             <a:round/>
-            <a:headEnd len="sm" w="sm" type="none"/>
-            <a:tailEnd len="sm" w="sm" type="none"/>
+            <a:headEnd type="none" w="sm" len="sm"/>
+            <a:tailEnd type="none" w="sm" len="sm"/>
           </a:ln>
         </p:spPr>
       </p:pic>
@@ -7642,12 +7846,12 @@
           </a:ln>
         </p:spPr>
         <p:txBody>
-          <a:bodyPr anchorCtr="0" anchor="t" bIns="91425" lIns="91425" spcFirstLastPara="1" rIns="91425" wrap="square" tIns="91425">
+          <a:bodyPr spcFirstLastPara="1" wrap="square" lIns="91425" tIns="91425" rIns="91425" bIns="91425" anchor="t" anchorCtr="0">
             <a:noAutofit/>
           </a:bodyPr>
           <a:lstStyle/>
           <a:p>
-            <a:pPr indent="0" lvl="0" marL="0" rtl="0" algn="l">
+            <a:pPr marL="0" lvl="0" indent="0" algn="l" rtl="0">
               <a:lnSpc>
                 <a:spcPct val="150000"/>
               </a:lnSpc>
@@ -7660,7 +7864,7 @@
               <a:buNone/>
             </a:pPr>
             <a:r>
-              <a:rPr b="1" lang="en" sz="2000">
+              <a:rPr lang="en" sz="2000" b="1">
                 <a:solidFill>
                   <a:schemeClr val="dk1"/>
                 </a:solidFill>
@@ -7682,18 +7886,15 @@
             </a:endParaRPr>
           </a:p>
           <a:p>
-            <a:pPr indent="0" lvl="0" marL="0" rtl="0" algn="l">
-              <a:spcBef>
-                <a:spcPts val="0"/>
-              </a:spcBef>
-              <a:spcAft>
-                <a:spcPts val="0"/>
-              </a:spcAft>
-              <a:buNone/>
-            </a:pPr>
-            <a:r>
-              <a:t/>
-            </a:r>
+            <a:pPr marL="0" lvl="0" indent="0" algn="l" rtl="0">
+              <a:spcBef>
+                <a:spcPts val="0"/>
+              </a:spcBef>
+              <a:spcAft>
+                <a:spcPts val="0"/>
+              </a:spcAft>
+              <a:buNone/>
+            </a:pPr>
             <a:endParaRPr sz="2000">
               <a:solidFill>
                 <a:schemeClr val="dk1"/>
@@ -7726,12 +7927,12 @@
           </a:ln>
         </p:spPr>
         <p:txBody>
-          <a:bodyPr anchorCtr="0" anchor="t" bIns="91425" lIns="91425" spcFirstLastPara="1" rIns="91425" wrap="square" tIns="91425">
+          <a:bodyPr spcFirstLastPara="1" wrap="square" lIns="91425" tIns="91425" rIns="91425" bIns="91425" anchor="t" anchorCtr="0">
             <a:noAutofit/>
           </a:bodyPr>
           <a:lstStyle/>
           <a:p>
-            <a:pPr indent="0" lvl="0" marL="0" rtl="0" algn="r">
+            <a:pPr marL="0" lvl="0" indent="0" algn="r" rtl="0">
               <a:lnSpc>
                 <a:spcPct val="150000"/>
               </a:lnSpc>
@@ -7766,18 +7967,15 @@
             </a:endParaRPr>
           </a:p>
           <a:p>
-            <a:pPr indent="0" lvl="0" marL="0" rtl="0" algn="r">
-              <a:spcBef>
-                <a:spcPts val="0"/>
-              </a:spcBef>
-              <a:spcAft>
-                <a:spcPts val="0"/>
-              </a:spcAft>
-              <a:buNone/>
-            </a:pPr>
-            <a:r>
-              <a:t/>
-            </a:r>
+            <a:pPr marL="0" lvl="0" indent="0" algn="r" rtl="0">
+              <a:spcBef>
+                <a:spcPts val="0"/>
+              </a:spcBef>
+              <a:spcAft>
+                <a:spcPts val="0"/>
+              </a:spcAft>
+              <a:buNone/>
+            </a:pPr>
             <a:endParaRPr sz="1000">
               <a:solidFill>
                 <a:schemeClr val="dk1"/>
@@ -7810,12 +8008,12 @@
           </a:ln>
         </p:spPr>
         <p:txBody>
-          <a:bodyPr anchorCtr="0" anchor="t" bIns="91425" lIns="91425" spcFirstLastPara="1" rIns="91425" wrap="square" tIns="91425">
+          <a:bodyPr spcFirstLastPara="1" wrap="square" lIns="91425" tIns="91425" rIns="91425" bIns="91425" anchor="t" anchorCtr="0">
             <a:noAutofit/>
           </a:bodyPr>
           <a:lstStyle/>
           <a:p>
-            <a:pPr indent="-304800" lvl="0" marL="457200" rtl="0" algn="l">
+            <a:pPr marL="457200" lvl="0" indent="-304800" algn="l" rtl="0">
               <a:lnSpc>
                 <a:spcPct val="200000"/>
               </a:lnSpc>
@@ -7855,7 +8053,7 @@
             </a:endParaRPr>
           </a:p>
           <a:p>
-            <a:pPr indent="-304800" lvl="0" marL="457200" rtl="0" algn="l">
+            <a:pPr marL="457200" lvl="0" indent="-304800" algn="l" rtl="0">
               <a:lnSpc>
                 <a:spcPct val="200000"/>
               </a:lnSpc>
@@ -7882,19 +8080,7 @@
                 <a:cs typeface="Comfortaa Regular"/>
                 <a:sym typeface="Comfortaa Regular"/>
               </a:rPr>
-              <a:t>Projetos: </a:t>
-            </a:r>
-            <a:r>
-              <a:rPr lang="en" sz="1200">
-                <a:solidFill>
-                  <a:schemeClr val="dk1"/>
-                </a:solidFill>
-                <a:latin typeface="Comfortaa Regular"/>
-                <a:ea typeface="Comfortaa Regular"/>
-                <a:cs typeface="Comfortaa Regular"/>
-                <a:sym typeface="Comfortaa Regular"/>
-              </a:rPr>
-              <a:t>Ab Inbev, Ambev e Sulámerica;</a:t>
+              <a:t>Projetos: Ab Inbev, Ambev e Sulámerica;</a:t>
             </a:r>
             <a:endParaRPr sz="1200">
               <a:solidFill>
@@ -7907,7 +8093,7 @@
             </a:endParaRPr>
           </a:p>
           <a:p>
-            <a:pPr indent="-304800" lvl="0" marL="457200" rtl="0" algn="l">
+            <a:pPr marL="457200" lvl="0" indent="-304800" algn="l" rtl="0">
               <a:lnSpc>
                 <a:spcPct val="200000"/>
               </a:lnSpc>
@@ -7947,7 +8133,7 @@
             </a:endParaRPr>
           </a:p>
           <a:p>
-            <a:pPr indent="-304800" lvl="0" marL="457200" rtl="0" algn="l">
+            <a:pPr marL="457200" lvl="0" indent="-304800" algn="l" rtl="0">
               <a:lnSpc>
                 <a:spcPct val="200000"/>
               </a:lnSpc>
@@ -7988,7 +8174,7 @@
         </p:nvGrpSpPr>
         <p:grpSpPr>
           <a:xfrm>
-            <a:off x="4920075" y="1099913"/>
+            <a:off x="6416325" y="808100"/>
             <a:ext cx="1100875" cy="302700"/>
             <a:chOff x="3079700" y="3832763"/>
             <a:chExt cx="1100875" cy="302700"/>
@@ -8042,12 +8228,12 @@
             </a:ln>
           </p:spPr>
           <p:txBody>
-            <a:bodyPr anchorCtr="0" anchor="t" bIns="91425" lIns="91425" spcFirstLastPara="1" rIns="91425" wrap="square" tIns="91425">
+            <a:bodyPr spcFirstLastPara="1" wrap="square" lIns="91425" tIns="91425" rIns="91425" bIns="91425" anchor="t" anchorCtr="0">
               <a:noAutofit/>
             </a:bodyPr>
             <a:lstStyle/>
             <a:p>
-              <a:pPr indent="0" lvl="0" marL="0" rtl="0" algn="l">
+              <a:pPr marL="0" lvl="0" indent="0" algn="l" rtl="0">
                 <a:lnSpc>
                   <a:spcPct val="150000"/>
                 </a:lnSpc>
@@ -8067,7 +8253,7 @@
                   <a:hlinkClick r:id="rId6">
                     <a:extLst>
                       <a:ext uri="{A12FA001-AC4F-418D-AE19-62706E023703}">
-                        <ahyp:hlinkClr val="tx"/>
+                        <ahyp:hlinkClr xmlns="" xmlns:mc="http://schemas.openxmlformats.org/markup-compatibility/2006" xmlns:mv="urn:schemas-microsoft-com:mac:vml" xmlns:c="http://schemas.openxmlformats.org/drawingml/2006/chart" xmlns:dgm="http://schemas.openxmlformats.org/drawingml/2006/diagram" xmlns:o="urn:schemas-microsoft-com:office:office" xmlns:v="urn:schemas-microsoft-com:vml" xmlns:pvml="urn:schemas-microsoft-com:office:powerpoint" xmlns:com="http://schemas.openxmlformats.org/drawingml/2006/compatibility" xmlns:p14="http://schemas.microsoft.com/office/powerpoint/2010/main" xmlns:p15="http://schemas.microsoft.com/office/powerpoint/2012/main" xmlns:ahyp="http://schemas.microsoft.com/office/drawing/2018/hyperlinkcolor" val="tx"/>
                       </a:ext>
                     </a:extLst>
                   </a:hlinkClick>
@@ -8085,7 +8271,7 @@
               </a:endParaRPr>
             </a:p>
             <a:p>
-              <a:pPr indent="0" lvl="0" marL="0" rtl="0" algn="l">
+              <a:pPr marL="0" lvl="0" indent="0" algn="l" rtl="0">
                 <a:spcBef>
                   <a:spcPts val="0"/>
                 </a:spcBef>
@@ -8094,9 +8280,6 @@
                 </a:spcAft>
                 <a:buNone/>
               </a:pPr>
-              <a:r>
-                <a:t/>
-              </a:r>
               <a:endParaRPr sz="2000">
                 <a:solidFill>
                   <a:schemeClr val="dk1"/>
@@ -8172,12 +8355,12 @@
             </a:ln>
           </p:spPr>
           <p:txBody>
-            <a:bodyPr anchorCtr="0" anchor="t" bIns="91425" lIns="91425" spcFirstLastPara="1" rIns="91425" wrap="square" tIns="91425">
+            <a:bodyPr spcFirstLastPara="1" wrap="square" lIns="91425" tIns="91425" rIns="91425" bIns="91425" anchor="t" anchorCtr="0">
               <a:noAutofit/>
             </a:bodyPr>
             <a:lstStyle/>
             <a:p>
-              <a:pPr indent="0" lvl="0" marL="0" rtl="0" algn="l">
+              <a:pPr marL="0" lvl="0" indent="0" algn="l" rtl="0">
                 <a:spcBef>
                   <a:spcPts val="0"/>
                 </a:spcBef>
@@ -8194,7 +8377,7 @@
                   <a:hlinkClick r:id="rId8">
                     <a:extLst>
                       <a:ext uri="{A12FA001-AC4F-418D-AE19-62706E023703}">
-                        <ahyp:hlinkClr val="tx"/>
+                        <ahyp:hlinkClr xmlns="" xmlns:mc="http://schemas.openxmlformats.org/markup-compatibility/2006" xmlns:mv="urn:schemas-microsoft-com:mac:vml" xmlns:c="http://schemas.openxmlformats.org/drawingml/2006/chart" xmlns:dgm="http://schemas.openxmlformats.org/drawingml/2006/diagram" xmlns:o="urn:schemas-microsoft-com:office:office" xmlns:v="urn:schemas-microsoft-com:vml" xmlns:pvml="urn:schemas-microsoft-com:office:powerpoint" xmlns:com="http://schemas.openxmlformats.org/drawingml/2006/compatibility" xmlns:p14="http://schemas.microsoft.com/office/powerpoint/2010/main" xmlns:p15="http://schemas.microsoft.com/office/powerpoint/2012/main" xmlns:ahyp="http://schemas.microsoft.com/office/drawing/2018/hyperlinkcolor" val="tx"/>
                       </a:ext>
                     </a:extLst>
                   </a:hlinkClick>
@@ -8272,12 +8455,12 @@
             </a:ln>
           </p:spPr>
           <p:txBody>
-            <a:bodyPr anchorCtr="0" anchor="t" bIns="91425" lIns="91425" spcFirstLastPara="1" rIns="91425" wrap="square" tIns="91425">
+            <a:bodyPr spcFirstLastPara="1" wrap="square" lIns="91425" tIns="91425" rIns="91425" bIns="91425" anchor="t" anchorCtr="0">
               <a:noAutofit/>
             </a:bodyPr>
             <a:lstStyle/>
             <a:p>
-              <a:pPr indent="0" lvl="0" marL="0" rtl="0" algn="l">
+              <a:pPr marL="0" lvl="0" indent="0" algn="l" rtl="0">
                 <a:spcBef>
                   <a:spcPts val="0"/>
                 </a:spcBef>
@@ -8294,7 +8477,7 @@
                   <a:hlinkClick r:id="rId10">
                     <a:extLst>
                       <a:ext uri="{A12FA001-AC4F-418D-AE19-62706E023703}">
-                        <ahyp:hlinkClr val="tx"/>
+                        <ahyp:hlinkClr xmlns="" xmlns:mc="http://schemas.openxmlformats.org/markup-compatibility/2006" xmlns:mv="urn:schemas-microsoft-com:mac:vml" xmlns:c="http://schemas.openxmlformats.org/drawingml/2006/chart" xmlns:dgm="http://schemas.openxmlformats.org/drawingml/2006/diagram" xmlns:o="urn:schemas-microsoft-com:office:office" xmlns:v="urn:schemas-microsoft-com:vml" xmlns:pvml="urn:schemas-microsoft-com:office:powerpoint" xmlns:com="http://schemas.openxmlformats.org/drawingml/2006/compatibility" xmlns:p14="http://schemas.microsoft.com/office/powerpoint/2010/main" xmlns:p15="http://schemas.microsoft.com/office/powerpoint/2012/main" xmlns:ahyp="http://schemas.microsoft.com/office/drawing/2018/hyperlinkcolor" val="tx"/>
                       </a:ext>
                     </a:extLst>
                   </a:hlinkClick>
@@ -8372,12 +8555,12 @@
             </a:ln>
           </p:spPr>
           <p:txBody>
-            <a:bodyPr anchorCtr="0" anchor="t" bIns="91425" lIns="91425" spcFirstLastPara="1" rIns="91425" wrap="square" tIns="91425">
+            <a:bodyPr spcFirstLastPara="1" wrap="square" lIns="91425" tIns="91425" rIns="91425" bIns="91425" anchor="t" anchorCtr="0">
               <a:noAutofit/>
             </a:bodyPr>
             <a:lstStyle/>
             <a:p>
-              <a:pPr indent="0" lvl="0" marL="0" rtl="0" algn="l">
+              <a:pPr marL="0" lvl="0" indent="0" algn="l" rtl="0">
                 <a:spcBef>
                   <a:spcPts val="0"/>
                 </a:spcBef>
@@ -8394,7 +8577,7 @@
                   <a:hlinkClick r:id="rId12">
                     <a:extLst>
                       <a:ext uri="{A12FA001-AC4F-418D-AE19-62706E023703}">
-                        <ahyp:hlinkClr val="tx"/>
+                        <ahyp:hlinkClr xmlns="" xmlns:mc="http://schemas.openxmlformats.org/markup-compatibility/2006" xmlns:mv="urn:schemas-microsoft-com:mac:vml" xmlns:c="http://schemas.openxmlformats.org/drawingml/2006/chart" xmlns:dgm="http://schemas.openxmlformats.org/drawingml/2006/diagram" xmlns:o="urn:schemas-microsoft-com:office:office" xmlns:v="urn:schemas-microsoft-com:vml" xmlns:pvml="urn:schemas-microsoft-com:office:powerpoint" xmlns:com="http://schemas.openxmlformats.org/drawingml/2006/compatibility" xmlns:p14="http://schemas.microsoft.com/office/powerpoint/2010/main" xmlns:p15="http://schemas.microsoft.com/office/powerpoint/2012/main" xmlns:ahyp="http://schemas.microsoft.com/office/drawing/2018/hyperlinkcolor" val="tx"/>
                       </a:ext>
                     </a:extLst>
                   </a:hlinkClick>
@@ -8458,12 +8641,12 @@
           </a:ln>
         </p:spPr>
         <p:txBody>
-          <a:bodyPr anchorCtr="0" anchor="t" bIns="91425" lIns="91425" spcFirstLastPara="1" rIns="91425" wrap="square" tIns="91425">
+          <a:bodyPr spcFirstLastPara="1" wrap="square" lIns="91425" tIns="91425" rIns="91425" bIns="91425" anchor="t" anchorCtr="0">
             <a:noAutofit/>
           </a:bodyPr>
           <a:lstStyle/>
           <a:p>
-            <a:pPr indent="0" lvl="0" marL="0" rtl="0" algn="l">
+            <a:pPr marL="0" lvl="0" indent="0" algn="l" rtl="0">
               <a:spcBef>
                 <a:spcPts val="0"/>
               </a:spcBef>
@@ -8480,7 +8663,7 @@
                 <a:hlinkClick r:id="rId14">
                   <a:extLst>
                     <a:ext uri="{A12FA001-AC4F-418D-AE19-62706E023703}">
-                      <ahyp:hlinkClr val="tx"/>
+                      <ahyp:hlinkClr xmlns="" xmlns:mc="http://schemas.openxmlformats.org/markup-compatibility/2006" xmlns:mv="urn:schemas-microsoft-com:mac:vml" xmlns:c="http://schemas.openxmlformats.org/drawingml/2006/chart" xmlns:dgm="http://schemas.openxmlformats.org/drawingml/2006/diagram" xmlns:o="urn:schemas-microsoft-com:office:office" xmlns:v="urn:schemas-microsoft-com:vml" xmlns:pvml="urn:schemas-microsoft-com:office:powerpoint" xmlns:com="http://schemas.openxmlformats.org/drawingml/2006/compatibility" xmlns:p14="http://schemas.microsoft.com/office/powerpoint/2010/main" xmlns:p15="http://schemas.microsoft.com/office/powerpoint/2012/main" xmlns:ahyp="http://schemas.microsoft.com/office/drawing/2018/hyperlinkcolor" val="tx"/>
                     </a:ext>
                   </a:extLst>
                 </a:hlinkClick>
@@ -8500,15 +8683,22 @@
   <p:clrMapOvr>
     <a:masterClrMapping/>
   </p:clrMapOvr>
+  <p:timing>
+    <p:tnLst>
+      <p:par>
+        <p:cTn id="1" dur="indefinite" restart="never" nodeType="tmRoot"/>
+      </p:par>
+    </p:tnLst>
+  </p:timing>
 </p:sld>
 </file>
 
 <file path=ppt/slides/slide3.xml><?xml version="1.0" encoding="utf-8"?>
-<p:sld xmlns:a="http://schemas.openxmlformats.org/drawingml/2006/main" xmlns:r="http://schemas.openxmlformats.org/officeDocument/2006/relationships" xmlns:mc="http://schemas.openxmlformats.org/markup-compatibility/2006" xmlns:mv="urn:schemas-microsoft-com:mac:vml" xmlns:p="http://schemas.openxmlformats.org/presentationml/2006/main" xmlns:c="http://schemas.openxmlformats.org/drawingml/2006/chart" xmlns:dgm="http://schemas.openxmlformats.org/drawingml/2006/diagram" xmlns:o="urn:schemas-microsoft-com:office:office" xmlns:v="urn:schemas-microsoft-com:vml" xmlns:pvml="urn:schemas-microsoft-com:office:powerpoint" xmlns:com="http://schemas.openxmlformats.org/drawingml/2006/compatibility" xmlns:p14="http://schemas.microsoft.com/office/powerpoint/2010/main" xmlns:p15="http://schemas.microsoft.com/office/powerpoint/2012/main" xmlns:ahyp="http://schemas.microsoft.com/office/drawing/2018/hyperlinkcolor">
+<p:sld xmlns:a="http://schemas.openxmlformats.org/drawingml/2006/main" xmlns:r="http://schemas.openxmlformats.org/officeDocument/2006/relationships" xmlns:p="http://schemas.openxmlformats.org/presentationml/2006/main">
   <p:cSld>
     <p:spTree>
       <p:nvGrpSpPr>
-        <p:cNvPr id="87" name="Shape 87"/>
+        <p:cNvPr id="1" name="Shape 87"/>
         <p:cNvGrpSpPr/>
         <p:nvPr/>
       </p:nvGrpSpPr>
@@ -8530,7 +8720,7 @@
           <a:blip r:embed="rId3">
             <a:alphaModFix/>
           </a:blip>
-          <a:srcRect b="0" l="15884" r="10232" t="0"/>
+          <a:srcRect l="15884" r="10232"/>
           <a:stretch/>
         </p:blipFill>
         <p:spPr>
@@ -8571,23 +8761,20 @@
           </a:ln>
         </p:spPr>
         <p:txBody>
-          <a:bodyPr anchorCtr="0" anchor="ctr" bIns="91425" lIns="91425" spcFirstLastPara="1" rIns="91425" wrap="square" tIns="91425">
+          <a:bodyPr spcFirstLastPara="1" wrap="square" lIns="91425" tIns="91425" rIns="91425" bIns="91425" anchor="ctr" anchorCtr="0">
             <a:noAutofit/>
           </a:bodyPr>
           <a:lstStyle/>
           <a:p>
-            <a:pPr indent="0" lvl="0" marL="0" rtl="0" algn="l">
-              <a:spcBef>
-                <a:spcPts val="0"/>
-              </a:spcBef>
-              <a:spcAft>
-                <a:spcPts val="0"/>
-              </a:spcAft>
-              <a:buNone/>
-            </a:pPr>
-            <a:r>
-              <a:t/>
-            </a:r>
+            <a:pPr marL="0" lvl="0" indent="0" algn="l" rtl="0">
+              <a:spcBef>
+                <a:spcPts val="0"/>
+              </a:spcBef>
+              <a:spcAft>
+                <a:spcPts val="0"/>
+              </a:spcAft>
+              <a:buNone/>
+            </a:pPr>
             <a:endParaRPr/>
           </a:p>
         </p:txBody>
@@ -8612,12 +8799,12 @@
           </a:ln>
         </p:spPr>
         <p:txBody>
-          <a:bodyPr anchorCtr="0" anchor="t" bIns="91425" lIns="91425" spcFirstLastPara="1" rIns="91425" wrap="square" tIns="91425">
+          <a:bodyPr spcFirstLastPara="1" wrap="square" lIns="91425" tIns="91425" rIns="91425" bIns="91425" anchor="t" anchorCtr="0">
             <a:noAutofit/>
           </a:bodyPr>
           <a:lstStyle/>
           <a:p>
-            <a:pPr indent="0" lvl="0" marL="0" rtl="0" algn="l">
+            <a:pPr marL="0" lvl="0" indent="0" algn="l" rtl="0">
               <a:spcBef>
                 <a:spcPts val="0"/>
               </a:spcBef>
@@ -8627,7 +8814,7 @@
               <a:buNone/>
             </a:pPr>
             <a:r>
-              <a:rPr b="1" lang="en" sz="3500">
+              <a:rPr lang="en" sz="3500" b="1">
                 <a:solidFill>
                   <a:schemeClr val="lt1"/>
                 </a:solidFill>
@@ -8638,7 +8825,7 @@
               </a:rPr>
               <a:t>Como, quando e para quê?</a:t>
             </a:r>
-            <a:endParaRPr b="1" sz="3500">
+            <a:endParaRPr sz="3500" b="1">
               <a:solidFill>
                 <a:schemeClr val="lt1"/>
               </a:solidFill>
@@ -8670,12 +8857,12 @@
           </a:ln>
         </p:spPr>
         <p:txBody>
-          <a:bodyPr anchorCtr="0" anchor="t" bIns="91425" lIns="91425" spcFirstLastPara="1" rIns="91425" wrap="square" tIns="91425">
+          <a:bodyPr spcFirstLastPara="1" wrap="square" lIns="91425" tIns="91425" rIns="91425" bIns="91425" anchor="t" anchorCtr="0">
             <a:noAutofit/>
           </a:bodyPr>
           <a:lstStyle/>
           <a:p>
-            <a:pPr indent="0" lvl="0" marL="0" rtl="0" algn="l">
+            <a:pPr marL="0" lvl="0" indent="0" algn="l" rtl="0">
               <a:spcBef>
                 <a:spcPts val="0"/>
               </a:spcBef>
@@ -8685,7 +8872,7 @@
               <a:buNone/>
             </a:pPr>
             <a:r>
-              <a:rPr b="1" lang="en" sz="2000">
+              <a:rPr lang="en" sz="2000" b="1">
                 <a:solidFill>
                   <a:schemeClr val="dk1"/>
                 </a:solidFill>
@@ -8696,7 +8883,7 @@
               </a:rPr>
               <a:t>Para quê?</a:t>
             </a:r>
-            <a:endParaRPr b="1" sz="2000">
+            <a:endParaRPr sz="2000" b="1">
               <a:solidFill>
                 <a:schemeClr val="dk1"/>
               </a:solidFill>
@@ -8728,12 +8915,12 @@
           </a:ln>
         </p:spPr>
         <p:txBody>
-          <a:bodyPr anchorCtr="0" anchor="t" bIns="91425" lIns="91425" spcFirstLastPara="1" rIns="91425" wrap="square" tIns="91425">
+          <a:bodyPr spcFirstLastPara="1" wrap="square" lIns="91425" tIns="91425" rIns="91425" bIns="91425" anchor="t" anchorCtr="0">
             <a:noAutofit/>
           </a:bodyPr>
           <a:lstStyle/>
           <a:p>
-            <a:pPr indent="0" lvl="0" marL="0" rtl="0" algn="l">
+            <a:pPr marL="0" lvl="0" indent="0" algn="l" rtl="0">
               <a:lnSpc>
                 <a:spcPct val="200000"/>
               </a:lnSpc>
@@ -8781,12 +8968,12 @@
           </a:ln>
         </p:spPr>
         <p:txBody>
-          <a:bodyPr anchorCtr="0" anchor="t" bIns="91425" lIns="91425" spcFirstLastPara="1" rIns="91425" wrap="square" tIns="91425">
+          <a:bodyPr spcFirstLastPara="1" wrap="square" lIns="91425" tIns="91425" rIns="91425" bIns="91425" anchor="t" anchorCtr="0">
             <a:noAutofit/>
           </a:bodyPr>
           <a:lstStyle/>
           <a:p>
-            <a:pPr indent="0" lvl="0" marL="0" rtl="0" algn="l">
+            <a:pPr marL="0" lvl="0" indent="0" algn="l" rtl="0">
               <a:spcBef>
                 <a:spcPts val="0"/>
               </a:spcBef>
@@ -8796,7 +8983,7 @@
               <a:buNone/>
             </a:pPr>
             <a:r>
-              <a:rPr b="1" lang="en" sz="2000">
+              <a:rPr lang="en" sz="2000" b="1">
                 <a:solidFill>
                   <a:schemeClr val="dk1"/>
                 </a:solidFill>
@@ -8807,7 +8994,7 @@
               </a:rPr>
               <a:t>Quando? </a:t>
             </a:r>
-            <a:endParaRPr b="1" sz="2000">
+            <a:endParaRPr sz="2000" b="1">
               <a:solidFill>
                 <a:schemeClr val="dk1"/>
               </a:solidFill>
@@ -8839,12 +9026,12 @@
           </a:ln>
         </p:spPr>
         <p:txBody>
-          <a:bodyPr anchorCtr="0" anchor="t" bIns="91425" lIns="91425" spcFirstLastPara="1" rIns="91425" wrap="square" tIns="91425">
+          <a:bodyPr spcFirstLastPara="1" wrap="square" lIns="91425" tIns="91425" rIns="91425" bIns="91425" anchor="t" anchorCtr="0">
             <a:noAutofit/>
           </a:bodyPr>
           <a:lstStyle/>
           <a:p>
-            <a:pPr indent="0" lvl="0" marL="0" rtl="0" algn="l">
+            <a:pPr marL="0" lvl="0" indent="0" algn="l" rtl="0">
               <a:lnSpc>
                 <a:spcPct val="200000"/>
               </a:lnSpc>
@@ -8869,7 +9056,7 @@
               <a:t>Horário: </a:t>
             </a:r>
             <a:r>
-              <a:rPr b="1" lang="en" sz="1000">
+              <a:rPr lang="en" sz="1000" b="1">
                 <a:solidFill>
                   <a:schemeClr val="dk1"/>
                 </a:solidFill>
@@ -8880,7 +9067,7 @@
               </a:rPr>
               <a:t>18:30 às 20:30 - intervalos 30 min.</a:t>
             </a:r>
-            <a:endParaRPr b="1" sz="1000">
+            <a:endParaRPr sz="1000" b="1">
               <a:solidFill>
                 <a:schemeClr val="dk1"/>
               </a:solidFill>
@@ -8891,7 +9078,7 @@
             </a:endParaRPr>
           </a:p>
           <a:p>
-            <a:pPr indent="0" lvl="0" marL="0" rtl="0" algn="l">
+            <a:pPr marL="0" lvl="0" indent="0" algn="l" rtl="0">
               <a:lnSpc>
                 <a:spcPct val="200000"/>
               </a:lnSpc>
@@ -8916,7 +9103,7 @@
               <a:t>Aulas teóricas e Labs: </a:t>
             </a:r>
             <a:r>
-              <a:rPr b="1" lang="en" sz="1000">
+              <a:rPr lang="en" sz="1000" b="1">
                 <a:solidFill>
                   <a:schemeClr val="dk1"/>
                 </a:solidFill>
@@ -8927,7 +9114,7 @@
               </a:rPr>
               <a:t>Segunda, Quinta e Sexta.</a:t>
             </a:r>
-            <a:endParaRPr b="1" sz="1000">
+            <a:endParaRPr sz="1000" b="1">
               <a:solidFill>
                 <a:schemeClr val="dk1"/>
               </a:solidFill>
@@ -8938,7 +9125,7 @@
             </a:endParaRPr>
           </a:p>
           <a:p>
-            <a:pPr indent="0" lvl="0" marL="0" rtl="0" algn="l">
+            <a:pPr marL="0" lvl="0" indent="0" algn="l" rtl="0">
               <a:lnSpc>
                 <a:spcPct val="200000"/>
               </a:lnSpc>
@@ -8963,7 +9150,7 @@
               <a:t>Mãos na massa: </a:t>
             </a:r>
             <a:r>
-              <a:rPr b="1" lang="en" sz="1000">
+              <a:rPr lang="en" sz="1000" b="1">
                 <a:solidFill>
                   <a:schemeClr val="dk1"/>
                 </a:solidFill>
@@ -8974,7 +9161,7 @@
               </a:rPr>
               <a:t>Terça-feiras </a:t>
             </a:r>
-            <a:endParaRPr b="1" sz="1000">
+            <a:endParaRPr sz="1000" b="1">
               <a:solidFill>
                 <a:schemeClr val="dk1"/>
               </a:solidFill>
@@ -8985,7 +9172,7 @@
             </a:endParaRPr>
           </a:p>
           <a:p>
-            <a:pPr indent="0" lvl="0" marL="0" rtl="0" algn="l">
+            <a:pPr marL="0" lvl="0" indent="0" algn="l" rtl="0">
               <a:lnSpc>
                 <a:spcPct val="200000"/>
               </a:lnSpc>
@@ -9010,7 +9197,7 @@
               <a:t>Correção e Feedbacks :</a:t>
             </a:r>
             <a:r>
-              <a:rPr b="1" lang="en" sz="1000">
+              <a:rPr lang="en" sz="1000" b="1">
                 <a:solidFill>
                   <a:schemeClr val="dk1"/>
                 </a:solidFill>
@@ -9021,7 +9208,7 @@
               </a:rPr>
               <a:t> Quarta-Feira</a:t>
             </a:r>
-            <a:endParaRPr b="1" sz="1000">
+            <a:endParaRPr sz="1000" b="1">
               <a:solidFill>
                 <a:schemeClr val="dk1"/>
               </a:solidFill>
@@ -9053,12 +9240,12 @@
           </a:ln>
         </p:spPr>
         <p:txBody>
-          <a:bodyPr anchorCtr="0" anchor="t" bIns="91425" lIns="91425" spcFirstLastPara="1" rIns="91425" wrap="square" tIns="91425">
+          <a:bodyPr spcFirstLastPara="1" wrap="square" lIns="91425" tIns="91425" rIns="91425" bIns="91425" anchor="t" anchorCtr="0">
             <a:noAutofit/>
           </a:bodyPr>
           <a:lstStyle/>
           <a:p>
-            <a:pPr indent="0" lvl="0" marL="0" rtl="0" algn="l">
+            <a:pPr marL="0" lvl="0" indent="0" algn="l" rtl="0">
               <a:spcBef>
                 <a:spcPts val="0"/>
               </a:spcBef>
@@ -9068,7 +9255,7 @@
               <a:buNone/>
             </a:pPr>
             <a:r>
-              <a:rPr b="1" lang="en" sz="2000">
+              <a:rPr lang="en" sz="2000" b="1">
                 <a:solidFill>
                   <a:schemeClr val="dk1"/>
                 </a:solidFill>
@@ -9079,7 +9266,7 @@
               </a:rPr>
               <a:t>Como?</a:t>
             </a:r>
-            <a:endParaRPr b="1" sz="2000">
+            <a:endParaRPr sz="2000" b="1">
               <a:solidFill>
                 <a:schemeClr val="dk1"/>
               </a:solidFill>
@@ -9111,12 +9298,12 @@
           </a:ln>
         </p:spPr>
         <p:txBody>
-          <a:bodyPr anchorCtr="0" anchor="t" bIns="91425" lIns="91425" spcFirstLastPara="1" rIns="91425" wrap="square" tIns="91425">
+          <a:bodyPr spcFirstLastPara="1" wrap="square" lIns="91425" tIns="91425" rIns="91425" bIns="91425" anchor="t" anchorCtr="0">
             <a:noAutofit/>
           </a:bodyPr>
           <a:lstStyle/>
           <a:p>
-            <a:pPr indent="0" lvl="0" marL="0" rtl="0" algn="l">
+            <a:pPr marL="0" lvl="0" indent="0" algn="l" rtl="0">
               <a:lnSpc>
                 <a:spcPct val="200000"/>
               </a:lnSpc>
@@ -9151,7 +9338,7 @@
             </a:endParaRPr>
           </a:p>
           <a:p>
-            <a:pPr indent="0" lvl="0" marL="0" rtl="0" algn="l">
+            <a:pPr marL="0" lvl="0" indent="0" algn="l" rtl="0">
               <a:lnSpc>
                 <a:spcPct val="200000"/>
               </a:lnSpc>
@@ -9191,7 +9378,7 @@
             </a:endParaRPr>
           </a:p>
           <a:p>
-            <a:pPr indent="0" lvl="0" marL="0" rtl="0" algn="l">
+            <a:pPr marL="0" lvl="0" indent="0" algn="l" rtl="0">
               <a:lnSpc>
                 <a:spcPct val="200000"/>
               </a:lnSpc>
@@ -9239,12 +9426,12 @@
           </a:ln>
         </p:spPr>
         <p:txBody>
-          <a:bodyPr anchorCtr="0" anchor="t" bIns="91425" lIns="91425" spcFirstLastPara="1" rIns="91425" wrap="square" tIns="91425">
+          <a:bodyPr spcFirstLastPara="1" wrap="square" lIns="91425" tIns="91425" rIns="91425" bIns="91425" anchor="t" anchorCtr="0">
             <a:noAutofit/>
           </a:bodyPr>
           <a:lstStyle/>
           <a:p>
-            <a:pPr indent="0" lvl="0" marL="0" rtl="0" algn="r">
+            <a:pPr marL="0" lvl="0" indent="0" algn="r" rtl="0">
               <a:lnSpc>
                 <a:spcPct val="150000"/>
               </a:lnSpc>
@@ -9266,19 +9453,7 @@
                 <a:cs typeface="Comfortaa Regular"/>
                 <a:sym typeface="Comfortaa Regular"/>
               </a:rPr>
-              <a:t>3</a:t>
-            </a:r>
-            <a:r>
-              <a:rPr lang="en" sz="1000">
-                <a:solidFill>
-                  <a:schemeClr val="dk1"/>
-                </a:solidFill>
-                <a:latin typeface="Comfortaa Regular"/>
-                <a:ea typeface="Comfortaa Regular"/>
-                <a:cs typeface="Comfortaa Regular"/>
-                <a:sym typeface="Comfortaa Regular"/>
-              </a:rPr>
-              <a:t>/10</a:t>
+              <a:t>3/10</a:t>
             </a:r>
             <a:endParaRPr sz="1000">
               <a:solidFill>
@@ -9291,18 +9466,15 @@
             </a:endParaRPr>
           </a:p>
           <a:p>
-            <a:pPr indent="0" lvl="0" marL="0" rtl="0" algn="r">
-              <a:spcBef>
-                <a:spcPts val="0"/>
-              </a:spcBef>
-              <a:spcAft>
-                <a:spcPts val="0"/>
-              </a:spcAft>
-              <a:buNone/>
-            </a:pPr>
-            <a:r>
-              <a:t/>
-            </a:r>
+            <a:pPr marL="0" lvl="0" indent="0" algn="r" rtl="0">
+              <a:spcBef>
+                <a:spcPts val="0"/>
+              </a:spcBef>
+              <a:spcAft>
+                <a:spcPts val="0"/>
+              </a:spcAft>
+              <a:buNone/>
+            </a:pPr>
             <a:endParaRPr sz="1000">
               <a:solidFill>
                 <a:schemeClr val="dk1"/>
@@ -9320,15 +9492,22 @@
   <p:clrMapOvr>
     <a:masterClrMapping/>
   </p:clrMapOvr>
+  <p:timing>
+    <p:tnLst>
+      <p:par>
+        <p:cTn id="1" dur="indefinite" restart="never" nodeType="tmRoot"/>
+      </p:par>
+    </p:tnLst>
+  </p:timing>
 </p:sld>
 </file>
 
 <file path=ppt/slides/slide4.xml><?xml version="1.0" encoding="utf-8"?>
-<p:sld xmlns:a="http://schemas.openxmlformats.org/drawingml/2006/main" xmlns:r="http://schemas.openxmlformats.org/officeDocument/2006/relationships" xmlns:mc="http://schemas.openxmlformats.org/markup-compatibility/2006" xmlns:mv="urn:schemas-microsoft-com:mac:vml" xmlns:p="http://schemas.openxmlformats.org/presentationml/2006/main" xmlns:c="http://schemas.openxmlformats.org/drawingml/2006/chart" xmlns:dgm="http://schemas.openxmlformats.org/drawingml/2006/diagram" xmlns:o="urn:schemas-microsoft-com:office:office" xmlns:v="urn:schemas-microsoft-com:vml" xmlns:pvml="urn:schemas-microsoft-com:office:powerpoint" xmlns:com="http://schemas.openxmlformats.org/drawingml/2006/compatibility" xmlns:p14="http://schemas.microsoft.com/office/powerpoint/2010/main" xmlns:p15="http://schemas.microsoft.com/office/powerpoint/2012/main" xmlns:ahyp="http://schemas.microsoft.com/office/drawing/2018/hyperlinkcolor">
+<p:sld xmlns:a="http://schemas.openxmlformats.org/drawingml/2006/main" xmlns:r="http://schemas.openxmlformats.org/officeDocument/2006/relationships" xmlns:p="http://schemas.openxmlformats.org/presentationml/2006/main">
   <p:cSld>
     <p:spTree>
       <p:nvGrpSpPr>
-        <p:cNvPr id="101" name="Shape 101"/>
+        <p:cNvPr id="1" name="Shape 101"/>
         <p:cNvGrpSpPr/>
         <p:nvPr/>
       </p:nvGrpSpPr>
@@ -9350,7 +9529,7 @@
           <a:blip r:embed="rId3">
             <a:alphaModFix/>
           </a:blip>
-          <a:srcRect b="0" l="46118" r="21044" t="0"/>
+          <a:srcRect l="46118" r="21044"/>
           <a:stretch/>
         </p:blipFill>
         <p:spPr>
@@ -9391,23 +9570,20 @@
           </a:ln>
         </p:spPr>
         <p:txBody>
-          <a:bodyPr anchorCtr="0" anchor="ctr" bIns="91425" lIns="91425" spcFirstLastPara="1" rIns="91425" wrap="square" tIns="91425">
+          <a:bodyPr spcFirstLastPara="1" wrap="square" lIns="91425" tIns="91425" rIns="91425" bIns="91425" anchor="ctr" anchorCtr="0">
             <a:noAutofit/>
           </a:bodyPr>
           <a:lstStyle/>
           <a:p>
-            <a:pPr indent="0" lvl="0" marL="0" rtl="0" algn="l">
-              <a:spcBef>
-                <a:spcPts val="0"/>
-              </a:spcBef>
-              <a:spcAft>
-                <a:spcPts val="0"/>
-              </a:spcAft>
-              <a:buNone/>
-            </a:pPr>
-            <a:r>
-              <a:t/>
-            </a:r>
+            <a:pPr marL="0" lvl="0" indent="0" algn="l" rtl="0">
+              <a:spcBef>
+                <a:spcPts val="0"/>
+              </a:spcBef>
+              <a:spcAft>
+                <a:spcPts val="0"/>
+              </a:spcAft>
+              <a:buNone/>
+            </a:pPr>
             <a:endParaRPr/>
           </a:p>
         </p:txBody>
@@ -9432,12 +9608,12 @@
           </a:ln>
         </p:spPr>
         <p:txBody>
-          <a:bodyPr anchorCtr="0" anchor="t" bIns="91425" lIns="91425" spcFirstLastPara="1" rIns="91425" wrap="square" tIns="91425">
+          <a:bodyPr spcFirstLastPara="1" wrap="square" lIns="91425" tIns="91425" rIns="91425" bIns="91425" anchor="t" anchorCtr="0">
             <a:noAutofit/>
           </a:bodyPr>
           <a:lstStyle/>
           <a:p>
-            <a:pPr indent="0" lvl="0" marL="0" rtl="0" algn="l">
+            <a:pPr marL="0" lvl="0" indent="0" algn="l" rtl="0">
               <a:lnSpc>
                 <a:spcPct val="115000"/>
               </a:lnSpc>
@@ -9450,7 +9626,7 @@
               <a:buNone/>
             </a:pPr>
             <a:r>
-              <a:rPr b="1" lang="en" sz="2200">
+              <a:rPr lang="en" sz="2200" b="1">
                 <a:solidFill>
                   <a:schemeClr val="lt1"/>
                 </a:solidFill>
@@ -9462,7 +9638,7 @@
               <a:t>Me convenceu! </a:t>
             </a:r>
             <a:r>
-              <a:rPr b="1" lang="en" sz="2900">
+              <a:rPr lang="en" sz="2900" b="1">
                 <a:solidFill>
                   <a:schemeClr val="lt1"/>
                 </a:solidFill>
@@ -9473,7 +9649,7 @@
               </a:rPr>
               <a:t>O que vamos fazer?</a:t>
             </a:r>
-            <a:endParaRPr b="1" sz="2900">
+            <a:endParaRPr sz="2900" b="1">
               <a:solidFill>
                 <a:schemeClr val="lt1"/>
               </a:solidFill>
@@ -9505,12 +9681,12 @@
           </a:ln>
         </p:spPr>
         <p:txBody>
-          <a:bodyPr anchorCtr="0" anchor="t" bIns="91425" lIns="91425" spcFirstLastPara="1" rIns="91425" wrap="square" tIns="91425">
+          <a:bodyPr spcFirstLastPara="1" wrap="square" lIns="91425" tIns="91425" rIns="91425" bIns="91425" anchor="t" anchorCtr="0">
             <a:noAutofit/>
           </a:bodyPr>
           <a:lstStyle/>
           <a:p>
-            <a:pPr indent="0" lvl="0" marL="0" rtl="0" algn="l">
+            <a:pPr marL="0" lvl="0" indent="0" algn="l" rtl="0">
               <a:spcBef>
                 <a:spcPts val="0"/>
               </a:spcBef>
@@ -9520,7 +9696,7 @@
               <a:buNone/>
             </a:pPr>
             <a:r>
-              <a:rPr b="1" lang="en" sz="2000">
+              <a:rPr lang="en" sz="2000" b="1">
                 <a:solidFill>
                   <a:schemeClr val="dk1"/>
                 </a:solidFill>
@@ -9531,7 +9707,7 @@
               </a:rPr>
               <a:t>Aula 1</a:t>
             </a:r>
-            <a:endParaRPr b="1" sz="2000">
+            <a:endParaRPr sz="2000" b="1">
               <a:solidFill>
                 <a:schemeClr val="dk1"/>
               </a:solidFill>
@@ -9563,12 +9739,12 @@
           </a:ln>
         </p:spPr>
         <p:txBody>
-          <a:bodyPr anchorCtr="0" anchor="t" bIns="91425" lIns="91425" spcFirstLastPara="1" rIns="91425" wrap="square" tIns="91425">
+          <a:bodyPr spcFirstLastPara="1" wrap="square" lIns="91425" tIns="91425" rIns="91425" bIns="91425" anchor="t" anchorCtr="0">
             <a:noAutofit/>
           </a:bodyPr>
           <a:lstStyle/>
           <a:p>
-            <a:pPr indent="-292100" lvl="0" marL="457200" rtl="0" algn="l">
+            <a:pPr marL="457200" lvl="0" indent="-292100" algn="l" rtl="0">
               <a:lnSpc>
                 <a:spcPct val="200000"/>
               </a:lnSpc>
@@ -9586,7 +9762,7 @@
               <a:buAutoNum type="arabicPeriod"/>
             </a:pPr>
             <a:r>
-              <a:rPr b="1" lang="en" sz="1000">
+              <a:rPr lang="en" sz="1000" b="1">
                 <a:solidFill>
                   <a:schemeClr val="dk1"/>
                 </a:solidFill>
@@ -9597,7 +9773,7 @@
               </a:rPr>
               <a:t>Declaração de variável</a:t>
             </a:r>
-            <a:endParaRPr b="1" sz="1000">
+            <a:endParaRPr sz="1000" b="1">
               <a:solidFill>
                 <a:schemeClr val="dk1"/>
               </a:solidFill>
@@ -9608,7 +9784,7 @@
             </a:endParaRPr>
           </a:p>
           <a:p>
-            <a:pPr indent="-292100" lvl="0" marL="457200" rtl="0" algn="l">
+            <a:pPr marL="457200" lvl="0" indent="-292100" algn="l" rtl="0">
               <a:lnSpc>
                 <a:spcPct val="200000"/>
               </a:lnSpc>
@@ -9626,7 +9802,7 @@
               <a:buAutoNum type="arabicPeriod"/>
             </a:pPr>
             <a:r>
-              <a:rPr b="1" lang="en" sz="1000">
+              <a:rPr lang="en" sz="1000" b="1">
                 <a:solidFill>
                   <a:schemeClr val="dk1"/>
                 </a:solidFill>
@@ -9637,7 +9813,7 @@
               </a:rPr>
               <a:t>Tipos de variáveis</a:t>
             </a:r>
-            <a:endParaRPr b="1" sz="1000">
+            <a:endParaRPr sz="1000" b="1">
               <a:solidFill>
                 <a:schemeClr val="dk1"/>
               </a:solidFill>
@@ -9648,7 +9824,7 @@
             </a:endParaRPr>
           </a:p>
           <a:p>
-            <a:pPr indent="-292100" lvl="0" marL="457200" rtl="0" algn="l">
+            <a:pPr marL="457200" lvl="0" indent="-292100" algn="l" rtl="0">
               <a:lnSpc>
                 <a:spcPct val="200000"/>
               </a:lnSpc>
@@ -9666,7 +9842,7 @@
               <a:buAutoNum type="arabicPeriod"/>
             </a:pPr>
             <a:r>
-              <a:rPr b="1" lang="en" sz="1000">
+              <a:rPr lang="en" sz="1000" b="1">
                 <a:solidFill>
                   <a:schemeClr val="dk1"/>
                 </a:solidFill>
@@ -9677,7 +9853,7 @@
               </a:rPr>
               <a:t>Vetor x Lista</a:t>
             </a:r>
-            <a:endParaRPr b="1" sz="1000">
+            <a:endParaRPr sz="1000" b="1">
               <a:solidFill>
                 <a:schemeClr val="dk1"/>
               </a:solidFill>
@@ -9688,7 +9864,7 @@
             </a:endParaRPr>
           </a:p>
           <a:p>
-            <a:pPr indent="-292100" lvl="0" marL="457200" rtl="0" algn="l">
+            <a:pPr marL="457200" lvl="0" indent="-292100" algn="l" rtl="0">
               <a:lnSpc>
                 <a:spcPct val="200000"/>
               </a:lnSpc>
@@ -9706,7 +9882,7 @@
               <a:buAutoNum type="arabicPeriod"/>
             </a:pPr>
             <a:r>
-              <a:rPr b="1" lang="en" sz="1000">
+              <a:rPr lang="en" sz="1000" b="1">
                 <a:solidFill>
                   <a:schemeClr val="dk1"/>
                 </a:solidFill>
@@ -9717,7 +9893,7 @@
               </a:rPr>
               <a:t>IF ELSE</a:t>
             </a:r>
-            <a:endParaRPr b="1" sz="1000">
+            <a:endParaRPr sz="1000" b="1">
               <a:solidFill>
                 <a:schemeClr val="dk1"/>
               </a:solidFill>
@@ -9728,7 +9904,7 @@
             </a:endParaRPr>
           </a:p>
           <a:p>
-            <a:pPr indent="0" lvl="0" marL="0" rtl="0" algn="l">
+            <a:pPr marL="0" lvl="0" indent="0" algn="l" rtl="0">
               <a:lnSpc>
                 <a:spcPct val="200000"/>
               </a:lnSpc>
@@ -9740,9 +9916,6 @@
               </a:spcAft>
               <a:buNone/>
             </a:pPr>
-            <a:r>
-              <a:t/>
-            </a:r>
             <a:endParaRPr sz="1000">
               <a:solidFill>
                 <a:schemeClr val="dk1"/>
@@ -9754,7 +9927,7 @@
             </a:endParaRPr>
           </a:p>
           <a:p>
-            <a:pPr indent="0" lvl="0" marL="0" rtl="0" algn="l">
+            <a:pPr marL="0" lvl="0" indent="0" algn="l" rtl="0">
               <a:lnSpc>
                 <a:spcPct val="200000"/>
               </a:lnSpc>
@@ -9802,12 +9975,12 @@
           </a:ln>
         </p:spPr>
         <p:txBody>
-          <a:bodyPr anchorCtr="0" anchor="t" bIns="91425" lIns="91425" spcFirstLastPara="1" rIns="91425" wrap="square" tIns="91425">
+          <a:bodyPr spcFirstLastPara="1" wrap="square" lIns="91425" tIns="91425" rIns="91425" bIns="91425" anchor="t" anchorCtr="0">
             <a:noAutofit/>
           </a:bodyPr>
           <a:lstStyle/>
           <a:p>
-            <a:pPr indent="0" lvl="0" marL="0" rtl="0" algn="l">
+            <a:pPr marL="0" lvl="0" indent="0" algn="l" rtl="0">
               <a:spcBef>
                 <a:spcPts val="0"/>
               </a:spcBef>
@@ -9817,7 +9990,7 @@
               <a:buNone/>
             </a:pPr>
             <a:r>
-              <a:rPr b="1" lang="en" sz="2000">
+              <a:rPr lang="en" sz="2000" b="1">
                 <a:solidFill>
                   <a:schemeClr val="dk1"/>
                 </a:solidFill>
@@ -9828,7 +10001,7 @@
               </a:rPr>
               <a:t>Aula 3</a:t>
             </a:r>
-            <a:endParaRPr b="1" sz="2000">
+            <a:endParaRPr sz="2000" b="1">
               <a:solidFill>
                 <a:schemeClr val="dk1"/>
               </a:solidFill>
@@ -9860,12 +10033,12 @@
           </a:ln>
         </p:spPr>
         <p:txBody>
-          <a:bodyPr anchorCtr="0" anchor="t" bIns="91425" lIns="91425" spcFirstLastPara="1" rIns="91425" wrap="square" tIns="91425">
+          <a:bodyPr spcFirstLastPara="1" wrap="square" lIns="91425" tIns="91425" rIns="91425" bIns="91425" anchor="t" anchorCtr="0">
             <a:noAutofit/>
           </a:bodyPr>
           <a:lstStyle/>
           <a:p>
-            <a:pPr indent="-292100" lvl="0" marL="457200" rtl="0" algn="l">
+            <a:pPr marL="457200" lvl="0" indent="-292100" algn="l" rtl="0">
               <a:lnSpc>
                 <a:spcPct val="200000"/>
               </a:lnSpc>
@@ -9883,7 +10056,7 @@
               <a:buAutoNum type="arabicPeriod"/>
             </a:pPr>
             <a:r>
-              <a:rPr b="1" lang="en" sz="1000">
+              <a:rPr lang="en" sz="1000" b="1">
                 <a:solidFill>
                   <a:schemeClr val="dk1"/>
                 </a:solidFill>
@@ -9894,7 +10067,7 @@
               </a:rPr>
               <a:t>Dicionário </a:t>
             </a:r>
-            <a:endParaRPr b="1" sz="1000">
+            <a:endParaRPr sz="1000" b="1">
               <a:solidFill>
                 <a:schemeClr val="dk1"/>
               </a:solidFill>
@@ -9905,7 +10078,7 @@
             </a:endParaRPr>
           </a:p>
           <a:p>
-            <a:pPr indent="0" lvl="0" marL="457200" rtl="0" algn="l">
+            <a:pPr marL="457200" lvl="0" indent="0" algn="l" rtl="0">
               <a:lnSpc>
                 <a:spcPct val="200000"/>
               </a:lnSpc>
@@ -9961,12 +10134,12 @@
           </a:ln>
         </p:spPr>
         <p:txBody>
-          <a:bodyPr anchorCtr="0" anchor="t" bIns="91425" lIns="91425" spcFirstLastPara="1" rIns="91425" wrap="square" tIns="91425">
+          <a:bodyPr spcFirstLastPara="1" wrap="square" lIns="91425" tIns="91425" rIns="91425" bIns="91425" anchor="t" anchorCtr="0">
             <a:noAutofit/>
           </a:bodyPr>
           <a:lstStyle/>
           <a:p>
-            <a:pPr indent="0" lvl="0" marL="0" rtl="0" algn="l">
+            <a:pPr marL="0" lvl="0" indent="0" algn="l" rtl="0">
               <a:spcBef>
                 <a:spcPts val="0"/>
               </a:spcBef>
@@ -9976,7 +10149,7 @@
               <a:buNone/>
             </a:pPr>
             <a:r>
-              <a:rPr b="1" lang="en" sz="2000">
+              <a:rPr lang="en" sz="2000" b="1">
                 <a:solidFill>
                   <a:schemeClr val="dk1"/>
                 </a:solidFill>
@@ -9987,7 +10160,7 @@
               </a:rPr>
               <a:t>Aula 4</a:t>
             </a:r>
-            <a:endParaRPr b="1" sz="2000">
+            <a:endParaRPr sz="2000" b="1">
               <a:solidFill>
                 <a:schemeClr val="dk1"/>
               </a:solidFill>
@@ -10019,12 +10192,12 @@
           </a:ln>
         </p:spPr>
         <p:txBody>
-          <a:bodyPr anchorCtr="0" anchor="t" bIns="91425" lIns="91425" spcFirstLastPara="1" rIns="91425" wrap="square" tIns="91425">
+          <a:bodyPr spcFirstLastPara="1" wrap="square" lIns="91425" tIns="91425" rIns="91425" bIns="91425" anchor="t" anchorCtr="0">
             <a:noAutofit/>
           </a:bodyPr>
           <a:lstStyle/>
           <a:p>
-            <a:pPr indent="-292100" lvl="0" marL="457200" rtl="0" algn="l">
+            <a:pPr marL="457200" lvl="0" indent="-292100" algn="l" rtl="0">
               <a:lnSpc>
                 <a:spcPct val="200000"/>
               </a:lnSpc>
@@ -10042,7 +10215,7 @@
               <a:buAutoNum type="arabicPeriod"/>
             </a:pPr>
             <a:r>
-              <a:rPr b="1" lang="en" sz="1000">
+              <a:rPr lang="en" sz="1000" b="1">
                 <a:solidFill>
                   <a:schemeClr val="dk1"/>
                 </a:solidFill>
@@ -10053,7 +10226,7 @@
               </a:rPr>
               <a:t>Funções</a:t>
             </a:r>
-            <a:endParaRPr b="1" sz="1000">
+            <a:endParaRPr sz="1000" b="1">
               <a:solidFill>
                 <a:schemeClr val="dk1"/>
               </a:solidFill>
@@ -10064,7 +10237,7 @@
             </a:endParaRPr>
           </a:p>
           <a:p>
-            <a:pPr indent="-292100" lvl="1" marL="914400" rtl="0" algn="l">
+            <a:pPr marL="914400" lvl="1" indent="-292100" algn="l" rtl="0">
               <a:lnSpc>
                 <a:spcPct val="200000"/>
               </a:lnSpc>
@@ -10104,7 +10277,7 @@
             </a:endParaRPr>
           </a:p>
           <a:p>
-            <a:pPr indent="-292100" lvl="1" marL="914400" rtl="0" algn="l">
+            <a:pPr marL="914400" lvl="1" indent="-292100" algn="l" rtl="0">
               <a:lnSpc>
                 <a:spcPct val="200000"/>
               </a:lnSpc>
@@ -10134,7 +10307,7 @@
               <a:t>Kargs  </a:t>
             </a:r>
             <a:r>
-              <a:rPr b="1" lang="en" sz="1000">
+              <a:rPr lang="en" sz="1000" b="1">
                 <a:solidFill>
                   <a:schemeClr val="dk1"/>
                 </a:solidFill>
@@ -10145,7 +10318,7 @@
               </a:rPr>
               <a:t>   </a:t>
             </a:r>
-            <a:endParaRPr b="1" sz="1000">
+            <a:endParaRPr sz="1000" b="1">
               <a:solidFill>
                 <a:schemeClr val="dk1"/>
               </a:solidFill>
@@ -10156,7 +10329,7 @@
             </a:endParaRPr>
           </a:p>
           <a:p>
-            <a:pPr indent="-292100" lvl="0" marL="457200" rtl="0" algn="l">
+            <a:pPr marL="457200" lvl="0" indent="-292100" algn="l" rtl="0">
               <a:lnSpc>
                 <a:spcPct val="200000"/>
               </a:lnSpc>
@@ -10174,7 +10347,7 @@
               <a:buAutoNum type="arabicPeriod"/>
             </a:pPr>
             <a:r>
-              <a:rPr b="1" lang="en" sz="1000">
+              <a:rPr lang="en" sz="1000" b="1">
                 <a:solidFill>
                   <a:schemeClr val="dk1"/>
                 </a:solidFill>
@@ -10185,7 +10358,7 @@
               </a:rPr>
               <a:t>Reciclando funções</a:t>
             </a:r>
-            <a:endParaRPr b="1" sz="1000">
+            <a:endParaRPr sz="1000" b="1">
               <a:solidFill>
                 <a:schemeClr val="dk1"/>
               </a:solidFill>
@@ -10217,12 +10390,12 @@
           </a:ln>
         </p:spPr>
         <p:txBody>
-          <a:bodyPr anchorCtr="0" anchor="t" bIns="91425" lIns="91425" spcFirstLastPara="1" rIns="91425" wrap="square" tIns="91425">
+          <a:bodyPr spcFirstLastPara="1" wrap="square" lIns="91425" tIns="91425" rIns="91425" bIns="91425" anchor="t" anchorCtr="0">
             <a:noAutofit/>
           </a:bodyPr>
           <a:lstStyle/>
           <a:p>
-            <a:pPr indent="0" lvl="0" marL="0" rtl="0" algn="l">
+            <a:pPr marL="0" lvl="0" indent="0" algn="l" rtl="0">
               <a:spcBef>
                 <a:spcPts val="0"/>
               </a:spcBef>
@@ -10232,7 +10405,7 @@
               <a:buNone/>
             </a:pPr>
             <a:r>
-              <a:rPr b="1" lang="en" sz="2000">
+              <a:rPr lang="en" sz="2000" b="1">
                 <a:solidFill>
                   <a:schemeClr val="dk1"/>
                 </a:solidFill>
@@ -10243,7 +10416,7 @@
               </a:rPr>
               <a:t>Aula 2</a:t>
             </a:r>
-            <a:endParaRPr b="1" sz="2000">
+            <a:endParaRPr sz="2000" b="1">
               <a:solidFill>
                 <a:schemeClr val="dk1"/>
               </a:solidFill>
@@ -10275,12 +10448,12 @@
           </a:ln>
         </p:spPr>
         <p:txBody>
-          <a:bodyPr anchorCtr="0" anchor="t" bIns="91425" lIns="91425" spcFirstLastPara="1" rIns="91425" wrap="square" tIns="91425">
+          <a:bodyPr spcFirstLastPara="1" wrap="square" lIns="91425" tIns="91425" rIns="91425" bIns="91425" anchor="t" anchorCtr="0">
             <a:noAutofit/>
           </a:bodyPr>
           <a:lstStyle/>
           <a:p>
-            <a:pPr indent="-292100" lvl="0" marL="457200" rtl="0" algn="l">
+            <a:pPr marL="457200" lvl="0" indent="-292100" algn="l" rtl="0">
               <a:lnSpc>
                 <a:spcPct val="200000"/>
               </a:lnSpc>
@@ -10298,7 +10471,7 @@
               <a:buAutoNum type="arabicPeriod"/>
             </a:pPr>
             <a:r>
-              <a:rPr b="1" lang="en" sz="1000">
+              <a:rPr lang="en" sz="1000" b="1">
                 <a:solidFill>
                   <a:schemeClr val="dk1"/>
                 </a:solidFill>
@@ -10309,7 +10482,7 @@
               </a:rPr>
               <a:t>  Laços</a:t>
             </a:r>
-            <a:endParaRPr b="1" sz="1000">
+            <a:endParaRPr sz="1000" b="1">
               <a:solidFill>
                 <a:schemeClr val="dk1"/>
               </a:solidFill>
@@ -10320,7 +10493,7 @@
             </a:endParaRPr>
           </a:p>
           <a:p>
-            <a:pPr indent="-292100" lvl="1" marL="914400" rtl="0" algn="l">
+            <a:pPr marL="914400" lvl="1" indent="-292100" algn="l" rtl="0">
               <a:lnSpc>
                 <a:spcPct val="200000"/>
               </a:lnSpc>
@@ -10360,7 +10533,7 @@
             </a:endParaRPr>
           </a:p>
           <a:p>
-            <a:pPr indent="-292100" lvl="1" marL="914400" rtl="0" algn="l">
+            <a:pPr marL="914400" lvl="1" indent="-292100" algn="l" rtl="0">
               <a:lnSpc>
                 <a:spcPct val="200000"/>
               </a:lnSpc>
@@ -10408,14 +10581,14 @@
             <a:avLst/>
           </a:prstGeom>
           <a:noFill/>
-          <a:ln cap="flat" cmpd="sng" w="9525">
+          <a:ln w="9525" cap="flat" cmpd="sng">
             <a:solidFill>
               <a:srgbClr val="CCCCCC"/>
             </a:solidFill>
             <a:prstDash val="solid"/>
             <a:round/>
-            <a:headEnd len="med" w="med" type="none"/>
-            <a:tailEnd len="med" w="med" type="none"/>
+            <a:headEnd type="none" w="med" len="med"/>
+            <a:tailEnd type="none" w="med" len="med"/>
           </a:ln>
         </p:spPr>
       </p:cxnSp>
@@ -10439,12 +10612,12 @@
           </a:ln>
         </p:spPr>
         <p:txBody>
-          <a:bodyPr anchorCtr="0" anchor="t" bIns="91425" lIns="91425" spcFirstLastPara="1" rIns="91425" wrap="square" tIns="91425">
+          <a:bodyPr spcFirstLastPara="1" wrap="square" lIns="91425" tIns="91425" rIns="91425" bIns="91425" anchor="t" anchorCtr="0">
             <a:noAutofit/>
           </a:bodyPr>
           <a:lstStyle/>
           <a:p>
-            <a:pPr indent="0" lvl="0" marL="0" rtl="0" algn="r">
+            <a:pPr marL="0" lvl="0" indent="0" algn="r" rtl="0">
               <a:lnSpc>
                 <a:spcPct val="150000"/>
               </a:lnSpc>
@@ -10466,19 +10639,7 @@
                 <a:cs typeface="Comfortaa Regular"/>
                 <a:sym typeface="Comfortaa Regular"/>
               </a:rPr>
-              <a:t>4</a:t>
-            </a:r>
-            <a:r>
-              <a:rPr lang="en" sz="1000">
-                <a:solidFill>
-                  <a:schemeClr val="dk1"/>
-                </a:solidFill>
-                <a:latin typeface="Comfortaa Regular"/>
-                <a:ea typeface="Comfortaa Regular"/>
-                <a:cs typeface="Comfortaa Regular"/>
-                <a:sym typeface="Comfortaa Regular"/>
-              </a:rPr>
-              <a:t>/10</a:t>
+              <a:t>4/10</a:t>
             </a:r>
             <a:endParaRPr sz="1000">
               <a:solidFill>
@@ -10491,18 +10652,15 @@
             </a:endParaRPr>
           </a:p>
           <a:p>
-            <a:pPr indent="0" lvl="0" marL="0" rtl="0" algn="r">
-              <a:spcBef>
-                <a:spcPts val="0"/>
-              </a:spcBef>
-              <a:spcAft>
-                <a:spcPts val="0"/>
-              </a:spcAft>
-              <a:buNone/>
-            </a:pPr>
-            <a:r>
-              <a:t/>
-            </a:r>
+            <a:pPr marL="0" lvl="0" indent="0" algn="r" rtl="0">
+              <a:spcBef>
+                <a:spcPts val="0"/>
+              </a:spcBef>
+              <a:spcAft>
+                <a:spcPts val="0"/>
+              </a:spcAft>
+              <a:buNone/>
+            </a:pPr>
             <a:endParaRPr sz="1000">
               <a:solidFill>
                 <a:schemeClr val="dk1"/>
@@ -10520,15 +10678,22 @@
   <p:clrMapOvr>
     <a:masterClrMapping/>
   </p:clrMapOvr>
+  <p:timing>
+    <p:tnLst>
+      <p:par>
+        <p:cTn id="1" dur="indefinite" restart="never" nodeType="tmRoot"/>
+      </p:par>
+    </p:tnLst>
+  </p:timing>
 </p:sld>
 </file>
 
 <file path=ppt/slides/slide5.xml><?xml version="1.0" encoding="utf-8"?>
-<p:sld xmlns:a="http://schemas.openxmlformats.org/drawingml/2006/main" xmlns:r="http://schemas.openxmlformats.org/officeDocument/2006/relationships" xmlns:mc="http://schemas.openxmlformats.org/markup-compatibility/2006" xmlns:mv="urn:schemas-microsoft-com:mac:vml" xmlns:p="http://schemas.openxmlformats.org/presentationml/2006/main" xmlns:c="http://schemas.openxmlformats.org/drawingml/2006/chart" xmlns:dgm="http://schemas.openxmlformats.org/drawingml/2006/diagram" xmlns:o="urn:schemas-microsoft-com:office:office" xmlns:v="urn:schemas-microsoft-com:vml" xmlns:pvml="urn:schemas-microsoft-com:office:powerpoint" xmlns:com="http://schemas.openxmlformats.org/drawingml/2006/compatibility" xmlns:p14="http://schemas.microsoft.com/office/powerpoint/2010/main" xmlns:p15="http://schemas.microsoft.com/office/powerpoint/2012/main" xmlns:ahyp="http://schemas.microsoft.com/office/drawing/2018/hyperlinkcolor">
+<p:sld xmlns:a="http://schemas.openxmlformats.org/drawingml/2006/main" xmlns:r="http://schemas.openxmlformats.org/officeDocument/2006/relationships" xmlns:p="http://schemas.openxmlformats.org/presentationml/2006/main">
   <p:cSld>
     <p:spTree>
       <p:nvGrpSpPr>
-        <p:cNvPr id="118" name="Shape 118"/>
+        <p:cNvPr id="1" name="Shape 118"/>
         <p:cNvGrpSpPr/>
         <p:nvPr/>
       </p:nvGrpSpPr>
@@ -10550,7 +10715,7 @@
           <a:blip r:embed="rId3">
             <a:alphaModFix/>
           </a:blip>
-          <a:srcRect b="0" l="46118" r="21044" t="0"/>
+          <a:srcRect l="46118" r="21044"/>
           <a:stretch/>
         </p:blipFill>
         <p:spPr>
@@ -10591,23 +10756,20 @@
           </a:ln>
         </p:spPr>
         <p:txBody>
-          <a:bodyPr anchorCtr="0" anchor="ctr" bIns="91425" lIns="91425" spcFirstLastPara="1" rIns="91425" wrap="square" tIns="91425">
+          <a:bodyPr spcFirstLastPara="1" wrap="square" lIns="91425" tIns="91425" rIns="91425" bIns="91425" anchor="ctr" anchorCtr="0">
             <a:noAutofit/>
           </a:bodyPr>
           <a:lstStyle/>
           <a:p>
-            <a:pPr indent="0" lvl="0" marL="0" rtl="0" algn="l">
-              <a:spcBef>
-                <a:spcPts val="0"/>
-              </a:spcBef>
-              <a:spcAft>
-                <a:spcPts val="0"/>
-              </a:spcAft>
-              <a:buNone/>
-            </a:pPr>
-            <a:r>
-              <a:t/>
-            </a:r>
+            <a:pPr marL="0" lvl="0" indent="0" algn="l" rtl="0">
+              <a:spcBef>
+                <a:spcPts val="0"/>
+              </a:spcBef>
+              <a:spcAft>
+                <a:spcPts val="0"/>
+              </a:spcAft>
+              <a:buNone/>
+            </a:pPr>
             <a:endParaRPr/>
           </a:p>
         </p:txBody>
@@ -10632,12 +10794,12 @@
           </a:ln>
         </p:spPr>
         <p:txBody>
-          <a:bodyPr anchorCtr="0" anchor="t" bIns="91425" lIns="91425" spcFirstLastPara="1" rIns="91425" wrap="square" tIns="91425">
+          <a:bodyPr spcFirstLastPara="1" wrap="square" lIns="91425" tIns="91425" rIns="91425" bIns="91425" anchor="t" anchorCtr="0">
             <a:noAutofit/>
           </a:bodyPr>
           <a:lstStyle/>
           <a:p>
-            <a:pPr indent="0" lvl="0" marL="0" rtl="0" algn="l">
+            <a:pPr marL="0" lvl="0" indent="0" algn="l" rtl="0">
               <a:lnSpc>
                 <a:spcPct val="115000"/>
               </a:lnSpc>
@@ -10650,7 +10812,7 @@
               <a:buNone/>
             </a:pPr>
             <a:r>
-              <a:rPr b="1" lang="en" sz="2200">
+              <a:rPr lang="en" sz="2200" b="1">
                 <a:solidFill>
                   <a:schemeClr val="lt1"/>
                 </a:solidFill>
@@ -10662,7 +10824,7 @@
               <a:t>Me convenceu! </a:t>
             </a:r>
             <a:r>
-              <a:rPr b="1" lang="en" sz="2900">
+              <a:rPr lang="en" sz="2900" b="1">
                 <a:solidFill>
                   <a:schemeClr val="lt1"/>
                 </a:solidFill>
@@ -10673,7 +10835,7 @@
               </a:rPr>
               <a:t>O que vamos fazer?</a:t>
             </a:r>
-            <a:endParaRPr b="1" sz="2900">
+            <a:endParaRPr sz="2900" b="1">
               <a:solidFill>
                 <a:schemeClr val="lt1"/>
               </a:solidFill>
@@ -10705,12 +10867,12 @@
           </a:ln>
         </p:spPr>
         <p:txBody>
-          <a:bodyPr anchorCtr="0" anchor="t" bIns="91425" lIns="91425" spcFirstLastPara="1" rIns="91425" wrap="square" tIns="91425">
+          <a:bodyPr spcFirstLastPara="1" wrap="square" lIns="91425" tIns="91425" rIns="91425" bIns="91425" anchor="t" anchorCtr="0">
             <a:noAutofit/>
           </a:bodyPr>
           <a:lstStyle/>
           <a:p>
-            <a:pPr indent="0" lvl="0" marL="0" rtl="0" algn="l">
+            <a:pPr marL="0" lvl="0" indent="0" algn="l" rtl="0">
               <a:spcBef>
                 <a:spcPts val="0"/>
               </a:spcBef>
@@ -10720,7 +10882,7 @@
               <a:buNone/>
             </a:pPr>
             <a:r>
-              <a:rPr b="1" lang="en" sz="2000">
+              <a:rPr lang="en" sz="2000" b="1">
                 <a:solidFill>
                   <a:schemeClr val="dk1"/>
                 </a:solidFill>
@@ -10731,7 +10893,7 @@
               </a:rPr>
               <a:t>Aula 5</a:t>
             </a:r>
-            <a:endParaRPr b="1" sz="2000">
+            <a:endParaRPr sz="2000" b="1">
               <a:solidFill>
                 <a:schemeClr val="dk1"/>
               </a:solidFill>
@@ -10763,12 +10925,12 @@
           </a:ln>
         </p:spPr>
         <p:txBody>
-          <a:bodyPr anchorCtr="0" anchor="t" bIns="91425" lIns="91425" spcFirstLastPara="1" rIns="91425" wrap="square" tIns="91425">
+          <a:bodyPr spcFirstLastPara="1" wrap="square" lIns="91425" tIns="91425" rIns="91425" bIns="91425" anchor="t" anchorCtr="0">
             <a:noAutofit/>
           </a:bodyPr>
           <a:lstStyle/>
           <a:p>
-            <a:pPr indent="-292100" lvl="0" marL="457200" rtl="0" algn="l">
+            <a:pPr marL="457200" lvl="0" indent="-292100" algn="l" rtl="0">
               <a:lnSpc>
                 <a:spcPct val="200000"/>
               </a:lnSpc>
@@ -10786,7 +10948,7 @@
               <a:buAutoNum type="arabicPeriod"/>
             </a:pPr>
             <a:r>
-              <a:rPr b="1" lang="en" sz="1000">
+              <a:rPr lang="en" sz="1000" b="1">
                 <a:solidFill>
                   <a:schemeClr val="dk1"/>
                 </a:solidFill>
@@ -10797,7 +10959,7 @@
               </a:rPr>
               <a:t> Alguns comandos úteis</a:t>
             </a:r>
-            <a:endParaRPr b="1" sz="1000">
+            <a:endParaRPr sz="1000" b="1">
               <a:solidFill>
                 <a:schemeClr val="dk1"/>
               </a:solidFill>
@@ -10808,7 +10970,7 @@
             </a:endParaRPr>
           </a:p>
           <a:p>
-            <a:pPr indent="-292100" lvl="0" marL="457200" rtl="0" algn="l">
+            <a:pPr marL="457200" lvl="0" indent="-292100" algn="l" rtl="0">
               <a:lnSpc>
                 <a:spcPct val="200000"/>
               </a:lnSpc>
@@ -10826,7 +10988,7 @@
               <a:buAutoNum type="arabicPeriod"/>
             </a:pPr>
             <a:r>
-              <a:rPr b="1" lang="en" sz="1000">
+              <a:rPr lang="en" sz="1000" b="1">
                 <a:solidFill>
                   <a:schemeClr val="dk1"/>
                 </a:solidFill>
@@ -10837,7 +10999,7 @@
               </a:rPr>
               <a:t> Bibliotecas</a:t>
             </a:r>
-            <a:endParaRPr b="1" sz="1000">
+            <a:endParaRPr sz="1000" b="1">
               <a:solidFill>
                 <a:schemeClr val="dk1"/>
               </a:solidFill>
@@ -10848,7 +11010,7 @@
             </a:endParaRPr>
           </a:p>
           <a:p>
-            <a:pPr indent="0" lvl="0" marL="0" rtl="0" algn="l">
+            <a:pPr marL="0" lvl="0" indent="0" algn="l" rtl="0">
               <a:lnSpc>
                 <a:spcPct val="200000"/>
               </a:lnSpc>
@@ -10860,9 +11022,6 @@
               </a:spcAft>
               <a:buNone/>
             </a:pPr>
-            <a:r>
-              <a:t/>
-            </a:r>
             <a:endParaRPr sz="1000">
               <a:solidFill>
                 <a:schemeClr val="dk1"/>
@@ -10874,7 +11033,7 @@
             </a:endParaRPr>
           </a:p>
           <a:p>
-            <a:pPr indent="0" lvl="0" marL="0" rtl="0" algn="l">
+            <a:pPr marL="0" lvl="0" indent="0" algn="l" rtl="0">
               <a:lnSpc>
                 <a:spcPct val="200000"/>
               </a:lnSpc>
@@ -10922,12 +11081,12 @@
           </a:ln>
         </p:spPr>
         <p:txBody>
-          <a:bodyPr anchorCtr="0" anchor="t" bIns="91425" lIns="91425" spcFirstLastPara="1" rIns="91425" wrap="square" tIns="91425">
+          <a:bodyPr spcFirstLastPara="1" wrap="square" lIns="91425" tIns="91425" rIns="91425" bIns="91425" anchor="t" anchorCtr="0">
             <a:noAutofit/>
           </a:bodyPr>
           <a:lstStyle/>
           <a:p>
-            <a:pPr indent="0" lvl="0" marL="0" rtl="0" algn="l">
+            <a:pPr marL="0" lvl="0" indent="0" algn="l" rtl="0">
               <a:spcBef>
                 <a:spcPts val="0"/>
               </a:spcBef>
@@ -10937,7 +11096,7 @@
               <a:buNone/>
             </a:pPr>
             <a:r>
-              <a:rPr b="1" lang="en" sz="2000">
+              <a:rPr lang="en" sz="2000" b="1">
                 <a:solidFill>
                   <a:schemeClr val="dk1"/>
                 </a:solidFill>
@@ -10948,7 +11107,7 @@
               </a:rPr>
               <a:t>Aula 7</a:t>
             </a:r>
-            <a:endParaRPr b="1" sz="2000">
+            <a:endParaRPr sz="2000" b="1">
               <a:solidFill>
                 <a:schemeClr val="dk1"/>
               </a:solidFill>
@@ -10980,12 +11139,12 @@
           </a:ln>
         </p:spPr>
         <p:txBody>
-          <a:bodyPr anchorCtr="0" anchor="t" bIns="91425" lIns="91425" spcFirstLastPara="1" rIns="91425" wrap="square" tIns="91425">
+          <a:bodyPr spcFirstLastPara="1" wrap="square" lIns="91425" tIns="91425" rIns="91425" bIns="91425" anchor="t" anchorCtr="0">
             <a:noAutofit/>
           </a:bodyPr>
           <a:lstStyle/>
           <a:p>
-            <a:pPr indent="-292100" lvl="0" marL="457200" rtl="0" algn="l">
+            <a:pPr marL="457200" lvl="0" indent="-292100" algn="l" rtl="0">
               <a:lnSpc>
                 <a:spcPct val="200000"/>
               </a:lnSpc>
@@ -11003,7 +11162,7 @@
               <a:buAutoNum type="arabicPeriod"/>
             </a:pPr>
             <a:r>
-              <a:rPr b="1" lang="en" sz="1000">
+              <a:rPr lang="en" sz="1000" b="1">
                 <a:solidFill>
                   <a:schemeClr val="dk1"/>
                 </a:solidFill>
@@ -11012,19 +11171,7 @@
                 <a:cs typeface="Comfortaa"/>
                 <a:sym typeface="Comfortaa"/>
               </a:rPr>
-              <a:t>L</a:t>
-            </a:r>
-            <a:r>
-              <a:rPr b="1" lang="en" sz="1000">
-                <a:solidFill>
-                  <a:schemeClr val="dk1"/>
-                </a:solidFill>
-                <a:latin typeface="Comfortaa"/>
-                <a:ea typeface="Comfortaa"/>
-                <a:cs typeface="Comfortaa"/>
-                <a:sym typeface="Comfortaa"/>
-              </a:rPr>
-              <a:t>eitura de arquivos </a:t>
+              <a:t>Leitura de arquivos </a:t>
             </a:r>
             <a:r>
               <a:rPr lang="en" sz="1000">
@@ -11070,12 +11217,12 @@
           </a:ln>
         </p:spPr>
         <p:txBody>
-          <a:bodyPr anchorCtr="0" anchor="t" bIns="91425" lIns="91425" spcFirstLastPara="1" rIns="91425" wrap="square" tIns="91425">
+          <a:bodyPr spcFirstLastPara="1" wrap="square" lIns="91425" tIns="91425" rIns="91425" bIns="91425" anchor="t" anchorCtr="0">
             <a:noAutofit/>
           </a:bodyPr>
           <a:lstStyle/>
           <a:p>
-            <a:pPr indent="0" lvl="0" marL="0" rtl="0" algn="l">
+            <a:pPr marL="0" lvl="0" indent="0" algn="l" rtl="0">
               <a:spcBef>
                 <a:spcPts val="0"/>
               </a:spcBef>
@@ -11085,7 +11232,7 @@
               <a:buNone/>
             </a:pPr>
             <a:r>
-              <a:rPr b="1" lang="en" sz="2000">
+              <a:rPr lang="en" sz="2000" b="1">
                 <a:solidFill>
                   <a:schemeClr val="dk1"/>
                 </a:solidFill>
@@ -11096,7 +11243,7 @@
               </a:rPr>
               <a:t>Aula 8</a:t>
             </a:r>
-            <a:endParaRPr b="1" sz="2000">
+            <a:endParaRPr sz="2000" b="1">
               <a:solidFill>
                 <a:schemeClr val="dk1"/>
               </a:solidFill>
@@ -11128,12 +11275,12 @@
           </a:ln>
         </p:spPr>
         <p:txBody>
-          <a:bodyPr anchorCtr="0" anchor="t" bIns="91425" lIns="91425" spcFirstLastPara="1" rIns="91425" wrap="square" tIns="91425">
+          <a:bodyPr spcFirstLastPara="1" wrap="square" lIns="91425" tIns="91425" rIns="91425" bIns="91425" anchor="t" anchorCtr="0">
             <a:noAutofit/>
           </a:bodyPr>
           <a:lstStyle/>
           <a:p>
-            <a:pPr indent="0" lvl="0" marL="0" rtl="0" algn="l">
+            <a:pPr marL="0" lvl="0" indent="0" algn="l" rtl="0">
               <a:lnSpc>
                 <a:spcPct val="200000"/>
               </a:lnSpc>
@@ -11145,10 +11292,7 @@
               </a:spcAft>
               <a:buNone/>
             </a:pPr>
-            <a:r>
-              <a:t/>
-            </a:r>
-            <a:endParaRPr b="1" sz="1000">
+            <a:endParaRPr sz="1000" b="1">
               <a:solidFill>
                 <a:schemeClr val="dk1"/>
               </a:solidFill>
@@ -11180,12 +11324,12 @@
           </a:ln>
         </p:spPr>
         <p:txBody>
-          <a:bodyPr anchorCtr="0" anchor="t" bIns="91425" lIns="91425" spcFirstLastPara="1" rIns="91425" wrap="square" tIns="91425">
+          <a:bodyPr spcFirstLastPara="1" wrap="square" lIns="91425" tIns="91425" rIns="91425" bIns="91425" anchor="t" anchorCtr="0">
             <a:noAutofit/>
           </a:bodyPr>
           <a:lstStyle/>
           <a:p>
-            <a:pPr indent="0" lvl="0" marL="0" rtl="0" algn="l">
+            <a:pPr marL="0" lvl="0" indent="0" algn="l" rtl="0">
               <a:spcBef>
                 <a:spcPts val="0"/>
               </a:spcBef>
@@ -11195,7 +11339,7 @@
               <a:buNone/>
             </a:pPr>
             <a:r>
-              <a:rPr b="1" lang="en" sz="2000">
+              <a:rPr lang="en" sz="2000" b="1">
                 <a:solidFill>
                   <a:schemeClr val="dk1"/>
                 </a:solidFill>
@@ -11206,7 +11350,7 @@
               </a:rPr>
               <a:t>Aula 6</a:t>
             </a:r>
-            <a:endParaRPr b="1" sz="2000">
+            <a:endParaRPr sz="2000" b="1">
               <a:solidFill>
                 <a:schemeClr val="dk1"/>
               </a:solidFill>
@@ -11238,12 +11382,12 @@
           </a:ln>
         </p:spPr>
         <p:txBody>
-          <a:bodyPr anchorCtr="0" anchor="t" bIns="91425" lIns="91425" spcFirstLastPara="1" rIns="91425" wrap="square" tIns="91425">
+          <a:bodyPr spcFirstLastPara="1" wrap="square" lIns="91425" tIns="91425" rIns="91425" bIns="91425" anchor="t" anchorCtr="0">
             <a:noAutofit/>
           </a:bodyPr>
           <a:lstStyle/>
           <a:p>
-            <a:pPr indent="-292100" lvl="0" marL="457200" rtl="0" algn="l">
+            <a:pPr marL="457200" lvl="0" indent="-292100" algn="l" rtl="0">
               <a:lnSpc>
                 <a:spcPct val="200000"/>
               </a:lnSpc>
@@ -11261,7 +11405,7 @@
               <a:buAutoNum type="arabicPeriod"/>
             </a:pPr>
             <a:r>
-              <a:rPr b="1" lang="en" sz="1000">
+              <a:rPr lang="en" sz="1000" b="1">
                 <a:solidFill>
                   <a:schemeClr val="dk1"/>
                 </a:solidFill>
@@ -11272,7 +11416,7 @@
               </a:rPr>
               <a:t>Programação funcional</a:t>
             </a:r>
-            <a:endParaRPr b="1" sz="1000">
+            <a:endParaRPr sz="1000" b="1">
               <a:solidFill>
                 <a:schemeClr val="dk1"/>
               </a:solidFill>
@@ -11283,7 +11427,7 @@
             </a:endParaRPr>
           </a:p>
           <a:p>
-            <a:pPr indent="-292100" lvl="1" marL="914400" rtl="0" algn="l">
+            <a:pPr marL="914400" lvl="1" indent="-292100" algn="l" rtl="0">
               <a:lnSpc>
                 <a:spcPct val="200000"/>
               </a:lnSpc>
@@ -11301,7 +11445,7 @@
               <a:buAutoNum type="alphaLcPeriod"/>
             </a:pPr>
             <a:r>
-              <a:rPr b="1" lang="en" sz="1000">
+              <a:rPr lang="en" sz="1000" b="1">
                 <a:solidFill>
                   <a:schemeClr val="dk1"/>
                 </a:solidFill>
@@ -11312,7 +11456,7 @@
               </a:rPr>
               <a:t>Lambda</a:t>
             </a:r>
-            <a:endParaRPr b="1" sz="1000">
+            <a:endParaRPr sz="1000" b="1">
               <a:solidFill>
                 <a:schemeClr val="dk1"/>
               </a:solidFill>
@@ -11323,7 +11467,7 @@
             </a:endParaRPr>
           </a:p>
           <a:p>
-            <a:pPr indent="-292100" lvl="1" marL="914400" rtl="0" algn="l">
+            <a:pPr marL="914400" lvl="1" indent="-292100" algn="l" rtl="0">
               <a:lnSpc>
                 <a:spcPct val="200000"/>
               </a:lnSpc>
@@ -11341,7 +11485,7 @@
               <a:buAutoNum type="alphaLcPeriod"/>
             </a:pPr>
             <a:r>
-              <a:rPr b="1" lang="en" sz="1000">
+              <a:rPr lang="en" sz="1000" b="1">
                 <a:solidFill>
                   <a:schemeClr val="dk1"/>
                 </a:solidFill>
@@ -11352,7 +11496,7 @@
               </a:rPr>
               <a:t>Map</a:t>
             </a:r>
-            <a:endParaRPr b="1" sz="1000">
+            <a:endParaRPr sz="1000" b="1">
               <a:solidFill>
                 <a:schemeClr val="dk1"/>
               </a:solidFill>
@@ -11363,7 +11507,7 @@
             </a:endParaRPr>
           </a:p>
           <a:p>
-            <a:pPr indent="-292100" lvl="1" marL="914400" rtl="0" algn="l">
+            <a:pPr marL="914400" lvl="1" indent="-292100" algn="l" rtl="0">
               <a:lnSpc>
                 <a:spcPct val="200000"/>
               </a:lnSpc>
@@ -11381,7 +11525,7 @@
               <a:buAutoNum type="alphaLcPeriod"/>
             </a:pPr>
             <a:r>
-              <a:rPr b="1" lang="en" sz="1000">
+              <a:rPr lang="en" sz="1000" b="1">
                 <a:solidFill>
                   <a:schemeClr val="dk1"/>
                 </a:solidFill>
@@ -11392,7 +11536,7 @@
               </a:rPr>
               <a:t>Filter</a:t>
             </a:r>
-            <a:endParaRPr b="1" sz="1000">
+            <a:endParaRPr sz="1000" b="1">
               <a:solidFill>
                 <a:schemeClr val="dk1"/>
               </a:solidFill>
@@ -11403,7 +11547,7 @@
             </a:endParaRPr>
           </a:p>
           <a:p>
-            <a:pPr indent="-292100" lvl="1" marL="914400" rtl="0" algn="l">
+            <a:pPr marL="914400" lvl="1" indent="-292100" algn="l" rtl="0">
               <a:lnSpc>
                 <a:spcPct val="200000"/>
               </a:lnSpc>
@@ -11421,7 +11565,7 @@
               <a:buAutoNum type="alphaLcPeriod"/>
             </a:pPr>
             <a:r>
-              <a:rPr b="1" lang="en" sz="1000">
+              <a:rPr lang="en" sz="1000" b="1">
                 <a:solidFill>
                   <a:schemeClr val="dk1"/>
                 </a:solidFill>
@@ -11432,7 +11576,7 @@
               </a:rPr>
               <a:t>Reduce</a:t>
             </a:r>
-            <a:endParaRPr b="1" sz="1000">
+            <a:endParaRPr sz="1000" b="1">
               <a:solidFill>
                 <a:schemeClr val="dk1"/>
               </a:solidFill>
@@ -11443,7 +11587,7 @@
             </a:endParaRPr>
           </a:p>
           <a:p>
-            <a:pPr indent="-292100" lvl="1" marL="914400" rtl="0" algn="l">
+            <a:pPr marL="914400" lvl="1" indent="-292100" algn="l" rtl="0">
               <a:lnSpc>
                 <a:spcPct val="200000"/>
               </a:lnSpc>
@@ -11461,7 +11605,7 @@
               <a:buAutoNum type="alphaLcPeriod"/>
             </a:pPr>
             <a:r>
-              <a:rPr b="1" lang="en" sz="1000">
+              <a:rPr lang="en" sz="1000" b="1">
                 <a:solidFill>
                   <a:schemeClr val="dk1"/>
                 </a:solidFill>
@@ -11472,7 +11616,7 @@
               </a:rPr>
               <a:t>Zip</a:t>
             </a:r>
-            <a:endParaRPr b="1" sz="1000">
+            <a:endParaRPr sz="1000" b="1">
               <a:solidFill>
                 <a:schemeClr val="dk1"/>
               </a:solidFill>
@@ -11483,7 +11627,7 @@
             </a:endParaRPr>
           </a:p>
           <a:p>
-            <a:pPr indent="0" lvl="0" marL="0" rtl="0" algn="l">
+            <a:pPr marL="0" lvl="0" indent="0" algn="l" rtl="0">
               <a:lnSpc>
                 <a:spcPct val="200000"/>
               </a:lnSpc>
@@ -11495,10 +11639,7 @@
               </a:spcAft>
               <a:buNone/>
             </a:pPr>
-            <a:r>
-              <a:t/>
-            </a:r>
-            <a:endParaRPr b="1" sz="1000">
+            <a:endParaRPr sz="1000" b="1">
               <a:solidFill>
                 <a:schemeClr val="dk1"/>
               </a:solidFill>
@@ -11525,14 +11666,14 @@
             <a:avLst/>
           </a:prstGeom>
           <a:noFill/>
-          <a:ln cap="flat" cmpd="sng" w="9525">
+          <a:ln w="9525" cap="flat" cmpd="sng">
             <a:solidFill>
               <a:srgbClr val="CCCCCC"/>
             </a:solidFill>
             <a:prstDash val="solid"/>
             <a:round/>
-            <a:headEnd len="med" w="med" type="none"/>
-            <a:tailEnd len="med" w="med" type="none"/>
+            <a:headEnd type="none" w="med" len="med"/>
+            <a:tailEnd type="none" w="med" len="med"/>
           </a:ln>
         </p:spPr>
       </p:cxnSp>
@@ -11556,12 +11697,12 @@
           </a:ln>
         </p:spPr>
         <p:txBody>
-          <a:bodyPr anchorCtr="0" anchor="t" bIns="91425" lIns="91425" spcFirstLastPara="1" rIns="91425" wrap="square" tIns="91425">
+          <a:bodyPr spcFirstLastPara="1" wrap="square" lIns="91425" tIns="91425" rIns="91425" bIns="91425" anchor="t" anchorCtr="0">
             <a:noAutofit/>
           </a:bodyPr>
           <a:lstStyle/>
           <a:p>
-            <a:pPr indent="-292100" lvl="0" marL="457200" rtl="0" algn="l">
+            <a:pPr marL="457200" lvl="0" indent="-292100" algn="l" rtl="0">
               <a:lnSpc>
                 <a:spcPct val="200000"/>
               </a:lnSpc>
@@ -11579,7 +11720,7 @@
               <a:buAutoNum type="arabicPeriod"/>
             </a:pPr>
             <a:r>
-              <a:rPr b="1" lang="en" sz="1000">
+              <a:rPr lang="en" sz="1000" b="1">
                 <a:solidFill>
                   <a:schemeClr val="dk1"/>
                 </a:solidFill>
@@ -11613,7 +11754,7 @@
             </a:endParaRPr>
           </a:p>
           <a:p>
-            <a:pPr indent="0" lvl="0" marL="0" rtl="0" algn="l">
+            <a:pPr marL="0" lvl="0" indent="0" algn="l" rtl="0">
               <a:lnSpc>
                 <a:spcPct val="200000"/>
               </a:lnSpc>
@@ -11625,10 +11766,7 @@
               </a:spcAft>
               <a:buNone/>
             </a:pPr>
-            <a:r>
-              <a:t/>
-            </a:r>
-            <a:endParaRPr b="1" sz="1000">
+            <a:endParaRPr sz="1000" b="1">
               <a:solidFill>
                 <a:schemeClr val="dk1"/>
               </a:solidFill>
@@ -11660,12 +11798,12 @@
           </a:ln>
         </p:spPr>
         <p:txBody>
-          <a:bodyPr anchorCtr="0" anchor="t" bIns="91425" lIns="91425" spcFirstLastPara="1" rIns="91425" wrap="square" tIns="91425">
+          <a:bodyPr spcFirstLastPara="1" wrap="square" lIns="91425" tIns="91425" rIns="91425" bIns="91425" anchor="t" anchorCtr="0">
             <a:noAutofit/>
           </a:bodyPr>
           <a:lstStyle/>
           <a:p>
-            <a:pPr indent="0" lvl="0" marL="0" rtl="0" algn="r">
+            <a:pPr marL="0" lvl="0" indent="0" algn="r" rtl="0">
               <a:lnSpc>
                 <a:spcPct val="150000"/>
               </a:lnSpc>
@@ -11687,19 +11825,7 @@
                 <a:cs typeface="Comfortaa Regular"/>
                 <a:sym typeface="Comfortaa Regular"/>
               </a:rPr>
-              <a:t>5</a:t>
-            </a:r>
-            <a:r>
-              <a:rPr lang="en" sz="1000">
-                <a:solidFill>
-                  <a:schemeClr val="dk1"/>
-                </a:solidFill>
-                <a:latin typeface="Comfortaa Regular"/>
-                <a:ea typeface="Comfortaa Regular"/>
-                <a:cs typeface="Comfortaa Regular"/>
-                <a:sym typeface="Comfortaa Regular"/>
-              </a:rPr>
-              <a:t>/10</a:t>
+              <a:t>5/10</a:t>
             </a:r>
             <a:endParaRPr sz="1000">
               <a:solidFill>
@@ -11712,18 +11838,15 @@
             </a:endParaRPr>
           </a:p>
           <a:p>
-            <a:pPr indent="0" lvl="0" marL="0" rtl="0" algn="r">
-              <a:spcBef>
-                <a:spcPts val="0"/>
-              </a:spcBef>
-              <a:spcAft>
-                <a:spcPts val="0"/>
-              </a:spcAft>
-              <a:buNone/>
-            </a:pPr>
-            <a:r>
-              <a:t/>
-            </a:r>
+            <a:pPr marL="0" lvl="0" indent="0" algn="r" rtl="0">
+              <a:spcBef>
+                <a:spcPts val="0"/>
+              </a:spcBef>
+              <a:spcAft>
+                <a:spcPts val="0"/>
+              </a:spcAft>
+              <a:buNone/>
+            </a:pPr>
             <a:endParaRPr sz="1000">
               <a:solidFill>
                 <a:schemeClr val="dk1"/>
@@ -11741,15 +11864,22 @@
   <p:clrMapOvr>
     <a:masterClrMapping/>
   </p:clrMapOvr>
+  <p:timing>
+    <p:tnLst>
+      <p:par>
+        <p:cTn id="1" dur="indefinite" restart="never" nodeType="tmRoot"/>
+      </p:par>
+    </p:tnLst>
+  </p:timing>
 </p:sld>
 </file>
 
 <file path=ppt/slides/slide6.xml><?xml version="1.0" encoding="utf-8"?>
-<p:sld xmlns:a="http://schemas.openxmlformats.org/drawingml/2006/main" xmlns:r="http://schemas.openxmlformats.org/officeDocument/2006/relationships" xmlns:mc="http://schemas.openxmlformats.org/markup-compatibility/2006" xmlns:mv="urn:schemas-microsoft-com:mac:vml" xmlns:p="http://schemas.openxmlformats.org/presentationml/2006/main" xmlns:c="http://schemas.openxmlformats.org/drawingml/2006/chart" xmlns:dgm="http://schemas.openxmlformats.org/drawingml/2006/diagram" xmlns:o="urn:schemas-microsoft-com:office:office" xmlns:v="urn:schemas-microsoft-com:vml" xmlns:pvml="urn:schemas-microsoft-com:office:powerpoint" xmlns:com="http://schemas.openxmlformats.org/drawingml/2006/compatibility" xmlns:p14="http://schemas.microsoft.com/office/powerpoint/2010/main" xmlns:p15="http://schemas.microsoft.com/office/powerpoint/2012/main" xmlns:ahyp="http://schemas.microsoft.com/office/drawing/2018/hyperlinkcolor">
+<p:sld xmlns:a="http://schemas.openxmlformats.org/drawingml/2006/main" xmlns:r="http://schemas.openxmlformats.org/officeDocument/2006/relationships" xmlns:p="http://schemas.openxmlformats.org/presentationml/2006/main">
   <p:cSld>
     <p:spTree>
       <p:nvGrpSpPr>
-        <p:cNvPr id="136" name="Shape 136"/>
+        <p:cNvPr id="1" name="Shape 136"/>
         <p:cNvGrpSpPr/>
         <p:nvPr/>
       </p:nvGrpSpPr>
@@ -11771,7 +11901,7 @@
           <a:blip r:embed="rId3">
             <a:alphaModFix/>
           </a:blip>
-          <a:srcRect b="0" l="46118" r="21044" t="0"/>
+          <a:srcRect l="46118" r="21044"/>
           <a:stretch/>
         </p:blipFill>
         <p:spPr>
@@ -11812,23 +11942,20 @@
           </a:ln>
         </p:spPr>
         <p:txBody>
-          <a:bodyPr anchorCtr="0" anchor="ctr" bIns="91425" lIns="91425" spcFirstLastPara="1" rIns="91425" wrap="square" tIns="91425">
+          <a:bodyPr spcFirstLastPara="1" wrap="square" lIns="91425" tIns="91425" rIns="91425" bIns="91425" anchor="ctr" anchorCtr="0">
             <a:noAutofit/>
           </a:bodyPr>
           <a:lstStyle/>
           <a:p>
-            <a:pPr indent="0" lvl="0" marL="0" rtl="0" algn="l">
-              <a:spcBef>
-                <a:spcPts val="0"/>
-              </a:spcBef>
-              <a:spcAft>
-                <a:spcPts val="0"/>
-              </a:spcAft>
-              <a:buNone/>
-            </a:pPr>
-            <a:r>
-              <a:t/>
-            </a:r>
+            <a:pPr marL="0" lvl="0" indent="0" algn="l" rtl="0">
+              <a:spcBef>
+                <a:spcPts val="0"/>
+              </a:spcBef>
+              <a:spcAft>
+                <a:spcPts val="0"/>
+              </a:spcAft>
+              <a:buNone/>
+            </a:pPr>
             <a:endParaRPr/>
           </a:p>
         </p:txBody>
@@ -11853,12 +11980,12 @@
           </a:ln>
         </p:spPr>
         <p:txBody>
-          <a:bodyPr anchorCtr="0" anchor="t" bIns="91425" lIns="91425" spcFirstLastPara="1" rIns="91425" wrap="square" tIns="91425">
+          <a:bodyPr spcFirstLastPara="1" wrap="square" lIns="91425" tIns="91425" rIns="91425" bIns="91425" anchor="t" anchorCtr="0">
             <a:noAutofit/>
           </a:bodyPr>
           <a:lstStyle/>
           <a:p>
-            <a:pPr indent="0" lvl="0" marL="0" rtl="0" algn="l">
+            <a:pPr marL="0" lvl="0" indent="0" algn="l" rtl="0">
               <a:lnSpc>
                 <a:spcPct val="115000"/>
               </a:lnSpc>
@@ -11871,7 +11998,7 @@
               <a:buNone/>
             </a:pPr>
             <a:r>
-              <a:rPr b="1" lang="en" sz="2200">
+              <a:rPr lang="en" sz="2200" b="1">
                 <a:solidFill>
                   <a:schemeClr val="lt1"/>
                 </a:solidFill>
@@ -11883,7 +12010,7 @@
               <a:t>Me convenceu! </a:t>
             </a:r>
             <a:r>
-              <a:rPr b="1" lang="en" sz="2900">
+              <a:rPr lang="en" sz="2900" b="1">
                 <a:solidFill>
                   <a:schemeClr val="lt1"/>
                 </a:solidFill>
@@ -11894,7 +12021,7 @@
               </a:rPr>
               <a:t>O que vamos fazer?</a:t>
             </a:r>
-            <a:endParaRPr b="1" sz="2900">
+            <a:endParaRPr sz="2900" b="1">
               <a:solidFill>
                 <a:schemeClr val="lt1"/>
               </a:solidFill>
@@ -11926,12 +12053,12 @@
           </a:ln>
         </p:spPr>
         <p:txBody>
-          <a:bodyPr anchorCtr="0" anchor="t" bIns="91425" lIns="91425" spcFirstLastPara="1" rIns="91425" wrap="square" tIns="91425">
+          <a:bodyPr spcFirstLastPara="1" wrap="square" lIns="91425" tIns="91425" rIns="91425" bIns="91425" anchor="t" anchorCtr="0">
             <a:noAutofit/>
           </a:bodyPr>
           <a:lstStyle/>
           <a:p>
-            <a:pPr indent="0" lvl="0" marL="0" rtl="0" algn="l">
+            <a:pPr marL="0" lvl="0" indent="0" algn="l" rtl="0">
               <a:spcBef>
                 <a:spcPts val="0"/>
               </a:spcBef>
@@ -11941,7 +12068,7 @@
               <a:buNone/>
             </a:pPr>
             <a:r>
-              <a:rPr b="1" lang="en" sz="2000">
+              <a:rPr lang="en" sz="2000" b="1">
                 <a:solidFill>
                   <a:schemeClr val="dk1"/>
                 </a:solidFill>
@@ -11952,7 +12079,7 @@
               </a:rPr>
               <a:t>Aula 9</a:t>
             </a:r>
-            <a:endParaRPr b="1" sz="2000">
+            <a:endParaRPr sz="2000" b="1">
               <a:solidFill>
                 <a:schemeClr val="dk1"/>
               </a:solidFill>
@@ -11984,12 +12111,12 @@
           </a:ln>
         </p:spPr>
         <p:txBody>
-          <a:bodyPr anchorCtr="0" anchor="t" bIns="91425" lIns="91425" spcFirstLastPara="1" rIns="91425" wrap="square" tIns="91425">
+          <a:bodyPr spcFirstLastPara="1" wrap="square" lIns="91425" tIns="91425" rIns="91425" bIns="91425" anchor="t" anchorCtr="0">
             <a:noAutofit/>
           </a:bodyPr>
           <a:lstStyle/>
           <a:p>
-            <a:pPr indent="-292100" lvl="0" marL="457200" rtl="0" algn="l">
+            <a:pPr marL="457200" lvl="0" indent="-292100" algn="l" rtl="0">
               <a:lnSpc>
                 <a:spcPct val="200000"/>
               </a:lnSpc>
@@ -12007,7 +12134,7 @@
               <a:buAutoNum type="arabicPeriod"/>
             </a:pPr>
             <a:r>
-              <a:rPr b="1" lang="en" sz="1000">
+              <a:rPr lang="en" sz="1000" b="1">
                 <a:solidFill>
                   <a:schemeClr val="dk1"/>
                 </a:solidFill>
@@ -12018,7 +12145,7 @@
               </a:rPr>
               <a:t>Pandas</a:t>
             </a:r>
-            <a:endParaRPr b="1" sz="1000">
+            <a:endParaRPr sz="1000" b="1">
               <a:solidFill>
                 <a:schemeClr val="dk1"/>
               </a:solidFill>
@@ -12029,7 +12156,7 @@
             </a:endParaRPr>
           </a:p>
           <a:p>
-            <a:pPr indent="0" lvl="0" marL="0" rtl="0" algn="l">
+            <a:pPr marL="0" lvl="0" indent="0" algn="l" rtl="0">
               <a:lnSpc>
                 <a:spcPct val="200000"/>
               </a:lnSpc>
@@ -12041,9 +12168,6 @@
               </a:spcAft>
               <a:buNone/>
             </a:pPr>
-            <a:r>
-              <a:t/>
-            </a:r>
             <a:endParaRPr sz="1000">
               <a:solidFill>
                 <a:schemeClr val="dk1"/>
@@ -12055,7 +12179,7 @@
             </a:endParaRPr>
           </a:p>
           <a:p>
-            <a:pPr indent="0" lvl="0" marL="0" rtl="0" algn="l">
+            <a:pPr marL="0" lvl="0" indent="0" algn="l" rtl="0">
               <a:lnSpc>
                 <a:spcPct val="200000"/>
               </a:lnSpc>
@@ -12103,12 +12227,12 @@
           </a:ln>
         </p:spPr>
         <p:txBody>
-          <a:bodyPr anchorCtr="0" anchor="t" bIns="91425" lIns="91425" spcFirstLastPara="1" rIns="91425" wrap="square" tIns="91425">
+          <a:bodyPr spcFirstLastPara="1" wrap="square" lIns="91425" tIns="91425" rIns="91425" bIns="91425" anchor="t" anchorCtr="0">
             <a:noAutofit/>
           </a:bodyPr>
           <a:lstStyle/>
           <a:p>
-            <a:pPr indent="0" lvl="0" marL="0" rtl="0" algn="l">
+            <a:pPr marL="0" lvl="0" indent="0" algn="l" rtl="0">
               <a:spcBef>
                 <a:spcPts val="0"/>
               </a:spcBef>
@@ -12118,7 +12242,7 @@
               <a:buNone/>
             </a:pPr>
             <a:r>
-              <a:rPr b="1" lang="en" sz="2000">
+              <a:rPr lang="en" sz="2000" b="1">
                 <a:solidFill>
                   <a:schemeClr val="dk1"/>
                 </a:solidFill>
@@ -12129,7 +12253,7 @@
               </a:rPr>
               <a:t>Aula 10</a:t>
             </a:r>
-            <a:endParaRPr b="1" sz="2000">
+            <a:endParaRPr sz="2000" b="1">
               <a:solidFill>
                 <a:schemeClr val="dk1"/>
               </a:solidFill>
@@ -12161,12 +12285,12 @@
           </a:ln>
         </p:spPr>
         <p:txBody>
-          <a:bodyPr anchorCtr="0" anchor="t" bIns="91425" lIns="91425" spcFirstLastPara="1" rIns="91425" wrap="square" tIns="91425">
+          <a:bodyPr spcFirstLastPara="1" wrap="square" lIns="91425" tIns="91425" rIns="91425" bIns="91425" anchor="t" anchorCtr="0">
             <a:noAutofit/>
           </a:bodyPr>
           <a:lstStyle/>
           <a:p>
-            <a:pPr indent="-292100" lvl="0" marL="457200" rtl="0" algn="l">
+            <a:pPr marL="457200" lvl="0" indent="-292100" algn="l" rtl="0">
               <a:lnSpc>
                 <a:spcPct val="200000"/>
               </a:lnSpc>
@@ -12184,7 +12308,7 @@
               <a:buAutoNum type="arabicPeriod"/>
             </a:pPr>
             <a:r>
-              <a:rPr b="1" lang="en" sz="1000">
+              <a:rPr lang="en" sz="1000" b="1">
                 <a:solidFill>
                   <a:schemeClr val="dk1"/>
                 </a:solidFill>
@@ -12227,12 +12351,12 @@
           </a:ln>
         </p:spPr>
         <p:txBody>
-          <a:bodyPr anchorCtr="0" anchor="t" bIns="91425" lIns="91425" spcFirstLastPara="1" rIns="91425" wrap="square" tIns="91425">
+          <a:bodyPr spcFirstLastPara="1" wrap="square" lIns="91425" tIns="91425" rIns="91425" bIns="91425" anchor="t" anchorCtr="0">
             <a:noAutofit/>
           </a:bodyPr>
           <a:lstStyle/>
           <a:p>
-            <a:pPr indent="0" lvl="0" marL="0" rtl="0" algn="l">
+            <a:pPr marL="0" lvl="0" indent="0" algn="l" rtl="0">
               <a:lnSpc>
                 <a:spcPct val="200000"/>
               </a:lnSpc>
@@ -12288,12 +12412,12 @@
           </a:ln>
         </p:spPr>
         <p:txBody>
-          <a:bodyPr anchorCtr="0" anchor="t" bIns="91425" lIns="91425" spcFirstLastPara="1" rIns="91425" wrap="square" tIns="91425">
+          <a:bodyPr spcFirstLastPara="1" wrap="square" lIns="91425" tIns="91425" rIns="91425" bIns="91425" anchor="t" anchorCtr="0">
             <a:noAutofit/>
           </a:bodyPr>
           <a:lstStyle/>
           <a:p>
-            <a:pPr indent="0" lvl="0" marL="0" rtl="0" algn="l">
+            <a:pPr marL="0" lvl="0" indent="0" algn="l" rtl="0">
               <a:lnSpc>
                 <a:spcPct val="150000"/>
               </a:lnSpc>
@@ -12306,7 +12430,7 @@
               <a:buNone/>
             </a:pPr>
             <a:r>
-              <a:rPr b="1" lang="en" sz="2000">
+              <a:rPr lang="en" sz="2000" b="1">
                 <a:solidFill>
                   <a:schemeClr val="dk1"/>
                 </a:solidFill>
@@ -12315,9 +12439,21 @@
                 <a:cs typeface="Comfortaa"/>
                 <a:sym typeface="Comfortaa"/>
               </a:rPr>
-              <a:t>Projeto Final (Obrigatório)</a:t>
+              <a:t>Projeto </a:t>
             </a:r>
-            <a:endParaRPr b="1" sz="2000">
+            <a:r>
+              <a:rPr lang="en" sz="2000" b="1" smtClean="0">
+                <a:solidFill>
+                  <a:schemeClr val="dk1"/>
+                </a:solidFill>
+                <a:latin typeface="Comfortaa"/>
+                <a:ea typeface="Comfortaa"/>
+                <a:cs typeface="Comfortaa"/>
+                <a:sym typeface="Comfortaa"/>
+              </a:rPr>
+              <a:t>Final</a:t>
+            </a:r>
+            <a:endParaRPr sz="2000" b="1" dirty="0">
               <a:solidFill>
                 <a:schemeClr val="dk1"/>
               </a:solidFill>
@@ -12344,14 +12480,14 @@
             <a:avLst/>
           </a:prstGeom>
           <a:noFill/>
-          <a:ln cap="flat" cmpd="sng" w="9525">
+          <a:ln w="9525" cap="flat" cmpd="sng">
             <a:solidFill>
               <a:srgbClr val="CCCCCC"/>
             </a:solidFill>
             <a:prstDash val="solid"/>
             <a:round/>
-            <a:headEnd len="med" w="med" type="none"/>
-            <a:tailEnd len="med" w="med" type="none"/>
+            <a:headEnd type="none" w="med" len="med"/>
+            <a:tailEnd type="none" w="med" len="med"/>
           </a:ln>
         </p:spPr>
       </p:cxnSp>
@@ -12403,12 +12539,12 @@
           </a:ln>
         </p:spPr>
         <p:txBody>
-          <a:bodyPr anchorCtr="0" anchor="t" bIns="91425" lIns="91425" spcFirstLastPara="1" rIns="91425" wrap="square" tIns="91425">
+          <a:bodyPr spcFirstLastPara="1" wrap="square" lIns="91425" tIns="91425" rIns="91425" bIns="91425" anchor="t" anchorCtr="0">
             <a:noAutofit/>
           </a:bodyPr>
           <a:lstStyle/>
           <a:p>
-            <a:pPr indent="0" lvl="0" marL="0" rtl="0" algn="r">
+            <a:pPr marL="0" lvl="0" indent="0" algn="r" rtl="0">
               <a:lnSpc>
                 <a:spcPct val="150000"/>
               </a:lnSpc>
@@ -12430,19 +12566,7 @@
                 <a:cs typeface="Comfortaa Regular"/>
                 <a:sym typeface="Comfortaa Regular"/>
               </a:rPr>
-              <a:t>6</a:t>
-            </a:r>
-            <a:r>
-              <a:rPr lang="en" sz="1000">
-                <a:solidFill>
-                  <a:schemeClr val="dk1"/>
-                </a:solidFill>
-                <a:latin typeface="Comfortaa Regular"/>
-                <a:ea typeface="Comfortaa Regular"/>
-                <a:cs typeface="Comfortaa Regular"/>
-                <a:sym typeface="Comfortaa Regular"/>
-              </a:rPr>
-              <a:t>/10</a:t>
+              <a:t>6/10</a:t>
             </a:r>
             <a:endParaRPr sz="1000">
               <a:solidFill>
@@ -12455,18 +12579,15 @@
             </a:endParaRPr>
           </a:p>
           <a:p>
-            <a:pPr indent="0" lvl="0" marL="0" rtl="0" algn="r">
-              <a:spcBef>
-                <a:spcPts val="0"/>
-              </a:spcBef>
-              <a:spcAft>
-                <a:spcPts val="0"/>
-              </a:spcAft>
-              <a:buNone/>
-            </a:pPr>
-            <a:r>
-              <a:t/>
-            </a:r>
+            <a:pPr marL="0" lvl="0" indent="0" algn="r" rtl="0">
+              <a:spcBef>
+                <a:spcPts val="0"/>
+              </a:spcBef>
+              <a:spcAft>
+                <a:spcPts val="0"/>
+              </a:spcAft>
+              <a:buNone/>
+            </a:pPr>
             <a:endParaRPr sz="1000">
               <a:solidFill>
                 <a:schemeClr val="dk1"/>
@@ -12484,15 +12605,22 @@
   <p:clrMapOvr>
     <a:masterClrMapping/>
   </p:clrMapOvr>
+  <p:timing>
+    <p:tnLst>
+      <p:par>
+        <p:cTn id="1" dur="indefinite" restart="never" nodeType="tmRoot"/>
+      </p:par>
+    </p:tnLst>
+  </p:timing>
 </p:sld>
 </file>
 
 <file path=ppt/slides/slide7.xml><?xml version="1.0" encoding="utf-8"?>
-<p:sld xmlns:a="http://schemas.openxmlformats.org/drawingml/2006/main" xmlns:r="http://schemas.openxmlformats.org/officeDocument/2006/relationships" xmlns:mc="http://schemas.openxmlformats.org/markup-compatibility/2006" xmlns:mv="urn:schemas-microsoft-com:mac:vml" xmlns:p="http://schemas.openxmlformats.org/presentationml/2006/main" xmlns:c="http://schemas.openxmlformats.org/drawingml/2006/chart" xmlns:dgm="http://schemas.openxmlformats.org/drawingml/2006/diagram" xmlns:o="urn:schemas-microsoft-com:office:office" xmlns:v="urn:schemas-microsoft-com:vml" xmlns:pvml="urn:schemas-microsoft-com:office:powerpoint" xmlns:com="http://schemas.openxmlformats.org/drawingml/2006/compatibility" xmlns:p14="http://schemas.microsoft.com/office/powerpoint/2010/main" xmlns:p15="http://schemas.microsoft.com/office/powerpoint/2012/main" xmlns:ahyp="http://schemas.microsoft.com/office/drawing/2018/hyperlinkcolor">
+<p:sld xmlns:a="http://schemas.openxmlformats.org/drawingml/2006/main" xmlns:r="http://schemas.openxmlformats.org/officeDocument/2006/relationships" xmlns:p="http://schemas.openxmlformats.org/presentationml/2006/main">
   <p:cSld>
     <p:spTree>
       <p:nvGrpSpPr>
-        <p:cNvPr id="152" name="Shape 152"/>
+        <p:cNvPr id="1" name="Shape 152"/>
         <p:cNvGrpSpPr/>
         <p:nvPr/>
       </p:nvGrpSpPr>
@@ -12514,7 +12642,7 @@
           <a:blip r:embed="rId3">
             <a:alphaModFix/>
           </a:blip>
-          <a:srcRect b="740" l="9709" r="16396" t="-740"/>
+          <a:srcRect l="9709" t="-740" r="16396" b="740"/>
           <a:stretch/>
         </p:blipFill>
         <p:spPr>
@@ -12555,23 +12683,20 @@
           </a:ln>
         </p:spPr>
         <p:txBody>
-          <a:bodyPr anchorCtr="0" anchor="ctr" bIns="91425" lIns="91425" spcFirstLastPara="1" rIns="91425" wrap="square" tIns="91425">
+          <a:bodyPr spcFirstLastPara="1" wrap="square" lIns="91425" tIns="91425" rIns="91425" bIns="91425" anchor="ctr" anchorCtr="0">
             <a:noAutofit/>
           </a:bodyPr>
           <a:lstStyle/>
           <a:p>
-            <a:pPr indent="0" lvl="0" marL="0" rtl="0" algn="l">
-              <a:spcBef>
-                <a:spcPts val="0"/>
-              </a:spcBef>
-              <a:spcAft>
-                <a:spcPts val="0"/>
-              </a:spcAft>
-              <a:buNone/>
-            </a:pPr>
-            <a:r>
-              <a:t/>
-            </a:r>
+            <a:pPr marL="0" lvl="0" indent="0" algn="l" rtl="0">
+              <a:spcBef>
+                <a:spcPts val="0"/>
+              </a:spcBef>
+              <a:spcAft>
+                <a:spcPts val="0"/>
+              </a:spcAft>
+              <a:buNone/>
+            </a:pPr>
             <a:endParaRPr/>
           </a:p>
         </p:txBody>
@@ -12596,12 +12721,12 @@
           </a:ln>
         </p:spPr>
         <p:txBody>
-          <a:bodyPr anchorCtr="0" anchor="t" bIns="91425" lIns="91425" spcFirstLastPara="1" rIns="91425" wrap="square" tIns="91425">
+          <a:bodyPr spcFirstLastPara="1" wrap="square" lIns="91425" tIns="91425" rIns="91425" bIns="91425" anchor="t" anchorCtr="0">
             <a:noAutofit/>
           </a:bodyPr>
           <a:lstStyle/>
           <a:p>
-            <a:pPr indent="0" lvl="0" marL="0" rtl="0" algn="l">
+            <a:pPr marL="0" lvl="0" indent="0" algn="l" rtl="0">
               <a:lnSpc>
                 <a:spcPct val="115000"/>
               </a:lnSpc>
@@ -12614,7 +12739,7 @@
               <a:buNone/>
             </a:pPr>
             <a:r>
-              <a:rPr b="1" lang="en" sz="3200">
+              <a:rPr lang="en" sz="3200" b="1">
                 <a:solidFill>
                   <a:schemeClr val="lt1"/>
                 </a:solidFill>
@@ -12625,7 +12750,7 @@
               </a:rPr>
               <a:t>O que vamos precisar? </a:t>
             </a:r>
-            <a:endParaRPr b="1" sz="3900">
+            <a:endParaRPr sz="3900" b="1">
               <a:solidFill>
                 <a:schemeClr val="lt1"/>
               </a:solidFill>
@@ -12657,12 +12782,12 @@
           </a:ln>
         </p:spPr>
         <p:txBody>
-          <a:bodyPr anchorCtr="0" anchor="t" bIns="91425" lIns="91425" spcFirstLastPara="1" rIns="91425" wrap="square" tIns="91425">
+          <a:bodyPr spcFirstLastPara="1" wrap="square" lIns="91425" tIns="91425" rIns="91425" bIns="91425" anchor="t" anchorCtr="0">
             <a:noAutofit/>
           </a:bodyPr>
           <a:lstStyle/>
           <a:p>
-            <a:pPr indent="0" lvl="0" marL="0" rtl="0" algn="l">
+            <a:pPr marL="0" lvl="0" indent="0" algn="l" rtl="0">
               <a:spcBef>
                 <a:spcPts val="0"/>
               </a:spcBef>
@@ -12672,7 +12797,7 @@
               <a:buNone/>
             </a:pPr>
             <a:r>
-              <a:rPr b="1" lang="en" sz="2000">
+              <a:rPr lang="en" sz="2000" b="1">
                 <a:solidFill>
                   <a:schemeClr val="dk1"/>
                 </a:solidFill>
@@ -12683,7 +12808,7 @@
               </a:rPr>
               <a:t>Para instalar na máquina</a:t>
             </a:r>
-            <a:endParaRPr b="1" sz="2000">
+            <a:endParaRPr sz="2000" b="1">
               <a:solidFill>
                 <a:schemeClr val="dk1"/>
               </a:solidFill>
@@ -12715,12 +12840,12 @@
           </a:ln>
         </p:spPr>
         <p:txBody>
-          <a:bodyPr anchorCtr="0" anchor="t" bIns="91425" lIns="91425" spcFirstLastPara="1" rIns="91425" wrap="square" tIns="91425">
+          <a:bodyPr spcFirstLastPara="1" wrap="square" lIns="91425" tIns="91425" rIns="91425" bIns="91425" anchor="t" anchorCtr="0">
             <a:noAutofit/>
           </a:bodyPr>
           <a:lstStyle/>
           <a:p>
-            <a:pPr indent="0" lvl="0" marL="0" rtl="0" algn="l">
+            <a:pPr marL="0" lvl="0" indent="0" algn="l" rtl="0">
               <a:lnSpc>
                 <a:spcPct val="200000"/>
               </a:lnSpc>
@@ -12744,7 +12869,7 @@
                 <a:hlinkClick r:id="rId4">
                   <a:extLst>
                     <a:ext uri="{A12FA001-AC4F-418D-AE19-62706E023703}">
-                      <ahyp:hlinkClr val="tx"/>
+                      <ahyp:hlinkClr xmlns="" xmlns:mc="http://schemas.openxmlformats.org/markup-compatibility/2006" xmlns:mv="urn:schemas-microsoft-com:mac:vml" xmlns:c="http://schemas.openxmlformats.org/drawingml/2006/chart" xmlns:dgm="http://schemas.openxmlformats.org/drawingml/2006/diagram" xmlns:o="urn:schemas-microsoft-com:office:office" xmlns:v="urn:schemas-microsoft-com:vml" xmlns:pvml="urn:schemas-microsoft-com:office:powerpoint" xmlns:com="http://schemas.openxmlformats.org/drawingml/2006/compatibility" xmlns:p14="http://schemas.microsoft.com/office/powerpoint/2010/main" xmlns:p15="http://schemas.microsoft.com/office/powerpoint/2012/main" xmlns:ahyp="http://schemas.microsoft.com/office/drawing/2018/hyperlinkcolor" val="tx"/>
                     </a:ext>
                   </a:extLst>
                 </a:hlinkClick>
@@ -12762,7 +12887,7 @@
             </a:endParaRPr>
           </a:p>
           <a:p>
-            <a:pPr indent="0" lvl="0" marL="0" rtl="0" algn="l">
+            <a:pPr marL="0" lvl="0" indent="0" algn="l" rtl="0">
               <a:lnSpc>
                 <a:spcPct val="200000"/>
               </a:lnSpc>
@@ -12786,7 +12911,7 @@
                 <a:hlinkClick r:id="rId5">
                   <a:extLst>
                     <a:ext uri="{A12FA001-AC4F-418D-AE19-62706E023703}">
-                      <ahyp:hlinkClr val="tx"/>
+                      <ahyp:hlinkClr xmlns="" xmlns:mc="http://schemas.openxmlformats.org/markup-compatibility/2006" xmlns:mv="urn:schemas-microsoft-com:mac:vml" xmlns:c="http://schemas.openxmlformats.org/drawingml/2006/chart" xmlns:dgm="http://schemas.openxmlformats.org/drawingml/2006/diagram" xmlns:o="urn:schemas-microsoft-com:office:office" xmlns:v="urn:schemas-microsoft-com:vml" xmlns:pvml="urn:schemas-microsoft-com:office:powerpoint" xmlns:com="http://schemas.openxmlformats.org/drawingml/2006/compatibility" xmlns:p14="http://schemas.microsoft.com/office/powerpoint/2010/main" xmlns:p15="http://schemas.microsoft.com/office/powerpoint/2012/main" xmlns:ahyp="http://schemas.microsoft.com/office/drawing/2018/hyperlinkcolor" val="tx"/>
                     </a:ext>
                   </a:extLst>
                 </a:hlinkClick>
@@ -12816,7 +12941,7 @@
             </a:endParaRPr>
           </a:p>
           <a:p>
-            <a:pPr indent="0" lvl="0" marL="0" rtl="0" algn="l">
+            <a:pPr marL="0" lvl="0" indent="0" algn="l" rtl="0">
               <a:lnSpc>
                 <a:spcPct val="200000"/>
               </a:lnSpc>
@@ -12840,7 +12965,7 @@
                 <a:hlinkClick r:id="rId6">
                   <a:extLst>
                     <a:ext uri="{A12FA001-AC4F-418D-AE19-62706E023703}">
-                      <ahyp:hlinkClr val="tx"/>
+                      <ahyp:hlinkClr xmlns="" xmlns:mc="http://schemas.openxmlformats.org/markup-compatibility/2006" xmlns:mv="urn:schemas-microsoft-com:mac:vml" xmlns:c="http://schemas.openxmlformats.org/drawingml/2006/chart" xmlns:dgm="http://schemas.openxmlformats.org/drawingml/2006/diagram" xmlns:o="urn:schemas-microsoft-com:office:office" xmlns:v="urn:schemas-microsoft-com:vml" xmlns:pvml="urn:schemas-microsoft-com:office:powerpoint" xmlns:com="http://schemas.openxmlformats.org/drawingml/2006/compatibility" xmlns:p14="http://schemas.microsoft.com/office/powerpoint/2010/main" xmlns:p15="http://schemas.microsoft.com/office/powerpoint/2012/main" xmlns:ahyp="http://schemas.microsoft.com/office/drawing/2018/hyperlinkcolor" val="tx"/>
                     </a:ext>
                   </a:extLst>
                 </a:hlinkClick>
@@ -12858,7 +12983,7 @@
             </a:endParaRPr>
           </a:p>
           <a:p>
-            <a:pPr indent="0" lvl="0" marL="0" rtl="0" algn="l">
+            <a:pPr marL="0" lvl="0" indent="0" algn="l" rtl="0">
               <a:lnSpc>
                 <a:spcPct val="200000"/>
               </a:lnSpc>
@@ -12893,7 +13018,7 @@
             </a:endParaRPr>
           </a:p>
           <a:p>
-            <a:pPr indent="0" lvl="0" marL="0" rtl="0" algn="l">
+            <a:pPr marL="0" lvl="0" indent="0" algn="l" rtl="0">
               <a:lnSpc>
                 <a:spcPct val="200000"/>
               </a:lnSpc>
@@ -12905,9 +13030,6 @@
               </a:spcAft>
               <a:buNone/>
             </a:pPr>
-            <a:r>
-              <a:t/>
-            </a:r>
             <a:endParaRPr sz="1000">
               <a:solidFill>
                 <a:schemeClr val="dk1"/>
@@ -12919,7 +13041,7 @@
             </a:endParaRPr>
           </a:p>
           <a:p>
-            <a:pPr indent="0" lvl="0" marL="0" rtl="0" algn="l">
+            <a:pPr marL="0" lvl="0" indent="0" algn="l" rtl="0">
               <a:lnSpc>
                 <a:spcPct val="200000"/>
               </a:lnSpc>
@@ -12967,12 +13089,12 @@
           </a:ln>
         </p:spPr>
         <p:txBody>
-          <a:bodyPr anchorCtr="0" anchor="t" bIns="91425" lIns="91425" spcFirstLastPara="1" rIns="91425" wrap="square" tIns="91425">
+          <a:bodyPr spcFirstLastPara="1" wrap="square" lIns="91425" tIns="91425" rIns="91425" bIns="91425" anchor="t" anchorCtr="0">
             <a:noAutofit/>
           </a:bodyPr>
           <a:lstStyle/>
           <a:p>
-            <a:pPr indent="0" lvl="0" marL="0" rtl="0" algn="l">
+            <a:pPr marL="0" lvl="0" indent="0" algn="l" rtl="0">
               <a:spcBef>
                 <a:spcPts val="0"/>
               </a:spcBef>
@@ -12982,7 +13104,7 @@
               <a:buNone/>
             </a:pPr>
             <a:r>
-              <a:rPr b="1" lang="en" sz="2000">
+              <a:rPr lang="en" sz="2000" b="1">
                 <a:solidFill>
                   <a:schemeClr val="dk1"/>
                 </a:solidFill>
@@ -12993,7 +13115,7 @@
               </a:rPr>
               <a:t>Pessoal</a:t>
             </a:r>
-            <a:endParaRPr b="1" sz="2000">
+            <a:endParaRPr sz="2000" b="1">
               <a:solidFill>
                 <a:schemeClr val="dk1"/>
               </a:solidFill>
@@ -13025,12 +13147,12 @@
           </a:ln>
         </p:spPr>
         <p:txBody>
-          <a:bodyPr anchorCtr="0" anchor="t" bIns="91425" lIns="91425" spcFirstLastPara="1" rIns="91425" wrap="square" tIns="91425">
+          <a:bodyPr spcFirstLastPara="1" wrap="square" lIns="91425" tIns="91425" rIns="91425" bIns="91425" anchor="t" anchorCtr="0">
             <a:noAutofit/>
           </a:bodyPr>
           <a:lstStyle/>
           <a:p>
-            <a:pPr indent="0" lvl="0" marL="0" rtl="0" algn="l">
+            <a:pPr marL="0" lvl="0" indent="0" algn="l" rtl="0">
               <a:lnSpc>
                 <a:spcPct val="200000"/>
               </a:lnSpc>
@@ -13065,7 +13187,7 @@
             </a:endParaRPr>
           </a:p>
           <a:p>
-            <a:pPr indent="0" lvl="0" marL="0" rtl="0" algn="l">
+            <a:pPr marL="0" lvl="0" indent="0" algn="l" rtl="0">
               <a:lnSpc>
                 <a:spcPct val="200000"/>
               </a:lnSpc>
@@ -13087,31 +13209,7 @@
                 <a:cs typeface="Comfortaa Regular"/>
                 <a:sym typeface="Comfortaa Regular"/>
               </a:rPr>
-              <a:t>O </a:t>
-            </a:r>
-            <a:r>
-              <a:rPr lang="en" sz="1000">
-                <a:solidFill>
-                  <a:schemeClr val="dk1"/>
-                </a:solidFill>
-                <a:latin typeface="Comfortaa Regular"/>
-                <a:ea typeface="Comfortaa Regular"/>
-                <a:cs typeface="Comfortaa Regular"/>
-                <a:sym typeface="Comfortaa Regular"/>
-              </a:rPr>
-              <a:t>material</a:t>
-            </a:r>
-            <a:r>
-              <a:rPr lang="en" sz="1000">
-                <a:solidFill>
-                  <a:schemeClr val="dk1"/>
-                </a:solidFill>
-                <a:latin typeface="Comfortaa Regular"/>
-                <a:ea typeface="Comfortaa Regular"/>
-                <a:cs typeface="Comfortaa Regular"/>
-                <a:sym typeface="Comfortaa Regular"/>
-              </a:rPr>
-              <a:t> do curso, será divulgado interamente no Github</a:t>
+              <a:t>O material do curso, será divulgado interamente no Github</a:t>
             </a:r>
             <a:endParaRPr sz="1000">
               <a:solidFill>
@@ -13124,7 +13222,7 @@
             </a:endParaRPr>
           </a:p>
           <a:p>
-            <a:pPr indent="0" lvl="0" marL="0" rtl="0" algn="l">
+            <a:pPr marL="0" lvl="0" indent="0" algn="l" rtl="0">
               <a:lnSpc>
                 <a:spcPct val="200000"/>
               </a:lnSpc>
@@ -13136,9 +13234,6 @@
               </a:spcAft>
               <a:buNone/>
             </a:pPr>
-            <a:r>
-              <a:t/>
-            </a:r>
             <a:endParaRPr sz="1000">
               <a:solidFill>
                 <a:schemeClr val="dk1"/>
@@ -13150,7 +13245,7 @@
             </a:endParaRPr>
           </a:p>
           <a:p>
-            <a:pPr indent="0" lvl="0" marL="0" rtl="0" algn="l">
+            <a:pPr marL="0" lvl="0" indent="0" algn="l" rtl="0">
               <a:lnSpc>
                 <a:spcPct val="200000"/>
               </a:lnSpc>
@@ -13198,12 +13293,12 @@
           </a:ln>
         </p:spPr>
         <p:txBody>
-          <a:bodyPr anchorCtr="0" anchor="t" bIns="91425" lIns="91425" spcFirstLastPara="1" rIns="91425" wrap="square" tIns="91425">
+          <a:bodyPr spcFirstLastPara="1" wrap="square" lIns="91425" tIns="91425" rIns="91425" bIns="91425" anchor="t" anchorCtr="0">
             <a:noAutofit/>
           </a:bodyPr>
           <a:lstStyle/>
           <a:p>
-            <a:pPr indent="0" lvl="0" marL="0" rtl="0" algn="r">
+            <a:pPr marL="0" lvl="0" indent="0" algn="r" rtl="0">
               <a:lnSpc>
                 <a:spcPct val="150000"/>
               </a:lnSpc>
@@ -13225,19 +13320,7 @@
                 <a:cs typeface="Comfortaa Regular"/>
                 <a:sym typeface="Comfortaa Regular"/>
               </a:rPr>
-              <a:t>7</a:t>
-            </a:r>
-            <a:r>
-              <a:rPr lang="en" sz="1000">
-                <a:solidFill>
-                  <a:schemeClr val="dk1"/>
-                </a:solidFill>
-                <a:latin typeface="Comfortaa Regular"/>
-                <a:ea typeface="Comfortaa Regular"/>
-                <a:cs typeface="Comfortaa Regular"/>
-                <a:sym typeface="Comfortaa Regular"/>
-              </a:rPr>
-              <a:t>/10</a:t>
+              <a:t>7/10</a:t>
             </a:r>
             <a:endParaRPr sz="1000">
               <a:solidFill>
@@ -13250,18 +13333,15 @@
             </a:endParaRPr>
           </a:p>
           <a:p>
-            <a:pPr indent="0" lvl="0" marL="0" rtl="0" algn="r">
-              <a:spcBef>
-                <a:spcPts val="0"/>
-              </a:spcBef>
-              <a:spcAft>
-                <a:spcPts val="0"/>
-              </a:spcAft>
-              <a:buNone/>
-            </a:pPr>
-            <a:r>
-              <a:t/>
-            </a:r>
+            <a:pPr marL="0" lvl="0" indent="0" algn="r" rtl="0">
+              <a:spcBef>
+                <a:spcPts val="0"/>
+              </a:spcBef>
+              <a:spcAft>
+                <a:spcPts val="0"/>
+              </a:spcAft>
+              <a:buNone/>
+            </a:pPr>
             <a:endParaRPr sz="1000">
               <a:solidFill>
                 <a:schemeClr val="dk1"/>
@@ -13279,15 +13359,22 @@
   <p:clrMapOvr>
     <a:masterClrMapping/>
   </p:clrMapOvr>
+  <p:timing>
+    <p:tnLst>
+      <p:par>
+        <p:cTn id="1" dur="indefinite" restart="never" nodeType="tmRoot"/>
+      </p:par>
+    </p:tnLst>
+  </p:timing>
 </p:sld>
 </file>
 
 <file path=ppt/slides/slide8.xml><?xml version="1.0" encoding="utf-8"?>
-<p:sld xmlns:a="http://schemas.openxmlformats.org/drawingml/2006/main" xmlns:r="http://schemas.openxmlformats.org/officeDocument/2006/relationships" xmlns:mc="http://schemas.openxmlformats.org/markup-compatibility/2006" xmlns:mv="urn:schemas-microsoft-com:mac:vml" xmlns:p="http://schemas.openxmlformats.org/presentationml/2006/main" xmlns:c="http://schemas.openxmlformats.org/drawingml/2006/chart" xmlns:dgm="http://schemas.openxmlformats.org/drawingml/2006/diagram" xmlns:o="urn:schemas-microsoft-com:office:office" xmlns:v="urn:schemas-microsoft-com:vml" xmlns:pvml="urn:schemas-microsoft-com:office:powerpoint" xmlns:com="http://schemas.openxmlformats.org/drawingml/2006/compatibility" xmlns:p14="http://schemas.microsoft.com/office/powerpoint/2010/main" xmlns:p15="http://schemas.microsoft.com/office/powerpoint/2012/main" xmlns:ahyp="http://schemas.microsoft.com/office/drawing/2018/hyperlinkcolor">
+<p:sld xmlns:a="http://schemas.openxmlformats.org/drawingml/2006/main" xmlns:r="http://schemas.openxmlformats.org/officeDocument/2006/relationships" xmlns:p="http://schemas.openxmlformats.org/presentationml/2006/main">
   <p:cSld>
     <p:spTree>
       <p:nvGrpSpPr>
-        <p:cNvPr id="164" name="Shape 164"/>
+        <p:cNvPr id="1" name="Shape 164"/>
         <p:cNvGrpSpPr/>
         <p:nvPr/>
       </p:nvGrpSpPr>
@@ -13309,7 +13396,7 @@
           <a:blip r:embed="rId3">
             <a:alphaModFix/>
           </a:blip>
-          <a:srcRect b="0" l="10985" r="15436" t="0"/>
+          <a:srcRect l="10985" r="15436"/>
           <a:stretch/>
         </p:blipFill>
         <p:spPr>
@@ -13350,23 +13437,20 @@
           </a:ln>
         </p:spPr>
         <p:txBody>
-          <a:bodyPr anchorCtr="0" anchor="ctr" bIns="91425" lIns="91425" spcFirstLastPara="1" rIns="91425" wrap="square" tIns="91425">
+          <a:bodyPr spcFirstLastPara="1" wrap="square" lIns="91425" tIns="91425" rIns="91425" bIns="91425" anchor="ctr" anchorCtr="0">
             <a:noAutofit/>
           </a:bodyPr>
           <a:lstStyle/>
           <a:p>
-            <a:pPr indent="0" lvl="0" marL="0" rtl="0" algn="l">
-              <a:spcBef>
-                <a:spcPts val="0"/>
-              </a:spcBef>
-              <a:spcAft>
-                <a:spcPts val="0"/>
-              </a:spcAft>
-              <a:buNone/>
-            </a:pPr>
-            <a:r>
-              <a:t/>
-            </a:r>
+            <a:pPr marL="0" lvl="0" indent="0" algn="l" rtl="0">
+              <a:spcBef>
+                <a:spcPts val="0"/>
+              </a:spcBef>
+              <a:spcAft>
+                <a:spcPts val="0"/>
+              </a:spcAft>
+              <a:buNone/>
+            </a:pPr>
             <a:endParaRPr/>
           </a:p>
         </p:txBody>
@@ -13391,12 +13475,12 @@
           </a:ln>
         </p:spPr>
         <p:txBody>
-          <a:bodyPr anchorCtr="0" anchor="t" bIns="91425" lIns="91425" spcFirstLastPara="1" rIns="91425" wrap="square" tIns="91425">
+          <a:bodyPr spcFirstLastPara="1" wrap="square" lIns="91425" tIns="91425" rIns="91425" bIns="91425" anchor="t" anchorCtr="0">
             <a:noAutofit/>
           </a:bodyPr>
           <a:lstStyle/>
           <a:p>
-            <a:pPr indent="0" lvl="0" marL="0" rtl="0" algn="l">
+            <a:pPr marL="0" lvl="0" indent="0" algn="l" rtl="0">
               <a:lnSpc>
                 <a:spcPct val="115000"/>
               </a:lnSpc>
@@ -13409,7 +13493,7 @@
               <a:buNone/>
             </a:pPr>
             <a:r>
-              <a:rPr b="1" lang="en" sz="3200">
+              <a:rPr lang="en" sz="3200" b="1">
                 <a:solidFill>
                   <a:schemeClr val="lt1"/>
                 </a:solidFill>
@@ -13420,7 +13504,7 @@
               </a:rPr>
               <a:t>GIT? </a:t>
             </a:r>
-            <a:endParaRPr b="1" sz="3200">
+            <a:endParaRPr sz="3200" b="1">
               <a:solidFill>
                 <a:schemeClr val="lt1"/>
               </a:solidFill>
@@ -13431,7 +13515,7 @@
             </a:endParaRPr>
           </a:p>
           <a:p>
-            <a:pPr indent="0" lvl="0" marL="0" rtl="0" algn="l">
+            <a:pPr marL="0" lvl="0" indent="0" algn="l" rtl="0">
               <a:lnSpc>
                 <a:spcPct val="115000"/>
               </a:lnSpc>
@@ -13444,7 +13528,7 @@
               <a:buNone/>
             </a:pPr>
             <a:r>
-              <a:rPr b="1" lang="en" sz="3200">
+              <a:rPr lang="en" sz="3200" b="1">
                 <a:solidFill>
                   <a:schemeClr val="lt1"/>
                 </a:solidFill>
@@ -13455,7 +13539,7 @@
               </a:rPr>
               <a:t>GITHUB?</a:t>
             </a:r>
-            <a:endParaRPr b="1" sz="3200">
+            <a:endParaRPr sz="3200" b="1">
               <a:solidFill>
                 <a:schemeClr val="lt1"/>
               </a:solidFill>
@@ -13466,7 +13550,7 @@
             </a:endParaRPr>
           </a:p>
           <a:p>
-            <a:pPr indent="0" lvl="0" marL="0" rtl="0" algn="l">
+            <a:pPr marL="0" lvl="0" indent="0" algn="l" rtl="0">
               <a:lnSpc>
                 <a:spcPct val="115000"/>
               </a:lnSpc>
@@ -13479,7 +13563,7 @@
               <a:buNone/>
             </a:pPr>
             <a:r>
-              <a:rPr b="1" lang="en" sz="3200">
+              <a:rPr lang="en" sz="3200" b="1">
                 <a:solidFill>
                   <a:schemeClr val="lt1"/>
                 </a:solidFill>
@@ -13488,21 +13572,9 @@
                 <a:cs typeface="Comfortaa"/>
                 <a:sym typeface="Comfortaa"/>
               </a:rPr>
-              <a:t>Que p* é isso? </a:t>
+              <a:t>Que p* é isso?  </a:t>
             </a:r>
-            <a:r>
-              <a:rPr b="1" lang="en" sz="3200">
-                <a:solidFill>
-                  <a:schemeClr val="lt1"/>
-                </a:solidFill>
-                <a:latin typeface="Comfortaa"/>
-                <a:ea typeface="Comfortaa"/>
-                <a:cs typeface="Comfortaa"/>
-                <a:sym typeface="Comfortaa"/>
-              </a:rPr>
-              <a:t> </a:t>
-            </a:r>
-            <a:endParaRPr b="1" sz="3900">
+            <a:endParaRPr sz="3900" b="1">
               <a:solidFill>
                 <a:schemeClr val="lt1"/>
               </a:solidFill>
@@ -13562,12 +13634,12 @@
           </a:ln>
         </p:spPr>
         <p:txBody>
-          <a:bodyPr anchorCtr="0" anchor="t" bIns="91425" lIns="91425" spcFirstLastPara="1" rIns="91425" wrap="square" tIns="91425">
+          <a:bodyPr spcFirstLastPara="1" wrap="square" lIns="91425" tIns="91425" rIns="91425" bIns="91425" anchor="t" anchorCtr="0">
             <a:noAutofit/>
           </a:bodyPr>
           <a:lstStyle/>
           <a:p>
-            <a:pPr indent="0" lvl="0" marL="0" rtl="0" algn="r">
+            <a:pPr marL="0" lvl="0" indent="0" algn="r" rtl="0">
               <a:lnSpc>
                 <a:spcPct val="150000"/>
               </a:lnSpc>
@@ -13589,19 +13661,7 @@
                 <a:cs typeface="Comfortaa Regular"/>
                 <a:sym typeface="Comfortaa Regular"/>
               </a:rPr>
-              <a:t>9</a:t>
-            </a:r>
-            <a:r>
-              <a:rPr lang="en" sz="1000">
-                <a:solidFill>
-                  <a:schemeClr val="dk1"/>
-                </a:solidFill>
-                <a:latin typeface="Comfortaa Regular"/>
-                <a:ea typeface="Comfortaa Regular"/>
-                <a:cs typeface="Comfortaa Regular"/>
-                <a:sym typeface="Comfortaa Regular"/>
-              </a:rPr>
-              <a:t>/10</a:t>
+              <a:t>9/10</a:t>
             </a:r>
             <a:endParaRPr sz="1000">
               <a:solidFill>
@@ -13614,18 +13674,15 @@
             </a:endParaRPr>
           </a:p>
           <a:p>
-            <a:pPr indent="0" lvl="0" marL="0" rtl="0" algn="r">
-              <a:spcBef>
-                <a:spcPts val="0"/>
-              </a:spcBef>
-              <a:spcAft>
-                <a:spcPts val="0"/>
-              </a:spcAft>
-              <a:buNone/>
-            </a:pPr>
-            <a:r>
-              <a:t/>
-            </a:r>
+            <a:pPr marL="0" lvl="0" indent="0" algn="r" rtl="0">
+              <a:spcBef>
+                <a:spcPts val="0"/>
+              </a:spcBef>
+              <a:spcAft>
+                <a:spcPts val="0"/>
+              </a:spcAft>
+              <a:buNone/>
+            </a:pPr>
             <a:endParaRPr sz="1000">
               <a:solidFill>
                 <a:schemeClr val="dk1"/>
@@ -13643,15 +13700,22 @@
   <p:clrMapOvr>
     <a:masterClrMapping/>
   </p:clrMapOvr>
+  <p:timing>
+    <p:tnLst>
+      <p:par>
+        <p:cTn id="1" dur="indefinite" restart="never" nodeType="tmRoot"/>
+      </p:par>
+    </p:tnLst>
+  </p:timing>
 </p:sld>
 </file>
 
 <file path=ppt/slides/slide9.xml><?xml version="1.0" encoding="utf-8"?>
-<p:sld xmlns:a="http://schemas.openxmlformats.org/drawingml/2006/main" xmlns:r="http://schemas.openxmlformats.org/officeDocument/2006/relationships" xmlns:mc="http://schemas.openxmlformats.org/markup-compatibility/2006" xmlns:mv="urn:schemas-microsoft-com:mac:vml" xmlns:p="http://schemas.openxmlformats.org/presentationml/2006/main" xmlns:c="http://schemas.openxmlformats.org/drawingml/2006/chart" xmlns:dgm="http://schemas.openxmlformats.org/drawingml/2006/diagram" xmlns:o="urn:schemas-microsoft-com:office:office" xmlns:v="urn:schemas-microsoft-com:vml" xmlns:pvml="urn:schemas-microsoft-com:office:powerpoint" xmlns:com="http://schemas.openxmlformats.org/drawingml/2006/compatibility" xmlns:p14="http://schemas.microsoft.com/office/powerpoint/2010/main" xmlns:p15="http://schemas.microsoft.com/office/powerpoint/2012/main" xmlns:ahyp="http://schemas.microsoft.com/office/drawing/2018/hyperlinkcolor">
+<p:sld xmlns:a="http://schemas.openxmlformats.org/drawingml/2006/main" xmlns:r="http://schemas.openxmlformats.org/officeDocument/2006/relationships" xmlns:p="http://schemas.openxmlformats.org/presentationml/2006/main">
   <p:cSld>
     <p:spTree>
       <p:nvGrpSpPr>
-        <p:cNvPr id="173" name="Shape 173"/>
+        <p:cNvPr id="1" name="Shape 173"/>
         <p:cNvGrpSpPr/>
         <p:nvPr/>
       </p:nvGrpSpPr>
@@ -13673,7 +13737,7 @@
           <a:blip r:embed="rId3">
             <a:alphaModFix/>
           </a:blip>
-          <a:srcRect b="0" l="13057" r="39409" t="0"/>
+          <a:srcRect l="13057" r="39409"/>
           <a:stretch/>
         </p:blipFill>
         <p:spPr>
@@ -13714,23 +13778,20 @@
           </a:ln>
         </p:spPr>
         <p:txBody>
-          <a:bodyPr anchorCtr="0" anchor="ctr" bIns="91425" lIns="91425" spcFirstLastPara="1" rIns="91425" wrap="square" tIns="91425">
+          <a:bodyPr spcFirstLastPara="1" wrap="square" lIns="91425" tIns="91425" rIns="91425" bIns="91425" anchor="ctr" anchorCtr="0">
             <a:noAutofit/>
           </a:bodyPr>
           <a:lstStyle/>
           <a:p>
-            <a:pPr indent="0" lvl="0" marL="0" rtl="0" algn="l">
-              <a:spcBef>
-                <a:spcPts val="0"/>
-              </a:spcBef>
-              <a:spcAft>
-                <a:spcPts val="0"/>
-              </a:spcAft>
-              <a:buNone/>
-            </a:pPr>
-            <a:r>
-              <a:t/>
-            </a:r>
+            <a:pPr marL="0" lvl="0" indent="0" algn="l" rtl="0">
+              <a:spcBef>
+                <a:spcPts val="0"/>
+              </a:spcBef>
+              <a:spcAft>
+                <a:spcPts val="0"/>
+              </a:spcAft>
+              <a:buNone/>
+            </a:pPr>
             <a:endParaRPr/>
           </a:p>
         </p:txBody>
@@ -13755,12 +13816,12 @@
           </a:ln>
         </p:spPr>
         <p:txBody>
-          <a:bodyPr anchorCtr="0" anchor="t" bIns="91425" lIns="91425" spcFirstLastPara="1" rIns="91425" wrap="square" tIns="91425">
+          <a:bodyPr spcFirstLastPara="1" wrap="square" lIns="91425" tIns="91425" rIns="91425" bIns="91425" anchor="t" anchorCtr="0">
             <a:noAutofit/>
           </a:bodyPr>
           <a:lstStyle/>
           <a:p>
-            <a:pPr indent="0" lvl="0" marL="0" rtl="0" algn="l">
+            <a:pPr marL="0" lvl="0" indent="0" algn="l" rtl="0">
               <a:lnSpc>
                 <a:spcPct val="115000"/>
               </a:lnSpc>
@@ -13773,7 +13834,7 @@
               <a:buNone/>
             </a:pPr>
             <a:r>
-              <a:rPr b="1" lang="en" sz="3200">
+              <a:rPr lang="en" sz="3200" b="1" dirty="0">
                 <a:solidFill>
                   <a:schemeClr val="lt1"/>
                 </a:solidFill>
@@ -13784,7 +13845,7 @@
               </a:rPr>
               <a:t>Quais seriam seus poderes? </a:t>
             </a:r>
-            <a:endParaRPr b="1" sz="3900">
+            <a:endParaRPr sz="3900" b="1" dirty="0">
               <a:solidFill>
                 <a:schemeClr val="lt1"/>
               </a:solidFill>
@@ -13816,12 +13877,12 @@
           </a:ln>
         </p:spPr>
         <p:txBody>
-          <a:bodyPr anchorCtr="0" anchor="t" bIns="91425" lIns="91425" spcFirstLastPara="1" rIns="91425" wrap="square" tIns="91425">
+          <a:bodyPr spcFirstLastPara="1" wrap="square" lIns="91425" tIns="91425" rIns="91425" bIns="91425" anchor="t" anchorCtr="0">
             <a:noAutofit/>
           </a:bodyPr>
           <a:lstStyle/>
           <a:p>
-            <a:pPr indent="0" lvl="0" marL="0" rtl="0" algn="l">
+            <a:pPr marL="0" lvl="0" indent="0" algn="l" rtl="0">
               <a:spcBef>
                 <a:spcPts val="0"/>
               </a:spcBef>
@@ -13831,7 +13892,7 @@
               <a:buNone/>
             </a:pPr>
             <a:r>
-              <a:rPr b="1" lang="en" sz="2000">
+              <a:rPr lang="en" sz="2000" b="1">
                 <a:solidFill>
                   <a:schemeClr val="dk1"/>
                 </a:solidFill>
@@ -13842,7 +13903,7 @@
               </a:rPr>
               <a:t>Quebra gelo!</a:t>
             </a:r>
-            <a:endParaRPr b="1" sz="2000">
+            <a:endParaRPr sz="2000" b="1">
               <a:solidFill>
                 <a:schemeClr val="dk1"/>
               </a:solidFill>
@@ -13874,12 +13935,12 @@
           </a:ln>
         </p:spPr>
         <p:txBody>
-          <a:bodyPr anchorCtr="0" anchor="t" bIns="91425" lIns="91425" spcFirstLastPara="1" rIns="91425" wrap="square" tIns="91425">
+          <a:bodyPr spcFirstLastPara="1" wrap="square" lIns="91425" tIns="91425" rIns="91425" bIns="91425" anchor="t" anchorCtr="0">
             <a:noAutofit/>
           </a:bodyPr>
           <a:lstStyle/>
           <a:p>
-            <a:pPr indent="0" lvl="0" marL="0" rtl="0" algn="l">
+            <a:pPr marL="0" lvl="0" indent="0" algn="l" rtl="0">
               <a:lnSpc>
                 <a:spcPct val="200000"/>
               </a:lnSpc>
@@ -13903,7 +13964,7 @@
               </a:rPr>
               <a:t>Para nos conhecermos melhor, vamos fazer uma dinâmica de Team Building ( já que vamos passar algumas semanas juntos). </a:t>
             </a:r>
-            <a:endParaRPr b="1" sz="1000">
+            <a:endParaRPr sz="1000" b="1">
               <a:solidFill>
                 <a:schemeClr val="dk1"/>
               </a:solidFill>
@@ -13914,7 +13975,7 @@
             </a:endParaRPr>
           </a:p>
           <a:p>
-            <a:pPr indent="0" lvl="0" marL="0" rtl="0" algn="l">
+            <a:pPr marL="0" lvl="0" indent="0" algn="l" rtl="0">
               <a:lnSpc>
                 <a:spcPct val="200000"/>
               </a:lnSpc>
@@ -13926,10 +13987,7 @@
               </a:spcAft>
               <a:buNone/>
             </a:pPr>
-            <a:r>
-              <a:t/>
-            </a:r>
-            <a:endParaRPr b="1" sz="1000">
+            <a:endParaRPr sz="1000" b="1">
               <a:solidFill>
                 <a:schemeClr val="dk1"/>
               </a:solidFill>
@@ -13940,7 +13998,7 @@
             </a:endParaRPr>
           </a:p>
           <a:p>
-            <a:pPr indent="0" lvl="0" marL="0" rtl="0" algn="l">
+            <a:pPr marL="0" lvl="0" indent="0" algn="l" rtl="0">
               <a:lnSpc>
                 <a:spcPct val="200000"/>
               </a:lnSpc>
@@ -13991,14 +14049,14 @@
             <a:avLst/>
           </a:prstGeom>
           <a:noFill/>
-          <a:ln cap="flat" cmpd="sng" w="9525">
+          <a:ln w="9525" cap="flat" cmpd="sng">
             <a:solidFill>
               <a:srgbClr val="F6B26B"/>
             </a:solidFill>
             <a:prstDash val="solid"/>
             <a:round/>
-            <a:headEnd len="sm" w="sm" type="none"/>
-            <a:tailEnd len="sm" w="sm" type="none"/>
+            <a:headEnd type="none" w="sm" len="sm"/>
+            <a:tailEnd type="none" w="sm" len="sm"/>
           </a:ln>
         </p:spPr>
       </p:pic>
@@ -14022,12 +14080,12 @@
           </a:ln>
         </p:spPr>
         <p:txBody>
-          <a:bodyPr anchorCtr="0" anchor="t" bIns="91425" lIns="91425" spcFirstLastPara="1" rIns="91425" wrap="square" tIns="91425">
+          <a:bodyPr spcFirstLastPara="1" wrap="square" lIns="91425" tIns="91425" rIns="91425" bIns="91425" anchor="t" anchorCtr="0">
             <a:noAutofit/>
           </a:bodyPr>
           <a:lstStyle/>
           <a:p>
-            <a:pPr indent="0" lvl="0" marL="0" rtl="0" algn="l">
+            <a:pPr marL="0" lvl="0" indent="0" algn="l" rtl="0">
               <a:lnSpc>
                 <a:spcPct val="200000"/>
               </a:lnSpc>
@@ -14040,7 +14098,7 @@
               <a:buNone/>
             </a:pPr>
             <a:r>
-              <a:rPr b="1" lang="en" sz="1000">
+              <a:rPr lang="en" sz="1000" b="1">
                 <a:solidFill>
                   <a:schemeClr val="dk1"/>
                 </a:solidFill>
@@ -14074,7 +14132,7 @@
             </a:endParaRPr>
           </a:p>
           <a:p>
-            <a:pPr indent="0" lvl="0" marL="0" rtl="0" algn="l">
+            <a:pPr marL="0" lvl="0" indent="0" algn="l" rtl="0">
               <a:lnSpc>
                 <a:spcPct val="200000"/>
               </a:lnSpc>
@@ -14087,7 +14145,7 @@
               <a:buNone/>
             </a:pPr>
             <a:r>
-              <a:rPr b="1" lang="en" sz="1000">
+              <a:rPr lang="en" sz="1000" b="1">
                 <a:solidFill>
                   <a:schemeClr val="dk1"/>
                 </a:solidFill>
@@ -14098,7 +14156,7 @@
               </a:rPr>
               <a:t>Qual o seu poder? </a:t>
             </a:r>
-            <a:endParaRPr b="1" sz="1000">
+            <a:endParaRPr sz="1000" b="1">
               <a:solidFill>
                 <a:schemeClr val="dk1"/>
               </a:solidFill>
@@ -14109,7 +14167,7 @@
             </a:endParaRPr>
           </a:p>
           <a:p>
-            <a:pPr indent="0" lvl="0" marL="0" rtl="0" algn="l">
+            <a:pPr marL="0" lvl="0" indent="0" algn="l" rtl="0">
               <a:lnSpc>
                 <a:spcPct val="200000"/>
               </a:lnSpc>
@@ -14122,7 +14180,7 @@
               <a:buNone/>
             </a:pPr>
             <a:r>
-              <a:rPr b="1" lang="en" sz="1000">
+              <a:rPr lang="en" sz="1000" b="1">
                 <a:solidFill>
                   <a:schemeClr val="dk1"/>
                 </a:solidFill>
@@ -14157,12 +14215,12 @@
           </a:ln>
         </p:spPr>
         <p:txBody>
-          <a:bodyPr anchorCtr="0" anchor="t" bIns="91425" lIns="91425" spcFirstLastPara="1" rIns="91425" wrap="square" tIns="91425">
+          <a:bodyPr spcFirstLastPara="1" wrap="square" lIns="91425" tIns="91425" rIns="91425" bIns="91425" anchor="t" anchorCtr="0">
             <a:noAutofit/>
           </a:bodyPr>
           <a:lstStyle/>
           <a:p>
-            <a:pPr indent="0" lvl="0" marL="0" rtl="0" algn="l">
+            <a:pPr marL="0" lvl="0" indent="0" algn="l" rtl="0">
               <a:lnSpc>
                 <a:spcPct val="200000"/>
               </a:lnSpc>
@@ -14175,7 +14233,7 @@
               <a:buNone/>
             </a:pPr>
             <a:r>
-              <a:rPr b="1" lang="en">
+              <a:rPr lang="en" b="1">
                 <a:solidFill>
                   <a:schemeClr val="dk1"/>
                 </a:solidFill>
@@ -14186,7 +14244,7 @@
               </a:rPr>
               <a:t>"Quem você seria se fosse super herói? " </a:t>
             </a:r>
-            <a:endParaRPr b="1" sz="1200">
+            <a:endParaRPr sz="1200" b="1">
               <a:solidFill>
                 <a:schemeClr val="dk1"/>
               </a:solidFill>
@@ -14197,7 +14255,7 @@
             </a:endParaRPr>
           </a:p>
           <a:p>
-            <a:pPr indent="0" lvl="0" marL="0" rtl="0" algn="l">
+            <a:pPr marL="0" lvl="0" indent="0" algn="l" rtl="0">
               <a:lnSpc>
                 <a:spcPct val="200000"/>
               </a:lnSpc>
@@ -14209,10 +14267,7 @@
               </a:spcAft>
               <a:buNone/>
             </a:pPr>
-            <a:r>
-              <a:t/>
-            </a:r>
-            <a:endParaRPr b="1" sz="1700">
+            <a:endParaRPr sz="1700" b="1">
               <a:solidFill>
                 <a:schemeClr val="dk1"/>
               </a:solidFill>
@@ -14244,12 +14299,12 @@
           </a:ln>
         </p:spPr>
         <p:txBody>
-          <a:bodyPr anchorCtr="0" anchor="t" bIns="91425" lIns="91425" spcFirstLastPara="1" rIns="91425" wrap="square" tIns="91425">
+          <a:bodyPr spcFirstLastPara="1" wrap="square" lIns="91425" tIns="91425" rIns="91425" bIns="91425" anchor="t" anchorCtr="0">
             <a:noAutofit/>
           </a:bodyPr>
           <a:lstStyle/>
           <a:p>
-            <a:pPr indent="0" lvl="0" marL="0" rtl="0" algn="l">
+            <a:pPr marL="0" lvl="0" indent="0" algn="l" rtl="0">
               <a:lnSpc>
                 <a:spcPct val="200000"/>
               </a:lnSpc>
@@ -14262,7 +14317,7 @@
               <a:buNone/>
             </a:pPr>
             <a:r>
-              <a:rPr b="1" lang="en" sz="1100">
+              <a:rPr lang="en" sz="1100" b="1">
                 <a:solidFill>
                   <a:schemeClr val="dk1"/>
                 </a:solidFill>
@@ -14273,7 +14328,7 @@
               </a:rPr>
               <a:t>MiuraSan</a:t>
             </a:r>
-            <a:endParaRPr b="1" sz="1100">
+            <a:endParaRPr sz="1100" b="1">
               <a:solidFill>
                 <a:schemeClr val="dk1"/>
               </a:solidFill>
@@ -14284,7 +14339,7 @@
             </a:endParaRPr>
           </a:p>
           <a:p>
-            <a:pPr indent="0" lvl="0" marL="0" rtl="0" algn="l">
+            <a:pPr marL="0" lvl="0" indent="0" algn="l" rtl="0">
               <a:lnSpc>
                 <a:spcPct val="200000"/>
               </a:lnSpc>
@@ -14297,7 +14352,7 @@
               <a:buNone/>
             </a:pPr>
             <a:r>
-              <a:rPr b="1" lang="en" sz="1000">
+              <a:rPr lang="en" sz="1000" b="1">
                 <a:solidFill>
                   <a:schemeClr val="dk1"/>
                 </a:solidFill>
@@ -14346,7 +14401,7 @@
             </a:endParaRPr>
           </a:p>
           <a:p>
-            <a:pPr indent="0" lvl="0" marL="0" rtl="0" algn="l">
+            <a:pPr marL="0" lvl="0" indent="0" algn="l" rtl="0">
               <a:lnSpc>
                 <a:spcPct val="200000"/>
               </a:lnSpc>
@@ -14359,7 +14414,7 @@
               <a:buNone/>
             </a:pPr>
             <a:r>
-              <a:rPr b="1" lang="en" sz="1000">
+              <a:rPr lang="en" sz="1000" b="1">
                 <a:solidFill>
                   <a:schemeClr val="dk1"/>
                 </a:solidFill>
@@ -14393,7 +14448,7 @@
             </a:endParaRPr>
           </a:p>
           <a:p>
-            <a:pPr indent="0" lvl="0" marL="0" rtl="0" algn="l">
+            <a:pPr marL="0" lvl="0" indent="0" algn="l" rtl="0">
               <a:lnSpc>
                 <a:spcPct val="200000"/>
               </a:lnSpc>
@@ -14405,9 +14460,6 @@
               </a:spcAft>
               <a:buNone/>
             </a:pPr>
-            <a:r>
-              <a:t/>
-            </a:r>
             <a:endParaRPr/>
           </a:p>
         </p:txBody>
@@ -14432,12 +14484,12 @@
           </a:ln>
         </p:spPr>
         <p:txBody>
-          <a:bodyPr anchorCtr="0" anchor="t" bIns="91425" lIns="91425" spcFirstLastPara="1" rIns="91425" wrap="square" tIns="91425">
+          <a:bodyPr spcFirstLastPara="1" wrap="square" lIns="91425" tIns="91425" rIns="91425" bIns="91425" anchor="t" anchorCtr="0">
             <a:noAutofit/>
           </a:bodyPr>
           <a:lstStyle/>
           <a:p>
-            <a:pPr indent="0" lvl="0" marL="0" rtl="0" algn="r">
+            <a:pPr marL="0" lvl="0" indent="0" algn="r" rtl="0">
               <a:lnSpc>
                 <a:spcPct val="150000"/>
               </a:lnSpc>
@@ -14459,19 +14511,7 @@
                 <a:cs typeface="Comfortaa Regular"/>
                 <a:sym typeface="Comfortaa Regular"/>
               </a:rPr>
-              <a:t>10</a:t>
-            </a:r>
-            <a:r>
-              <a:rPr lang="en" sz="1000">
-                <a:solidFill>
-                  <a:schemeClr val="dk1"/>
-                </a:solidFill>
-                <a:latin typeface="Comfortaa Regular"/>
-                <a:ea typeface="Comfortaa Regular"/>
-                <a:cs typeface="Comfortaa Regular"/>
-                <a:sym typeface="Comfortaa Regular"/>
-              </a:rPr>
-              <a:t>/10</a:t>
+              <a:t>10/10</a:t>
             </a:r>
             <a:endParaRPr sz="1000">
               <a:solidFill>
@@ -14484,18 +14524,15 @@
             </a:endParaRPr>
           </a:p>
           <a:p>
-            <a:pPr indent="0" lvl="0" marL="0" rtl="0" algn="r">
-              <a:spcBef>
-                <a:spcPts val="0"/>
-              </a:spcBef>
-              <a:spcAft>
-                <a:spcPts val="0"/>
-              </a:spcAft>
-              <a:buNone/>
-            </a:pPr>
-            <a:r>
-              <a:t/>
-            </a:r>
+            <a:pPr marL="0" lvl="0" indent="0" algn="r" rtl="0">
+              <a:spcBef>
+                <a:spcPts val="0"/>
+              </a:spcBef>
+              <a:spcAft>
+                <a:spcPts val="0"/>
+              </a:spcAft>
+              <a:buNone/>
+            </a:pPr>
             <a:endParaRPr sz="1000">
               <a:solidFill>
                 <a:schemeClr val="dk1"/>
@@ -14513,11 +14550,18 @@
   <p:clrMapOvr>
     <a:masterClrMapping/>
   </p:clrMapOvr>
+  <p:timing>
+    <p:tnLst>
+      <p:par>
+        <p:cTn id="1" dur="indefinite" restart="never" nodeType="tmRoot"/>
+      </p:par>
+    </p:tnLst>
+  </p:timing>
 </p:sld>
 </file>
 
 <file path=ppt/theme/theme1.xml><?xml version="1.0" encoding="utf-8"?>
-<a:theme xmlns:a="http://schemas.openxmlformats.org/drawingml/2006/main" xmlns:r="http://schemas.openxmlformats.org/officeDocument/2006/relationships" name="Simple Light">
+<a:theme xmlns:a="http://schemas.openxmlformats.org/drawingml/2006/main" name="Simple Light">
   <a:themeElements>
     <a:clrScheme name="Simple Light">
       <a:dk1>
@@ -14792,11 +14836,13 @@
       </a:bgFillStyleLst>
     </a:fmtScheme>
   </a:themeElements>
+  <a:objectDefaults/>
+  <a:extraClrSchemeLst/>
 </a:theme>
 </file>
 
 <file path=ppt/theme/theme2.xml><?xml version="1.0" encoding="utf-8"?>
-<a:theme xmlns:a="http://schemas.openxmlformats.org/drawingml/2006/main" xmlns:r="http://schemas.openxmlformats.org/officeDocument/2006/relationships">
+<a:theme xmlns:a="http://schemas.openxmlformats.org/drawingml/2006/main">
   <a:themeElements>
     <a:clrScheme name="Default">
       <a:dk1>
@@ -15071,5 +15117,7 @@
       </a:bgFillStyleLst>
     </a:fmtScheme>
   </a:themeElements>
+  <a:objectDefaults/>
+  <a:extraClrSchemeLst/>
 </a:theme>
 </file>